--- a/HW#1_Nhom - KDL/Cường/PowerPoint Presentation.pptx
+++ b/HW#1_Nhom - KDL/Cường/PowerPoint Presentation.pptx
@@ -8,13 +8,14 @@
     <p:sldId id="256" r:id="rId2"/>
     <p:sldId id="264" r:id="rId3"/>
     <p:sldId id="257" r:id="rId4"/>
-    <p:sldId id="258" r:id="rId5"/>
-    <p:sldId id="261" r:id="rId6"/>
-    <p:sldId id="259" r:id="rId7"/>
-    <p:sldId id="260" r:id="rId8"/>
-    <p:sldId id="262" r:id="rId9"/>
-    <p:sldId id="265" r:id="rId10"/>
-    <p:sldId id="263" r:id="rId11"/>
+    <p:sldId id="266" r:id="rId5"/>
+    <p:sldId id="258" r:id="rId6"/>
+    <p:sldId id="261" r:id="rId7"/>
+    <p:sldId id="259" r:id="rId8"/>
+    <p:sldId id="260" r:id="rId9"/>
+    <p:sldId id="262" r:id="rId10"/>
+    <p:sldId id="265" r:id="rId11"/>
+    <p:sldId id="263" r:id="rId12"/>
   </p:sldIdLst>
   <p:sldSz cx="12192000" cy="6858000"/>
   <p:notesSz cx="6858000" cy="9144000"/>
@@ -362,7 +363,7 @@
           <a:p>
             <a:fld id="{3A64E0A4-E44A-4646-B9E4-C0C2B5E16121}" type="datetimeFigureOut">
               <a:rPr lang="en-GB" smtClean="0"/>
-              <a:t>17/09/2021</a:t>
+              <a:t>18/09/2021</a:t>
             </a:fld>
             <a:endParaRPr lang="en-GB"/>
           </a:p>
@@ -562,7 +563,7 @@
           <a:p>
             <a:fld id="{3A64E0A4-E44A-4646-B9E4-C0C2B5E16121}" type="datetimeFigureOut">
               <a:rPr lang="en-GB" smtClean="0"/>
-              <a:t>17/09/2021</a:t>
+              <a:t>18/09/2021</a:t>
             </a:fld>
             <a:endParaRPr lang="en-GB"/>
           </a:p>
@@ -772,7 +773,7 @@
           <a:p>
             <a:fld id="{3A64E0A4-E44A-4646-B9E4-C0C2B5E16121}" type="datetimeFigureOut">
               <a:rPr lang="en-GB" smtClean="0"/>
-              <a:t>17/09/2021</a:t>
+              <a:t>18/09/2021</a:t>
             </a:fld>
             <a:endParaRPr lang="en-GB"/>
           </a:p>
@@ -972,7 +973,7 @@
           <a:p>
             <a:fld id="{3A64E0A4-E44A-4646-B9E4-C0C2B5E16121}" type="datetimeFigureOut">
               <a:rPr lang="en-GB" smtClean="0"/>
-              <a:t>17/09/2021</a:t>
+              <a:t>18/09/2021</a:t>
             </a:fld>
             <a:endParaRPr lang="en-GB"/>
           </a:p>
@@ -1248,7 +1249,7 @@
           <a:p>
             <a:fld id="{3A64E0A4-E44A-4646-B9E4-C0C2B5E16121}" type="datetimeFigureOut">
               <a:rPr lang="en-GB" smtClean="0"/>
-              <a:t>17/09/2021</a:t>
+              <a:t>18/09/2021</a:t>
             </a:fld>
             <a:endParaRPr lang="en-GB"/>
           </a:p>
@@ -1516,7 +1517,7 @@
           <a:p>
             <a:fld id="{3A64E0A4-E44A-4646-B9E4-C0C2B5E16121}" type="datetimeFigureOut">
               <a:rPr lang="en-GB" smtClean="0"/>
-              <a:t>17/09/2021</a:t>
+              <a:t>18/09/2021</a:t>
             </a:fld>
             <a:endParaRPr lang="en-GB"/>
           </a:p>
@@ -1931,7 +1932,7 @@
           <a:p>
             <a:fld id="{3A64E0A4-E44A-4646-B9E4-C0C2B5E16121}" type="datetimeFigureOut">
               <a:rPr lang="en-GB" smtClean="0"/>
-              <a:t>17/09/2021</a:t>
+              <a:t>18/09/2021</a:t>
             </a:fld>
             <a:endParaRPr lang="en-GB"/>
           </a:p>
@@ -2073,7 +2074,7 @@
           <a:p>
             <a:fld id="{3A64E0A4-E44A-4646-B9E4-C0C2B5E16121}" type="datetimeFigureOut">
               <a:rPr lang="en-GB" smtClean="0"/>
-              <a:t>17/09/2021</a:t>
+              <a:t>18/09/2021</a:t>
             </a:fld>
             <a:endParaRPr lang="en-GB"/>
           </a:p>
@@ -2186,7 +2187,7 @@
           <a:p>
             <a:fld id="{3A64E0A4-E44A-4646-B9E4-C0C2B5E16121}" type="datetimeFigureOut">
               <a:rPr lang="en-GB" smtClean="0"/>
-              <a:t>17/09/2021</a:t>
+              <a:t>18/09/2021</a:t>
             </a:fld>
             <a:endParaRPr lang="en-GB"/>
           </a:p>
@@ -2499,7 +2500,7 @@
           <a:p>
             <a:fld id="{3A64E0A4-E44A-4646-B9E4-C0C2B5E16121}" type="datetimeFigureOut">
               <a:rPr lang="en-GB" smtClean="0"/>
-              <a:t>17/09/2021</a:t>
+              <a:t>18/09/2021</a:t>
             </a:fld>
             <a:endParaRPr lang="en-GB"/>
           </a:p>
@@ -2788,7 +2789,7 @@
           <a:p>
             <a:fld id="{3A64E0A4-E44A-4646-B9E4-C0C2B5E16121}" type="datetimeFigureOut">
               <a:rPr lang="en-GB" smtClean="0"/>
-              <a:t>17/09/2021</a:t>
+              <a:t>18/09/2021</a:t>
             </a:fld>
             <a:endParaRPr lang="en-GB"/>
           </a:p>
@@ -3031,7 +3032,7 @@
           <a:p>
             <a:fld id="{3A64E0A4-E44A-4646-B9E4-C0C2B5E16121}" type="datetimeFigureOut">
               <a:rPr lang="en-GB" smtClean="0"/>
-              <a:t>17/09/2021</a:t>
+              <a:t>18/09/2021</a:t>
             </a:fld>
             <a:endParaRPr lang="en-GB"/>
           </a:p>
@@ -4065,6 +4066,989 @@
         <p:spPr>
           <a:xfrm>
             <a:off x="457200" y="574137"/>
+            <a:ext cx="7904922" cy="833874"/>
+          </a:xfrm>
+          <a:prstGeom prst="rect">
+            <a:avLst/>
+          </a:prstGeom>
+          <a:solidFill>
+            <a:srgbClr val="262B37"/>
+          </a:solidFill>
+          <a:ln>
+            <a:noFill/>
+          </a:ln>
+        </p:spPr>
+        <p:style>
+          <a:lnRef idx="2">
+            <a:schemeClr val="accent6"/>
+          </a:lnRef>
+          <a:fillRef idx="1">
+            <a:schemeClr val="lt1"/>
+          </a:fillRef>
+          <a:effectRef idx="0">
+            <a:schemeClr val="accent6"/>
+          </a:effectRef>
+          <a:fontRef idx="minor">
+            <a:schemeClr val="dk1"/>
+          </a:fontRef>
+        </p:style>
+        <p:txBody>
+          <a:bodyPr rtlCol="0" anchor="ctr"/>
+          <a:lstStyle/>
+          <a:p>
+            <a:pPr algn="ctr"/>
+            <a:endParaRPr lang="en-GB" dirty="0"/>
+          </a:p>
+        </p:txBody>
+      </p:sp>
+      <p:sp>
+        <p:nvSpPr>
+          <p:cNvPr id="4" name="Rectangle 3">
+            <a:extLst>
+              <a:ext uri="{FF2B5EF4-FFF2-40B4-BE49-F238E27FC236}">
+                <a16:creationId xmlns:a16="http://schemas.microsoft.com/office/drawing/2014/main" id="{617D35BE-C27E-40A4-857B-361EE8D877E5}"/>
+              </a:ext>
+            </a:extLst>
+          </p:cNvPr>
+          <p:cNvSpPr/>
+          <p:nvPr/>
+        </p:nvSpPr>
+        <p:spPr>
+          <a:xfrm>
+            <a:off x="0" y="579760"/>
+            <a:ext cx="278296" cy="165661"/>
+          </a:xfrm>
+          <a:prstGeom prst="rect">
+            <a:avLst/>
+          </a:prstGeom>
+          <a:ln>
+            <a:noFill/>
+          </a:ln>
+        </p:spPr>
+        <p:style>
+          <a:lnRef idx="2">
+            <a:schemeClr val="accent6"/>
+          </a:lnRef>
+          <a:fillRef idx="1">
+            <a:schemeClr val="lt1"/>
+          </a:fillRef>
+          <a:effectRef idx="0">
+            <a:schemeClr val="accent6"/>
+          </a:effectRef>
+          <a:fontRef idx="minor">
+            <a:schemeClr val="dk1"/>
+          </a:fontRef>
+        </p:style>
+        <p:txBody>
+          <a:bodyPr rtlCol="0" anchor="ctr"/>
+          <a:lstStyle/>
+          <a:p>
+            <a:pPr algn="ctr"/>
+            <a:endParaRPr lang="en-GB"/>
+          </a:p>
+        </p:txBody>
+      </p:sp>
+      <p:sp>
+        <p:nvSpPr>
+          <p:cNvPr id="5" name="Rectangle 4">
+            <a:extLst>
+              <a:ext uri="{FF2B5EF4-FFF2-40B4-BE49-F238E27FC236}">
+                <a16:creationId xmlns:a16="http://schemas.microsoft.com/office/drawing/2014/main" id="{D5D83B02-3079-46B9-A40F-24BB4E2CA614}"/>
+              </a:ext>
+            </a:extLst>
+          </p:cNvPr>
+          <p:cNvSpPr/>
+          <p:nvPr/>
+        </p:nvSpPr>
+        <p:spPr>
+          <a:xfrm>
+            <a:off x="0" y="913332"/>
+            <a:ext cx="278296" cy="165661"/>
+          </a:xfrm>
+          <a:prstGeom prst="rect">
+            <a:avLst/>
+          </a:prstGeom>
+          <a:ln>
+            <a:noFill/>
+          </a:ln>
+        </p:spPr>
+        <p:style>
+          <a:lnRef idx="2">
+            <a:schemeClr val="accent6"/>
+          </a:lnRef>
+          <a:fillRef idx="1">
+            <a:schemeClr val="lt1"/>
+          </a:fillRef>
+          <a:effectRef idx="0">
+            <a:schemeClr val="accent6"/>
+          </a:effectRef>
+          <a:fontRef idx="minor">
+            <a:schemeClr val="dk1"/>
+          </a:fontRef>
+        </p:style>
+        <p:txBody>
+          <a:bodyPr rtlCol="0" anchor="ctr"/>
+          <a:lstStyle/>
+          <a:p>
+            <a:pPr algn="ctr"/>
+            <a:endParaRPr lang="en-GB"/>
+          </a:p>
+        </p:txBody>
+      </p:sp>
+      <p:sp>
+        <p:nvSpPr>
+          <p:cNvPr id="6" name="Rectangle 5">
+            <a:extLst>
+              <a:ext uri="{FF2B5EF4-FFF2-40B4-BE49-F238E27FC236}">
+                <a16:creationId xmlns:a16="http://schemas.microsoft.com/office/drawing/2014/main" id="{D8BC9169-0B70-475C-9366-0353E4F10D6B}"/>
+              </a:ext>
+            </a:extLst>
+          </p:cNvPr>
+          <p:cNvSpPr/>
+          <p:nvPr/>
+        </p:nvSpPr>
+        <p:spPr>
+          <a:xfrm>
+            <a:off x="0" y="1242350"/>
+            <a:ext cx="278296" cy="165661"/>
+          </a:xfrm>
+          <a:prstGeom prst="rect">
+            <a:avLst/>
+          </a:prstGeom>
+          <a:ln>
+            <a:noFill/>
+          </a:ln>
+        </p:spPr>
+        <p:style>
+          <a:lnRef idx="2">
+            <a:schemeClr val="accent6"/>
+          </a:lnRef>
+          <a:fillRef idx="1">
+            <a:schemeClr val="lt1"/>
+          </a:fillRef>
+          <a:effectRef idx="0">
+            <a:schemeClr val="accent6"/>
+          </a:effectRef>
+          <a:fontRef idx="minor">
+            <a:schemeClr val="dk1"/>
+          </a:fontRef>
+        </p:style>
+        <p:txBody>
+          <a:bodyPr rtlCol="0" anchor="ctr"/>
+          <a:lstStyle/>
+          <a:p>
+            <a:pPr algn="ctr"/>
+            <a:endParaRPr lang="en-GB"/>
+          </a:p>
+        </p:txBody>
+      </p:sp>
+      <p:sp>
+        <p:nvSpPr>
+          <p:cNvPr id="12" name="Rectangle 11">
+            <a:extLst>
+              <a:ext uri="{FF2B5EF4-FFF2-40B4-BE49-F238E27FC236}">
+                <a16:creationId xmlns:a16="http://schemas.microsoft.com/office/drawing/2014/main" id="{B1A87F49-2A66-4EFE-A467-C1D52068C701}"/>
+              </a:ext>
+            </a:extLst>
+          </p:cNvPr>
+          <p:cNvSpPr/>
+          <p:nvPr/>
+        </p:nvSpPr>
+        <p:spPr>
+          <a:xfrm>
+            <a:off x="816295" y="443255"/>
+            <a:ext cx="10559410" cy="1095638"/>
+          </a:xfrm>
+          <a:prstGeom prst="rect">
+            <a:avLst/>
+          </a:prstGeom>
+          <a:noFill/>
+          <a:ln>
+            <a:noFill/>
+          </a:ln>
+        </p:spPr>
+        <p:style>
+          <a:lnRef idx="2">
+            <a:schemeClr val="accent1">
+              <a:shade val="50000"/>
+            </a:schemeClr>
+          </a:lnRef>
+          <a:fillRef idx="1">
+            <a:schemeClr val="accent1"/>
+          </a:fillRef>
+          <a:effectRef idx="0">
+            <a:schemeClr val="accent1"/>
+          </a:effectRef>
+          <a:fontRef idx="minor">
+            <a:schemeClr val="lt1"/>
+          </a:fontRef>
+        </p:style>
+        <p:txBody>
+          <a:bodyPr rtlCol="0" anchor="ctr"/>
+          <a:lstStyle/>
+          <a:p>
+            <a:r>
+              <a:rPr lang="vi-VN" sz="3200" dirty="0" err="1">
+                <a:solidFill>
+                  <a:srgbClr val="E4E6EB"/>
+                </a:solidFill>
+              </a:rPr>
+              <a:t>Một</a:t>
+            </a:r>
+            <a:r>
+              <a:rPr lang="vi-VN" sz="3200" dirty="0">
+                <a:solidFill>
+                  <a:srgbClr val="E4E6EB"/>
+                </a:solidFill>
+              </a:rPr>
+              <a:t> </a:t>
+            </a:r>
+            <a:r>
+              <a:rPr lang="vi-VN" sz="3200" dirty="0" err="1">
+                <a:solidFill>
+                  <a:srgbClr val="E4E6EB"/>
+                </a:solidFill>
+              </a:rPr>
+              <a:t>số</a:t>
+            </a:r>
+            <a:r>
+              <a:rPr lang="vi-VN" sz="3200" dirty="0">
+                <a:solidFill>
+                  <a:srgbClr val="E4E6EB"/>
+                </a:solidFill>
+              </a:rPr>
+              <a:t> thanh </a:t>
+            </a:r>
+            <a:r>
+              <a:rPr lang="vi-VN" sz="3200" dirty="0" err="1">
+                <a:solidFill>
+                  <a:srgbClr val="E4E6EB"/>
+                </a:solidFill>
+              </a:rPr>
+              <a:t>phần</a:t>
+            </a:r>
+            <a:r>
+              <a:rPr lang="vi-VN" sz="3200" dirty="0">
+                <a:solidFill>
+                  <a:srgbClr val="E4E6EB"/>
+                </a:solidFill>
+              </a:rPr>
+              <a:t> </a:t>
+            </a:r>
+            <a:r>
+              <a:rPr lang="vi-VN" sz="3200" dirty="0" err="1">
+                <a:solidFill>
+                  <a:srgbClr val="E4E6EB"/>
+                </a:solidFill>
+              </a:rPr>
+              <a:t>của</a:t>
+            </a:r>
+            <a:r>
+              <a:rPr lang="vi-VN" sz="3200" dirty="0">
+                <a:solidFill>
+                  <a:srgbClr val="E4E6EB"/>
+                </a:solidFill>
+              </a:rPr>
+              <a:t> </a:t>
+            </a:r>
+            <a:r>
+              <a:rPr lang="vi-VN" sz="3200" dirty="0" err="1">
+                <a:solidFill>
+                  <a:srgbClr val="E4E6EB"/>
+                </a:solidFill>
+              </a:rPr>
+              <a:t>Data</a:t>
+            </a:r>
+            <a:r>
+              <a:rPr lang="vi-VN" sz="3200" dirty="0">
+                <a:solidFill>
+                  <a:srgbClr val="E4E6EB"/>
+                </a:solidFill>
+              </a:rPr>
+              <a:t> </a:t>
+            </a:r>
+            <a:r>
+              <a:rPr lang="vi-VN" sz="3200" dirty="0" err="1">
+                <a:solidFill>
+                  <a:srgbClr val="E4E6EB"/>
+                </a:solidFill>
+              </a:rPr>
+              <a:t>Warehouse</a:t>
+            </a:r>
+            <a:endParaRPr lang="en-GB" sz="3200" dirty="0"/>
+          </a:p>
+        </p:txBody>
+      </p:sp>
+      <p:sp>
+        <p:nvSpPr>
+          <p:cNvPr id="16" name="Rectangle 15">
+            <a:extLst>
+              <a:ext uri="{FF2B5EF4-FFF2-40B4-BE49-F238E27FC236}">
+                <a16:creationId xmlns:a16="http://schemas.microsoft.com/office/drawing/2014/main" id="{026CC253-BF18-4E8D-BD8C-83C6B152CC4D}"/>
+              </a:ext>
+            </a:extLst>
+          </p:cNvPr>
+          <p:cNvSpPr/>
+          <p:nvPr/>
+        </p:nvSpPr>
+        <p:spPr>
+          <a:xfrm>
+            <a:off x="1881806" y="1738015"/>
+            <a:ext cx="9689911" cy="666220"/>
+          </a:xfrm>
+          <a:prstGeom prst="rect">
+            <a:avLst/>
+          </a:prstGeom>
+          <a:noFill/>
+          <a:ln>
+            <a:noFill/>
+          </a:ln>
+        </p:spPr>
+        <p:style>
+          <a:lnRef idx="2">
+            <a:schemeClr val="accent1">
+              <a:shade val="50000"/>
+            </a:schemeClr>
+          </a:lnRef>
+          <a:fillRef idx="1">
+            <a:schemeClr val="accent1"/>
+          </a:fillRef>
+          <a:effectRef idx="0">
+            <a:schemeClr val="accent1"/>
+          </a:effectRef>
+          <a:fontRef idx="minor">
+            <a:schemeClr val="lt1"/>
+          </a:fontRef>
+        </p:style>
+        <p:txBody>
+          <a:bodyPr rtlCol="0" anchor="ctr"/>
+          <a:lstStyle/>
+          <a:p>
+            <a:pPr marL="0" marR="0">
+              <a:spcBef>
+                <a:spcPts val="0"/>
+              </a:spcBef>
+              <a:spcAft>
+                <a:spcPts val="0"/>
+              </a:spcAft>
+            </a:pPr>
+            <a:r>
+              <a:rPr lang="vi-VN" sz="2800" dirty="0" err="1">
+                <a:solidFill>
+                  <a:srgbClr val="262B37"/>
+                </a:solidFill>
+                <a:effectLst/>
+                <a:ea typeface="Calibri" panose="020F0502020204030204" pitchFamily="34" charset="0"/>
+                <a:cs typeface="Times New Roman" panose="02020603050405020304" pitchFamily="18" charset="0"/>
+              </a:rPr>
+              <a:t>Data</a:t>
+            </a:r>
+            <a:r>
+              <a:rPr lang="vi-VN" sz="2800" dirty="0">
+                <a:solidFill>
+                  <a:srgbClr val="262B37"/>
+                </a:solidFill>
+                <a:effectLst/>
+                <a:ea typeface="Calibri" panose="020F0502020204030204" pitchFamily="34" charset="0"/>
+                <a:cs typeface="Times New Roman" panose="02020603050405020304" pitchFamily="18" charset="0"/>
+              </a:rPr>
+              <a:t> </a:t>
+            </a:r>
+            <a:r>
+              <a:rPr lang="vi-VN" sz="2800" dirty="0" err="1">
+                <a:solidFill>
+                  <a:srgbClr val="262B37"/>
+                </a:solidFill>
+                <a:effectLst/>
+                <a:ea typeface="Calibri" panose="020F0502020204030204" pitchFamily="34" charset="0"/>
+                <a:cs typeface="Times New Roman" panose="02020603050405020304" pitchFamily="18" charset="0"/>
+              </a:rPr>
+              <a:t>Warehouse</a:t>
+            </a:r>
+            <a:r>
+              <a:rPr lang="vi-VN" sz="2800" dirty="0">
+                <a:solidFill>
+                  <a:srgbClr val="262B37"/>
+                </a:solidFill>
+                <a:effectLst/>
+                <a:ea typeface="Calibri" panose="020F0502020204030204" pitchFamily="34" charset="0"/>
+                <a:cs typeface="Times New Roman" panose="02020603050405020304" pitchFamily="18" charset="0"/>
+              </a:rPr>
+              <a:t> </a:t>
+            </a:r>
+            <a:r>
+              <a:rPr lang="vi-VN" sz="2800" dirty="0" err="1">
+                <a:solidFill>
+                  <a:srgbClr val="262B37"/>
+                </a:solidFill>
+                <a:effectLst/>
+                <a:ea typeface="Calibri" panose="020F0502020204030204" pitchFamily="34" charset="0"/>
+                <a:cs typeface="Times New Roman" panose="02020603050405020304" pitchFamily="18" charset="0"/>
+              </a:rPr>
+              <a:t>Database</a:t>
+            </a:r>
+            <a:endParaRPr lang="en-GB" sz="2800" dirty="0">
+              <a:solidFill>
+                <a:srgbClr val="262B37"/>
+              </a:solidFill>
+              <a:effectLst/>
+              <a:ea typeface="Calibri" panose="020F0502020204030204" pitchFamily="34" charset="0"/>
+              <a:cs typeface="Times New Roman" panose="02020603050405020304" pitchFamily="18" charset="0"/>
+            </a:endParaRPr>
+          </a:p>
+        </p:txBody>
+      </p:sp>
+      <p:sp>
+        <p:nvSpPr>
+          <p:cNvPr id="17" name="Rectangle 16">
+            <a:extLst>
+              <a:ext uri="{FF2B5EF4-FFF2-40B4-BE49-F238E27FC236}">
+                <a16:creationId xmlns:a16="http://schemas.microsoft.com/office/drawing/2014/main" id="{0608DABA-79FE-4F78-86E4-EF3766975994}"/>
+              </a:ext>
+            </a:extLst>
+          </p:cNvPr>
+          <p:cNvSpPr/>
+          <p:nvPr/>
+        </p:nvSpPr>
+        <p:spPr>
+          <a:xfrm>
+            <a:off x="1881805" y="2529864"/>
+            <a:ext cx="9689911" cy="666220"/>
+          </a:xfrm>
+          <a:prstGeom prst="rect">
+            <a:avLst/>
+          </a:prstGeom>
+          <a:noFill/>
+          <a:ln>
+            <a:noFill/>
+          </a:ln>
+        </p:spPr>
+        <p:style>
+          <a:lnRef idx="2">
+            <a:schemeClr val="accent1">
+              <a:shade val="50000"/>
+            </a:schemeClr>
+          </a:lnRef>
+          <a:fillRef idx="1">
+            <a:schemeClr val="accent1"/>
+          </a:fillRef>
+          <a:effectRef idx="0">
+            <a:schemeClr val="accent1"/>
+          </a:effectRef>
+          <a:fontRef idx="minor">
+            <a:schemeClr val="lt1"/>
+          </a:fontRef>
+        </p:style>
+        <p:txBody>
+          <a:bodyPr rtlCol="0" anchor="ctr"/>
+          <a:lstStyle/>
+          <a:p>
+            <a:pPr marL="0" marR="0">
+              <a:spcBef>
+                <a:spcPts val="0"/>
+              </a:spcBef>
+              <a:spcAft>
+                <a:spcPts val="0"/>
+              </a:spcAft>
+            </a:pPr>
+            <a:r>
+              <a:rPr lang="vi-VN" sz="2800" dirty="0">
+                <a:solidFill>
+                  <a:srgbClr val="262B37"/>
+                </a:solidFill>
+                <a:ea typeface="Calibri" panose="020F0502020204030204" pitchFamily="34" charset="0"/>
+                <a:cs typeface="Times New Roman" panose="02020603050405020304" pitchFamily="18" charset="0"/>
+              </a:rPr>
+              <a:t>ETL </a:t>
+            </a:r>
+            <a:r>
+              <a:rPr lang="vi-VN" sz="2800" dirty="0" err="1">
+                <a:solidFill>
+                  <a:srgbClr val="262B37"/>
+                </a:solidFill>
+                <a:ea typeface="Calibri" panose="020F0502020204030204" pitchFamily="34" charset="0"/>
+                <a:cs typeface="Times New Roman" panose="02020603050405020304" pitchFamily="18" charset="0"/>
+              </a:rPr>
+              <a:t>Tools</a:t>
+            </a:r>
+            <a:endParaRPr lang="en-GB" sz="2800" dirty="0">
+              <a:solidFill>
+                <a:srgbClr val="262B37"/>
+              </a:solidFill>
+              <a:effectLst/>
+              <a:ea typeface="Calibri" panose="020F0502020204030204" pitchFamily="34" charset="0"/>
+              <a:cs typeface="Times New Roman" panose="02020603050405020304" pitchFamily="18" charset="0"/>
+            </a:endParaRPr>
+          </a:p>
+        </p:txBody>
+      </p:sp>
+      <p:sp>
+        <p:nvSpPr>
+          <p:cNvPr id="18" name="Rectangle 17">
+            <a:extLst>
+              <a:ext uri="{FF2B5EF4-FFF2-40B4-BE49-F238E27FC236}">
+                <a16:creationId xmlns:a16="http://schemas.microsoft.com/office/drawing/2014/main" id="{D22C87DD-278D-42B7-861A-C0A26706EE0B}"/>
+              </a:ext>
+            </a:extLst>
+          </p:cNvPr>
+          <p:cNvSpPr/>
+          <p:nvPr/>
+        </p:nvSpPr>
+        <p:spPr>
+          <a:xfrm>
+            <a:off x="1881804" y="3321713"/>
+            <a:ext cx="9689911" cy="666220"/>
+          </a:xfrm>
+          <a:prstGeom prst="rect">
+            <a:avLst/>
+          </a:prstGeom>
+          <a:noFill/>
+          <a:ln>
+            <a:noFill/>
+          </a:ln>
+        </p:spPr>
+        <p:style>
+          <a:lnRef idx="2">
+            <a:schemeClr val="accent1">
+              <a:shade val="50000"/>
+            </a:schemeClr>
+          </a:lnRef>
+          <a:fillRef idx="1">
+            <a:schemeClr val="accent1"/>
+          </a:fillRef>
+          <a:effectRef idx="0">
+            <a:schemeClr val="accent1"/>
+          </a:effectRef>
+          <a:fontRef idx="minor">
+            <a:schemeClr val="lt1"/>
+          </a:fontRef>
+        </p:style>
+        <p:txBody>
+          <a:bodyPr rtlCol="0" anchor="ctr"/>
+          <a:lstStyle/>
+          <a:p>
+            <a:pPr marL="0" marR="0">
+              <a:spcBef>
+                <a:spcPts val="0"/>
+              </a:spcBef>
+              <a:spcAft>
+                <a:spcPts val="0"/>
+              </a:spcAft>
+            </a:pPr>
+            <a:r>
+              <a:rPr lang="vi-VN" sz="2800" dirty="0" err="1">
+                <a:solidFill>
+                  <a:srgbClr val="262B37"/>
+                </a:solidFill>
+                <a:effectLst/>
+                <a:ea typeface="Calibri" panose="020F0502020204030204" pitchFamily="34" charset="0"/>
+                <a:cs typeface="Times New Roman" panose="02020603050405020304" pitchFamily="18" charset="0"/>
+              </a:rPr>
+              <a:t>Metadata</a:t>
+            </a:r>
+            <a:endParaRPr lang="en-GB" sz="2800" dirty="0">
+              <a:solidFill>
+                <a:srgbClr val="262B37"/>
+              </a:solidFill>
+              <a:effectLst/>
+              <a:ea typeface="Calibri" panose="020F0502020204030204" pitchFamily="34" charset="0"/>
+              <a:cs typeface="Times New Roman" panose="02020603050405020304" pitchFamily="18" charset="0"/>
+            </a:endParaRPr>
+          </a:p>
+        </p:txBody>
+      </p:sp>
+      <p:sp>
+        <p:nvSpPr>
+          <p:cNvPr id="19" name="Rectangle 18">
+            <a:extLst>
+              <a:ext uri="{FF2B5EF4-FFF2-40B4-BE49-F238E27FC236}">
+                <a16:creationId xmlns:a16="http://schemas.microsoft.com/office/drawing/2014/main" id="{44F279E0-C5E6-496F-9FC0-F77C1DE83A95}"/>
+              </a:ext>
+            </a:extLst>
+          </p:cNvPr>
+          <p:cNvSpPr/>
+          <p:nvPr/>
+        </p:nvSpPr>
+        <p:spPr>
+          <a:xfrm>
+            <a:off x="1881803" y="4905411"/>
+            <a:ext cx="9689911" cy="666220"/>
+          </a:xfrm>
+          <a:prstGeom prst="rect">
+            <a:avLst/>
+          </a:prstGeom>
+          <a:noFill/>
+          <a:ln>
+            <a:noFill/>
+          </a:ln>
+        </p:spPr>
+        <p:style>
+          <a:lnRef idx="2">
+            <a:schemeClr val="accent1">
+              <a:shade val="50000"/>
+            </a:schemeClr>
+          </a:lnRef>
+          <a:fillRef idx="1">
+            <a:schemeClr val="accent1"/>
+          </a:fillRef>
+          <a:effectRef idx="0">
+            <a:schemeClr val="accent1"/>
+          </a:effectRef>
+          <a:fontRef idx="minor">
+            <a:schemeClr val="lt1"/>
+          </a:fontRef>
+        </p:style>
+        <p:txBody>
+          <a:bodyPr rtlCol="0" anchor="ctr"/>
+          <a:lstStyle/>
+          <a:p>
+            <a:pPr marL="0" marR="0">
+              <a:spcBef>
+                <a:spcPts val="0"/>
+              </a:spcBef>
+              <a:spcAft>
+                <a:spcPts val="0"/>
+              </a:spcAft>
+            </a:pPr>
+            <a:r>
+              <a:rPr lang="vi-VN" sz="2800" dirty="0" err="1">
+                <a:solidFill>
+                  <a:srgbClr val="262B37"/>
+                </a:solidFill>
+                <a:ea typeface="Calibri" panose="020F0502020204030204" pitchFamily="34" charset="0"/>
+                <a:cs typeface="Times New Roman" panose="02020603050405020304" pitchFamily="18" charset="0"/>
+              </a:rPr>
+              <a:t>Kiến</a:t>
+            </a:r>
+            <a:r>
+              <a:rPr lang="vi-VN" sz="2800" dirty="0">
+                <a:solidFill>
+                  <a:srgbClr val="262B37"/>
+                </a:solidFill>
+                <a:ea typeface="Calibri" panose="020F0502020204030204" pitchFamily="34" charset="0"/>
+                <a:cs typeface="Times New Roman" panose="02020603050405020304" pitchFamily="18" charset="0"/>
+              </a:rPr>
+              <a:t> </a:t>
+            </a:r>
+            <a:r>
+              <a:rPr lang="vi-VN" sz="2800" dirty="0" err="1">
+                <a:solidFill>
+                  <a:srgbClr val="262B37"/>
+                </a:solidFill>
+                <a:ea typeface="Calibri" panose="020F0502020204030204" pitchFamily="34" charset="0"/>
+                <a:cs typeface="Times New Roman" panose="02020603050405020304" pitchFamily="18" charset="0"/>
+              </a:rPr>
+              <a:t>trúc</a:t>
+            </a:r>
+            <a:r>
+              <a:rPr lang="vi-VN" sz="2800" dirty="0">
+                <a:solidFill>
+                  <a:srgbClr val="262B37"/>
+                </a:solidFill>
+                <a:ea typeface="Calibri" panose="020F0502020204030204" pitchFamily="34" charset="0"/>
+                <a:cs typeface="Times New Roman" panose="02020603050405020304" pitchFamily="18" charset="0"/>
+              </a:rPr>
+              <a:t> </a:t>
+            </a:r>
+            <a:r>
+              <a:rPr lang="vi-VN" sz="2800" dirty="0" err="1">
+                <a:solidFill>
+                  <a:srgbClr val="262B37"/>
+                </a:solidFill>
+                <a:ea typeface="Calibri" panose="020F0502020204030204" pitchFamily="34" charset="0"/>
+                <a:cs typeface="Times New Roman" panose="02020603050405020304" pitchFamily="18" charset="0"/>
+              </a:rPr>
+              <a:t>Data</a:t>
+            </a:r>
+            <a:r>
+              <a:rPr lang="vi-VN" sz="2800" dirty="0">
+                <a:solidFill>
+                  <a:srgbClr val="262B37"/>
+                </a:solidFill>
+                <a:ea typeface="Calibri" panose="020F0502020204030204" pitchFamily="34" charset="0"/>
+                <a:cs typeface="Times New Roman" panose="02020603050405020304" pitchFamily="18" charset="0"/>
+              </a:rPr>
+              <a:t> </a:t>
+            </a:r>
+            <a:r>
+              <a:rPr lang="vi-VN" sz="2800" dirty="0" err="1">
+                <a:solidFill>
+                  <a:srgbClr val="262B37"/>
+                </a:solidFill>
+                <a:ea typeface="Calibri" panose="020F0502020204030204" pitchFamily="34" charset="0"/>
+                <a:cs typeface="Times New Roman" panose="02020603050405020304" pitchFamily="18" charset="0"/>
+              </a:rPr>
+              <a:t>Warehouse</a:t>
+            </a:r>
+            <a:r>
+              <a:rPr lang="vi-VN" sz="2800" dirty="0">
+                <a:solidFill>
+                  <a:srgbClr val="262B37"/>
+                </a:solidFill>
+                <a:ea typeface="Calibri" panose="020F0502020204030204" pitchFamily="34" charset="0"/>
+                <a:cs typeface="Times New Roman" panose="02020603050405020304" pitchFamily="18" charset="0"/>
+              </a:rPr>
+              <a:t> </a:t>
+            </a:r>
+            <a:r>
+              <a:rPr lang="vi-VN" sz="2800" dirty="0" err="1">
+                <a:solidFill>
+                  <a:srgbClr val="262B37"/>
+                </a:solidFill>
+                <a:ea typeface="Calibri" panose="020F0502020204030204" pitchFamily="34" charset="0"/>
+                <a:cs typeface="Times New Roman" panose="02020603050405020304" pitchFamily="18" charset="0"/>
+              </a:rPr>
+              <a:t>Bus</a:t>
+            </a:r>
+            <a:endParaRPr lang="en-GB" sz="2800" dirty="0">
+              <a:solidFill>
+                <a:srgbClr val="262B37"/>
+              </a:solidFill>
+              <a:effectLst/>
+              <a:ea typeface="Calibri" panose="020F0502020204030204" pitchFamily="34" charset="0"/>
+              <a:cs typeface="Times New Roman" panose="02020603050405020304" pitchFamily="18" charset="0"/>
+            </a:endParaRPr>
+          </a:p>
+        </p:txBody>
+      </p:sp>
+      <p:sp>
+        <p:nvSpPr>
+          <p:cNvPr id="46" name="Rectangle 45">
+            <a:extLst>
+              <a:ext uri="{FF2B5EF4-FFF2-40B4-BE49-F238E27FC236}">
+                <a16:creationId xmlns:a16="http://schemas.microsoft.com/office/drawing/2014/main" id="{951DC991-235D-4FAD-95B7-4866BE57C6C0}"/>
+              </a:ext>
+            </a:extLst>
+          </p:cNvPr>
+          <p:cNvSpPr/>
+          <p:nvPr/>
+        </p:nvSpPr>
+        <p:spPr>
+          <a:xfrm>
+            <a:off x="1881803" y="4119619"/>
+            <a:ext cx="9689911" cy="666220"/>
+          </a:xfrm>
+          <a:prstGeom prst="rect">
+            <a:avLst/>
+          </a:prstGeom>
+          <a:noFill/>
+          <a:ln>
+            <a:noFill/>
+          </a:ln>
+        </p:spPr>
+        <p:style>
+          <a:lnRef idx="2">
+            <a:schemeClr val="accent1">
+              <a:shade val="50000"/>
+            </a:schemeClr>
+          </a:lnRef>
+          <a:fillRef idx="1">
+            <a:schemeClr val="accent1"/>
+          </a:fillRef>
+          <a:effectRef idx="0">
+            <a:schemeClr val="accent1"/>
+          </a:effectRef>
+          <a:fontRef idx="minor">
+            <a:schemeClr val="lt1"/>
+          </a:fontRef>
+        </p:style>
+        <p:txBody>
+          <a:bodyPr rtlCol="0" anchor="ctr"/>
+          <a:lstStyle/>
+          <a:p>
+            <a:pPr marL="0" marR="0">
+              <a:spcBef>
+                <a:spcPts val="0"/>
+              </a:spcBef>
+              <a:spcAft>
+                <a:spcPts val="0"/>
+              </a:spcAft>
+            </a:pPr>
+            <a:r>
+              <a:rPr lang="vi-VN" sz="2800" dirty="0">
+                <a:solidFill>
+                  <a:srgbClr val="262B37"/>
+                </a:solidFill>
+                <a:ea typeface="Calibri" panose="020F0502020204030204" pitchFamily="34" charset="0"/>
+                <a:cs typeface="Times New Roman" panose="02020603050405020304" pitchFamily="18" charset="0"/>
+              </a:rPr>
+              <a:t>Công </a:t>
+            </a:r>
+            <a:r>
+              <a:rPr lang="vi-VN" sz="2800" dirty="0" err="1">
+                <a:solidFill>
+                  <a:srgbClr val="262B37"/>
+                </a:solidFill>
+                <a:ea typeface="Calibri" panose="020F0502020204030204" pitchFamily="34" charset="0"/>
+                <a:cs typeface="Times New Roman" panose="02020603050405020304" pitchFamily="18" charset="0"/>
+              </a:rPr>
+              <a:t>cụ</a:t>
+            </a:r>
+            <a:r>
+              <a:rPr lang="vi-VN" sz="2800" dirty="0">
+                <a:solidFill>
+                  <a:srgbClr val="262B37"/>
+                </a:solidFill>
+                <a:ea typeface="Calibri" panose="020F0502020204030204" pitchFamily="34" charset="0"/>
+                <a:cs typeface="Times New Roman" panose="02020603050405020304" pitchFamily="18" charset="0"/>
+              </a:rPr>
+              <a:t> truy </a:t>
+            </a:r>
+            <a:r>
+              <a:rPr lang="vi-VN" sz="2800" dirty="0" err="1">
+                <a:solidFill>
+                  <a:srgbClr val="262B37"/>
+                </a:solidFill>
+                <a:ea typeface="Calibri" panose="020F0502020204030204" pitchFamily="34" charset="0"/>
+                <a:cs typeface="Times New Roman" panose="02020603050405020304" pitchFamily="18" charset="0"/>
+              </a:rPr>
+              <a:t>vấn</a:t>
+            </a:r>
+            <a:endParaRPr lang="en-GB" sz="2800" dirty="0">
+              <a:solidFill>
+                <a:srgbClr val="262B37"/>
+              </a:solidFill>
+              <a:effectLst/>
+              <a:ea typeface="Calibri" panose="020F0502020204030204" pitchFamily="34" charset="0"/>
+              <a:cs typeface="Times New Roman" panose="02020603050405020304" pitchFamily="18" charset="0"/>
+            </a:endParaRPr>
+          </a:p>
+        </p:txBody>
+      </p:sp>
+      <p:pic>
+        <p:nvPicPr>
+          <p:cNvPr id="20" name="Picture 19" descr="ata Warehouse Architecture">
+            <a:extLst>
+              <a:ext uri="{FF2B5EF4-FFF2-40B4-BE49-F238E27FC236}">
+                <a16:creationId xmlns:a16="http://schemas.microsoft.com/office/drawing/2014/main" id="{CE5EFB83-8154-4DB7-BF1B-A6B0484A1FFF}"/>
+              </a:ext>
+            </a:extLst>
+          </p:cNvPr>
+          <p:cNvPicPr/>
+          <p:nvPr/>
+        </p:nvPicPr>
+        <p:blipFill>
+          <a:blip r:embed="rId2">
+            <a:extLst>
+              <a:ext uri="{28A0092B-C50C-407E-A947-70E740481C1C}">
+                <a14:useLocalDpi xmlns:a14="http://schemas.microsoft.com/office/drawing/2010/main" val="0"/>
+              </a:ext>
+            </a:extLst>
+          </a:blip>
+          <a:srcRect/>
+          <a:stretch>
+            <a:fillRect/>
+          </a:stretch>
+        </p:blipFill>
+        <p:spPr bwMode="auto">
+          <a:xfrm>
+            <a:off x="1590257" y="1550007"/>
+            <a:ext cx="8719933" cy="4875852"/>
+          </a:xfrm>
+          <a:prstGeom prst="rect">
+            <a:avLst/>
+          </a:prstGeom>
+          <a:noFill/>
+          <a:ln>
+            <a:noFill/>
+          </a:ln>
+        </p:spPr>
+      </p:pic>
+    </p:spTree>
+    <p:extLst>
+      <p:ext uri="{BB962C8B-B14F-4D97-AF65-F5344CB8AC3E}">
+        <p14:creationId xmlns:p14="http://schemas.microsoft.com/office/powerpoint/2010/main" val="543234304"/>
+      </p:ext>
+    </p:extLst>
+  </p:cSld>
+  <p:clrMapOvr>
+    <a:masterClrMapping/>
+  </p:clrMapOvr>
+</p:sld>
+</file>
+
+<file path=ppt/slides/slide11.xml><?xml version="1.0" encoding="utf-8"?>
+<p:sld xmlns:a="http://schemas.openxmlformats.org/drawingml/2006/main" xmlns:r="http://schemas.openxmlformats.org/officeDocument/2006/relationships" xmlns:p="http://schemas.openxmlformats.org/presentationml/2006/main">
+  <p:cSld>
+    <p:spTree>
+      <p:nvGrpSpPr>
+        <p:cNvPr id="1" name=""/>
+        <p:cNvGrpSpPr/>
+        <p:nvPr/>
+      </p:nvGrpSpPr>
+      <p:grpSpPr>
+        <a:xfrm>
+          <a:off x="0" y="0"/>
+          <a:ext cx="0" cy="0"/>
+          <a:chOff x="0" y="0"/>
+          <a:chExt cx="0" cy="0"/>
+        </a:xfrm>
+      </p:grpSpPr>
+      <p:sp>
+        <p:nvSpPr>
+          <p:cNvPr id="2" name="Rectangle 1">
+            <a:extLst>
+              <a:ext uri="{FF2B5EF4-FFF2-40B4-BE49-F238E27FC236}">
+                <a16:creationId xmlns:a16="http://schemas.microsoft.com/office/drawing/2014/main" id="{1D42E555-756E-42B7-9E6C-0173229FAA73}"/>
+              </a:ext>
+            </a:extLst>
+          </p:cNvPr>
+          <p:cNvSpPr/>
+          <p:nvPr/>
+        </p:nvSpPr>
+        <p:spPr>
+          <a:xfrm>
+            <a:off x="1" y="0"/>
+            <a:ext cx="914399" cy="6858000"/>
+          </a:xfrm>
+          <a:prstGeom prst="rect">
+            <a:avLst/>
+          </a:prstGeom>
+          <a:solidFill>
+            <a:srgbClr val="FEAE1F"/>
+          </a:solidFill>
+          <a:ln>
+            <a:noFill/>
+          </a:ln>
+        </p:spPr>
+        <p:style>
+          <a:lnRef idx="2">
+            <a:schemeClr val="accent6"/>
+          </a:lnRef>
+          <a:fillRef idx="1">
+            <a:schemeClr val="lt1"/>
+          </a:fillRef>
+          <a:effectRef idx="0">
+            <a:schemeClr val="accent6"/>
+          </a:effectRef>
+          <a:fontRef idx="minor">
+            <a:schemeClr val="dk1"/>
+          </a:fontRef>
+        </p:style>
+        <p:txBody>
+          <a:bodyPr rtlCol="0" anchor="ctr"/>
+          <a:lstStyle/>
+          <a:p>
+            <a:pPr algn="ctr"/>
+            <a:endParaRPr lang="en-GB"/>
+          </a:p>
+        </p:txBody>
+      </p:sp>
+      <p:sp>
+        <p:nvSpPr>
+          <p:cNvPr id="3" name="Rectangle 2">
+            <a:extLst>
+              <a:ext uri="{FF2B5EF4-FFF2-40B4-BE49-F238E27FC236}">
+                <a16:creationId xmlns:a16="http://schemas.microsoft.com/office/drawing/2014/main" id="{2BF35773-5832-4296-B03C-252130638DC7}"/>
+              </a:ext>
+            </a:extLst>
+          </p:cNvPr>
+          <p:cNvSpPr/>
+          <p:nvPr/>
+        </p:nvSpPr>
+        <p:spPr>
+          <a:xfrm>
+            <a:off x="457200" y="574137"/>
             <a:ext cx="7586870" cy="833874"/>
           </a:xfrm>
           <a:prstGeom prst="rect">
@@ -6339,8 +7323,8 @@
         </p:blipFill>
         <p:spPr bwMode="auto">
           <a:xfrm>
-            <a:off x="7487475" y="1777432"/>
-            <a:ext cx="4878367" cy="4047238"/>
+            <a:off x="7487475" y="1921656"/>
+            <a:ext cx="4704525" cy="3903014"/>
           </a:xfrm>
           <a:prstGeom prst="rect">
             <a:avLst/>
@@ -7601,7 +8585,7 @@
         <p:spPr>
           <a:xfrm>
             <a:off x="457200" y="574137"/>
-            <a:ext cx="7586870" cy="833874"/>
+            <a:ext cx="7600121" cy="833874"/>
           </a:xfrm>
           <a:prstGeom prst="rect">
             <a:avLst/>
@@ -7779,156 +8763,6 @@
       </p:sp>
       <p:sp>
         <p:nvSpPr>
-          <p:cNvPr id="8" name="Rectangle 7">
-            <a:extLst>
-              <a:ext uri="{FF2B5EF4-FFF2-40B4-BE49-F238E27FC236}">
-                <a16:creationId xmlns:a16="http://schemas.microsoft.com/office/drawing/2014/main" id="{FAAAF4AD-0780-4F1C-8553-9C5E2E3CC025}"/>
-              </a:ext>
-            </a:extLst>
-          </p:cNvPr>
-          <p:cNvSpPr/>
-          <p:nvPr/>
-        </p:nvSpPr>
-        <p:spPr>
-          <a:xfrm>
-            <a:off x="1351720" y="1942391"/>
-            <a:ext cx="238539" cy="257469"/>
-          </a:xfrm>
-          <a:prstGeom prst="rect">
-            <a:avLst/>
-          </a:prstGeom>
-          <a:solidFill>
-            <a:srgbClr val="262B37"/>
-          </a:solidFill>
-          <a:ln>
-            <a:noFill/>
-          </a:ln>
-        </p:spPr>
-        <p:style>
-          <a:lnRef idx="2">
-            <a:schemeClr val="accent6"/>
-          </a:lnRef>
-          <a:fillRef idx="1">
-            <a:schemeClr val="lt1"/>
-          </a:fillRef>
-          <a:effectRef idx="0">
-            <a:schemeClr val="accent6"/>
-          </a:effectRef>
-          <a:fontRef idx="minor">
-            <a:schemeClr val="dk1"/>
-          </a:fontRef>
-        </p:style>
-        <p:txBody>
-          <a:bodyPr rtlCol="0" anchor="ctr"/>
-          <a:lstStyle/>
-          <a:p>
-            <a:pPr algn="ctr"/>
-            <a:endParaRPr lang="en-GB" dirty="0"/>
-          </a:p>
-        </p:txBody>
-      </p:sp>
-      <p:sp>
-        <p:nvSpPr>
-          <p:cNvPr id="9" name="Rectangle 8">
-            <a:extLst>
-              <a:ext uri="{FF2B5EF4-FFF2-40B4-BE49-F238E27FC236}">
-                <a16:creationId xmlns:a16="http://schemas.microsoft.com/office/drawing/2014/main" id="{E3A8D1E9-E18C-452F-9924-D78CEBB9AD8B}"/>
-              </a:ext>
-            </a:extLst>
-          </p:cNvPr>
-          <p:cNvSpPr/>
-          <p:nvPr/>
-        </p:nvSpPr>
-        <p:spPr>
-          <a:xfrm>
-            <a:off x="1351720" y="2734240"/>
-            <a:ext cx="238539" cy="257469"/>
-          </a:xfrm>
-          <a:prstGeom prst="rect">
-            <a:avLst/>
-          </a:prstGeom>
-          <a:solidFill>
-            <a:srgbClr val="262B37"/>
-          </a:solidFill>
-          <a:ln>
-            <a:noFill/>
-          </a:ln>
-        </p:spPr>
-        <p:style>
-          <a:lnRef idx="2">
-            <a:schemeClr val="accent6"/>
-          </a:lnRef>
-          <a:fillRef idx="1">
-            <a:schemeClr val="lt1"/>
-          </a:fillRef>
-          <a:effectRef idx="0">
-            <a:schemeClr val="accent6"/>
-          </a:effectRef>
-          <a:fontRef idx="minor">
-            <a:schemeClr val="dk1"/>
-          </a:fontRef>
-        </p:style>
-        <p:txBody>
-          <a:bodyPr rtlCol="0" anchor="ctr"/>
-          <a:lstStyle/>
-          <a:p>
-            <a:pPr algn="ctr"/>
-            <a:endParaRPr lang="en-GB" dirty="0"/>
-          </a:p>
-        </p:txBody>
-      </p:sp>
-      <p:sp>
-        <p:nvSpPr>
-          <p:cNvPr id="10" name="Rectangle 9">
-            <a:extLst>
-              <a:ext uri="{FF2B5EF4-FFF2-40B4-BE49-F238E27FC236}">
-                <a16:creationId xmlns:a16="http://schemas.microsoft.com/office/drawing/2014/main" id="{A9574A33-FA7E-43E4-B0F4-1F5C9833DE1A}"/>
-              </a:ext>
-            </a:extLst>
-          </p:cNvPr>
-          <p:cNvSpPr/>
-          <p:nvPr/>
-        </p:nvSpPr>
-        <p:spPr>
-          <a:xfrm>
-            <a:off x="1351719" y="3526089"/>
-            <a:ext cx="238539" cy="257469"/>
-          </a:xfrm>
-          <a:prstGeom prst="rect">
-            <a:avLst/>
-          </a:prstGeom>
-          <a:solidFill>
-            <a:srgbClr val="262B37"/>
-          </a:solidFill>
-          <a:ln>
-            <a:noFill/>
-          </a:ln>
-        </p:spPr>
-        <p:style>
-          <a:lnRef idx="2">
-            <a:schemeClr val="accent6"/>
-          </a:lnRef>
-          <a:fillRef idx="1">
-            <a:schemeClr val="lt1"/>
-          </a:fillRef>
-          <a:effectRef idx="0">
-            <a:schemeClr val="accent6"/>
-          </a:effectRef>
-          <a:fontRef idx="minor">
-            <a:schemeClr val="dk1"/>
-          </a:fontRef>
-        </p:style>
-        <p:txBody>
-          <a:bodyPr rtlCol="0" anchor="ctr"/>
-          <a:lstStyle/>
-          <a:p>
-            <a:pPr algn="ctr"/>
-            <a:endParaRPr lang="en-GB" dirty="0"/>
-          </a:p>
-        </p:txBody>
-      </p:sp>
-      <p:sp>
-        <p:nvSpPr>
           <p:cNvPr id="12" name="Rectangle 11">
             <a:extLst>
               <a:ext uri="{FF2B5EF4-FFF2-40B4-BE49-F238E27FC236}">
@@ -7942,7 +8776,7 @@
         <p:spPr>
           <a:xfrm>
             <a:off x="816295" y="443255"/>
-            <a:ext cx="10559410" cy="1095638"/>
+            <a:ext cx="7241026" cy="1095638"/>
           </a:xfrm>
           <a:prstGeom prst="rect">
             <a:avLst/>
@@ -7978,7 +8812,7 @@
                   <a:srgbClr val="E4E6EB"/>
                 </a:solidFill>
               </a:rPr>
-              <a:t>Một</a:t>
+              <a:t>Data</a:t>
             </a:r>
             <a:r>
               <a:rPr lang="vi-VN" sz="3200" dirty="0">
@@ -7994,7 +8828,7 @@
                   <a:srgbClr val="E4E6EB"/>
                 </a:solidFill>
               </a:rPr>
-              <a:t>số</a:t>
+              <a:t>Warehouse</a:t>
             </a:r>
             <a:r>
               <a:rPr lang="vi-VN" sz="3200" dirty="0">
@@ -8010,7 +8844,7 @@
                   <a:srgbClr val="E4E6EB"/>
                 </a:solidFill>
               </a:rPr>
-              <a:t>đặc</a:t>
+              <a:t>và</a:t>
             </a:r>
             <a:r>
               <a:rPr lang="vi-VN" sz="3200" dirty="0">
@@ -8026,7 +8860,7 @@
                   <a:srgbClr val="E4E6EB"/>
                 </a:solidFill>
               </a:rPr>
-              <a:t>điểm</a:t>
+              <a:t>Data</a:t>
             </a:r>
             <a:r>
               <a:rPr lang="vi-VN" sz="3200" dirty="0">
@@ -8042,39 +8876,7 @@
                   <a:srgbClr val="E4E6EB"/>
                 </a:solidFill>
               </a:rPr>
-              <a:t>của</a:t>
-            </a:r>
-            <a:r>
-              <a:rPr lang="vi-VN" sz="3200" dirty="0">
-                <a:solidFill>
-                  <a:srgbClr val="E4E6EB"/>
-                </a:solidFill>
-              </a:rPr>
-              <a:t> </a:t>
-            </a:r>
-            <a:r>
-              <a:rPr lang="vi-VN" sz="3200" dirty="0" err="1">
-                <a:solidFill>
-                  <a:srgbClr val="E4E6EB"/>
-                </a:solidFill>
-              </a:rPr>
-              <a:t>Data</a:t>
-            </a:r>
-            <a:r>
-              <a:rPr lang="vi-VN" sz="3200" dirty="0">
-                <a:solidFill>
-                  <a:srgbClr val="E4E6EB"/>
-                </a:solidFill>
-              </a:rPr>
-              <a:t> </a:t>
-            </a:r>
-            <a:r>
-              <a:rPr lang="vi-VN" sz="3200" dirty="0" err="1">
-                <a:solidFill>
-                  <a:srgbClr val="E4E6EB"/>
-                </a:solidFill>
-              </a:rPr>
-              <a:t>Warehouse</a:t>
+              <a:t>Warehousing</a:t>
             </a:r>
             <a:endParaRPr lang="en-GB" sz="3200" dirty="0"/>
           </a:p>
@@ -8085,7 +8887,7 @@
           <p:cNvPr id="13" name="Rectangle 12">
             <a:extLst>
               <a:ext uri="{FF2B5EF4-FFF2-40B4-BE49-F238E27FC236}">
-                <a16:creationId xmlns:a16="http://schemas.microsoft.com/office/drawing/2014/main" id="{0041AF72-A6E0-4AF5-B8DD-8B32CD4923DB}"/>
+                <a16:creationId xmlns:a16="http://schemas.microsoft.com/office/drawing/2014/main" id="{697C772E-678D-41EE-85E3-3532259A3886}"/>
               </a:ext>
             </a:extLst>
           </p:cNvPr>
@@ -8094,65 +8896,19 @@
         </p:nvSpPr>
         <p:spPr>
           <a:xfrm>
-            <a:off x="1351718" y="4317938"/>
-            <a:ext cx="238539" cy="257469"/>
+            <a:off x="6374296" y="1881809"/>
+            <a:ext cx="79513" cy="4280452"/>
           </a:xfrm>
           <a:prstGeom prst="rect">
             <a:avLst/>
           </a:prstGeom>
           <a:solidFill>
-            <a:srgbClr val="262B37"/>
+            <a:schemeClr val="accent4"/>
           </a:solidFill>
           <a:ln>
-            <a:noFill/>
-          </a:ln>
-        </p:spPr>
-        <p:style>
-          <a:lnRef idx="2">
-            <a:schemeClr val="accent6"/>
-          </a:lnRef>
-          <a:fillRef idx="1">
-            <a:schemeClr val="lt1"/>
-          </a:fillRef>
-          <a:effectRef idx="0">
-            <a:schemeClr val="accent6"/>
-          </a:effectRef>
-          <a:fontRef idx="minor">
-            <a:schemeClr val="dk1"/>
-          </a:fontRef>
-        </p:style>
-        <p:txBody>
-          <a:bodyPr rtlCol="0" anchor="ctr"/>
-          <a:lstStyle/>
-          <a:p>
-            <a:pPr algn="ctr"/>
-            <a:endParaRPr lang="en-GB" dirty="0"/>
-          </a:p>
-        </p:txBody>
-      </p:sp>
-      <p:sp>
-        <p:nvSpPr>
-          <p:cNvPr id="16" name="Rectangle 15">
-            <a:extLst>
-              <a:ext uri="{FF2B5EF4-FFF2-40B4-BE49-F238E27FC236}">
-                <a16:creationId xmlns:a16="http://schemas.microsoft.com/office/drawing/2014/main" id="{026CC253-BF18-4E8D-BD8C-83C6B152CC4D}"/>
-              </a:ext>
-            </a:extLst>
-          </p:cNvPr>
-          <p:cNvSpPr/>
-          <p:nvPr/>
-        </p:nvSpPr>
-        <p:spPr>
-          <a:xfrm>
-            <a:off x="1881806" y="1738015"/>
-            <a:ext cx="9689911" cy="666220"/>
-          </a:xfrm>
-          <a:prstGeom prst="rect">
-            <a:avLst/>
-          </a:prstGeom>
-          <a:noFill/>
-          <a:ln>
-            <a:noFill/>
+            <a:solidFill>
+              <a:schemeClr val="accent4"/>
+            </a:solidFill>
           </a:ln>
         </p:spPr>
         <p:style>
@@ -8175,479 +8931,782 @@
           <a:bodyPr rtlCol="0" anchor="ctr"/>
           <a:lstStyle/>
           <a:p>
-            <a:pPr marL="0" marR="0">
-              <a:spcBef>
-                <a:spcPts val="0"/>
-              </a:spcBef>
-              <a:spcAft>
-                <a:spcPts val="0"/>
-              </a:spcAft>
-            </a:pPr>
-            <a:r>
-              <a:rPr lang="vi-VN" sz="2800" dirty="0" err="1">
-                <a:solidFill>
-                  <a:srgbClr val="262B37"/>
-                </a:solidFill>
-                <a:ea typeface="Calibri" panose="020F0502020204030204" pitchFamily="34" charset="0"/>
-                <a:cs typeface="Times New Roman" panose="02020603050405020304" pitchFamily="18" charset="0"/>
-              </a:rPr>
-              <a:t>Hướng</a:t>
-            </a:r>
-            <a:r>
-              <a:rPr lang="vi-VN" sz="2800" dirty="0">
-                <a:solidFill>
-                  <a:srgbClr val="262B37"/>
-                </a:solidFill>
-                <a:ea typeface="Calibri" panose="020F0502020204030204" pitchFamily="34" charset="0"/>
-                <a:cs typeface="Times New Roman" panose="02020603050405020304" pitchFamily="18" charset="0"/>
-              </a:rPr>
-              <a:t> </a:t>
-            </a:r>
-            <a:r>
-              <a:rPr lang="vi-VN" sz="2800" dirty="0" err="1">
-                <a:solidFill>
-                  <a:srgbClr val="262B37"/>
-                </a:solidFill>
-                <a:ea typeface="Calibri" panose="020F0502020204030204" pitchFamily="34" charset="0"/>
-                <a:cs typeface="Times New Roman" panose="02020603050405020304" pitchFamily="18" charset="0"/>
-              </a:rPr>
-              <a:t>chủ</a:t>
-            </a:r>
-            <a:r>
-              <a:rPr lang="vi-VN" sz="2800" dirty="0">
-                <a:solidFill>
-                  <a:srgbClr val="262B37"/>
-                </a:solidFill>
-                <a:ea typeface="Calibri" panose="020F0502020204030204" pitchFamily="34" charset="0"/>
-                <a:cs typeface="Times New Roman" panose="02020603050405020304" pitchFamily="18" charset="0"/>
-              </a:rPr>
-              <a:t> </a:t>
-            </a:r>
-            <a:r>
-              <a:rPr lang="vi-VN" sz="2800" dirty="0" err="1">
-                <a:solidFill>
-                  <a:srgbClr val="262B37"/>
-                </a:solidFill>
-                <a:ea typeface="Calibri" panose="020F0502020204030204" pitchFamily="34" charset="0"/>
-                <a:cs typeface="Times New Roman" panose="02020603050405020304" pitchFamily="18" charset="0"/>
-              </a:rPr>
-              <a:t>thể</a:t>
-            </a:r>
-            <a:r>
-              <a:rPr lang="vi-VN" sz="2800" dirty="0">
-                <a:solidFill>
-                  <a:srgbClr val="262B37"/>
-                </a:solidFill>
-                <a:ea typeface="Calibri" panose="020F0502020204030204" pitchFamily="34" charset="0"/>
-                <a:cs typeface="Times New Roman" panose="02020603050405020304" pitchFamily="18" charset="0"/>
-              </a:rPr>
-              <a:t> (</a:t>
-            </a:r>
-            <a:r>
-              <a:rPr lang="vi-VN" sz="2800" dirty="0" err="1">
-                <a:solidFill>
-                  <a:srgbClr val="262B37"/>
-                </a:solidFill>
-                <a:ea typeface="Calibri" panose="020F0502020204030204" pitchFamily="34" charset="0"/>
-                <a:cs typeface="Times New Roman" panose="02020603050405020304" pitchFamily="18" charset="0"/>
-              </a:rPr>
-              <a:t>Subject-Oriented</a:t>
-            </a:r>
-            <a:r>
-              <a:rPr lang="vi-VN" sz="2800" dirty="0">
-                <a:solidFill>
-                  <a:srgbClr val="262B37"/>
-                </a:solidFill>
-                <a:ea typeface="Calibri" panose="020F0502020204030204" pitchFamily="34" charset="0"/>
-                <a:cs typeface="Times New Roman" panose="02020603050405020304" pitchFamily="18" charset="0"/>
-              </a:rPr>
-              <a:t>)</a:t>
-            </a:r>
-            <a:endParaRPr lang="en-GB" sz="2800" dirty="0">
-              <a:solidFill>
-                <a:srgbClr val="262B37"/>
-              </a:solidFill>
-              <a:effectLst/>
-              <a:ea typeface="Calibri" panose="020F0502020204030204" pitchFamily="34" charset="0"/>
-              <a:cs typeface="Times New Roman" panose="02020603050405020304" pitchFamily="18" charset="0"/>
-            </a:endParaRPr>
-          </a:p>
-        </p:txBody>
-      </p:sp>
-      <p:sp>
-        <p:nvSpPr>
-          <p:cNvPr id="17" name="Rectangle 16">
-            <a:extLst>
-              <a:ext uri="{FF2B5EF4-FFF2-40B4-BE49-F238E27FC236}">
-                <a16:creationId xmlns:a16="http://schemas.microsoft.com/office/drawing/2014/main" id="{0608DABA-79FE-4F78-86E4-EF3766975994}"/>
-              </a:ext>
-            </a:extLst>
-          </p:cNvPr>
-          <p:cNvSpPr/>
+            <a:pPr algn="ctr"/>
+            <a:endParaRPr lang="vi-VN"/>
+          </a:p>
+        </p:txBody>
+      </p:sp>
+      <p:sp>
+        <p:nvSpPr>
+          <p:cNvPr id="17" name="TextBox 16">
+            <a:extLst>
+              <a:ext uri="{FF2B5EF4-FFF2-40B4-BE49-F238E27FC236}">
+                <a16:creationId xmlns:a16="http://schemas.microsoft.com/office/drawing/2014/main" id="{2237C31A-920D-4B81-AE42-E822A910396C}"/>
+              </a:ext>
+            </a:extLst>
+          </p:cNvPr>
+          <p:cNvSpPr txBox="1"/>
           <p:nvPr/>
         </p:nvSpPr>
         <p:spPr>
           <a:xfrm>
-            <a:off x="1881805" y="2529864"/>
-            <a:ext cx="9689911" cy="666220"/>
+            <a:off x="1557130" y="2213113"/>
+            <a:ext cx="4174435" cy="3170099"/>
           </a:xfrm>
           <a:prstGeom prst="rect">
             <a:avLst/>
           </a:prstGeom>
           <a:noFill/>
-          <a:ln>
-            <a:noFill/>
-          </a:ln>
-        </p:spPr>
-        <p:style>
-          <a:lnRef idx="2">
-            <a:schemeClr val="accent1">
-              <a:shade val="50000"/>
-            </a:schemeClr>
-          </a:lnRef>
-          <a:fillRef idx="1">
-            <a:schemeClr val="accent1"/>
-          </a:fillRef>
-          <a:effectRef idx="0">
-            <a:schemeClr val="accent1"/>
-          </a:effectRef>
-          <a:fontRef idx="minor">
-            <a:schemeClr val="lt1"/>
-          </a:fontRef>
-        </p:style>
-        <p:txBody>
-          <a:bodyPr rtlCol="0" anchor="ctr"/>
-          <a:lstStyle/>
-          <a:p>
-            <a:pPr marL="0" marR="0">
-              <a:spcBef>
-                <a:spcPts val="0"/>
-              </a:spcBef>
-              <a:spcAft>
-                <a:spcPts val="0"/>
-              </a:spcAft>
+        </p:spPr>
+        <p:txBody>
+          <a:bodyPr wrap="square" rtlCol="0">
+            <a:spAutoFit/>
+          </a:bodyPr>
+          <a:lstStyle/>
+          <a:p>
+            <a:pPr marL="342900" indent="-342900" algn="just">
+              <a:buFont typeface="Arial" panose="020B0604020202020204" pitchFamily="34" charset="0"/>
+              <a:buChar char="•"/>
             </a:pPr>
             <a:r>
-              <a:rPr lang="vi-VN" sz="2800" dirty="0" err="1">
-                <a:solidFill>
-                  <a:srgbClr val="262B37"/>
-                </a:solidFill>
-                <a:ea typeface="Calibri" panose="020F0502020204030204" pitchFamily="34" charset="0"/>
-                <a:cs typeface="Times New Roman" panose="02020603050405020304" pitchFamily="18" charset="0"/>
-              </a:rPr>
-              <a:t>Tích</a:t>
-            </a:r>
-            <a:r>
-              <a:rPr lang="vi-VN" sz="2800" dirty="0">
-                <a:solidFill>
-                  <a:srgbClr val="262B37"/>
-                </a:solidFill>
-                <a:ea typeface="Calibri" panose="020F0502020204030204" pitchFamily="34" charset="0"/>
-                <a:cs typeface="Times New Roman" panose="02020603050405020304" pitchFamily="18" charset="0"/>
-              </a:rPr>
-              <a:t> </a:t>
-            </a:r>
-            <a:r>
-              <a:rPr lang="vi-VN" sz="2800" dirty="0" err="1">
-                <a:solidFill>
-                  <a:srgbClr val="262B37"/>
-                </a:solidFill>
-                <a:ea typeface="Calibri" panose="020F0502020204030204" pitchFamily="34" charset="0"/>
-                <a:cs typeface="Times New Roman" panose="02020603050405020304" pitchFamily="18" charset="0"/>
-              </a:rPr>
+              <a:rPr lang="vi-VN" sz="2000" dirty="0" err="1"/>
+              <a:t>Data</a:t>
+            </a:r>
+            <a:r>
+              <a:rPr lang="vi-VN" sz="2000" dirty="0"/>
+              <a:t> </a:t>
+            </a:r>
+            <a:r>
+              <a:rPr lang="vi-VN" sz="2000" dirty="0" err="1"/>
+              <a:t>warehouse</a:t>
+            </a:r>
+            <a:r>
+              <a:rPr lang="vi-VN" sz="2000" dirty="0"/>
+              <a:t> bao </a:t>
+            </a:r>
+            <a:r>
+              <a:rPr lang="vi-VN" sz="2000" dirty="0" err="1"/>
+              <a:t>gồm</a:t>
+            </a:r>
+            <a:r>
+              <a:rPr lang="vi-VN" sz="2000" dirty="0"/>
+              <a:t> </a:t>
+            </a:r>
+            <a:r>
+              <a:rPr lang="vi-VN" sz="2000" dirty="0" err="1"/>
+              <a:t>một</a:t>
+            </a:r>
+            <a:r>
+              <a:rPr lang="vi-VN" sz="2000" dirty="0"/>
+              <a:t> </a:t>
+            </a:r>
+            <a:r>
+              <a:rPr lang="vi-VN" sz="2000" dirty="0" err="1"/>
+              <a:t>kiến</a:t>
+            </a:r>
+            <a:r>
+              <a:rPr lang="vi-VN" sz="2000" dirty="0"/>
+              <a:t> ​​</a:t>
+            </a:r>
+            <a:r>
+              <a:rPr lang="vi-VN" sz="2000" dirty="0" err="1"/>
+              <a:t>trúc</a:t>
+            </a:r>
+            <a:r>
+              <a:rPr lang="vi-VN" sz="2000" dirty="0"/>
+              <a:t> </a:t>
+            </a:r>
+            <a:r>
+              <a:rPr lang="vi-VN" sz="2000" dirty="0" err="1"/>
+              <a:t>và</a:t>
+            </a:r>
+            <a:r>
+              <a:rPr lang="vi-VN" sz="2000" dirty="0"/>
+              <a:t> quy </a:t>
+            </a:r>
+            <a:r>
+              <a:rPr lang="vi-VN" sz="2000" dirty="0" err="1"/>
+              <a:t>trình</a:t>
+            </a:r>
+            <a:r>
+              <a:rPr lang="vi-VN" sz="2000" dirty="0"/>
+              <a:t> </a:t>
+            </a:r>
+            <a:r>
+              <a:rPr lang="vi-VN" sz="2000" dirty="0" err="1"/>
+              <a:t>hoàn</a:t>
+            </a:r>
+            <a:r>
+              <a:rPr lang="vi-VN" sz="2000" dirty="0"/>
+              <a:t> </a:t>
+            </a:r>
+            <a:r>
+              <a:rPr lang="vi-VN" sz="2000" dirty="0" err="1"/>
+              <a:t>chỉnh</a:t>
+            </a:r>
+            <a:r>
+              <a:rPr lang="vi-VN" sz="2000" dirty="0"/>
+              <a:t> (</a:t>
+            </a:r>
+            <a:r>
+              <a:rPr lang="vi-VN" sz="2000" dirty="0" err="1"/>
+              <a:t>quá</a:t>
+            </a:r>
+            <a:r>
+              <a:rPr lang="vi-VN" sz="2000" dirty="0"/>
+              <a:t> </a:t>
+            </a:r>
+            <a:r>
+              <a:rPr lang="vi-VN" sz="2000" dirty="0" err="1"/>
+              <a:t>trình</a:t>
+            </a:r>
+            <a:r>
+              <a:rPr lang="vi-VN" sz="2000" dirty="0"/>
+              <a:t> </a:t>
+            </a:r>
+            <a:r>
+              <a:rPr lang="vi-VN" sz="2000" dirty="0" err="1"/>
+              <a:t>thiết</a:t>
+            </a:r>
+            <a:r>
+              <a:rPr lang="vi-VN" sz="2000" dirty="0"/>
+              <a:t> </a:t>
+            </a:r>
+            <a:r>
+              <a:rPr lang="vi-VN" sz="2000" dirty="0" err="1"/>
+              <a:t>kế</a:t>
+            </a:r>
+            <a:r>
+              <a:rPr lang="vi-VN" sz="2000" dirty="0"/>
+              <a:t> DWH/cơ </a:t>
+            </a:r>
+            <a:r>
+              <a:rPr lang="vi-VN" sz="2000" dirty="0" err="1"/>
+              <a:t>sở</a:t>
+            </a:r>
+            <a:r>
+              <a:rPr lang="vi-VN" sz="2000" dirty="0"/>
+              <a:t> </a:t>
+            </a:r>
+            <a:r>
+              <a:rPr lang="vi-VN" sz="2000" dirty="0" err="1"/>
+              <a:t>dữ</a:t>
+            </a:r>
+            <a:r>
+              <a:rPr lang="vi-VN" sz="2000" dirty="0"/>
+              <a:t> </a:t>
+            </a:r>
+            <a:r>
+              <a:rPr lang="vi-VN" sz="2000" dirty="0" err="1"/>
+              <a:t>liệu</a:t>
+            </a:r>
+            <a:r>
+              <a:rPr lang="vi-VN" sz="2000" dirty="0"/>
+              <a:t>, </a:t>
+            </a:r>
+            <a:r>
+              <a:rPr lang="vi-VN" sz="2000" dirty="0" err="1"/>
+              <a:t>quá</a:t>
+            </a:r>
+            <a:r>
+              <a:rPr lang="vi-VN" sz="2000" dirty="0"/>
+              <a:t> </a:t>
+            </a:r>
+            <a:r>
+              <a:rPr lang="vi-VN" sz="2000" dirty="0" err="1"/>
+              <a:t>trình</a:t>
+            </a:r>
+            <a:r>
+              <a:rPr lang="vi-VN" sz="2000" dirty="0"/>
+              <a:t> ETL)</a:t>
+            </a:r>
+          </a:p>
+          <a:p>
+            <a:pPr marL="342900" indent="-342900" algn="just">
+              <a:buFont typeface="Arial" panose="020B0604020202020204" pitchFamily="34" charset="0"/>
+              <a:buChar char="•"/>
+            </a:pPr>
+            <a:r>
+              <a:rPr lang="vi-VN" sz="2000" dirty="0" err="1"/>
+              <a:t>Data</a:t>
+            </a:r>
+            <a:r>
+              <a:rPr lang="vi-VN" sz="2000" dirty="0"/>
+              <a:t> </a:t>
+            </a:r>
+            <a:r>
+              <a:rPr lang="vi-VN" sz="2000" dirty="0" err="1"/>
+              <a:t>warehouse</a:t>
+            </a:r>
+            <a:r>
+              <a:rPr lang="vi-VN" sz="2000" dirty="0"/>
+              <a:t> </a:t>
+            </a:r>
+            <a:r>
+              <a:rPr lang="vi-VN" sz="2000" dirty="0" err="1"/>
+              <a:t>là</a:t>
+            </a:r>
+            <a:r>
+              <a:rPr lang="vi-VN" sz="2000" dirty="0"/>
+              <a:t> </a:t>
+            </a:r>
+            <a:r>
+              <a:rPr lang="vi-VN" sz="2000" dirty="0" err="1"/>
+              <a:t>dữ</a:t>
+            </a:r>
+            <a:r>
+              <a:rPr lang="vi-VN" sz="2000" dirty="0"/>
+              <a:t> </a:t>
+            </a:r>
+            <a:r>
+              <a:rPr lang="vi-VN" sz="2000" dirty="0" err="1"/>
+              <a:t>liệu</a:t>
+            </a:r>
+            <a:r>
+              <a:rPr lang="vi-VN" sz="2000" dirty="0"/>
+              <a:t> </a:t>
+            </a:r>
+            <a:r>
+              <a:rPr lang="vi-VN" sz="2000" dirty="0" err="1"/>
+              <a:t>được</a:t>
+            </a:r>
+            <a:r>
+              <a:rPr lang="vi-VN" sz="2000" dirty="0"/>
+              <a:t> lưu </a:t>
+            </a:r>
+            <a:r>
+              <a:rPr lang="vi-VN" sz="2000" dirty="0" err="1"/>
+              <a:t>trữ</a:t>
+            </a:r>
+            <a:r>
+              <a:rPr lang="vi-VN" sz="2000" dirty="0"/>
+              <a:t> trong cơ </a:t>
+            </a:r>
+            <a:r>
+              <a:rPr lang="vi-VN" sz="2000" dirty="0" err="1"/>
+              <a:t>sở</a:t>
+            </a:r>
+            <a:r>
+              <a:rPr lang="vi-VN" sz="2000" dirty="0"/>
+              <a:t> </a:t>
+            </a:r>
+            <a:r>
+              <a:rPr lang="vi-VN" sz="2000" dirty="0" err="1"/>
+              <a:t>dữ</a:t>
+            </a:r>
+            <a:r>
+              <a:rPr lang="vi-VN" sz="2000" dirty="0"/>
+              <a:t> </a:t>
+            </a:r>
+            <a:r>
+              <a:rPr lang="vi-VN" sz="2000" dirty="0" err="1"/>
+              <a:t>liệu</a:t>
+            </a:r>
+            <a:r>
+              <a:rPr lang="vi-VN" sz="2000" dirty="0"/>
+              <a:t> ở </a:t>
+            </a:r>
+            <a:r>
+              <a:rPr lang="vi-VN" sz="2000" dirty="0" err="1"/>
+              <a:t>dạng</a:t>
+            </a:r>
+            <a:r>
+              <a:rPr lang="vi-VN" sz="2000" dirty="0"/>
+              <a:t> </a:t>
+            </a:r>
+            <a:r>
+              <a:rPr lang="vi-VN" sz="2000" dirty="0" err="1"/>
+              <a:t>thứ</a:t>
+            </a:r>
+            <a:r>
+              <a:rPr lang="vi-VN" sz="2000" dirty="0"/>
+              <a:t> nguyên, </a:t>
+            </a:r>
+            <a:r>
+              <a:rPr lang="vi-VN" sz="2000" dirty="0" err="1"/>
+              <a:t>bảng</a:t>
+            </a:r>
+            <a:r>
+              <a:rPr lang="vi-VN" sz="2000" dirty="0"/>
+              <a:t> </a:t>
+            </a:r>
+            <a:r>
+              <a:rPr lang="vi-VN" sz="2000" dirty="0" err="1"/>
+              <a:t>dữ</a:t>
+            </a:r>
+            <a:r>
+              <a:rPr lang="vi-VN" sz="2000" dirty="0"/>
+              <a:t> </a:t>
+            </a:r>
+            <a:r>
+              <a:rPr lang="vi-VN" sz="2000" dirty="0" err="1"/>
+              <a:t>kiện</a:t>
+            </a:r>
+            <a:r>
+              <a:rPr lang="vi-VN" sz="2000" dirty="0"/>
+              <a:t>, </a:t>
+            </a:r>
+            <a:r>
+              <a:rPr lang="vi-VN" sz="2000" dirty="0" err="1"/>
+              <a:t>bảng</a:t>
+            </a:r>
+            <a:r>
+              <a:rPr lang="vi-VN" sz="2000" dirty="0"/>
+              <a:t> tra </a:t>
+            </a:r>
+            <a:r>
+              <a:rPr lang="vi-VN" sz="2000" dirty="0" err="1"/>
+              <a:t>cứu</a:t>
+            </a:r>
+            <a:r>
+              <a:rPr lang="vi-VN" sz="2000" dirty="0"/>
+              <a:t>, </a:t>
+            </a:r>
+            <a:r>
+              <a:rPr lang="vi-VN" sz="2000" dirty="0" err="1"/>
+              <a:t>bảng</a:t>
+            </a:r>
+            <a:r>
+              <a:rPr lang="vi-VN" sz="2000" dirty="0"/>
+              <a:t> </a:t>
+            </a:r>
+            <a:r>
+              <a:rPr lang="vi-VN" sz="2000" dirty="0" err="1"/>
+              <a:t>dữ</a:t>
+            </a:r>
+            <a:r>
+              <a:rPr lang="vi-VN" sz="2000" dirty="0"/>
+              <a:t> </a:t>
+            </a:r>
+            <a:r>
+              <a:rPr lang="vi-VN" sz="2000" dirty="0" err="1"/>
+              <a:t>kiện</a:t>
+            </a:r>
+            <a:r>
+              <a:rPr lang="vi-VN" sz="2000" dirty="0"/>
+              <a:t> </a:t>
+            </a:r>
+            <a:r>
+              <a:rPr lang="vi-VN" sz="2000" dirty="0" err="1"/>
+              <a:t>tổng</a:t>
+            </a:r>
+            <a:r>
+              <a:rPr lang="vi-VN" sz="2000" dirty="0"/>
+              <a:t> </a:t>
+            </a:r>
+            <a:r>
+              <a:rPr lang="vi-VN" sz="2000" dirty="0" err="1"/>
               <a:t>hợp</a:t>
             </a:r>
-            <a:r>
-              <a:rPr lang="vi-VN" sz="2800" dirty="0">
-                <a:solidFill>
-                  <a:srgbClr val="262B37"/>
-                </a:solidFill>
-                <a:ea typeface="Calibri" panose="020F0502020204030204" pitchFamily="34" charset="0"/>
-                <a:cs typeface="Times New Roman" panose="02020603050405020304" pitchFamily="18" charset="0"/>
-              </a:rPr>
-              <a:t> (</a:t>
-            </a:r>
-            <a:r>
-              <a:rPr lang="vi-VN" sz="2800" dirty="0" err="1">
-                <a:solidFill>
-                  <a:srgbClr val="262B37"/>
-                </a:solidFill>
-                <a:ea typeface="Calibri" panose="020F0502020204030204" pitchFamily="34" charset="0"/>
-                <a:cs typeface="Times New Roman" panose="02020603050405020304" pitchFamily="18" charset="0"/>
-              </a:rPr>
-              <a:t>Intergrated</a:t>
-            </a:r>
-            <a:r>
-              <a:rPr lang="vi-VN" sz="2800" dirty="0">
-                <a:solidFill>
-                  <a:srgbClr val="262B37"/>
-                </a:solidFill>
-                <a:ea typeface="Calibri" panose="020F0502020204030204" pitchFamily="34" charset="0"/>
-                <a:cs typeface="Times New Roman" panose="02020603050405020304" pitchFamily="18" charset="0"/>
-              </a:rPr>
-              <a:t>)</a:t>
-            </a:r>
-            <a:endParaRPr lang="en-GB" sz="2800" dirty="0">
-              <a:solidFill>
-                <a:srgbClr val="262B37"/>
-              </a:solidFill>
-              <a:effectLst/>
-              <a:ea typeface="Calibri" panose="020F0502020204030204" pitchFamily="34" charset="0"/>
-              <a:cs typeface="Times New Roman" panose="02020603050405020304" pitchFamily="18" charset="0"/>
-            </a:endParaRPr>
-          </a:p>
-        </p:txBody>
-      </p:sp>
-      <p:sp>
-        <p:nvSpPr>
-          <p:cNvPr id="18" name="Rectangle 17">
-            <a:extLst>
-              <a:ext uri="{FF2B5EF4-FFF2-40B4-BE49-F238E27FC236}">
-                <a16:creationId xmlns:a16="http://schemas.microsoft.com/office/drawing/2014/main" id="{D22C87DD-278D-42B7-861A-C0A26706EE0B}"/>
-              </a:ext>
-            </a:extLst>
-          </p:cNvPr>
-          <p:cNvSpPr/>
+            <a:endParaRPr lang="vi-VN" sz="2000" dirty="0"/>
+          </a:p>
+        </p:txBody>
+      </p:sp>
+      <p:sp>
+        <p:nvSpPr>
+          <p:cNvPr id="19" name="TextBox 18">
+            <a:extLst>
+              <a:ext uri="{FF2B5EF4-FFF2-40B4-BE49-F238E27FC236}">
+                <a16:creationId xmlns:a16="http://schemas.microsoft.com/office/drawing/2014/main" id="{8771F440-390C-4360-9F16-45D8D346FF8B}"/>
+              </a:ext>
+            </a:extLst>
+          </p:cNvPr>
+          <p:cNvSpPr txBox="1"/>
           <p:nvPr/>
         </p:nvSpPr>
         <p:spPr>
           <a:xfrm>
-            <a:off x="1881804" y="3321713"/>
-            <a:ext cx="9689911" cy="666220"/>
+            <a:off x="7096540" y="2213113"/>
+            <a:ext cx="4174435" cy="3170099"/>
           </a:xfrm>
           <a:prstGeom prst="rect">
             <a:avLst/>
           </a:prstGeom>
           <a:noFill/>
-          <a:ln>
-            <a:noFill/>
-          </a:ln>
-        </p:spPr>
-        <p:style>
-          <a:lnRef idx="2">
-            <a:schemeClr val="accent1">
-              <a:shade val="50000"/>
-            </a:schemeClr>
-          </a:lnRef>
-          <a:fillRef idx="1">
-            <a:schemeClr val="accent1"/>
-          </a:fillRef>
-          <a:effectRef idx="0">
-            <a:schemeClr val="accent1"/>
-          </a:effectRef>
-          <a:fontRef idx="minor">
-            <a:schemeClr val="lt1"/>
-          </a:fontRef>
-        </p:style>
-        <p:txBody>
-          <a:bodyPr rtlCol="0" anchor="ctr"/>
-          <a:lstStyle/>
-          <a:p>
-            <a:pPr marL="0" marR="0">
-              <a:spcBef>
-                <a:spcPts val="0"/>
-              </a:spcBef>
-              <a:spcAft>
-                <a:spcPts val="0"/>
-              </a:spcAft>
+        </p:spPr>
+        <p:txBody>
+          <a:bodyPr wrap="square" rtlCol="0">
+            <a:spAutoFit/>
+          </a:bodyPr>
+          <a:lstStyle/>
+          <a:p>
+            <a:pPr marL="342900" indent="-342900" algn="just">
+              <a:buFont typeface="Arial" panose="020B0604020202020204" pitchFamily="34" charset="0"/>
+              <a:buChar char="•"/>
             </a:pPr>
             <a:r>
-              <a:rPr lang="vi-VN" sz="2800" dirty="0" err="1">
-                <a:solidFill>
-                  <a:srgbClr val="262B37"/>
-                </a:solidFill>
-                <a:effectLst/>
-                <a:ea typeface="Calibri" panose="020F0502020204030204" pitchFamily="34" charset="0"/>
-                <a:cs typeface="Times New Roman" panose="02020603050405020304" pitchFamily="18" charset="0"/>
-              </a:rPr>
-              <a:t>Biến</a:t>
-            </a:r>
-            <a:r>
-              <a:rPr lang="vi-VN" sz="2800" dirty="0">
-                <a:solidFill>
-                  <a:srgbClr val="262B37"/>
-                </a:solidFill>
-                <a:effectLst/>
-                <a:ea typeface="Calibri" panose="020F0502020204030204" pitchFamily="34" charset="0"/>
-                <a:cs typeface="Times New Roman" panose="02020603050405020304" pitchFamily="18" charset="0"/>
-              </a:rPr>
-              <a:t> </a:t>
-            </a:r>
-            <a:r>
-              <a:rPr lang="vi-VN" sz="2800" dirty="0" err="1">
-                <a:solidFill>
-                  <a:srgbClr val="262B37"/>
-                </a:solidFill>
-                <a:effectLst/>
-                <a:ea typeface="Calibri" panose="020F0502020204030204" pitchFamily="34" charset="0"/>
-                <a:cs typeface="Times New Roman" panose="02020603050405020304" pitchFamily="18" charset="0"/>
-              </a:rPr>
-              <a:t>thể</a:t>
-            </a:r>
-            <a:r>
-              <a:rPr lang="vi-VN" sz="2800" dirty="0">
-                <a:solidFill>
-                  <a:srgbClr val="262B37"/>
-                </a:solidFill>
-                <a:effectLst/>
-                <a:ea typeface="Calibri" panose="020F0502020204030204" pitchFamily="34" charset="0"/>
-                <a:cs typeface="Times New Roman" panose="02020603050405020304" pitchFamily="18" charset="0"/>
-              </a:rPr>
-              <a:t> </a:t>
-            </a:r>
-            <a:r>
-              <a:rPr lang="vi-VN" sz="2800" dirty="0" err="1">
-                <a:solidFill>
-                  <a:srgbClr val="262B37"/>
-                </a:solidFill>
-                <a:effectLst/>
-                <a:ea typeface="Calibri" panose="020F0502020204030204" pitchFamily="34" charset="0"/>
-                <a:cs typeface="Times New Roman" panose="02020603050405020304" pitchFamily="18" charset="0"/>
-              </a:rPr>
-              <a:t>thời</a:t>
-            </a:r>
-            <a:r>
-              <a:rPr lang="vi-VN" sz="2800" dirty="0">
-                <a:solidFill>
-                  <a:srgbClr val="262B37"/>
-                </a:solidFill>
-                <a:effectLst/>
-                <a:ea typeface="Calibri" panose="020F0502020204030204" pitchFamily="34" charset="0"/>
-                <a:cs typeface="Times New Roman" panose="02020603050405020304" pitchFamily="18" charset="0"/>
-              </a:rPr>
-              <a:t> gian (</a:t>
-            </a:r>
-            <a:r>
-              <a:rPr lang="vi-VN" sz="2800" dirty="0" err="1">
-                <a:solidFill>
-                  <a:srgbClr val="262B37"/>
-                </a:solidFill>
-                <a:effectLst/>
-                <a:ea typeface="Calibri" panose="020F0502020204030204" pitchFamily="34" charset="0"/>
-                <a:cs typeface="Times New Roman" panose="02020603050405020304" pitchFamily="18" charset="0"/>
-              </a:rPr>
-              <a:t>Time-Variant</a:t>
-            </a:r>
-            <a:r>
-              <a:rPr lang="vi-VN" sz="2800" dirty="0">
-                <a:solidFill>
-                  <a:srgbClr val="262B37"/>
-                </a:solidFill>
-                <a:effectLst/>
-                <a:ea typeface="Calibri" panose="020F0502020204030204" pitchFamily="34" charset="0"/>
-                <a:cs typeface="Times New Roman" panose="02020603050405020304" pitchFamily="18" charset="0"/>
-              </a:rPr>
-              <a:t>)</a:t>
-            </a:r>
-            <a:endParaRPr lang="en-GB" sz="2800" dirty="0">
-              <a:solidFill>
-                <a:srgbClr val="262B37"/>
-              </a:solidFill>
-              <a:effectLst/>
-              <a:ea typeface="Calibri" panose="020F0502020204030204" pitchFamily="34" charset="0"/>
-              <a:cs typeface="Times New Roman" panose="02020603050405020304" pitchFamily="18" charset="0"/>
-            </a:endParaRPr>
-          </a:p>
-        </p:txBody>
-      </p:sp>
-      <p:sp>
-        <p:nvSpPr>
-          <p:cNvPr id="19" name="Rectangle 18">
-            <a:extLst>
-              <a:ext uri="{FF2B5EF4-FFF2-40B4-BE49-F238E27FC236}">
-                <a16:creationId xmlns:a16="http://schemas.microsoft.com/office/drawing/2014/main" id="{44F279E0-C5E6-496F-9FC0-F77C1DE83A95}"/>
-              </a:ext>
-            </a:extLst>
-          </p:cNvPr>
-          <p:cNvSpPr/>
-          <p:nvPr/>
-        </p:nvSpPr>
-        <p:spPr>
-          <a:xfrm>
-            <a:off x="1881803" y="4113562"/>
-            <a:ext cx="9689911" cy="666220"/>
-          </a:xfrm>
-          <a:prstGeom prst="rect">
-            <a:avLst/>
-          </a:prstGeom>
-          <a:noFill/>
-          <a:ln>
-            <a:noFill/>
-          </a:ln>
-        </p:spPr>
-        <p:style>
-          <a:lnRef idx="2">
-            <a:schemeClr val="accent1">
-              <a:shade val="50000"/>
-            </a:schemeClr>
-          </a:lnRef>
-          <a:fillRef idx="1">
-            <a:schemeClr val="accent1"/>
-          </a:fillRef>
-          <a:effectRef idx="0">
-            <a:schemeClr val="accent1"/>
-          </a:effectRef>
-          <a:fontRef idx="minor">
-            <a:schemeClr val="lt1"/>
-          </a:fontRef>
-        </p:style>
-        <p:txBody>
-          <a:bodyPr rtlCol="0" anchor="ctr"/>
-          <a:lstStyle/>
-          <a:p>
-            <a:pPr marL="0" marR="0">
-              <a:spcBef>
-                <a:spcPts val="0"/>
-              </a:spcBef>
-              <a:spcAft>
-                <a:spcPts val="0"/>
-              </a:spcAft>
+              <a:rPr lang="vi-VN" sz="2000" dirty="0" err="1"/>
+              <a:t>Data</a:t>
+            </a:r>
+            <a:r>
+              <a:rPr lang="vi-VN" sz="2000" dirty="0"/>
+              <a:t> </a:t>
+            </a:r>
+            <a:r>
+              <a:rPr lang="vi-VN" sz="2000" dirty="0" err="1"/>
+              <a:t>warehousing</a:t>
+            </a:r>
+            <a:r>
+              <a:rPr lang="vi-VN" sz="2000" dirty="0"/>
+              <a:t> </a:t>
+            </a:r>
+            <a:r>
+              <a:rPr lang="vi-VN" sz="2000" dirty="0" err="1"/>
+              <a:t>là</a:t>
+            </a:r>
+            <a:r>
+              <a:rPr lang="vi-VN" sz="2000" dirty="0"/>
+              <a:t> </a:t>
+            </a:r>
+            <a:r>
+              <a:rPr lang="vi-VN" sz="2000" dirty="0" err="1"/>
+              <a:t>quá</a:t>
+            </a:r>
+            <a:r>
+              <a:rPr lang="vi-VN" sz="2000" dirty="0"/>
+              <a:t> </a:t>
+            </a:r>
+            <a:r>
+              <a:rPr lang="vi-VN" sz="2000" dirty="0" err="1"/>
+              <a:t>trình</a:t>
+            </a:r>
+            <a:r>
+              <a:rPr lang="vi-VN" sz="2000" dirty="0"/>
+              <a:t> xây </a:t>
+            </a:r>
+            <a:r>
+              <a:rPr lang="vi-VN" sz="2000" dirty="0" err="1"/>
+              <a:t>dựng</a:t>
+            </a:r>
+            <a:r>
+              <a:rPr lang="vi-VN" sz="2000" dirty="0"/>
+              <a:t> </a:t>
+            </a:r>
+            <a:r>
+              <a:rPr lang="vi-VN" sz="2000" dirty="0" err="1"/>
+              <a:t>và</a:t>
+            </a:r>
+            <a:r>
+              <a:rPr lang="vi-VN" sz="2000" dirty="0"/>
+              <a:t> </a:t>
+            </a:r>
+            <a:r>
+              <a:rPr lang="vi-VN" sz="2000" dirty="0" err="1"/>
+              <a:t>sử</a:t>
+            </a:r>
+            <a:r>
+              <a:rPr lang="vi-VN" sz="2000" dirty="0"/>
+              <a:t> </a:t>
+            </a:r>
+            <a:r>
+              <a:rPr lang="vi-VN" sz="2000" dirty="0" err="1"/>
+              <a:t>dụng</a:t>
+            </a:r>
+            <a:r>
+              <a:rPr lang="vi-VN" sz="2000" dirty="0"/>
+              <a:t> </a:t>
+            </a:r>
+            <a:r>
+              <a:rPr lang="vi-VN" sz="2000" dirty="0" err="1"/>
+              <a:t>một</a:t>
+            </a:r>
+            <a:r>
+              <a:rPr lang="vi-VN" sz="2000" dirty="0"/>
+              <a:t> </a:t>
+            </a:r>
+            <a:r>
+              <a:rPr lang="vi-VN" sz="2000" dirty="0" err="1"/>
+              <a:t>data</a:t>
+            </a:r>
+            <a:r>
+              <a:rPr lang="vi-VN" sz="2000" dirty="0"/>
+              <a:t> </a:t>
+            </a:r>
+            <a:r>
+              <a:rPr lang="vi-VN" sz="2000" dirty="0" err="1"/>
+              <a:t>warehouse</a:t>
+            </a:r>
+            <a:endParaRPr lang="vi-VN" sz="2000" dirty="0"/>
+          </a:p>
+          <a:p>
+            <a:pPr marL="342900" indent="-342900" algn="just">
+              <a:buFont typeface="Arial" panose="020B0604020202020204" pitchFamily="34" charset="0"/>
+              <a:buChar char="•"/>
             </a:pPr>
             <a:r>
-              <a:rPr lang="vi-VN" sz="2800" dirty="0">
-                <a:solidFill>
-                  <a:srgbClr val="262B37"/>
-                </a:solidFill>
-                <a:ea typeface="Calibri" panose="020F0502020204030204" pitchFamily="34" charset="0"/>
-                <a:cs typeface="Times New Roman" panose="02020603050405020304" pitchFamily="18" charset="0"/>
-              </a:rPr>
-              <a:t>Không bay hơi (Non-</a:t>
-            </a:r>
-            <a:r>
-              <a:rPr lang="vi-VN" sz="2800" dirty="0" err="1">
-                <a:solidFill>
-                  <a:srgbClr val="262B37"/>
-                </a:solidFill>
-                <a:ea typeface="Calibri" panose="020F0502020204030204" pitchFamily="34" charset="0"/>
-                <a:cs typeface="Times New Roman" panose="02020603050405020304" pitchFamily="18" charset="0"/>
-              </a:rPr>
-              <a:t>volatile</a:t>
-            </a:r>
-            <a:r>
-              <a:rPr lang="vi-VN" sz="2800" dirty="0">
-                <a:solidFill>
-                  <a:srgbClr val="262B37"/>
-                </a:solidFill>
-                <a:ea typeface="Calibri" panose="020F0502020204030204" pitchFamily="34" charset="0"/>
-                <a:cs typeface="Times New Roman" panose="02020603050405020304" pitchFamily="18" charset="0"/>
-              </a:rPr>
-              <a:t>)</a:t>
-            </a:r>
-            <a:endParaRPr lang="en-GB" sz="2800" dirty="0">
-              <a:solidFill>
-                <a:srgbClr val="262B37"/>
-              </a:solidFill>
-              <a:effectLst/>
-              <a:ea typeface="Calibri" panose="020F0502020204030204" pitchFamily="34" charset="0"/>
-              <a:cs typeface="Times New Roman" panose="02020603050405020304" pitchFamily="18" charset="0"/>
-            </a:endParaRPr>
+              <a:rPr lang="vi-VN" sz="2000" dirty="0" err="1"/>
+              <a:t>Một</a:t>
+            </a:r>
+            <a:r>
+              <a:rPr lang="vi-VN" sz="2000" dirty="0"/>
+              <a:t> </a:t>
+            </a:r>
+            <a:r>
+              <a:rPr lang="vi-VN" sz="2000" dirty="0" err="1"/>
+              <a:t>data</a:t>
+            </a:r>
+            <a:r>
+              <a:rPr lang="vi-VN" sz="2000" dirty="0"/>
+              <a:t> </a:t>
+            </a:r>
+            <a:r>
+              <a:rPr lang="vi-VN" sz="2000" dirty="0" err="1"/>
+              <a:t>warehouse</a:t>
+            </a:r>
+            <a:r>
+              <a:rPr lang="vi-VN" sz="2000" dirty="0"/>
+              <a:t> </a:t>
+            </a:r>
+            <a:r>
+              <a:rPr lang="vi-VN" sz="2000" dirty="0" err="1"/>
+              <a:t>được</a:t>
+            </a:r>
+            <a:r>
+              <a:rPr lang="vi-VN" sz="2000" dirty="0"/>
+              <a:t> xây </a:t>
+            </a:r>
+            <a:r>
+              <a:rPr lang="vi-VN" sz="2000" dirty="0" err="1"/>
+              <a:t>dựng</a:t>
+            </a:r>
+            <a:r>
+              <a:rPr lang="vi-VN" sz="2000" dirty="0"/>
+              <a:t> </a:t>
+            </a:r>
+            <a:r>
+              <a:rPr lang="vi-VN" sz="2000" dirty="0" err="1"/>
+              <a:t>bằng</a:t>
+            </a:r>
+            <a:r>
+              <a:rPr lang="vi-VN" sz="2000" dirty="0"/>
+              <a:t> </a:t>
+            </a:r>
+            <a:r>
+              <a:rPr lang="vi-VN" sz="2000" dirty="0" err="1"/>
+              <a:t>cách</a:t>
+            </a:r>
+            <a:r>
+              <a:rPr lang="vi-VN" sz="2000" dirty="0"/>
+              <a:t> </a:t>
+            </a:r>
+            <a:r>
+              <a:rPr lang="vi-VN" sz="2000" dirty="0" err="1"/>
+              <a:t>tích</a:t>
+            </a:r>
+            <a:r>
+              <a:rPr lang="vi-VN" sz="2000" dirty="0"/>
+              <a:t> </a:t>
+            </a:r>
+            <a:r>
+              <a:rPr lang="vi-VN" sz="2000" dirty="0" err="1"/>
+              <a:t>hợp</a:t>
+            </a:r>
+            <a:r>
+              <a:rPr lang="vi-VN" sz="2000" dirty="0"/>
+              <a:t> </a:t>
+            </a:r>
+            <a:r>
+              <a:rPr lang="vi-VN" sz="2000" dirty="0" err="1"/>
+              <a:t>dữ</a:t>
+            </a:r>
+            <a:r>
+              <a:rPr lang="vi-VN" sz="2000" dirty="0"/>
+              <a:t> </a:t>
+            </a:r>
+            <a:r>
+              <a:rPr lang="vi-VN" sz="2000" dirty="0" err="1"/>
+              <a:t>liệu</a:t>
+            </a:r>
+            <a:r>
+              <a:rPr lang="vi-VN" sz="2000" dirty="0"/>
+              <a:t> </a:t>
+            </a:r>
+            <a:r>
+              <a:rPr lang="vi-VN" sz="2000" dirty="0" err="1"/>
+              <a:t>từ</a:t>
+            </a:r>
+            <a:r>
+              <a:rPr lang="vi-VN" sz="2000" dirty="0"/>
+              <a:t> </a:t>
+            </a:r>
+            <a:r>
+              <a:rPr lang="vi-VN" sz="2000" dirty="0" err="1"/>
+              <a:t>nhiều</a:t>
+            </a:r>
+            <a:r>
+              <a:rPr lang="vi-VN" sz="2000" dirty="0"/>
+              <a:t> </a:t>
+            </a:r>
+            <a:r>
+              <a:rPr lang="vi-VN" sz="2000" dirty="0" err="1"/>
+              <a:t>nguồn</a:t>
+            </a:r>
+            <a:r>
+              <a:rPr lang="vi-VN" sz="2000" dirty="0"/>
+              <a:t> không </a:t>
+            </a:r>
+            <a:r>
+              <a:rPr lang="vi-VN" sz="2000" dirty="0" err="1"/>
+              <a:t>đồng</a:t>
+            </a:r>
+            <a:r>
+              <a:rPr lang="vi-VN" sz="2000" dirty="0"/>
+              <a:t> </a:t>
+            </a:r>
+            <a:r>
+              <a:rPr lang="vi-VN" sz="2000" dirty="0" err="1"/>
+              <a:t>nhất</a:t>
+            </a:r>
+            <a:endParaRPr lang="vi-VN" sz="2000" dirty="0"/>
+          </a:p>
+          <a:p>
+            <a:pPr marL="342900" indent="-342900" algn="just">
+              <a:buFont typeface="Arial" panose="020B0604020202020204" pitchFamily="34" charset="0"/>
+              <a:buChar char="•"/>
+            </a:pPr>
+            <a:r>
+              <a:rPr lang="vi-VN" sz="2000" dirty="0" err="1"/>
+              <a:t>Data</a:t>
+            </a:r>
+            <a:r>
+              <a:rPr lang="vi-VN" sz="2000" dirty="0"/>
+              <a:t> </a:t>
+            </a:r>
+            <a:r>
+              <a:rPr lang="vi-VN" sz="2000" dirty="0" err="1"/>
+              <a:t>warehousing</a:t>
+            </a:r>
+            <a:r>
+              <a:rPr lang="vi-VN" sz="2000" dirty="0"/>
+              <a:t> liên quan </a:t>
+            </a:r>
+            <a:r>
+              <a:rPr lang="vi-VN" sz="2000" dirty="0" err="1"/>
+              <a:t>đến</a:t>
+            </a:r>
+            <a:r>
+              <a:rPr lang="vi-VN" sz="2000" dirty="0"/>
+              <a:t> </a:t>
+            </a:r>
+            <a:r>
+              <a:rPr lang="vi-VN" sz="2000" dirty="0" err="1"/>
+              <a:t>việc</a:t>
+            </a:r>
+            <a:r>
+              <a:rPr lang="vi-VN" sz="2000" dirty="0"/>
+              <a:t> </a:t>
+            </a:r>
+            <a:r>
+              <a:rPr lang="vi-VN" sz="2000" dirty="0" err="1"/>
+              <a:t>làm</a:t>
+            </a:r>
+            <a:r>
+              <a:rPr lang="vi-VN" sz="2000" dirty="0"/>
+              <a:t> </a:t>
+            </a:r>
+            <a:r>
+              <a:rPr lang="vi-VN" sz="2000" dirty="0" err="1"/>
+              <a:t>sạch</a:t>
+            </a:r>
+            <a:r>
+              <a:rPr lang="vi-VN" sz="2000" dirty="0"/>
+              <a:t> </a:t>
+            </a:r>
+            <a:r>
+              <a:rPr lang="vi-VN" sz="2000" dirty="0" err="1"/>
+              <a:t>dữ</a:t>
+            </a:r>
+            <a:r>
+              <a:rPr lang="vi-VN" sz="2000" dirty="0"/>
+              <a:t> </a:t>
+            </a:r>
+            <a:r>
+              <a:rPr lang="vi-VN" sz="2000" dirty="0" err="1"/>
+              <a:t>liệu</a:t>
+            </a:r>
+            <a:r>
+              <a:rPr lang="vi-VN" sz="2000" dirty="0"/>
+              <a:t>, </a:t>
+            </a:r>
+            <a:r>
+              <a:rPr lang="vi-VN" sz="2000" dirty="0" err="1"/>
+              <a:t>tích</a:t>
+            </a:r>
+            <a:r>
+              <a:rPr lang="vi-VN" sz="2000" dirty="0"/>
+              <a:t> </a:t>
+            </a:r>
+            <a:r>
+              <a:rPr lang="vi-VN" sz="2000" dirty="0" err="1"/>
+              <a:t>hợp</a:t>
+            </a:r>
+            <a:r>
+              <a:rPr lang="vi-VN" sz="2000" dirty="0"/>
+              <a:t> </a:t>
+            </a:r>
+            <a:r>
+              <a:rPr lang="vi-VN" sz="2000" dirty="0" err="1"/>
+              <a:t>dữ</a:t>
+            </a:r>
+            <a:r>
+              <a:rPr lang="vi-VN" sz="2000" dirty="0"/>
+              <a:t> </a:t>
+            </a:r>
+            <a:r>
+              <a:rPr lang="vi-VN" sz="2000" dirty="0" err="1"/>
+              <a:t>liệu</a:t>
+            </a:r>
+            <a:r>
+              <a:rPr lang="vi-VN" sz="2000" dirty="0"/>
+              <a:t> </a:t>
+            </a:r>
+            <a:r>
+              <a:rPr lang="vi-VN" sz="2000" dirty="0" err="1"/>
+              <a:t>và</a:t>
+            </a:r>
+            <a:r>
+              <a:rPr lang="vi-VN" sz="2000" dirty="0"/>
+              <a:t> </a:t>
+            </a:r>
+            <a:r>
+              <a:rPr lang="vi-VN" sz="2000" dirty="0" err="1"/>
+              <a:t>hợp</a:t>
+            </a:r>
+            <a:r>
+              <a:rPr lang="vi-VN" sz="2000" dirty="0"/>
+              <a:t> </a:t>
+            </a:r>
+            <a:r>
+              <a:rPr lang="vi-VN" sz="2000" dirty="0" err="1"/>
+              <a:t>nhất</a:t>
+            </a:r>
+            <a:r>
+              <a:rPr lang="vi-VN" sz="2000" dirty="0"/>
+              <a:t> </a:t>
+            </a:r>
+            <a:r>
+              <a:rPr lang="vi-VN" sz="2000" dirty="0" err="1"/>
+              <a:t>dữ</a:t>
+            </a:r>
+            <a:r>
+              <a:rPr lang="vi-VN" sz="2000" dirty="0"/>
+              <a:t> </a:t>
+            </a:r>
+            <a:r>
+              <a:rPr lang="vi-VN" sz="2000" dirty="0" err="1"/>
+              <a:t>liệu</a:t>
+            </a:r>
+            <a:r>
+              <a:rPr lang="vi-VN" sz="2000" dirty="0"/>
+              <a:t>.</a:t>
+            </a:r>
           </a:p>
         </p:txBody>
       </p:sp>
     </p:spTree>
     <p:extLst>
       <p:ext uri="{BB962C8B-B14F-4D97-AF65-F5344CB8AC3E}">
-        <p14:creationId xmlns:p14="http://schemas.microsoft.com/office/powerpoint/2010/main" val="3029107198"/>
+        <p14:creationId xmlns:p14="http://schemas.microsoft.com/office/powerpoint/2010/main" val="1970407087"/>
       </p:ext>
     </p:extLst>
   </p:cSld>
@@ -8917,6 +9976,156 @@
       </p:sp>
       <p:sp>
         <p:nvSpPr>
+          <p:cNvPr id="8" name="Rectangle 7">
+            <a:extLst>
+              <a:ext uri="{FF2B5EF4-FFF2-40B4-BE49-F238E27FC236}">
+                <a16:creationId xmlns:a16="http://schemas.microsoft.com/office/drawing/2014/main" id="{FAAAF4AD-0780-4F1C-8553-9C5E2E3CC025}"/>
+              </a:ext>
+            </a:extLst>
+          </p:cNvPr>
+          <p:cNvSpPr/>
+          <p:nvPr/>
+        </p:nvSpPr>
+        <p:spPr>
+          <a:xfrm>
+            <a:off x="1351720" y="1942391"/>
+            <a:ext cx="238539" cy="257469"/>
+          </a:xfrm>
+          <a:prstGeom prst="rect">
+            <a:avLst/>
+          </a:prstGeom>
+          <a:solidFill>
+            <a:srgbClr val="262B37"/>
+          </a:solidFill>
+          <a:ln>
+            <a:noFill/>
+          </a:ln>
+        </p:spPr>
+        <p:style>
+          <a:lnRef idx="2">
+            <a:schemeClr val="accent6"/>
+          </a:lnRef>
+          <a:fillRef idx="1">
+            <a:schemeClr val="lt1"/>
+          </a:fillRef>
+          <a:effectRef idx="0">
+            <a:schemeClr val="accent6"/>
+          </a:effectRef>
+          <a:fontRef idx="minor">
+            <a:schemeClr val="dk1"/>
+          </a:fontRef>
+        </p:style>
+        <p:txBody>
+          <a:bodyPr rtlCol="0" anchor="ctr"/>
+          <a:lstStyle/>
+          <a:p>
+            <a:pPr algn="ctr"/>
+            <a:endParaRPr lang="en-GB" dirty="0"/>
+          </a:p>
+        </p:txBody>
+      </p:sp>
+      <p:sp>
+        <p:nvSpPr>
+          <p:cNvPr id="9" name="Rectangle 8">
+            <a:extLst>
+              <a:ext uri="{FF2B5EF4-FFF2-40B4-BE49-F238E27FC236}">
+                <a16:creationId xmlns:a16="http://schemas.microsoft.com/office/drawing/2014/main" id="{E3A8D1E9-E18C-452F-9924-D78CEBB9AD8B}"/>
+              </a:ext>
+            </a:extLst>
+          </p:cNvPr>
+          <p:cNvSpPr/>
+          <p:nvPr/>
+        </p:nvSpPr>
+        <p:spPr>
+          <a:xfrm>
+            <a:off x="1351720" y="2734240"/>
+            <a:ext cx="238539" cy="257469"/>
+          </a:xfrm>
+          <a:prstGeom prst="rect">
+            <a:avLst/>
+          </a:prstGeom>
+          <a:solidFill>
+            <a:srgbClr val="262B37"/>
+          </a:solidFill>
+          <a:ln>
+            <a:noFill/>
+          </a:ln>
+        </p:spPr>
+        <p:style>
+          <a:lnRef idx="2">
+            <a:schemeClr val="accent6"/>
+          </a:lnRef>
+          <a:fillRef idx="1">
+            <a:schemeClr val="lt1"/>
+          </a:fillRef>
+          <a:effectRef idx="0">
+            <a:schemeClr val="accent6"/>
+          </a:effectRef>
+          <a:fontRef idx="minor">
+            <a:schemeClr val="dk1"/>
+          </a:fontRef>
+        </p:style>
+        <p:txBody>
+          <a:bodyPr rtlCol="0" anchor="ctr"/>
+          <a:lstStyle/>
+          <a:p>
+            <a:pPr algn="ctr"/>
+            <a:endParaRPr lang="en-GB" dirty="0"/>
+          </a:p>
+        </p:txBody>
+      </p:sp>
+      <p:sp>
+        <p:nvSpPr>
+          <p:cNvPr id="10" name="Rectangle 9">
+            <a:extLst>
+              <a:ext uri="{FF2B5EF4-FFF2-40B4-BE49-F238E27FC236}">
+                <a16:creationId xmlns:a16="http://schemas.microsoft.com/office/drawing/2014/main" id="{A9574A33-FA7E-43E4-B0F4-1F5C9833DE1A}"/>
+              </a:ext>
+            </a:extLst>
+          </p:cNvPr>
+          <p:cNvSpPr/>
+          <p:nvPr/>
+        </p:nvSpPr>
+        <p:spPr>
+          <a:xfrm>
+            <a:off x="1351719" y="3526089"/>
+            <a:ext cx="238539" cy="257469"/>
+          </a:xfrm>
+          <a:prstGeom prst="rect">
+            <a:avLst/>
+          </a:prstGeom>
+          <a:solidFill>
+            <a:srgbClr val="262B37"/>
+          </a:solidFill>
+          <a:ln>
+            <a:noFill/>
+          </a:ln>
+        </p:spPr>
+        <p:style>
+          <a:lnRef idx="2">
+            <a:schemeClr val="accent6"/>
+          </a:lnRef>
+          <a:fillRef idx="1">
+            <a:schemeClr val="lt1"/>
+          </a:fillRef>
+          <a:effectRef idx="0">
+            <a:schemeClr val="accent6"/>
+          </a:effectRef>
+          <a:fontRef idx="minor">
+            <a:schemeClr val="dk1"/>
+          </a:fontRef>
+        </p:style>
+        <p:txBody>
+          <a:bodyPr rtlCol="0" anchor="ctr"/>
+          <a:lstStyle/>
+          <a:p>
+            <a:pPr algn="ctr"/>
+            <a:endParaRPr lang="en-GB" dirty="0"/>
+          </a:p>
+        </p:txBody>
+      </p:sp>
+      <p:sp>
+        <p:nvSpPr>
           <p:cNvPr id="12" name="Rectangle 11">
             <a:extLst>
               <a:ext uri="{FF2B5EF4-FFF2-40B4-BE49-F238E27FC236}">
@@ -9070,6 +10279,56 @@
       </p:sp>
       <p:sp>
         <p:nvSpPr>
+          <p:cNvPr id="13" name="Rectangle 12">
+            <a:extLst>
+              <a:ext uri="{FF2B5EF4-FFF2-40B4-BE49-F238E27FC236}">
+                <a16:creationId xmlns:a16="http://schemas.microsoft.com/office/drawing/2014/main" id="{0041AF72-A6E0-4AF5-B8DD-8B32CD4923DB}"/>
+              </a:ext>
+            </a:extLst>
+          </p:cNvPr>
+          <p:cNvSpPr/>
+          <p:nvPr/>
+        </p:nvSpPr>
+        <p:spPr>
+          <a:xfrm>
+            <a:off x="1351718" y="4317938"/>
+            <a:ext cx="238539" cy="257469"/>
+          </a:xfrm>
+          <a:prstGeom prst="rect">
+            <a:avLst/>
+          </a:prstGeom>
+          <a:solidFill>
+            <a:srgbClr val="262B37"/>
+          </a:solidFill>
+          <a:ln>
+            <a:noFill/>
+          </a:ln>
+        </p:spPr>
+        <p:style>
+          <a:lnRef idx="2">
+            <a:schemeClr val="accent6"/>
+          </a:lnRef>
+          <a:fillRef idx="1">
+            <a:schemeClr val="lt1"/>
+          </a:fillRef>
+          <a:effectRef idx="0">
+            <a:schemeClr val="accent6"/>
+          </a:effectRef>
+          <a:fontRef idx="minor">
+            <a:schemeClr val="dk1"/>
+          </a:fontRef>
+        </p:style>
+        <p:txBody>
+          <a:bodyPr rtlCol="0" anchor="ctr"/>
+          <a:lstStyle/>
+          <a:p>
+            <a:pPr algn="ctr"/>
+            <a:endParaRPr lang="en-GB" dirty="0"/>
+          </a:p>
+        </p:txBody>
+      </p:sp>
+      <p:sp>
+        <p:nvSpPr>
           <p:cNvPr id="16" name="Rectangle 15">
             <a:extLst>
               <a:ext uri="{FF2B5EF4-FFF2-40B4-BE49-F238E27FC236}">
@@ -9582,49 +10841,10 @@
           </a:p>
         </p:txBody>
       </p:sp>
-      <p:pic>
-        <p:nvPicPr>
-          <p:cNvPr id="22" name="Picture 21">
-            <a:extLst>
-              <a:ext uri="{FF2B5EF4-FFF2-40B4-BE49-F238E27FC236}">
-                <a16:creationId xmlns:a16="http://schemas.microsoft.com/office/drawing/2014/main" id="{C663D997-E463-4827-A9F4-A0D9E8C22CDE}"/>
-              </a:ext>
-            </a:extLst>
-          </p:cNvPr>
-          <p:cNvPicPr/>
-          <p:nvPr/>
-        </p:nvPicPr>
-        <p:blipFill>
-          <a:blip r:embed="rId2">
-            <a:extLst>
-              <a:ext uri="{28A0092B-C50C-407E-A947-70E740481C1C}">
-                <a14:useLocalDpi xmlns:a14="http://schemas.microsoft.com/office/drawing/2010/main" val="0"/>
-              </a:ext>
-            </a:extLst>
-          </a:blip>
-          <a:srcRect/>
-          <a:stretch>
-            <a:fillRect/>
-          </a:stretch>
-        </p:blipFill>
-        <p:spPr bwMode="auto">
-          <a:xfrm>
-            <a:off x="1881803" y="1699643"/>
-            <a:ext cx="7924804" cy="4827838"/>
-          </a:xfrm>
-          <a:prstGeom prst="rect">
-            <a:avLst/>
-          </a:prstGeom>
-          <a:noFill/>
-          <a:ln>
-            <a:noFill/>
-          </a:ln>
-        </p:spPr>
-      </p:pic>
     </p:spTree>
     <p:extLst>
       <p:ext uri="{BB962C8B-B14F-4D97-AF65-F5344CB8AC3E}">
-        <p14:creationId xmlns:p14="http://schemas.microsoft.com/office/powerpoint/2010/main" val="3919910912"/>
+        <p14:creationId xmlns:p14="http://schemas.microsoft.com/office/powerpoint/2010/main" val="3029107198"/>
       </p:ext>
     </p:extLst>
   </p:cSld>
@@ -9715,8 +10935,8 @@
         </p:nvSpPr>
         <p:spPr>
           <a:xfrm>
-            <a:off x="457199" y="574137"/>
-            <a:ext cx="9190383" cy="833874"/>
+            <a:off x="457200" y="574137"/>
+            <a:ext cx="7586870" cy="833874"/>
           </a:xfrm>
           <a:prstGeom prst="rect">
             <a:avLst/>
@@ -9747,211 +10967,7 @@
           <a:lstStyle/>
           <a:p>
             <a:pPr algn="ctr"/>
-            <a:r>
-              <a:rPr lang="en-US" sz="3200" dirty="0" err="1">
-                <a:solidFill>
-                  <a:schemeClr val="bg1">
-                    <a:lumMod val="95000"/>
-                  </a:schemeClr>
-                </a:solidFill>
-                <a:effectLst/>
-                <a:latin typeface="Arial" panose="020B0604020202020204" pitchFamily="34" charset="0"/>
-                <a:ea typeface="Calibri" panose="020F0502020204030204" pitchFamily="34" charset="0"/>
-                <a:cs typeface="Arial" panose="020B0604020202020204" pitchFamily="34" charset="0"/>
-              </a:rPr>
-              <a:t>Sự</a:t>
-            </a:r>
-            <a:r>
-              <a:rPr lang="en-US" sz="3200" dirty="0">
-                <a:solidFill>
-                  <a:schemeClr val="bg1">
-                    <a:lumMod val="95000"/>
-                  </a:schemeClr>
-                </a:solidFill>
-                <a:effectLst/>
-                <a:latin typeface="Arial" panose="020B0604020202020204" pitchFamily="34" charset="0"/>
-                <a:ea typeface="Calibri" panose="020F0502020204030204" pitchFamily="34" charset="0"/>
-                <a:cs typeface="Arial" panose="020B0604020202020204" pitchFamily="34" charset="0"/>
-              </a:rPr>
-              <a:t> </a:t>
-            </a:r>
-            <a:r>
-              <a:rPr lang="en-US" sz="3200" dirty="0" err="1">
-                <a:solidFill>
-                  <a:schemeClr val="bg1">
-                    <a:lumMod val="95000"/>
-                  </a:schemeClr>
-                </a:solidFill>
-                <a:effectLst/>
-                <a:latin typeface="Arial" panose="020B0604020202020204" pitchFamily="34" charset="0"/>
-                <a:ea typeface="Calibri" panose="020F0502020204030204" pitchFamily="34" charset="0"/>
-                <a:cs typeface="Arial" panose="020B0604020202020204" pitchFamily="34" charset="0"/>
-              </a:rPr>
-              <a:t>khác</a:t>
-            </a:r>
-            <a:r>
-              <a:rPr lang="en-US" sz="3200" dirty="0">
-                <a:solidFill>
-                  <a:schemeClr val="bg1">
-                    <a:lumMod val="95000"/>
-                  </a:schemeClr>
-                </a:solidFill>
-                <a:effectLst/>
-                <a:latin typeface="Arial" panose="020B0604020202020204" pitchFamily="34" charset="0"/>
-                <a:ea typeface="Calibri" panose="020F0502020204030204" pitchFamily="34" charset="0"/>
-                <a:cs typeface="Arial" panose="020B0604020202020204" pitchFamily="34" charset="0"/>
-              </a:rPr>
-              <a:t> </a:t>
-            </a:r>
-            <a:r>
-              <a:rPr lang="en-US" sz="3200" dirty="0" err="1">
-                <a:solidFill>
-                  <a:schemeClr val="bg1">
-                    <a:lumMod val="95000"/>
-                  </a:schemeClr>
-                </a:solidFill>
-                <a:effectLst/>
-                <a:latin typeface="Arial" panose="020B0604020202020204" pitchFamily="34" charset="0"/>
-                <a:ea typeface="Calibri" panose="020F0502020204030204" pitchFamily="34" charset="0"/>
-                <a:cs typeface="Arial" panose="020B0604020202020204" pitchFamily="34" charset="0"/>
-              </a:rPr>
-              <a:t>biệt</a:t>
-            </a:r>
-            <a:r>
-              <a:rPr lang="en-US" sz="3200" dirty="0">
-                <a:solidFill>
-                  <a:schemeClr val="bg1">
-                    <a:lumMod val="95000"/>
-                  </a:schemeClr>
-                </a:solidFill>
-                <a:effectLst/>
-                <a:latin typeface="Arial" panose="020B0604020202020204" pitchFamily="34" charset="0"/>
-                <a:ea typeface="Calibri" panose="020F0502020204030204" pitchFamily="34" charset="0"/>
-                <a:cs typeface="Arial" panose="020B0604020202020204" pitchFamily="34" charset="0"/>
-              </a:rPr>
-              <a:t> </a:t>
-            </a:r>
-            <a:r>
-              <a:rPr lang="en-US" sz="3200" dirty="0" err="1">
-                <a:solidFill>
-                  <a:schemeClr val="bg1">
-                    <a:lumMod val="95000"/>
-                  </a:schemeClr>
-                </a:solidFill>
-                <a:effectLst/>
-                <a:latin typeface="Arial" panose="020B0604020202020204" pitchFamily="34" charset="0"/>
-                <a:ea typeface="Calibri" panose="020F0502020204030204" pitchFamily="34" charset="0"/>
-                <a:cs typeface="Arial" panose="020B0604020202020204" pitchFamily="34" charset="0"/>
-              </a:rPr>
-              <a:t>giữa</a:t>
-            </a:r>
-            <a:r>
-              <a:rPr lang="en-US" sz="3200" dirty="0">
-                <a:solidFill>
-                  <a:schemeClr val="bg1">
-                    <a:lumMod val="95000"/>
-                  </a:schemeClr>
-                </a:solidFill>
-                <a:effectLst/>
-                <a:latin typeface="Arial" panose="020B0604020202020204" pitchFamily="34" charset="0"/>
-                <a:ea typeface="Calibri" panose="020F0502020204030204" pitchFamily="34" charset="0"/>
-                <a:cs typeface="Arial" panose="020B0604020202020204" pitchFamily="34" charset="0"/>
-              </a:rPr>
-              <a:t> </a:t>
-            </a:r>
-            <a:r>
-              <a:rPr lang="en-US" sz="3200" dirty="0" err="1">
-                <a:solidFill>
-                  <a:schemeClr val="bg1">
-                    <a:lumMod val="95000"/>
-                  </a:schemeClr>
-                </a:solidFill>
-                <a:effectLst/>
-                <a:latin typeface="Arial" panose="020B0604020202020204" pitchFamily="34" charset="0"/>
-                <a:ea typeface="Calibri" panose="020F0502020204030204" pitchFamily="34" charset="0"/>
-                <a:cs typeface="Arial" panose="020B0604020202020204" pitchFamily="34" charset="0"/>
-              </a:rPr>
-              <a:t>ứng</a:t>
-            </a:r>
-            <a:r>
-              <a:rPr lang="en-US" sz="3200" dirty="0">
-                <a:solidFill>
-                  <a:schemeClr val="bg1">
-                    <a:lumMod val="95000"/>
-                  </a:schemeClr>
-                </a:solidFill>
-                <a:effectLst/>
-                <a:latin typeface="Arial" panose="020B0604020202020204" pitchFamily="34" charset="0"/>
-                <a:ea typeface="Calibri" panose="020F0502020204030204" pitchFamily="34" charset="0"/>
-                <a:cs typeface="Arial" panose="020B0604020202020204" pitchFamily="34" charset="0"/>
-              </a:rPr>
-              <a:t> </a:t>
-            </a:r>
-            <a:r>
-              <a:rPr lang="en-US" sz="3200" dirty="0" err="1">
-                <a:solidFill>
-                  <a:schemeClr val="bg1">
-                    <a:lumMod val="95000"/>
-                  </a:schemeClr>
-                </a:solidFill>
-                <a:effectLst/>
-                <a:latin typeface="Arial" panose="020B0604020202020204" pitchFamily="34" charset="0"/>
-                <a:ea typeface="Calibri" panose="020F0502020204030204" pitchFamily="34" charset="0"/>
-                <a:cs typeface="Arial" panose="020B0604020202020204" pitchFamily="34" charset="0"/>
-              </a:rPr>
-              <a:t>dụng</a:t>
-            </a:r>
-            <a:r>
-              <a:rPr lang="en-US" sz="3200" dirty="0">
-                <a:solidFill>
-                  <a:schemeClr val="bg1">
-                    <a:lumMod val="95000"/>
-                  </a:schemeClr>
-                </a:solidFill>
-                <a:effectLst/>
-                <a:latin typeface="Arial" panose="020B0604020202020204" pitchFamily="34" charset="0"/>
-                <a:ea typeface="Calibri" panose="020F0502020204030204" pitchFamily="34" charset="0"/>
-                <a:cs typeface="Arial" panose="020B0604020202020204" pitchFamily="34" charset="0"/>
-              </a:rPr>
-              <a:t> </a:t>
-            </a:r>
-            <a:r>
-              <a:rPr lang="en-US" sz="3200" dirty="0" err="1">
-                <a:solidFill>
-                  <a:schemeClr val="bg1">
-                    <a:lumMod val="95000"/>
-                  </a:schemeClr>
-                </a:solidFill>
-                <a:effectLst/>
-                <a:latin typeface="Arial" panose="020B0604020202020204" pitchFamily="34" charset="0"/>
-                <a:ea typeface="Calibri" panose="020F0502020204030204" pitchFamily="34" charset="0"/>
-                <a:cs typeface="Arial" panose="020B0604020202020204" pitchFamily="34" charset="0"/>
-              </a:rPr>
-              <a:t>và</a:t>
-            </a:r>
-            <a:r>
-              <a:rPr lang="en-US" sz="3200" dirty="0">
-                <a:solidFill>
-                  <a:schemeClr val="bg1">
-                    <a:lumMod val="95000"/>
-                  </a:schemeClr>
-                </a:solidFill>
-                <a:effectLst/>
-                <a:latin typeface="Arial" panose="020B0604020202020204" pitchFamily="34" charset="0"/>
-                <a:ea typeface="Calibri" panose="020F0502020204030204" pitchFamily="34" charset="0"/>
-                <a:cs typeface="Arial" panose="020B0604020202020204" pitchFamily="34" charset="0"/>
-              </a:rPr>
-              <a:t> Data Warehouse</a:t>
-            </a:r>
-            <a:endParaRPr lang="en-GB" sz="3200" dirty="0">
-              <a:solidFill>
-                <a:schemeClr val="bg1">
-                  <a:lumMod val="95000"/>
-                </a:schemeClr>
-              </a:solidFill>
-              <a:latin typeface="Arial" panose="020B0604020202020204" pitchFamily="34" charset="0"/>
-              <a:cs typeface="Arial" panose="020B0604020202020204" pitchFamily="34" charset="0"/>
-            </a:endParaRPr>
+            <a:endParaRPr lang="en-GB" dirty="0"/>
           </a:p>
         </p:txBody>
       </p:sp>
@@ -10093,56 +11109,6 @@
           <a:p>
             <a:pPr algn="ctr"/>
             <a:endParaRPr lang="en-GB"/>
-          </a:p>
-        </p:txBody>
-      </p:sp>
-      <p:sp>
-        <p:nvSpPr>
-          <p:cNvPr id="9" name="Rectangle 8">
-            <a:extLst>
-              <a:ext uri="{FF2B5EF4-FFF2-40B4-BE49-F238E27FC236}">
-                <a16:creationId xmlns:a16="http://schemas.microsoft.com/office/drawing/2014/main" id="{E3A8D1E9-E18C-452F-9924-D78CEBB9AD8B}"/>
-              </a:ext>
-            </a:extLst>
-          </p:cNvPr>
-          <p:cNvSpPr/>
-          <p:nvPr/>
-        </p:nvSpPr>
-        <p:spPr>
-          <a:xfrm>
-            <a:off x="1703022" y="2877687"/>
-            <a:ext cx="238536" cy="128735"/>
-          </a:xfrm>
-          <a:prstGeom prst="rect">
-            <a:avLst/>
-          </a:prstGeom>
-          <a:solidFill>
-            <a:srgbClr val="262B37"/>
-          </a:solidFill>
-          <a:ln>
-            <a:noFill/>
-          </a:ln>
-        </p:spPr>
-        <p:style>
-          <a:lnRef idx="2">
-            <a:schemeClr val="accent6"/>
-          </a:lnRef>
-          <a:fillRef idx="1">
-            <a:schemeClr val="lt1"/>
-          </a:fillRef>
-          <a:effectRef idx="0">
-            <a:schemeClr val="accent6"/>
-          </a:effectRef>
-          <a:fontRef idx="minor">
-            <a:schemeClr val="dk1"/>
-          </a:fontRef>
-        </p:style>
-        <p:txBody>
-          <a:bodyPr rtlCol="0" anchor="ctr"/>
-          <a:lstStyle/>
-          <a:p>
-            <a:pPr algn="ctr"/>
-            <a:endParaRPr lang="en-GB" dirty="0"/>
           </a:p>
         </p:txBody>
       </p:sp>
@@ -10191,6 +11157,110 @@
           <a:bodyPr rtlCol="0" anchor="ctr"/>
           <a:lstStyle/>
           <a:p>
+            <a:r>
+              <a:rPr lang="vi-VN" sz="3200" dirty="0" err="1">
+                <a:solidFill>
+                  <a:srgbClr val="E4E6EB"/>
+                </a:solidFill>
+              </a:rPr>
+              <a:t>Một</a:t>
+            </a:r>
+            <a:r>
+              <a:rPr lang="vi-VN" sz="3200" dirty="0">
+                <a:solidFill>
+                  <a:srgbClr val="E4E6EB"/>
+                </a:solidFill>
+              </a:rPr>
+              <a:t> </a:t>
+            </a:r>
+            <a:r>
+              <a:rPr lang="vi-VN" sz="3200" dirty="0" err="1">
+                <a:solidFill>
+                  <a:srgbClr val="E4E6EB"/>
+                </a:solidFill>
+              </a:rPr>
+              <a:t>số</a:t>
+            </a:r>
+            <a:r>
+              <a:rPr lang="vi-VN" sz="3200" dirty="0">
+                <a:solidFill>
+                  <a:srgbClr val="E4E6EB"/>
+                </a:solidFill>
+              </a:rPr>
+              <a:t> </a:t>
+            </a:r>
+            <a:r>
+              <a:rPr lang="vi-VN" sz="3200" dirty="0" err="1">
+                <a:solidFill>
+                  <a:srgbClr val="E4E6EB"/>
+                </a:solidFill>
+              </a:rPr>
+              <a:t>đặc</a:t>
+            </a:r>
+            <a:r>
+              <a:rPr lang="vi-VN" sz="3200" dirty="0">
+                <a:solidFill>
+                  <a:srgbClr val="E4E6EB"/>
+                </a:solidFill>
+              </a:rPr>
+              <a:t> </a:t>
+            </a:r>
+            <a:r>
+              <a:rPr lang="vi-VN" sz="3200" dirty="0" err="1">
+                <a:solidFill>
+                  <a:srgbClr val="E4E6EB"/>
+                </a:solidFill>
+              </a:rPr>
+              <a:t>điểm</a:t>
+            </a:r>
+            <a:r>
+              <a:rPr lang="vi-VN" sz="3200" dirty="0">
+                <a:solidFill>
+                  <a:srgbClr val="E4E6EB"/>
+                </a:solidFill>
+              </a:rPr>
+              <a:t> </a:t>
+            </a:r>
+            <a:r>
+              <a:rPr lang="vi-VN" sz="3200" dirty="0" err="1">
+                <a:solidFill>
+                  <a:srgbClr val="E4E6EB"/>
+                </a:solidFill>
+              </a:rPr>
+              <a:t>của</a:t>
+            </a:r>
+            <a:r>
+              <a:rPr lang="vi-VN" sz="3200" dirty="0">
+                <a:solidFill>
+                  <a:srgbClr val="E4E6EB"/>
+                </a:solidFill>
+              </a:rPr>
+              <a:t> </a:t>
+            </a:r>
+            <a:r>
+              <a:rPr lang="vi-VN" sz="3200" dirty="0" err="1">
+                <a:solidFill>
+                  <a:srgbClr val="E4E6EB"/>
+                </a:solidFill>
+              </a:rPr>
+              <a:t>Data</a:t>
+            </a:r>
+            <a:r>
+              <a:rPr lang="vi-VN" sz="3200" dirty="0">
+                <a:solidFill>
+                  <a:srgbClr val="E4E6EB"/>
+                </a:solidFill>
+              </a:rPr>
+              <a:t> </a:t>
+            </a:r>
+            <a:r>
+              <a:rPr lang="vi-VN" sz="3200" dirty="0" err="1">
+                <a:solidFill>
+                  <a:srgbClr val="E4E6EB"/>
+                </a:solidFill>
+              </a:rPr>
+              <a:t>Warehouse</a:t>
+            </a:r>
             <a:endParaRPr lang="en-GB" sz="3200" dirty="0"/>
           </a:p>
         </p:txBody>
@@ -10210,7 +11280,7 @@
         <p:spPr>
           <a:xfrm>
             <a:off x="1881806" y="1738015"/>
-            <a:ext cx="4094923" cy="666220"/>
+            <a:ext cx="9689911" cy="666220"/>
           </a:xfrm>
           <a:prstGeom prst="rect">
             <a:avLst/>
@@ -10256,7 +11326,7 @@
                 <a:ea typeface="Calibri" panose="020F0502020204030204" pitchFamily="34" charset="0"/>
                 <a:cs typeface="Times New Roman" panose="02020603050405020304" pitchFamily="18" charset="0"/>
               </a:rPr>
-              <a:t>Operational</a:t>
+              <a:t>Hướng</a:t>
             </a:r>
             <a:r>
               <a:rPr lang="vi-VN" sz="2800" dirty="0">
@@ -10276,7 +11346,57 @@
                 <a:ea typeface="Calibri" panose="020F0502020204030204" pitchFamily="34" charset="0"/>
                 <a:cs typeface="Times New Roman" panose="02020603050405020304" pitchFamily="18" charset="0"/>
               </a:rPr>
-              <a:t>Aplication</a:t>
+              <a:t>chủ</a:t>
+            </a:r>
+            <a:r>
+              <a:rPr lang="vi-VN" sz="2800" dirty="0">
+                <a:solidFill>
+                  <a:srgbClr val="262B37"/>
+                </a:solidFill>
+                <a:ea typeface="Calibri" panose="020F0502020204030204" pitchFamily="34" charset="0"/>
+                <a:cs typeface="Times New Roman" panose="02020603050405020304" pitchFamily="18" charset="0"/>
+              </a:rPr>
+              <a:t> </a:t>
+            </a:r>
+            <a:r>
+              <a:rPr lang="vi-VN" sz="2800" dirty="0" err="1">
+                <a:solidFill>
+                  <a:srgbClr val="262B37"/>
+                </a:solidFill>
+                <a:ea typeface="Calibri" panose="020F0502020204030204" pitchFamily="34" charset="0"/>
+                <a:cs typeface="Times New Roman" panose="02020603050405020304" pitchFamily="18" charset="0"/>
+              </a:rPr>
+              <a:t>thể</a:t>
+            </a:r>
+            <a:r>
+              <a:rPr lang="vi-VN" sz="2800" dirty="0">
+                <a:solidFill>
+                  <a:srgbClr val="262B37"/>
+                </a:solidFill>
+                <a:ea typeface="Calibri" panose="020F0502020204030204" pitchFamily="34" charset="0"/>
+                <a:cs typeface="Times New Roman" panose="02020603050405020304" pitchFamily="18" charset="0"/>
+              </a:rPr>
+              <a:t> (</a:t>
+            </a:r>
+            <a:r>
+              <a:rPr lang="vi-VN" sz="2800" dirty="0" err="1">
+                <a:solidFill>
+                  <a:srgbClr val="262B37"/>
+                </a:solidFill>
+                <a:ea typeface="Calibri" panose="020F0502020204030204" pitchFamily="34" charset="0"/>
+                <a:cs typeface="Times New Roman" panose="02020603050405020304" pitchFamily="18" charset="0"/>
+              </a:rPr>
+              <a:t>Subject-Oriented</a:t>
+            </a:r>
+            <a:r>
+              <a:rPr lang="vi-VN" sz="2800" dirty="0">
+                <a:solidFill>
+                  <a:srgbClr val="262B37"/>
+                </a:solidFill>
+                <a:ea typeface="Calibri" panose="020F0502020204030204" pitchFamily="34" charset="0"/>
+                <a:cs typeface="Times New Roman" panose="02020603050405020304" pitchFamily="18" charset="0"/>
+              </a:rPr>
+              <a:t>)</a:t>
             </a:r>
             <a:endParaRPr lang="en-GB" sz="2800" dirty="0">
               <a:solidFill>
@@ -10303,8 +11423,8 @@
         </p:nvSpPr>
         <p:spPr>
           <a:xfrm>
-            <a:off x="2030062" y="2620025"/>
-            <a:ext cx="4386470" cy="1223105"/>
+            <a:off x="1881805" y="2529864"/>
+            <a:ext cx="9689911" cy="666220"/>
           </a:xfrm>
           <a:prstGeom prst="rect">
             <a:avLst/>
@@ -10343,286 +11463,66 @@
               </a:spcAft>
             </a:pPr>
             <a:r>
-              <a:rPr lang="vi-VN" sz="2000" dirty="0" err="1">
-                <a:solidFill>
-                  <a:srgbClr val="262B37"/>
-                </a:solidFill>
-                <a:ea typeface="Calibri" panose="020F0502020204030204" pitchFamily="34" charset="0"/>
-                <a:cs typeface="Times New Roman" panose="02020603050405020304" pitchFamily="18" charset="0"/>
-              </a:rPr>
-              <a:t>Vấn</a:t>
-            </a:r>
-            <a:r>
-              <a:rPr lang="vi-VN" sz="2000" dirty="0">
-                <a:solidFill>
-                  <a:srgbClr val="262B37"/>
-                </a:solidFill>
-                <a:ea typeface="Calibri" panose="020F0502020204030204" pitchFamily="34" charset="0"/>
-                <a:cs typeface="Times New Roman" panose="02020603050405020304" pitchFamily="18" charset="0"/>
-              </a:rPr>
-              <a:t> </a:t>
-            </a:r>
-            <a:r>
-              <a:rPr lang="vi-VN" sz="2000" dirty="0" err="1">
-                <a:solidFill>
-                  <a:srgbClr val="262B37"/>
-                </a:solidFill>
-                <a:ea typeface="Calibri" panose="020F0502020204030204" pitchFamily="34" charset="0"/>
-                <a:cs typeface="Times New Roman" panose="02020603050405020304" pitchFamily="18" charset="0"/>
-              </a:rPr>
-              <a:t>đề</a:t>
-            </a:r>
-            <a:r>
-              <a:rPr lang="vi-VN" sz="2000" dirty="0">
-                <a:solidFill>
-                  <a:srgbClr val="262B37"/>
-                </a:solidFill>
-                <a:ea typeface="Calibri" panose="020F0502020204030204" pitchFamily="34" charset="0"/>
-                <a:cs typeface="Times New Roman" panose="02020603050405020304" pitchFamily="18" charset="0"/>
-              </a:rPr>
-              <a:t> trong </a:t>
-            </a:r>
-            <a:r>
-              <a:rPr lang="vi-VN" sz="2000" dirty="0" err="1">
-                <a:solidFill>
-                  <a:srgbClr val="262B37"/>
-                </a:solidFill>
-                <a:ea typeface="Calibri" panose="020F0502020204030204" pitchFamily="34" charset="0"/>
-                <a:cs typeface="Times New Roman" panose="02020603050405020304" pitchFamily="18" charset="0"/>
-              </a:rPr>
-              <a:t>việc</a:t>
-            </a:r>
-            <a:r>
-              <a:rPr lang="vi-VN" sz="2000" dirty="0">
-                <a:solidFill>
-                  <a:srgbClr val="262B37"/>
-                </a:solidFill>
-                <a:ea typeface="Calibri" panose="020F0502020204030204" pitchFamily="34" charset="0"/>
-                <a:cs typeface="Times New Roman" panose="02020603050405020304" pitchFamily="18" charset="0"/>
-              </a:rPr>
-              <a:t> duy </a:t>
-            </a:r>
-            <a:r>
-              <a:rPr lang="vi-VN" sz="2000" dirty="0" err="1">
-                <a:solidFill>
-                  <a:srgbClr val="262B37"/>
-                </a:solidFill>
-                <a:ea typeface="Calibri" panose="020F0502020204030204" pitchFamily="34" charset="0"/>
-                <a:cs typeface="Times New Roman" panose="02020603050405020304" pitchFamily="18" charset="0"/>
-              </a:rPr>
-              <a:t>trì</a:t>
-            </a:r>
-            <a:r>
-              <a:rPr lang="vi-VN" sz="2000" dirty="0">
-                <a:solidFill>
-                  <a:srgbClr val="262B37"/>
-                </a:solidFill>
-                <a:ea typeface="Calibri" panose="020F0502020204030204" pitchFamily="34" charset="0"/>
-                <a:cs typeface="Times New Roman" panose="02020603050405020304" pitchFamily="18" charset="0"/>
-              </a:rPr>
-              <a:t> tinh </a:t>
-            </a:r>
-            <a:r>
-              <a:rPr lang="vi-VN" sz="2000" dirty="0" err="1">
-                <a:solidFill>
-                  <a:srgbClr val="262B37"/>
-                </a:solidFill>
-                <a:ea typeface="Calibri" panose="020F0502020204030204" pitchFamily="34" charset="0"/>
-                <a:cs typeface="Times New Roman" panose="02020603050405020304" pitchFamily="18" charset="0"/>
-              </a:rPr>
-              <a:t>toàn</a:t>
-            </a:r>
-            <a:r>
-              <a:rPr lang="vi-VN" sz="2000" dirty="0">
-                <a:solidFill>
-                  <a:srgbClr val="262B37"/>
-                </a:solidFill>
-                <a:ea typeface="Calibri" panose="020F0502020204030204" pitchFamily="34" charset="0"/>
-                <a:cs typeface="Times New Roman" panose="02020603050405020304" pitchFamily="18" charset="0"/>
-              </a:rPr>
-              <a:t> </a:t>
-            </a:r>
-            <a:r>
-              <a:rPr lang="vi-VN" sz="2000" dirty="0" err="1">
-                <a:solidFill>
-                  <a:srgbClr val="262B37"/>
-                </a:solidFill>
-                <a:ea typeface="Calibri" panose="020F0502020204030204" pitchFamily="34" charset="0"/>
-                <a:cs typeface="Times New Roman" panose="02020603050405020304" pitchFamily="18" charset="0"/>
-              </a:rPr>
-              <a:t>vẹn</a:t>
-            </a:r>
-            <a:r>
-              <a:rPr lang="vi-VN" sz="2000" dirty="0">
-                <a:solidFill>
-                  <a:srgbClr val="262B37"/>
-                </a:solidFill>
-                <a:ea typeface="Calibri" panose="020F0502020204030204" pitchFamily="34" charset="0"/>
-                <a:cs typeface="Times New Roman" panose="02020603050405020304" pitchFamily="18" charset="0"/>
-              </a:rPr>
-              <a:t> </a:t>
-            </a:r>
-            <a:r>
-              <a:rPr lang="vi-VN" sz="2000" dirty="0" err="1">
-                <a:solidFill>
-                  <a:srgbClr val="262B37"/>
-                </a:solidFill>
-                <a:ea typeface="Calibri" panose="020F0502020204030204" pitchFamily="34" charset="0"/>
-                <a:cs typeface="Times New Roman" panose="02020603050405020304" pitchFamily="18" charset="0"/>
-              </a:rPr>
-              <a:t>của</a:t>
-            </a:r>
-            <a:r>
-              <a:rPr lang="vi-VN" sz="2000" dirty="0">
-                <a:solidFill>
-                  <a:srgbClr val="262B37"/>
-                </a:solidFill>
-                <a:ea typeface="Calibri" panose="020F0502020204030204" pitchFamily="34" charset="0"/>
-                <a:cs typeface="Times New Roman" panose="02020603050405020304" pitchFamily="18" charset="0"/>
-              </a:rPr>
-              <a:t> </a:t>
-            </a:r>
-            <a:r>
-              <a:rPr lang="vi-VN" sz="2000" dirty="0" err="1">
-                <a:solidFill>
-                  <a:srgbClr val="262B37"/>
-                </a:solidFill>
-                <a:ea typeface="Calibri" panose="020F0502020204030204" pitchFamily="34" charset="0"/>
-                <a:cs typeface="Times New Roman" panose="02020603050405020304" pitchFamily="18" charset="0"/>
-              </a:rPr>
-              <a:t>sản</a:t>
-            </a:r>
-            <a:r>
-              <a:rPr lang="vi-VN" sz="2000" dirty="0">
-                <a:solidFill>
-                  <a:srgbClr val="262B37"/>
-                </a:solidFill>
-                <a:ea typeface="Calibri" panose="020F0502020204030204" pitchFamily="34" charset="0"/>
-                <a:cs typeface="Times New Roman" panose="02020603050405020304" pitchFamily="18" charset="0"/>
-              </a:rPr>
-              <a:t> </a:t>
-            </a:r>
-            <a:r>
-              <a:rPr lang="vi-VN" sz="2000" dirty="0" err="1">
-                <a:solidFill>
-                  <a:srgbClr val="262B37"/>
-                </a:solidFill>
-                <a:ea typeface="Calibri" panose="020F0502020204030204" pitchFamily="34" charset="0"/>
-                <a:cs typeface="Times New Roman" panose="02020603050405020304" pitchFamily="18" charset="0"/>
-              </a:rPr>
-              <a:t>phẩm</a:t>
-            </a:r>
-            <a:r>
-              <a:rPr lang="vi-VN" sz="2000" dirty="0">
-                <a:solidFill>
-                  <a:srgbClr val="262B37"/>
-                </a:solidFill>
-                <a:ea typeface="Calibri" panose="020F0502020204030204" pitchFamily="34" charset="0"/>
-                <a:cs typeface="Times New Roman" panose="02020603050405020304" pitchFamily="18" charset="0"/>
-              </a:rPr>
-              <a:t> </a:t>
-            </a:r>
-            <a:r>
-              <a:rPr lang="vi-VN" sz="2000" dirty="0" err="1">
-                <a:solidFill>
-                  <a:srgbClr val="262B37"/>
-                </a:solidFill>
-                <a:ea typeface="Calibri" panose="020F0502020204030204" pitchFamily="34" charset="0"/>
-                <a:cs typeface="Times New Roman" panose="02020603050405020304" pitchFamily="18" charset="0"/>
-              </a:rPr>
-              <a:t>cuối</a:t>
-            </a:r>
-            <a:r>
-              <a:rPr lang="vi-VN" sz="2000" dirty="0">
-                <a:solidFill>
-                  <a:srgbClr val="262B37"/>
-                </a:solidFill>
-                <a:ea typeface="Calibri" panose="020F0502020204030204" pitchFamily="34" charset="0"/>
-                <a:cs typeface="Times New Roman" panose="02020603050405020304" pitchFamily="18" charset="0"/>
-              </a:rPr>
-              <a:t> </a:t>
-            </a:r>
-            <a:r>
-              <a:rPr lang="vi-VN" sz="2000" dirty="0" err="1">
-                <a:solidFill>
-                  <a:srgbClr val="262B37"/>
-                </a:solidFill>
-                <a:ea typeface="Calibri" panose="020F0502020204030204" pitchFamily="34" charset="0"/>
-                <a:cs typeface="Times New Roman" panose="02020603050405020304" pitchFamily="18" charset="0"/>
-              </a:rPr>
-              <a:t>cùng</a:t>
-            </a:r>
-            <a:r>
-              <a:rPr lang="vi-VN" sz="2000" dirty="0">
-                <a:solidFill>
-                  <a:srgbClr val="262B37"/>
-                </a:solidFill>
-                <a:ea typeface="Calibri" panose="020F0502020204030204" pitchFamily="34" charset="0"/>
-                <a:cs typeface="Times New Roman" panose="02020603050405020304" pitchFamily="18" charset="0"/>
-              </a:rPr>
-              <a:t> khi </a:t>
-            </a:r>
-            <a:r>
-              <a:rPr lang="vi-VN" sz="2000" dirty="0" err="1">
-                <a:solidFill>
-                  <a:srgbClr val="262B37"/>
-                </a:solidFill>
-                <a:ea typeface="Calibri" panose="020F0502020204030204" pitchFamily="34" charset="0"/>
-                <a:cs typeface="Times New Roman" panose="02020603050405020304" pitchFamily="18" charset="0"/>
-              </a:rPr>
-              <a:t>update</a:t>
-            </a:r>
-            <a:r>
-              <a:rPr lang="vi-VN" sz="2000" dirty="0">
-                <a:solidFill>
-                  <a:srgbClr val="262B37"/>
-                </a:solidFill>
-                <a:ea typeface="Calibri" panose="020F0502020204030204" pitchFamily="34" charset="0"/>
-                <a:cs typeface="Times New Roman" panose="02020603050405020304" pitchFamily="18" charset="0"/>
-              </a:rPr>
-              <a:t> </a:t>
-            </a:r>
-            <a:r>
-              <a:rPr lang="vi-VN" sz="2000" dirty="0" err="1">
-                <a:solidFill>
-                  <a:srgbClr val="262B37"/>
-                </a:solidFill>
-                <a:ea typeface="Calibri" panose="020F0502020204030204" pitchFamily="34" charset="0"/>
-                <a:cs typeface="Times New Roman" panose="02020603050405020304" pitchFamily="18" charset="0"/>
-              </a:rPr>
-              <a:t>dữ</a:t>
-            </a:r>
-            <a:r>
-              <a:rPr lang="vi-VN" sz="2000" dirty="0">
-                <a:solidFill>
-                  <a:srgbClr val="262B37"/>
-                </a:solidFill>
-                <a:ea typeface="Calibri" panose="020F0502020204030204" pitchFamily="34" charset="0"/>
-                <a:cs typeface="Times New Roman" panose="02020603050405020304" pitchFamily="18" charset="0"/>
-              </a:rPr>
-              <a:t> </a:t>
-            </a:r>
-            <a:r>
-              <a:rPr lang="vi-VN" sz="2000" dirty="0" err="1">
-                <a:solidFill>
-                  <a:srgbClr val="262B37"/>
-                </a:solidFill>
-                <a:ea typeface="Calibri" panose="020F0502020204030204" pitchFamily="34" charset="0"/>
-                <a:cs typeface="Times New Roman" panose="02020603050405020304" pitchFamily="18" charset="0"/>
-              </a:rPr>
-              <a:t>liệu</a:t>
-            </a:r>
-            <a:r>
-              <a:rPr lang="vi-VN" sz="2000" dirty="0">
-                <a:solidFill>
-                  <a:srgbClr val="262B37"/>
-                </a:solidFill>
-                <a:ea typeface="Calibri" panose="020F0502020204030204" pitchFamily="34" charset="0"/>
-                <a:cs typeface="Times New Roman" panose="02020603050405020304" pitchFamily="18" charset="0"/>
-              </a:rPr>
-              <a:t>.</a:t>
-            </a:r>
-            <a:endParaRPr lang="en-GB" sz="2000" dirty="0">
+              <a:rPr lang="vi-VN" sz="2800" dirty="0" err="1">
+                <a:solidFill>
+                  <a:srgbClr val="262B37"/>
+                </a:solidFill>
+                <a:ea typeface="Calibri" panose="020F0502020204030204" pitchFamily="34" charset="0"/>
+                <a:cs typeface="Times New Roman" panose="02020603050405020304" pitchFamily="18" charset="0"/>
+              </a:rPr>
+              <a:t>Tích</a:t>
+            </a:r>
+            <a:r>
+              <a:rPr lang="vi-VN" sz="2800" dirty="0">
+                <a:solidFill>
+                  <a:srgbClr val="262B37"/>
+                </a:solidFill>
+                <a:ea typeface="Calibri" panose="020F0502020204030204" pitchFamily="34" charset="0"/>
+                <a:cs typeface="Times New Roman" panose="02020603050405020304" pitchFamily="18" charset="0"/>
+              </a:rPr>
+              <a:t> </a:t>
+            </a:r>
+            <a:r>
+              <a:rPr lang="vi-VN" sz="2800" dirty="0" err="1">
+                <a:solidFill>
+                  <a:srgbClr val="262B37"/>
+                </a:solidFill>
+                <a:ea typeface="Calibri" panose="020F0502020204030204" pitchFamily="34" charset="0"/>
+                <a:cs typeface="Times New Roman" panose="02020603050405020304" pitchFamily="18" charset="0"/>
+              </a:rPr>
+              <a:t>hợp</a:t>
+            </a:r>
+            <a:r>
+              <a:rPr lang="vi-VN" sz="2800" dirty="0">
+                <a:solidFill>
+                  <a:srgbClr val="262B37"/>
+                </a:solidFill>
+                <a:ea typeface="Calibri" panose="020F0502020204030204" pitchFamily="34" charset="0"/>
+                <a:cs typeface="Times New Roman" panose="02020603050405020304" pitchFamily="18" charset="0"/>
+              </a:rPr>
+              <a:t> (</a:t>
+            </a:r>
+            <a:r>
+              <a:rPr lang="vi-VN" sz="2800" dirty="0" err="1">
+                <a:solidFill>
+                  <a:srgbClr val="262B37"/>
+                </a:solidFill>
+                <a:ea typeface="Calibri" panose="020F0502020204030204" pitchFamily="34" charset="0"/>
+                <a:cs typeface="Times New Roman" panose="02020603050405020304" pitchFamily="18" charset="0"/>
+              </a:rPr>
+              <a:t>Intergrated</a:t>
+            </a:r>
+            <a:r>
+              <a:rPr lang="vi-VN" sz="2800" dirty="0">
+                <a:solidFill>
+                  <a:srgbClr val="262B37"/>
+                </a:solidFill>
+                <a:ea typeface="Calibri" panose="020F0502020204030204" pitchFamily="34" charset="0"/>
+                <a:cs typeface="Times New Roman" panose="02020603050405020304" pitchFamily="18" charset="0"/>
+              </a:rPr>
+              <a:t>)</a:t>
+            </a:r>
+            <a:endParaRPr lang="en-GB" sz="2800" dirty="0">
               <a:solidFill>
                 <a:srgbClr val="262B37"/>
               </a:solidFill>
@@ -10635,10 +11535,10 @@
       </p:sp>
       <p:sp>
         <p:nvSpPr>
-          <p:cNvPr id="22" name="Rectangle 21">
-            <a:extLst>
-              <a:ext uri="{FF2B5EF4-FFF2-40B4-BE49-F238E27FC236}">
-                <a16:creationId xmlns:a16="http://schemas.microsoft.com/office/drawing/2014/main" id="{908F62B8-6043-4AEA-9179-D737C403AB05}"/>
+          <p:cNvPr id="18" name="Rectangle 17">
+            <a:extLst>
+              <a:ext uri="{FF2B5EF4-FFF2-40B4-BE49-F238E27FC236}">
+                <a16:creationId xmlns:a16="http://schemas.microsoft.com/office/drawing/2014/main" id="{D22C87DD-278D-42B7-861A-C0A26706EE0B}"/>
               </a:ext>
             </a:extLst>
           </p:cNvPr>
@@ -10647,8 +11547,8 @@
         </p:nvSpPr>
         <p:spPr>
           <a:xfrm>
-            <a:off x="7280782" y="1701268"/>
-            <a:ext cx="4094923" cy="666220"/>
+            <a:off x="1881804" y="3321713"/>
+            <a:ext cx="9689911" cy="666220"/>
           </a:xfrm>
           <a:prstGeom prst="rect">
             <a:avLst/>
@@ -10695,7 +11595,7 @@
                 <a:ea typeface="Calibri" panose="020F0502020204030204" pitchFamily="34" charset="0"/>
                 <a:cs typeface="Times New Roman" panose="02020603050405020304" pitchFamily="18" charset="0"/>
               </a:rPr>
-              <a:t>Data</a:t>
+              <a:t>Biến</a:t>
             </a:r>
             <a:r>
               <a:rPr lang="vi-VN" sz="2800" dirty="0">
@@ -10717,7 +11617,62 @@
                 <a:ea typeface="Calibri" panose="020F0502020204030204" pitchFamily="34" charset="0"/>
                 <a:cs typeface="Times New Roman" panose="02020603050405020304" pitchFamily="18" charset="0"/>
               </a:rPr>
-              <a:t>Warehouse</a:t>
+              <a:t>thể</a:t>
+            </a:r>
+            <a:r>
+              <a:rPr lang="vi-VN" sz="2800" dirty="0">
+                <a:solidFill>
+                  <a:srgbClr val="262B37"/>
+                </a:solidFill>
+                <a:effectLst/>
+                <a:ea typeface="Calibri" panose="020F0502020204030204" pitchFamily="34" charset="0"/>
+                <a:cs typeface="Times New Roman" panose="02020603050405020304" pitchFamily="18" charset="0"/>
+              </a:rPr>
+              <a:t> </a:t>
+            </a:r>
+            <a:r>
+              <a:rPr lang="vi-VN" sz="2800" dirty="0" err="1">
+                <a:solidFill>
+                  <a:srgbClr val="262B37"/>
+                </a:solidFill>
+                <a:effectLst/>
+                <a:ea typeface="Calibri" panose="020F0502020204030204" pitchFamily="34" charset="0"/>
+                <a:cs typeface="Times New Roman" panose="02020603050405020304" pitchFamily="18" charset="0"/>
+              </a:rPr>
+              <a:t>thời</a:t>
+            </a:r>
+            <a:r>
+              <a:rPr lang="vi-VN" sz="2800" dirty="0">
+                <a:solidFill>
+                  <a:srgbClr val="262B37"/>
+                </a:solidFill>
+                <a:effectLst/>
+                <a:ea typeface="Calibri" panose="020F0502020204030204" pitchFamily="34" charset="0"/>
+                <a:cs typeface="Times New Roman" panose="02020603050405020304" pitchFamily="18" charset="0"/>
+              </a:rPr>
+              <a:t> gian (</a:t>
+            </a:r>
+            <a:r>
+              <a:rPr lang="vi-VN" sz="2800" dirty="0" err="1">
+                <a:solidFill>
+                  <a:srgbClr val="262B37"/>
+                </a:solidFill>
+                <a:effectLst/>
+                <a:ea typeface="Calibri" panose="020F0502020204030204" pitchFamily="34" charset="0"/>
+                <a:cs typeface="Times New Roman" panose="02020603050405020304" pitchFamily="18" charset="0"/>
+              </a:rPr>
+              <a:t>Time-Variant</a:t>
+            </a:r>
+            <a:r>
+              <a:rPr lang="vi-VN" sz="2800" dirty="0">
+                <a:solidFill>
+                  <a:srgbClr val="262B37"/>
+                </a:solidFill>
+                <a:effectLst/>
+                <a:ea typeface="Calibri" panose="020F0502020204030204" pitchFamily="34" charset="0"/>
+                <a:cs typeface="Times New Roman" panose="02020603050405020304" pitchFamily="18" charset="0"/>
+              </a:rPr>
+              <a:t>)</a:t>
             </a:r>
             <a:endParaRPr lang="en-GB" sz="2800" dirty="0">
               <a:solidFill>
@@ -10732,10 +11687,10 @@
       </p:sp>
       <p:sp>
         <p:nvSpPr>
-          <p:cNvPr id="23" name="Rectangle 22">
-            <a:extLst>
-              <a:ext uri="{FF2B5EF4-FFF2-40B4-BE49-F238E27FC236}">
-                <a16:creationId xmlns:a16="http://schemas.microsoft.com/office/drawing/2014/main" id="{739D49AB-97D7-4794-9ECB-A1028BB74FE4}"/>
+          <p:cNvPr id="19" name="Rectangle 18">
+            <a:extLst>
+              <a:ext uri="{FF2B5EF4-FFF2-40B4-BE49-F238E27FC236}">
+                <a16:creationId xmlns:a16="http://schemas.microsoft.com/office/drawing/2014/main" id="{44F279E0-C5E6-496F-9FC0-F77C1DE83A95}"/>
               </a:ext>
             </a:extLst>
           </p:cNvPr>
@@ -10744,158 +11699,8 @@
         </p:nvSpPr>
         <p:spPr>
           <a:xfrm>
-            <a:off x="6139065" y="1903495"/>
-            <a:ext cx="129210" cy="4168875"/>
-          </a:xfrm>
-          <a:prstGeom prst="rect">
-            <a:avLst/>
-          </a:prstGeom>
-          <a:solidFill>
-            <a:srgbClr val="FEAE1F"/>
-          </a:solidFill>
-          <a:ln>
-            <a:noFill/>
-          </a:ln>
-        </p:spPr>
-        <p:style>
-          <a:lnRef idx="2">
-            <a:schemeClr val="accent6"/>
-          </a:lnRef>
-          <a:fillRef idx="1">
-            <a:schemeClr val="lt1"/>
-          </a:fillRef>
-          <a:effectRef idx="0">
-            <a:schemeClr val="accent6"/>
-          </a:effectRef>
-          <a:fontRef idx="minor">
-            <a:schemeClr val="dk1"/>
-          </a:fontRef>
-        </p:style>
-        <p:txBody>
-          <a:bodyPr rtlCol="0" anchor="ctr"/>
-          <a:lstStyle/>
-          <a:p>
-            <a:pPr algn="ctr"/>
-            <a:endParaRPr lang="en-GB"/>
-          </a:p>
-        </p:txBody>
-      </p:sp>
-      <p:sp>
-        <p:nvSpPr>
-          <p:cNvPr id="27" name="Rectangle 26">
-            <a:extLst>
-              <a:ext uri="{FF2B5EF4-FFF2-40B4-BE49-F238E27FC236}">
-                <a16:creationId xmlns:a16="http://schemas.microsoft.com/office/drawing/2014/main" id="{899DD284-7DBF-4E4C-ABEA-95A2A661CE09}"/>
-              </a:ext>
-            </a:extLst>
-          </p:cNvPr>
-          <p:cNvSpPr/>
-          <p:nvPr/>
-        </p:nvSpPr>
-        <p:spPr>
-          <a:xfrm>
-            <a:off x="6583382" y="2877686"/>
-            <a:ext cx="238536" cy="128735"/>
-          </a:xfrm>
-          <a:prstGeom prst="rect">
-            <a:avLst/>
-          </a:prstGeom>
-          <a:solidFill>
-            <a:srgbClr val="262B37"/>
-          </a:solidFill>
-          <a:ln>
-            <a:noFill/>
-          </a:ln>
-        </p:spPr>
-        <p:style>
-          <a:lnRef idx="2">
-            <a:schemeClr val="accent6"/>
-          </a:lnRef>
-          <a:fillRef idx="1">
-            <a:schemeClr val="lt1"/>
-          </a:fillRef>
-          <a:effectRef idx="0">
-            <a:schemeClr val="accent6"/>
-          </a:effectRef>
-          <a:fontRef idx="minor">
-            <a:schemeClr val="dk1"/>
-          </a:fontRef>
-        </p:style>
-        <p:txBody>
-          <a:bodyPr rtlCol="0" anchor="ctr"/>
-          <a:lstStyle/>
-          <a:p>
-            <a:pPr algn="ctr"/>
-            <a:endParaRPr lang="en-GB" dirty="0"/>
-          </a:p>
-        </p:txBody>
-      </p:sp>
-      <p:sp>
-        <p:nvSpPr>
-          <p:cNvPr id="28" name="Rectangle 27">
-            <a:extLst>
-              <a:ext uri="{FF2B5EF4-FFF2-40B4-BE49-F238E27FC236}">
-                <a16:creationId xmlns:a16="http://schemas.microsoft.com/office/drawing/2014/main" id="{A447BB73-5FB9-4F04-B6B7-00EAD0F20516}"/>
-              </a:ext>
-            </a:extLst>
-          </p:cNvPr>
-          <p:cNvSpPr/>
-          <p:nvPr/>
-        </p:nvSpPr>
-        <p:spPr>
-          <a:xfrm flipH="1" flipV="1">
-            <a:off x="1590256" y="2338340"/>
-            <a:ext cx="9652553" cy="128735"/>
-          </a:xfrm>
-          <a:prstGeom prst="rect">
-            <a:avLst/>
-          </a:prstGeom>
-          <a:solidFill>
-            <a:srgbClr val="FEAE1F"/>
-          </a:solidFill>
-          <a:ln>
-            <a:noFill/>
-          </a:ln>
-        </p:spPr>
-        <p:style>
-          <a:lnRef idx="2">
-            <a:schemeClr val="accent6"/>
-          </a:lnRef>
-          <a:fillRef idx="1">
-            <a:schemeClr val="lt1"/>
-          </a:fillRef>
-          <a:effectRef idx="0">
-            <a:schemeClr val="accent6"/>
-          </a:effectRef>
-          <a:fontRef idx="minor">
-            <a:schemeClr val="dk1"/>
-          </a:fontRef>
-        </p:style>
-        <p:txBody>
-          <a:bodyPr rtlCol="0" anchor="ctr"/>
-          <a:lstStyle/>
-          <a:p>
-            <a:pPr algn="ctr"/>
-            <a:endParaRPr lang="en-GB"/>
-          </a:p>
-        </p:txBody>
-      </p:sp>
-      <p:sp>
-        <p:nvSpPr>
-          <p:cNvPr id="29" name="Rectangle 28">
-            <a:extLst>
-              <a:ext uri="{FF2B5EF4-FFF2-40B4-BE49-F238E27FC236}">
-                <a16:creationId xmlns:a16="http://schemas.microsoft.com/office/drawing/2014/main" id="{63EC6E21-C1A3-44EE-934A-4FBEFEDCD310}"/>
-              </a:ext>
-            </a:extLst>
-          </p:cNvPr>
-          <p:cNvSpPr/>
-          <p:nvPr/>
-        </p:nvSpPr>
-        <p:spPr>
-          <a:xfrm>
-            <a:off x="6988768" y="2581743"/>
-            <a:ext cx="4386470" cy="971314"/>
+            <a:off x="1881803" y="4113562"/>
+            <a:ext cx="9689911" cy="666220"/>
           </a:xfrm>
           <a:prstGeom prst="rect">
             <a:avLst/>
@@ -10934,246 +11739,36 @@
               </a:spcAft>
             </a:pPr>
             <a:r>
-              <a:rPr lang="vi-VN" sz="2000" dirty="0" err="1">
-                <a:solidFill>
-                  <a:srgbClr val="262B37"/>
-                </a:solidFill>
-                <a:ea typeface="Calibri" panose="020F0502020204030204" pitchFamily="34" charset="0"/>
-                <a:cs typeface="Times New Roman" panose="02020603050405020304" pitchFamily="18" charset="0"/>
-              </a:rPr>
-              <a:t>Vấn</a:t>
-            </a:r>
-            <a:r>
-              <a:rPr lang="vi-VN" sz="2000" dirty="0">
-                <a:solidFill>
-                  <a:srgbClr val="262B37"/>
-                </a:solidFill>
-                <a:ea typeface="Calibri" panose="020F0502020204030204" pitchFamily="34" charset="0"/>
-                <a:cs typeface="Times New Roman" panose="02020603050405020304" pitchFamily="18" charset="0"/>
-              </a:rPr>
-              <a:t> </a:t>
-            </a:r>
-            <a:r>
-              <a:rPr lang="vi-VN" sz="2000" dirty="0" err="1">
-                <a:solidFill>
-                  <a:srgbClr val="262B37"/>
-                </a:solidFill>
-                <a:ea typeface="Calibri" panose="020F0502020204030204" pitchFamily="34" charset="0"/>
-                <a:cs typeface="Times New Roman" panose="02020603050405020304" pitchFamily="18" charset="0"/>
-              </a:rPr>
-              <a:t>đề</a:t>
-            </a:r>
-            <a:r>
-              <a:rPr lang="vi-VN" sz="2000" dirty="0">
-                <a:solidFill>
-                  <a:srgbClr val="262B37"/>
-                </a:solidFill>
-                <a:ea typeface="Calibri" panose="020F0502020204030204" pitchFamily="34" charset="0"/>
-                <a:cs typeface="Times New Roman" panose="02020603050405020304" pitchFamily="18" charset="0"/>
-              </a:rPr>
-              <a:t> </a:t>
-            </a:r>
-            <a:r>
-              <a:rPr lang="vi-VN" sz="2000" dirty="0" err="1">
-                <a:solidFill>
-                  <a:srgbClr val="262B37"/>
-                </a:solidFill>
-                <a:ea typeface="Calibri" panose="020F0502020204030204" pitchFamily="34" charset="0"/>
-                <a:cs typeface="Times New Roman" panose="02020603050405020304" pitchFamily="18" charset="0"/>
-              </a:rPr>
-              <a:t>này</a:t>
-            </a:r>
-            <a:r>
-              <a:rPr lang="vi-VN" sz="2000" dirty="0">
-                <a:solidFill>
-                  <a:srgbClr val="262B37"/>
-                </a:solidFill>
-                <a:ea typeface="Calibri" panose="020F0502020204030204" pitchFamily="34" charset="0"/>
-                <a:cs typeface="Times New Roman" panose="02020603050405020304" pitchFamily="18" charset="0"/>
-              </a:rPr>
-              <a:t> không </a:t>
-            </a:r>
-            <a:r>
-              <a:rPr lang="vi-VN" sz="2000" dirty="0" err="1">
-                <a:solidFill>
-                  <a:srgbClr val="262B37"/>
-                </a:solidFill>
-                <a:ea typeface="Calibri" panose="020F0502020204030204" pitchFamily="34" charset="0"/>
-                <a:cs typeface="Times New Roman" panose="02020603050405020304" pitchFamily="18" charset="0"/>
-              </a:rPr>
-              <a:t>xảy</a:t>
-            </a:r>
-            <a:r>
-              <a:rPr lang="vi-VN" sz="2000" dirty="0">
-                <a:solidFill>
-                  <a:srgbClr val="262B37"/>
-                </a:solidFill>
-                <a:ea typeface="Calibri" panose="020F0502020204030204" pitchFamily="34" charset="0"/>
-                <a:cs typeface="Times New Roman" panose="02020603050405020304" pitchFamily="18" charset="0"/>
-              </a:rPr>
-              <a:t> ra </a:t>
-            </a:r>
-            <a:r>
-              <a:rPr lang="vi-VN" sz="2000" dirty="0" err="1">
-                <a:solidFill>
-                  <a:srgbClr val="262B37"/>
-                </a:solidFill>
-                <a:ea typeface="Calibri" panose="020F0502020204030204" pitchFamily="34" charset="0"/>
-                <a:cs typeface="Times New Roman" panose="02020603050405020304" pitchFamily="18" charset="0"/>
-              </a:rPr>
-              <a:t>vì</a:t>
-            </a:r>
-            <a:r>
-              <a:rPr lang="vi-VN" sz="2000" dirty="0">
-                <a:solidFill>
-                  <a:srgbClr val="262B37"/>
-                </a:solidFill>
-                <a:ea typeface="Calibri" panose="020F0502020204030204" pitchFamily="34" charset="0"/>
-                <a:cs typeface="Times New Roman" panose="02020603050405020304" pitchFamily="18" charset="0"/>
-              </a:rPr>
-              <a:t> </a:t>
-            </a:r>
-            <a:r>
-              <a:rPr lang="vi-VN" sz="2000" dirty="0" err="1">
-                <a:solidFill>
-                  <a:srgbClr val="262B37"/>
-                </a:solidFill>
-                <a:ea typeface="Calibri" panose="020F0502020204030204" pitchFamily="34" charset="0"/>
-                <a:cs typeface="Times New Roman" panose="02020603050405020304" pitchFamily="18" charset="0"/>
-              </a:rPr>
-              <a:t>cập</a:t>
-            </a:r>
-            <a:r>
-              <a:rPr lang="vi-VN" sz="2000" dirty="0">
-                <a:solidFill>
-                  <a:srgbClr val="262B37"/>
-                </a:solidFill>
-                <a:ea typeface="Calibri" panose="020F0502020204030204" pitchFamily="34" charset="0"/>
-                <a:cs typeface="Times New Roman" panose="02020603050405020304" pitchFamily="18" charset="0"/>
-              </a:rPr>
-              <a:t> </a:t>
-            </a:r>
-            <a:r>
-              <a:rPr lang="vi-VN" sz="2000" dirty="0" err="1">
-                <a:solidFill>
-                  <a:srgbClr val="262B37"/>
-                </a:solidFill>
-                <a:ea typeface="Calibri" panose="020F0502020204030204" pitchFamily="34" charset="0"/>
-                <a:cs typeface="Times New Roman" panose="02020603050405020304" pitchFamily="18" charset="0"/>
-              </a:rPr>
-              <a:t>nhật</a:t>
-            </a:r>
-            <a:r>
-              <a:rPr lang="vi-VN" sz="2000" dirty="0">
-                <a:solidFill>
-                  <a:srgbClr val="262B37"/>
-                </a:solidFill>
-                <a:ea typeface="Calibri" panose="020F0502020204030204" pitchFamily="34" charset="0"/>
-                <a:cs typeface="Times New Roman" panose="02020603050405020304" pitchFamily="18" charset="0"/>
-              </a:rPr>
-              <a:t> </a:t>
-            </a:r>
-            <a:r>
-              <a:rPr lang="vi-VN" sz="2000" dirty="0" err="1">
-                <a:solidFill>
-                  <a:srgbClr val="262B37"/>
-                </a:solidFill>
-                <a:ea typeface="Calibri" panose="020F0502020204030204" pitchFamily="34" charset="0"/>
-                <a:cs typeface="Times New Roman" panose="02020603050405020304" pitchFamily="18" charset="0"/>
-              </a:rPr>
-              <a:t>dữ</a:t>
-            </a:r>
-            <a:r>
-              <a:rPr lang="vi-VN" sz="2000" dirty="0">
-                <a:solidFill>
-                  <a:srgbClr val="262B37"/>
-                </a:solidFill>
-                <a:ea typeface="Calibri" panose="020F0502020204030204" pitchFamily="34" charset="0"/>
-                <a:cs typeface="Times New Roman" panose="02020603050405020304" pitchFamily="18" charset="0"/>
-              </a:rPr>
-              <a:t> </a:t>
-            </a:r>
-            <a:r>
-              <a:rPr lang="vi-VN" sz="2000" dirty="0" err="1">
-                <a:solidFill>
-                  <a:srgbClr val="262B37"/>
-                </a:solidFill>
-                <a:ea typeface="Calibri" panose="020F0502020204030204" pitchFamily="34" charset="0"/>
-                <a:cs typeface="Times New Roman" panose="02020603050405020304" pitchFamily="18" charset="0"/>
-              </a:rPr>
-              <a:t>liệu</a:t>
-            </a:r>
-            <a:r>
-              <a:rPr lang="vi-VN" sz="2000" dirty="0">
-                <a:solidFill>
-                  <a:srgbClr val="262B37"/>
-                </a:solidFill>
-                <a:ea typeface="Calibri" panose="020F0502020204030204" pitchFamily="34" charset="0"/>
-                <a:cs typeface="Times New Roman" panose="02020603050405020304" pitchFamily="18" charset="0"/>
-              </a:rPr>
-              <a:t> không </a:t>
-            </a:r>
-            <a:r>
-              <a:rPr lang="vi-VN" sz="2000" dirty="0" err="1">
-                <a:solidFill>
-                  <a:srgbClr val="262B37"/>
-                </a:solidFill>
-                <a:ea typeface="Calibri" panose="020F0502020204030204" pitchFamily="34" charset="0"/>
-                <a:cs typeface="Times New Roman" panose="02020603050405020304" pitchFamily="18" charset="0"/>
-              </a:rPr>
-              <a:t>được</a:t>
-            </a:r>
-            <a:r>
-              <a:rPr lang="vi-VN" sz="2000" dirty="0">
-                <a:solidFill>
-                  <a:srgbClr val="262B37"/>
-                </a:solidFill>
-                <a:ea typeface="Calibri" panose="020F0502020204030204" pitchFamily="34" charset="0"/>
-                <a:cs typeface="Times New Roman" panose="02020603050405020304" pitchFamily="18" charset="0"/>
-              </a:rPr>
-              <a:t> </a:t>
-            </a:r>
-            <a:r>
-              <a:rPr lang="vi-VN" sz="2000" dirty="0" err="1">
-                <a:solidFill>
-                  <a:srgbClr val="262B37"/>
-                </a:solidFill>
-                <a:ea typeface="Calibri" panose="020F0502020204030204" pitchFamily="34" charset="0"/>
-                <a:cs typeface="Times New Roman" panose="02020603050405020304" pitchFamily="18" charset="0"/>
-              </a:rPr>
-              <a:t>thực</a:t>
-            </a:r>
-            <a:r>
-              <a:rPr lang="vi-VN" sz="2000" dirty="0">
-                <a:solidFill>
-                  <a:srgbClr val="262B37"/>
-                </a:solidFill>
-                <a:ea typeface="Calibri" panose="020F0502020204030204" pitchFamily="34" charset="0"/>
-                <a:cs typeface="Times New Roman" panose="02020603050405020304" pitchFamily="18" charset="0"/>
-              </a:rPr>
-              <a:t> </a:t>
-            </a:r>
-            <a:r>
-              <a:rPr lang="vi-VN" sz="2000" dirty="0" err="1">
-                <a:solidFill>
-                  <a:srgbClr val="262B37"/>
-                </a:solidFill>
-                <a:ea typeface="Calibri" panose="020F0502020204030204" pitchFamily="34" charset="0"/>
-                <a:cs typeface="Times New Roman" panose="02020603050405020304" pitchFamily="18" charset="0"/>
-              </a:rPr>
-              <a:t>hiện</a:t>
-            </a:r>
-            <a:r>
-              <a:rPr lang="vi-VN" sz="2000" dirty="0">
-                <a:solidFill>
-                  <a:srgbClr val="262B37"/>
-                </a:solidFill>
-                <a:ea typeface="Calibri" panose="020F0502020204030204" pitchFamily="34" charset="0"/>
-                <a:cs typeface="Times New Roman" panose="02020603050405020304" pitchFamily="18" charset="0"/>
-              </a:rPr>
-              <a:t>.</a:t>
-            </a:r>
-            <a:endParaRPr lang="en-GB" sz="2000" dirty="0">
+              <a:rPr lang="vi-VN" sz="2800" dirty="0">
+                <a:solidFill>
+                  <a:srgbClr val="262B37"/>
+                </a:solidFill>
+                <a:ea typeface="Calibri" panose="020F0502020204030204" pitchFamily="34" charset="0"/>
+                <a:cs typeface="Times New Roman" panose="02020603050405020304" pitchFamily="18" charset="0"/>
+              </a:rPr>
+              <a:t>Không bay hơi (Non-</a:t>
+            </a:r>
+            <a:r>
+              <a:rPr lang="vi-VN" sz="2800" dirty="0" err="1">
+                <a:solidFill>
+                  <a:srgbClr val="262B37"/>
+                </a:solidFill>
+                <a:ea typeface="Calibri" panose="020F0502020204030204" pitchFamily="34" charset="0"/>
+                <a:cs typeface="Times New Roman" panose="02020603050405020304" pitchFamily="18" charset="0"/>
+              </a:rPr>
+              <a:t>volatile</a:t>
+            </a:r>
+            <a:r>
+              <a:rPr lang="vi-VN" sz="2800" dirty="0">
+                <a:solidFill>
+                  <a:srgbClr val="262B37"/>
+                </a:solidFill>
+                <a:ea typeface="Calibri" panose="020F0502020204030204" pitchFamily="34" charset="0"/>
+                <a:cs typeface="Times New Roman" panose="02020603050405020304" pitchFamily="18" charset="0"/>
+              </a:rPr>
+              <a:t>)</a:t>
+            </a:r>
+            <a:endParaRPr lang="en-GB" sz="2800" dirty="0">
               <a:solidFill>
                 <a:srgbClr val="262B37"/>
               </a:solidFill>
@@ -11184,72 +11779,35 @@
           </a:p>
         </p:txBody>
       </p:sp>
-      <p:sp>
-        <p:nvSpPr>
-          <p:cNvPr id="30" name="Rectangle 29">
-            <a:extLst>
-              <a:ext uri="{FF2B5EF4-FFF2-40B4-BE49-F238E27FC236}">
-                <a16:creationId xmlns:a16="http://schemas.microsoft.com/office/drawing/2014/main" id="{A1DD76D4-4E97-44D1-A35A-DF6FA4975539}"/>
-              </a:ext>
-            </a:extLst>
-          </p:cNvPr>
-          <p:cNvSpPr/>
+      <p:pic>
+        <p:nvPicPr>
+          <p:cNvPr id="22" name="Picture 21">
+            <a:extLst>
+              <a:ext uri="{FF2B5EF4-FFF2-40B4-BE49-F238E27FC236}">
+                <a16:creationId xmlns:a16="http://schemas.microsoft.com/office/drawing/2014/main" id="{C663D997-E463-4827-A9F4-A0D9E8C22CDE}"/>
+              </a:ext>
+            </a:extLst>
+          </p:cNvPr>
+          <p:cNvPicPr/>
           <p:nvPr/>
-        </p:nvSpPr>
-        <p:spPr>
+        </p:nvPicPr>
+        <p:blipFill>
+          <a:blip r:embed="rId2">
+            <a:extLst>
+              <a:ext uri="{28A0092B-C50C-407E-A947-70E740481C1C}">
+                <a14:useLocalDpi xmlns:a14="http://schemas.microsoft.com/office/drawing/2010/main" val="0"/>
+              </a:ext>
+            </a:extLst>
+          </a:blip>
+          <a:srcRect/>
+          <a:stretch>
+            <a:fillRect/>
+          </a:stretch>
+        </p:blipFill>
+        <p:spPr bwMode="auto">
           <a:xfrm>
-            <a:off x="1703022" y="4037035"/>
-            <a:ext cx="238536" cy="128735"/>
-          </a:xfrm>
-          <a:prstGeom prst="rect">
-            <a:avLst/>
-          </a:prstGeom>
-          <a:solidFill>
-            <a:srgbClr val="262B37"/>
-          </a:solidFill>
-          <a:ln>
-            <a:noFill/>
-          </a:ln>
-        </p:spPr>
-        <p:style>
-          <a:lnRef idx="2">
-            <a:schemeClr val="accent6"/>
-          </a:lnRef>
-          <a:fillRef idx="1">
-            <a:schemeClr val="lt1"/>
-          </a:fillRef>
-          <a:effectRef idx="0">
-            <a:schemeClr val="accent6"/>
-          </a:effectRef>
-          <a:fontRef idx="minor">
-            <a:schemeClr val="dk1"/>
-          </a:fontRef>
-        </p:style>
-        <p:txBody>
-          <a:bodyPr rtlCol="0" anchor="ctr"/>
-          <a:lstStyle/>
-          <a:p>
-            <a:pPr algn="ctr"/>
-            <a:endParaRPr lang="en-GB" dirty="0"/>
-          </a:p>
-        </p:txBody>
-      </p:sp>
-      <p:sp>
-        <p:nvSpPr>
-          <p:cNvPr id="31" name="Rectangle 30">
-            <a:extLst>
-              <a:ext uri="{FF2B5EF4-FFF2-40B4-BE49-F238E27FC236}">
-                <a16:creationId xmlns:a16="http://schemas.microsoft.com/office/drawing/2014/main" id="{51AE34B7-6EBF-4B82-AB1E-80FC5D4A5E19}"/>
-              </a:ext>
-            </a:extLst>
-          </p:cNvPr>
-          <p:cNvSpPr/>
-          <p:nvPr/>
-        </p:nvSpPr>
-        <p:spPr>
-          <a:xfrm>
-            <a:off x="2030062" y="3621831"/>
-            <a:ext cx="4065938" cy="1223105"/>
+            <a:off x="1881803" y="1699643"/>
+            <a:ext cx="7924804" cy="4827838"/>
           </a:xfrm>
           <a:prstGeom prst="rect">
             <a:avLst/>
@@ -11259,1057 +11817,11 @@
             <a:noFill/>
           </a:ln>
         </p:spPr>
-        <p:style>
-          <a:lnRef idx="2">
-            <a:schemeClr val="accent1">
-              <a:shade val="50000"/>
-            </a:schemeClr>
-          </a:lnRef>
-          <a:fillRef idx="1">
-            <a:schemeClr val="accent1"/>
-          </a:fillRef>
-          <a:effectRef idx="0">
-            <a:schemeClr val="accent1"/>
-          </a:effectRef>
-          <a:fontRef idx="minor">
-            <a:schemeClr val="lt1"/>
-          </a:fontRef>
-        </p:style>
-        <p:txBody>
-          <a:bodyPr rtlCol="0" anchor="ctr"/>
-          <a:lstStyle/>
-          <a:p>
-            <a:pPr marL="0" marR="0">
-              <a:spcBef>
-                <a:spcPts val="0"/>
-              </a:spcBef>
-              <a:spcAft>
-                <a:spcPts val="0"/>
-              </a:spcAft>
-            </a:pPr>
-            <a:r>
-              <a:rPr lang="vi-VN" sz="2000" dirty="0" err="1">
-                <a:solidFill>
-                  <a:srgbClr val="262B37"/>
-                </a:solidFill>
-                <a:effectLst/>
-                <a:ea typeface="Calibri" panose="020F0502020204030204" pitchFamily="34" charset="0"/>
-                <a:cs typeface="Times New Roman" panose="02020603050405020304" pitchFamily="18" charset="0"/>
-              </a:rPr>
-              <a:t>Dữ</a:t>
-            </a:r>
-            <a:r>
-              <a:rPr lang="vi-VN" sz="2000" dirty="0">
-                <a:solidFill>
-                  <a:srgbClr val="262B37"/>
-                </a:solidFill>
-                <a:effectLst/>
-                <a:ea typeface="Calibri" panose="020F0502020204030204" pitchFamily="34" charset="0"/>
-                <a:cs typeface="Times New Roman" panose="02020603050405020304" pitchFamily="18" charset="0"/>
-              </a:rPr>
-              <a:t> </a:t>
-            </a:r>
-            <a:r>
-              <a:rPr lang="vi-VN" sz="2000" dirty="0" err="1">
-                <a:solidFill>
-                  <a:srgbClr val="262B37"/>
-                </a:solidFill>
-                <a:effectLst/>
-                <a:ea typeface="Calibri" panose="020F0502020204030204" pitchFamily="34" charset="0"/>
-                <a:cs typeface="Times New Roman" panose="02020603050405020304" pitchFamily="18" charset="0"/>
-              </a:rPr>
-              <a:t>liệu</a:t>
-            </a:r>
-            <a:r>
-              <a:rPr lang="vi-VN" sz="2000" dirty="0">
-                <a:solidFill>
-                  <a:srgbClr val="262B37"/>
-                </a:solidFill>
-                <a:effectLst/>
-                <a:ea typeface="Calibri" panose="020F0502020204030204" pitchFamily="34" charset="0"/>
-                <a:cs typeface="Times New Roman" panose="02020603050405020304" pitchFamily="18" charset="0"/>
-              </a:rPr>
-              <a:t> </a:t>
-            </a:r>
-            <a:r>
-              <a:rPr lang="vi-VN" sz="2000" dirty="0" err="1">
-                <a:solidFill>
-                  <a:srgbClr val="262B37"/>
-                </a:solidFill>
-                <a:effectLst/>
-                <a:ea typeface="Calibri" panose="020F0502020204030204" pitchFamily="34" charset="0"/>
-                <a:cs typeface="Times New Roman" panose="02020603050405020304" pitchFamily="18" charset="0"/>
-              </a:rPr>
-              <a:t>được</a:t>
-            </a:r>
-            <a:r>
-              <a:rPr lang="vi-VN" sz="2000" dirty="0">
-                <a:solidFill>
-                  <a:srgbClr val="262B37"/>
-                </a:solidFill>
-                <a:effectLst/>
-                <a:ea typeface="Calibri" panose="020F0502020204030204" pitchFamily="34" charset="0"/>
-                <a:cs typeface="Times New Roman" panose="02020603050405020304" pitchFamily="18" charset="0"/>
-              </a:rPr>
-              <a:t> </a:t>
-            </a:r>
-            <a:r>
-              <a:rPr lang="vi-VN" sz="2000" dirty="0" err="1">
-                <a:solidFill>
-                  <a:srgbClr val="262B37"/>
-                </a:solidFill>
-                <a:effectLst/>
-                <a:ea typeface="Calibri" panose="020F0502020204030204" pitchFamily="34" charset="0"/>
-                <a:cs typeface="Times New Roman" panose="02020603050405020304" pitchFamily="18" charset="0"/>
-              </a:rPr>
-              <a:t>đặt</a:t>
-            </a:r>
-            <a:r>
-              <a:rPr lang="vi-VN" sz="2000" dirty="0">
-                <a:solidFill>
-                  <a:srgbClr val="262B37"/>
-                </a:solidFill>
-                <a:effectLst/>
-                <a:ea typeface="Calibri" panose="020F0502020204030204" pitchFamily="34" charset="0"/>
-                <a:cs typeface="Times New Roman" panose="02020603050405020304" pitchFamily="18" charset="0"/>
-              </a:rPr>
-              <a:t> ở </a:t>
-            </a:r>
-            <a:r>
-              <a:rPr lang="vi-VN" sz="2000" dirty="0" err="1">
-                <a:solidFill>
-                  <a:srgbClr val="262B37"/>
-                </a:solidFill>
-                <a:effectLst/>
-                <a:ea typeface="Calibri" panose="020F0502020204030204" pitchFamily="34" charset="0"/>
-                <a:cs typeface="Times New Roman" panose="02020603050405020304" pitchFamily="18" charset="0"/>
-              </a:rPr>
-              <a:t>dạng</a:t>
-            </a:r>
-            <a:r>
-              <a:rPr lang="vi-VN" sz="2000" dirty="0">
-                <a:solidFill>
-                  <a:srgbClr val="262B37"/>
-                </a:solidFill>
-                <a:effectLst/>
-                <a:ea typeface="Calibri" panose="020F0502020204030204" pitchFamily="34" charset="0"/>
-                <a:cs typeface="Times New Roman" panose="02020603050405020304" pitchFamily="18" charset="0"/>
-              </a:rPr>
-              <a:t> </a:t>
-            </a:r>
-            <a:r>
-              <a:rPr lang="vi-VN" sz="2000" dirty="0" err="1">
-                <a:solidFill>
-                  <a:srgbClr val="262B37"/>
-                </a:solidFill>
-                <a:effectLst/>
-                <a:ea typeface="Calibri" panose="020F0502020204030204" pitchFamily="34" charset="0"/>
-                <a:cs typeface="Times New Roman" panose="02020603050405020304" pitchFamily="18" charset="0"/>
-              </a:rPr>
-              <a:t>chuẩn</a:t>
-            </a:r>
-            <a:r>
-              <a:rPr lang="vi-VN" sz="2000" dirty="0">
-                <a:solidFill>
-                  <a:srgbClr val="262B37"/>
-                </a:solidFill>
-                <a:effectLst/>
-                <a:ea typeface="Calibri" panose="020F0502020204030204" pitchFamily="34" charset="0"/>
-                <a:cs typeface="Times New Roman" panose="02020603050405020304" pitchFamily="18" charset="0"/>
-              </a:rPr>
-              <a:t> </a:t>
-            </a:r>
-            <a:r>
-              <a:rPr lang="vi-VN" sz="2000" dirty="0" err="1">
-                <a:solidFill>
-                  <a:srgbClr val="262B37"/>
-                </a:solidFill>
-                <a:effectLst/>
-                <a:ea typeface="Calibri" panose="020F0502020204030204" pitchFamily="34" charset="0"/>
-                <a:cs typeface="Times New Roman" panose="02020603050405020304" pitchFamily="18" charset="0"/>
-              </a:rPr>
-              <a:t>hóa</a:t>
-            </a:r>
-            <a:r>
-              <a:rPr lang="vi-VN" sz="2000" dirty="0">
-                <a:solidFill>
-                  <a:srgbClr val="262B37"/>
-                </a:solidFill>
-                <a:effectLst/>
-                <a:ea typeface="Calibri" panose="020F0502020204030204" pitchFamily="34" charset="0"/>
-                <a:cs typeface="Times New Roman" panose="02020603050405020304" pitchFamily="18" charset="0"/>
-              </a:rPr>
-              <a:t>.</a:t>
-            </a:r>
-            <a:endParaRPr lang="en-GB" sz="2000" dirty="0">
-              <a:solidFill>
-                <a:srgbClr val="262B37"/>
-              </a:solidFill>
-              <a:effectLst/>
-              <a:ea typeface="Calibri" panose="020F0502020204030204" pitchFamily="34" charset="0"/>
-              <a:cs typeface="Times New Roman" panose="02020603050405020304" pitchFamily="18" charset="0"/>
-            </a:endParaRPr>
-          </a:p>
-        </p:txBody>
-      </p:sp>
-      <p:sp>
-        <p:nvSpPr>
-          <p:cNvPr id="33" name="Rectangle 32">
-            <a:extLst>
-              <a:ext uri="{FF2B5EF4-FFF2-40B4-BE49-F238E27FC236}">
-                <a16:creationId xmlns:a16="http://schemas.microsoft.com/office/drawing/2014/main" id="{F562BAAC-F1B7-47B1-833A-EDB5CE5C3FF7}"/>
-              </a:ext>
-            </a:extLst>
-          </p:cNvPr>
-          <p:cNvSpPr/>
-          <p:nvPr/>
-        </p:nvSpPr>
-        <p:spPr>
-          <a:xfrm>
-            <a:off x="6583382" y="4037035"/>
-            <a:ext cx="238536" cy="128735"/>
-          </a:xfrm>
-          <a:prstGeom prst="rect">
-            <a:avLst/>
-          </a:prstGeom>
-          <a:solidFill>
-            <a:srgbClr val="262B37"/>
-          </a:solidFill>
-          <a:ln>
-            <a:noFill/>
-          </a:ln>
-        </p:spPr>
-        <p:style>
-          <a:lnRef idx="2">
-            <a:schemeClr val="accent6"/>
-          </a:lnRef>
-          <a:fillRef idx="1">
-            <a:schemeClr val="lt1"/>
-          </a:fillRef>
-          <a:effectRef idx="0">
-            <a:schemeClr val="accent6"/>
-          </a:effectRef>
-          <a:fontRef idx="minor">
-            <a:schemeClr val="dk1"/>
-          </a:fontRef>
-        </p:style>
-        <p:txBody>
-          <a:bodyPr rtlCol="0" anchor="ctr"/>
-          <a:lstStyle/>
-          <a:p>
-            <a:pPr algn="ctr"/>
-            <a:endParaRPr lang="en-GB" dirty="0"/>
-          </a:p>
-        </p:txBody>
-      </p:sp>
-      <p:sp>
-        <p:nvSpPr>
-          <p:cNvPr id="34" name="Rectangle 33">
-            <a:extLst>
-              <a:ext uri="{FF2B5EF4-FFF2-40B4-BE49-F238E27FC236}">
-                <a16:creationId xmlns:a16="http://schemas.microsoft.com/office/drawing/2014/main" id="{5034F04A-6789-4BB2-A96E-4C00F4464A99}"/>
-              </a:ext>
-            </a:extLst>
-          </p:cNvPr>
-          <p:cNvSpPr/>
-          <p:nvPr/>
-        </p:nvSpPr>
-        <p:spPr>
-          <a:xfrm>
-            <a:off x="6988768" y="3621831"/>
-            <a:ext cx="4065938" cy="1223105"/>
-          </a:xfrm>
-          <a:prstGeom prst="rect">
-            <a:avLst/>
-          </a:prstGeom>
-          <a:noFill/>
-          <a:ln>
-            <a:noFill/>
-          </a:ln>
-        </p:spPr>
-        <p:style>
-          <a:lnRef idx="2">
-            <a:schemeClr val="accent1">
-              <a:shade val="50000"/>
-            </a:schemeClr>
-          </a:lnRef>
-          <a:fillRef idx="1">
-            <a:schemeClr val="accent1"/>
-          </a:fillRef>
-          <a:effectRef idx="0">
-            <a:schemeClr val="accent1"/>
-          </a:effectRef>
-          <a:fontRef idx="minor">
-            <a:schemeClr val="lt1"/>
-          </a:fontRef>
-        </p:style>
-        <p:txBody>
-          <a:bodyPr rtlCol="0" anchor="ctr"/>
-          <a:lstStyle/>
-          <a:p>
-            <a:pPr marL="0" marR="0">
-              <a:spcBef>
-                <a:spcPts val="0"/>
-              </a:spcBef>
-              <a:spcAft>
-                <a:spcPts val="0"/>
-              </a:spcAft>
-            </a:pPr>
-            <a:r>
-              <a:rPr lang="vi-VN" sz="2000" dirty="0" err="1">
-                <a:solidFill>
-                  <a:srgbClr val="262B37"/>
-                </a:solidFill>
-                <a:effectLst/>
-                <a:ea typeface="Calibri" panose="020F0502020204030204" pitchFamily="34" charset="0"/>
-                <a:cs typeface="Times New Roman" panose="02020603050405020304" pitchFamily="18" charset="0"/>
-              </a:rPr>
-              <a:t>Dữ</a:t>
-            </a:r>
-            <a:r>
-              <a:rPr lang="vi-VN" sz="2000" dirty="0">
-                <a:solidFill>
-                  <a:srgbClr val="262B37"/>
-                </a:solidFill>
-                <a:effectLst/>
-                <a:ea typeface="Calibri" panose="020F0502020204030204" pitchFamily="34" charset="0"/>
-                <a:cs typeface="Times New Roman" panose="02020603050405020304" pitchFamily="18" charset="0"/>
-              </a:rPr>
-              <a:t> </a:t>
-            </a:r>
-            <a:r>
-              <a:rPr lang="vi-VN" sz="2000" dirty="0" err="1">
-                <a:solidFill>
-                  <a:srgbClr val="262B37"/>
-                </a:solidFill>
-                <a:effectLst/>
-                <a:ea typeface="Calibri" panose="020F0502020204030204" pitchFamily="34" charset="0"/>
-                <a:cs typeface="Times New Roman" panose="02020603050405020304" pitchFamily="18" charset="0"/>
-              </a:rPr>
-              <a:t>liệu</a:t>
-            </a:r>
-            <a:r>
-              <a:rPr lang="vi-VN" sz="2000" dirty="0">
-                <a:solidFill>
-                  <a:srgbClr val="262B37"/>
-                </a:solidFill>
-                <a:effectLst/>
-                <a:ea typeface="Calibri" panose="020F0502020204030204" pitchFamily="34" charset="0"/>
-                <a:cs typeface="Times New Roman" panose="02020603050405020304" pitchFamily="18" charset="0"/>
-              </a:rPr>
-              <a:t> không </a:t>
-            </a:r>
-            <a:r>
-              <a:rPr lang="vi-VN" sz="2000" dirty="0" err="1">
-                <a:solidFill>
-                  <a:srgbClr val="262B37"/>
-                </a:solidFill>
-                <a:effectLst/>
-                <a:ea typeface="Calibri" panose="020F0502020204030204" pitchFamily="34" charset="0"/>
-                <a:cs typeface="Times New Roman" panose="02020603050405020304" pitchFamily="18" charset="0"/>
-              </a:rPr>
-              <a:t>được</a:t>
-            </a:r>
-            <a:r>
-              <a:rPr lang="vi-VN" sz="2000" dirty="0">
-                <a:solidFill>
-                  <a:srgbClr val="262B37"/>
-                </a:solidFill>
-                <a:effectLst/>
-                <a:ea typeface="Calibri" panose="020F0502020204030204" pitchFamily="34" charset="0"/>
-                <a:cs typeface="Times New Roman" panose="02020603050405020304" pitchFamily="18" charset="0"/>
-              </a:rPr>
-              <a:t> lưu ở </a:t>
-            </a:r>
-            <a:r>
-              <a:rPr lang="vi-VN" sz="2000" dirty="0" err="1">
-                <a:solidFill>
-                  <a:srgbClr val="262B37"/>
-                </a:solidFill>
-                <a:effectLst/>
-                <a:ea typeface="Calibri" panose="020F0502020204030204" pitchFamily="34" charset="0"/>
-                <a:cs typeface="Times New Roman" panose="02020603050405020304" pitchFamily="18" charset="0"/>
-              </a:rPr>
-              <a:t>dạng</a:t>
-            </a:r>
-            <a:r>
-              <a:rPr lang="vi-VN" sz="2000" dirty="0">
-                <a:solidFill>
-                  <a:srgbClr val="262B37"/>
-                </a:solidFill>
-                <a:effectLst/>
-                <a:ea typeface="Calibri" panose="020F0502020204030204" pitchFamily="34" charset="0"/>
-                <a:cs typeface="Times New Roman" panose="02020603050405020304" pitchFamily="18" charset="0"/>
-              </a:rPr>
-              <a:t> </a:t>
-            </a:r>
-            <a:r>
-              <a:rPr lang="vi-VN" sz="2000" dirty="0" err="1">
-                <a:solidFill>
-                  <a:srgbClr val="262B37"/>
-                </a:solidFill>
-                <a:effectLst/>
-                <a:ea typeface="Calibri" panose="020F0502020204030204" pitchFamily="34" charset="0"/>
-                <a:cs typeface="Times New Roman" panose="02020603050405020304" pitchFamily="18" charset="0"/>
-              </a:rPr>
-              <a:t>chuẩn</a:t>
-            </a:r>
-            <a:r>
-              <a:rPr lang="vi-VN" sz="2000" dirty="0">
-                <a:solidFill>
-                  <a:srgbClr val="262B37"/>
-                </a:solidFill>
-                <a:effectLst/>
-                <a:ea typeface="Calibri" panose="020F0502020204030204" pitchFamily="34" charset="0"/>
-                <a:cs typeface="Times New Roman" panose="02020603050405020304" pitchFamily="18" charset="0"/>
-              </a:rPr>
-              <a:t> </a:t>
-            </a:r>
-            <a:r>
-              <a:rPr lang="vi-VN" sz="2000" dirty="0" err="1">
-                <a:solidFill>
-                  <a:srgbClr val="262B37"/>
-                </a:solidFill>
-                <a:effectLst/>
-                <a:ea typeface="Calibri" panose="020F0502020204030204" pitchFamily="34" charset="0"/>
-                <a:cs typeface="Times New Roman" panose="02020603050405020304" pitchFamily="18" charset="0"/>
-              </a:rPr>
-              <a:t>hóa</a:t>
-            </a:r>
-            <a:r>
-              <a:rPr lang="vi-VN" sz="2000" dirty="0">
-                <a:solidFill>
-                  <a:srgbClr val="262B37"/>
-                </a:solidFill>
-                <a:effectLst/>
-                <a:ea typeface="Calibri" panose="020F0502020204030204" pitchFamily="34" charset="0"/>
-                <a:cs typeface="Times New Roman" panose="02020603050405020304" pitchFamily="18" charset="0"/>
-              </a:rPr>
-              <a:t>.</a:t>
-            </a:r>
-            <a:endParaRPr lang="en-GB" sz="2000" dirty="0">
-              <a:solidFill>
-                <a:srgbClr val="262B37"/>
-              </a:solidFill>
-              <a:effectLst/>
-              <a:ea typeface="Calibri" panose="020F0502020204030204" pitchFamily="34" charset="0"/>
-              <a:cs typeface="Times New Roman" panose="02020603050405020304" pitchFamily="18" charset="0"/>
-            </a:endParaRPr>
-          </a:p>
-        </p:txBody>
-      </p:sp>
-      <p:sp>
-        <p:nvSpPr>
-          <p:cNvPr id="42" name="Rectangle 41">
-            <a:extLst>
-              <a:ext uri="{FF2B5EF4-FFF2-40B4-BE49-F238E27FC236}">
-                <a16:creationId xmlns:a16="http://schemas.microsoft.com/office/drawing/2014/main" id="{BCF8FEE6-6830-490E-B3A8-7500DCB70C16}"/>
-              </a:ext>
-            </a:extLst>
-          </p:cNvPr>
-          <p:cNvSpPr/>
-          <p:nvPr/>
-        </p:nvSpPr>
-        <p:spPr>
-          <a:xfrm>
-            <a:off x="1703022" y="5196383"/>
-            <a:ext cx="238536" cy="128735"/>
-          </a:xfrm>
-          <a:prstGeom prst="rect">
-            <a:avLst/>
-          </a:prstGeom>
-          <a:solidFill>
-            <a:srgbClr val="262B37"/>
-          </a:solidFill>
-          <a:ln>
-            <a:noFill/>
-          </a:ln>
-        </p:spPr>
-        <p:style>
-          <a:lnRef idx="2">
-            <a:schemeClr val="accent6"/>
-          </a:lnRef>
-          <a:fillRef idx="1">
-            <a:schemeClr val="lt1"/>
-          </a:fillRef>
-          <a:effectRef idx="0">
-            <a:schemeClr val="accent6"/>
-          </a:effectRef>
-          <a:fontRef idx="minor">
-            <a:schemeClr val="dk1"/>
-          </a:fontRef>
-        </p:style>
-        <p:txBody>
-          <a:bodyPr rtlCol="0" anchor="ctr"/>
-          <a:lstStyle/>
-          <a:p>
-            <a:pPr algn="ctr"/>
-            <a:endParaRPr lang="en-GB" dirty="0"/>
-          </a:p>
-        </p:txBody>
-      </p:sp>
-      <p:sp>
-        <p:nvSpPr>
-          <p:cNvPr id="43" name="Rectangle 42">
-            <a:extLst>
-              <a:ext uri="{FF2B5EF4-FFF2-40B4-BE49-F238E27FC236}">
-                <a16:creationId xmlns:a16="http://schemas.microsoft.com/office/drawing/2014/main" id="{C0737BA2-149F-4940-A5AD-B7C468B61D49}"/>
-              </a:ext>
-            </a:extLst>
-          </p:cNvPr>
-          <p:cNvSpPr/>
-          <p:nvPr/>
-        </p:nvSpPr>
-        <p:spPr>
-          <a:xfrm>
-            <a:off x="2030062" y="4849265"/>
-            <a:ext cx="3946667" cy="1326248"/>
-          </a:xfrm>
-          <a:prstGeom prst="rect">
-            <a:avLst/>
-          </a:prstGeom>
-          <a:noFill/>
-          <a:ln>
-            <a:noFill/>
-          </a:ln>
-        </p:spPr>
-        <p:style>
-          <a:lnRef idx="2">
-            <a:schemeClr val="accent1">
-              <a:shade val="50000"/>
-            </a:schemeClr>
-          </a:lnRef>
-          <a:fillRef idx="1">
-            <a:schemeClr val="accent1"/>
-          </a:fillRef>
-          <a:effectRef idx="0">
-            <a:schemeClr val="accent1"/>
-          </a:effectRef>
-          <a:fontRef idx="minor">
-            <a:schemeClr val="lt1"/>
-          </a:fontRef>
-        </p:style>
-        <p:txBody>
-          <a:bodyPr rtlCol="0" anchor="ctr"/>
-          <a:lstStyle/>
-          <a:p>
-            <a:pPr marL="0" marR="0">
-              <a:spcBef>
-                <a:spcPts val="0"/>
-              </a:spcBef>
-              <a:spcAft>
-                <a:spcPts val="0"/>
-              </a:spcAft>
-            </a:pPr>
-            <a:r>
-              <a:rPr lang="vi-VN" sz="2000" dirty="0" err="1">
-                <a:solidFill>
-                  <a:srgbClr val="262B37"/>
-                </a:solidFill>
-                <a:ea typeface="Calibri" panose="020F0502020204030204" pitchFamily="34" charset="0"/>
-                <a:cs typeface="Times New Roman" panose="02020603050405020304" pitchFamily="18" charset="0"/>
-              </a:rPr>
-              <a:t>Cần</a:t>
-            </a:r>
-            <a:r>
-              <a:rPr lang="vi-VN" sz="2000" dirty="0">
-                <a:solidFill>
-                  <a:srgbClr val="262B37"/>
-                </a:solidFill>
-                <a:ea typeface="Calibri" panose="020F0502020204030204" pitchFamily="34" charset="0"/>
-                <a:cs typeface="Times New Roman" panose="02020603050405020304" pitchFamily="18" charset="0"/>
-              </a:rPr>
-              <a:t> </a:t>
-            </a:r>
-            <a:r>
-              <a:rPr lang="vi-VN" sz="2000" dirty="0" err="1">
-                <a:solidFill>
-                  <a:srgbClr val="262B37"/>
-                </a:solidFill>
-                <a:ea typeface="Calibri" panose="020F0502020204030204" pitchFamily="34" charset="0"/>
-                <a:cs typeface="Times New Roman" panose="02020603050405020304" pitchFamily="18" charset="0"/>
-              </a:rPr>
-              <a:t>có</a:t>
-            </a:r>
-            <a:r>
-              <a:rPr lang="vi-VN" sz="2000" dirty="0">
-                <a:solidFill>
-                  <a:srgbClr val="262B37"/>
-                </a:solidFill>
-                <a:ea typeface="Calibri" panose="020F0502020204030204" pitchFamily="34" charset="0"/>
-                <a:cs typeface="Times New Roman" panose="02020603050405020304" pitchFamily="18" charset="0"/>
-              </a:rPr>
-              <a:t> </a:t>
-            </a:r>
-            <a:r>
-              <a:rPr lang="vi-VN" sz="2000" dirty="0" err="1">
-                <a:solidFill>
-                  <a:srgbClr val="262B37"/>
-                </a:solidFill>
-                <a:ea typeface="Calibri" panose="020F0502020204030204" pitchFamily="34" charset="0"/>
-                <a:cs typeface="Times New Roman" panose="02020603050405020304" pitchFamily="18" charset="0"/>
-              </a:rPr>
-              <a:t>kỹ</a:t>
-            </a:r>
-            <a:r>
-              <a:rPr lang="vi-VN" sz="2000" dirty="0">
-                <a:solidFill>
-                  <a:srgbClr val="262B37"/>
-                </a:solidFill>
-                <a:ea typeface="Calibri" panose="020F0502020204030204" pitchFamily="34" charset="0"/>
-                <a:cs typeface="Times New Roman" panose="02020603050405020304" pitchFamily="18" charset="0"/>
-              </a:rPr>
-              <a:t> </a:t>
-            </a:r>
-            <a:r>
-              <a:rPr lang="vi-VN" sz="2000" dirty="0" err="1">
-                <a:solidFill>
-                  <a:srgbClr val="262B37"/>
-                </a:solidFill>
-                <a:ea typeface="Calibri" panose="020F0502020204030204" pitchFamily="34" charset="0"/>
-                <a:cs typeface="Times New Roman" panose="02020603050405020304" pitchFamily="18" charset="0"/>
-              </a:rPr>
-              <a:t>thuật</a:t>
-            </a:r>
-            <a:r>
-              <a:rPr lang="vi-VN" sz="2000" dirty="0">
-                <a:solidFill>
-                  <a:srgbClr val="262B37"/>
-                </a:solidFill>
-                <a:ea typeface="Calibri" panose="020F0502020204030204" pitchFamily="34" charset="0"/>
-                <a:cs typeface="Times New Roman" panose="02020603050405020304" pitchFamily="18" charset="0"/>
-              </a:rPr>
-              <a:t> </a:t>
-            </a:r>
-            <a:r>
-              <a:rPr lang="vi-VN" sz="2000" dirty="0" err="1">
-                <a:solidFill>
-                  <a:srgbClr val="262B37"/>
-                </a:solidFill>
-                <a:ea typeface="Calibri" panose="020F0502020204030204" pitchFamily="34" charset="0"/>
-                <a:cs typeface="Times New Roman" panose="02020603050405020304" pitchFamily="18" charset="0"/>
-              </a:rPr>
-              <a:t>giải</a:t>
-            </a:r>
-            <a:r>
-              <a:rPr lang="vi-VN" sz="2000" dirty="0">
-                <a:solidFill>
-                  <a:srgbClr val="262B37"/>
-                </a:solidFill>
-                <a:ea typeface="Calibri" panose="020F0502020204030204" pitchFamily="34" charset="0"/>
-                <a:cs typeface="Times New Roman" panose="02020603050405020304" pitchFamily="18" charset="0"/>
-              </a:rPr>
-              <a:t> </a:t>
-            </a:r>
-            <a:r>
-              <a:rPr lang="vi-VN" sz="2000" dirty="0" err="1">
-                <a:solidFill>
-                  <a:srgbClr val="262B37"/>
-                </a:solidFill>
-                <a:ea typeface="Calibri" panose="020F0502020204030204" pitchFamily="34" charset="0"/>
-                <a:cs typeface="Times New Roman" panose="02020603050405020304" pitchFamily="18" charset="0"/>
-              </a:rPr>
-              <a:t>quyết</a:t>
-            </a:r>
-            <a:r>
-              <a:rPr lang="vi-VN" sz="2000" dirty="0">
-                <a:solidFill>
-                  <a:srgbClr val="262B37"/>
-                </a:solidFill>
-                <a:ea typeface="Calibri" panose="020F0502020204030204" pitchFamily="34" charset="0"/>
-                <a:cs typeface="Times New Roman" panose="02020603050405020304" pitchFamily="18" charset="0"/>
-              </a:rPr>
-              <a:t> </a:t>
-            </a:r>
-            <a:r>
-              <a:rPr lang="vi-VN" sz="2000" dirty="0" err="1">
-                <a:solidFill>
-                  <a:srgbClr val="262B37"/>
-                </a:solidFill>
-                <a:ea typeface="Calibri" panose="020F0502020204030204" pitchFamily="34" charset="0"/>
-                <a:cs typeface="Times New Roman" panose="02020603050405020304" pitchFamily="18" charset="0"/>
-              </a:rPr>
-              <a:t>vấn</a:t>
-            </a:r>
-            <a:r>
-              <a:rPr lang="vi-VN" sz="2000" dirty="0">
-                <a:solidFill>
-                  <a:srgbClr val="262B37"/>
-                </a:solidFill>
-                <a:ea typeface="Calibri" panose="020F0502020204030204" pitchFamily="34" charset="0"/>
-                <a:cs typeface="Times New Roman" panose="02020603050405020304" pitchFamily="18" charset="0"/>
-              </a:rPr>
-              <a:t> </a:t>
-            </a:r>
-            <a:r>
-              <a:rPr lang="vi-VN" sz="2000" dirty="0" err="1">
-                <a:solidFill>
-                  <a:srgbClr val="262B37"/>
-                </a:solidFill>
-                <a:ea typeface="Calibri" panose="020F0502020204030204" pitchFamily="34" charset="0"/>
-                <a:cs typeface="Times New Roman" panose="02020603050405020304" pitchFamily="18" charset="0"/>
-              </a:rPr>
-              <a:t>đề</a:t>
-            </a:r>
-            <a:r>
-              <a:rPr lang="vi-VN" sz="2000" dirty="0">
-                <a:solidFill>
-                  <a:srgbClr val="262B37"/>
-                </a:solidFill>
-                <a:ea typeface="Calibri" panose="020F0502020204030204" pitchFamily="34" charset="0"/>
-                <a:cs typeface="Times New Roman" panose="02020603050405020304" pitchFamily="18" charset="0"/>
-              </a:rPr>
-              <a:t> </a:t>
-            </a:r>
-            <a:r>
-              <a:rPr lang="vi-VN" sz="2000" dirty="0" err="1">
-                <a:solidFill>
-                  <a:srgbClr val="262B37"/>
-                </a:solidFill>
-                <a:ea typeface="Calibri" panose="020F0502020204030204" pitchFamily="34" charset="0"/>
-                <a:cs typeface="Times New Roman" panose="02020603050405020304" pitchFamily="18" charset="0"/>
-              </a:rPr>
-              <a:t>về</a:t>
-            </a:r>
-            <a:r>
-              <a:rPr lang="vi-VN" sz="2000" dirty="0">
-                <a:solidFill>
-                  <a:srgbClr val="262B37"/>
-                </a:solidFill>
-                <a:ea typeface="Calibri" panose="020F0502020204030204" pitchFamily="34" charset="0"/>
-                <a:cs typeface="Times New Roman" panose="02020603050405020304" pitchFamily="18" charset="0"/>
-              </a:rPr>
-              <a:t> </a:t>
-            </a:r>
-            <a:r>
-              <a:rPr lang="vi-VN" sz="2000" dirty="0" err="1">
-                <a:solidFill>
-                  <a:srgbClr val="262B37"/>
-                </a:solidFill>
-                <a:ea typeface="Calibri" panose="020F0502020204030204" pitchFamily="34" charset="0"/>
-                <a:cs typeface="Times New Roman" panose="02020603050405020304" pitchFamily="18" charset="0"/>
-              </a:rPr>
-              <a:t>transaction</a:t>
-            </a:r>
-            <a:r>
-              <a:rPr lang="vi-VN" sz="2000" dirty="0">
-                <a:solidFill>
-                  <a:srgbClr val="262B37"/>
-                </a:solidFill>
-                <a:ea typeface="Calibri" panose="020F0502020204030204" pitchFamily="34" charset="0"/>
-                <a:cs typeface="Times New Roman" panose="02020603050405020304" pitchFamily="18" charset="0"/>
-              </a:rPr>
-              <a:t>, khôi </a:t>
-            </a:r>
-            <a:r>
-              <a:rPr lang="vi-VN" sz="2000" dirty="0" err="1">
-                <a:solidFill>
-                  <a:srgbClr val="262B37"/>
-                </a:solidFill>
-                <a:ea typeface="Calibri" panose="020F0502020204030204" pitchFamily="34" charset="0"/>
-                <a:cs typeface="Times New Roman" panose="02020603050405020304" pitchFamily="18" charset="0"/>
-              </a:rPr>
-              <a:t>phục</a:t>
-            </a:r>
-            <a:r>
-              <a:rPr lang="vi-VN" sz="2000" dirty="0">
-                <a:solidFill>
-                  <a:srgbClr val="262B37"/>
-                </a:solidFill>
-                <a:ea typeface="Calibri" panose="020F0502020204030204" pitchFamily="34" charset="0"/>
-                <a:cs typeface="Times New Roman" panose="02020603050405020304" pitchFamily="18" charset="0"/>
-              </a:rPr>
-              <a:t>, </a:t>
-            </a:r>
-            <a:r>
-              <a:rPr lang="vi-VN" sz="2000" dirty="0" err="1">
-                <a:solidFill>
-                  <a:srgbClr val="262B37"/>
-                </a:solidFill>
-                <a:ea typeface="Calibri" panose="020F0502020204030204" pitchFamily="34" charset="0"/>
-                <a:cs typeface="Times New Roman" panose="02020603050405020304" pitchFamily="18" charset="0"/>
-              </a:rPr>
-              <a:t>rollback</a:t>
-            </a:r>
-            <a:r>
-              <a:rPr lang="vi-VN" sz="2000" dirty="0">
-                <a:solidFill>
-                  <a:srgbClr val="262B37"/>
-                </a:solidFill>
-                <a:ea typeface="Calibri" panose="020F0502020204030204" pitchFamily="34" charset="0"/>
-                <a:cs typeface="Times New Roman" panose="02020603050405020304" pitchFamily="18" charset="0"/>
-              </a:rPr>
-              <a:t> </a:t>
-            </a:r>
-            <a:r>
-              <a:rPr lang="vi-VN" sz="2000" dirty="0" err="1">
-                <a:solidFill>
-                  <a:srgbClr val="262B37"/>
-                </a:solidFill>
-                <a:ea typeface="Calibri" panose="020F0502020204030204" pitchFamily="34" charset="0"/>
-                <a:cs typeface="Times New Roman" panose="02020603050405020304" pitchFamily="18" charset="0"/>
-              </a:rPr>
-              <a:t>dữ</a:t>
-            </a:r>
-            <a:r>
-              <a:rPr lang="vi-VN" sz="2000" dirty="0">
-                <a:solidFill>
-                  <a:srgbClr val="262B37"/>
-                </a:solidFill>
-                <a:ea typeface="Calibri" panose="020F0502020204030204" pitchFamily="34" charset="0"/>
-                <a:cs typeface="Times New Roman" panose="02020603050405020304" pitchFamily="18" charset="0"/>
-              </a:rPr>
-              <a:t> </a:t>
-            </a:r>
-            <a:r>
-              <a:rPr lang="vi-VN" sz="2000" dirty="0" err="1">
-                <a:solidFill>
-                  <a:srgbClr val="262B37"/>
-                </a:solidFill>
-                <a:ea typeface="Calibri" panose="020F0502020204030204" pitchFamily="34" charset="0"/>
-                <a:cs typeface="Times New Roman" panose="02020603050405020304" pitchFamily="18" charset="0"/>
-              </a:rPr>
-              <a:t>liệu</a:t>
-            </a:r>
-            <a:r>
-              <a:rPr lang="vi-VN" sz="2000" dirty="0">
-                <a:solidFill>
-                  <a:srgbClr val="262B37"/>
-                </a:solidFill>
-                <a:ea typeface="Calibri" panose="020F0502020204030204" pitchFamily="34" charset="0"/>
-                <a:cs typeface="Times New Roman" panose="02020603050405020304" pitchFamily="18" charset="0"/>
-              </a:rPr>
-              <a:t>.</a:t>
-            </a:r>
-            <a:endParaRPr lang="en-GB" sz="2000" dirty="0">
-              <a:solidFill>
-                <a:srgbClr val="262B37"/>
-              </a:solidFill>
-              <a:effectLst/>
-              <a:ea typeface="Calibri" panose="020F0502020204030204" pitchFamily="34" charset="0"/>
-              <a:cs typeface="Times New Roman" panose="02020603050405020304" pitchFamily="18" charset="0"/>
-            </a:endParaRPr>
-          </a:p>
-        </p:txBody>
-      </p:sp>
-      <p:sp>
-        <p:nvSpPr>
-          <p:cNvPr id="44" name="Rectangle 43">
-            <a:extLst>
-              <a:ext uri="{FF2B5EF4-FFF2-40B4-BE49-F238E27FC236}">
-                <a16:creationId xmlns:a16="http://schemas.microsoft.com/office/drawing/2014/main" id="{BC1465AA-8A39-4957-9F58-CE20A567AAD4}"/>
-              </a:ext>
-            </a:extLst>
-          </p:cNvPr>
-          <p:cNvSpPr/>
-          <p:nvPr/>
-        </p:nvSpPr>
-        <p:spPr>
-          <a:xfrm>
-            <a:off x="6583382" y="5196383"/>
-            <a:ext cx="238536" cy="128735"/>
-          </a:xfrm>
-          <a:prstGeom prst="rect">
-            <a:avLst/>
-          </a:prstGeom>
-          <a:solidFill>
-            <a:srgbClr val="262B37"/>
-          </a:solidFill>
-          <a:ln>
-            <a:noFill/>
-          </a:ln>
-        </p:spPr>
-        <p:style>
-          <a:lnRef idx="2">
-            <a:schemeClr val="accent6"/>
-          </a:lnRef>
-          <a:fillRef idx="1">
-            <a:schemeClr val="lt1"/>
-          </a:fillRef>
-          <a:effectRef idx="0">
-            <a:schemeClr val="accent6"/>
-          </a:effectRef>
-          <a:fontRef idx="minor">
-            <a:schemeClr val="dk1"/>
-          </a:fontRef>
-        </p:style>
-        <p:txBody>
-          <a:bodyPr rtlCol="0" anchor="ctr"/>
-          <a:lstStyle/>
-          <a:p>
-            <a:pPr algn="ctr"/>
-            <a:endParaRPr lang="en-GB" dirty="0"/>
-          </a:p>
-        </p:txBody>
-      </p:sp>
-      <p:sp>
-        <p:nvSpPr>
-          <p:cNvPr id="45" name="Rectangle 44">
-            <a:extLst>
-              <a:ext uri="{FF2B5EF4-FFF2-40B4-BE49-F238E27FC236}">
-                <a16:creationId xmlns:a16="http://schemas.microsoft.com/office/drawing/2014/main" id="{9B9F50A9-FCE9-40CE-8D0C-20FAD2A09486}"/>
-              </a:ext>
-            </a:extLst>
-          </p:cNvPr>
-          <p:cNvSpPr/>
-          <p:nvPr/>
-        </p:nvSpPr>
-        <p:spPr>
-          <a:xfrm>
-            <a:off x="6988768" y="4844937"/>
-            <a:ext cx="3946667" cy="773986"/>
-          </a:xfrm>
-          <a:prstGeom prst="rect">
-            <a:avLst/>
-          </a:prstGeom>
-          <a:noFill/>
-          <a:ln>
-            <a:noFill/>
-          </a:ln>
-        </p:spPr>
-        <p:style>
-          <a:lnRef idx="2">
-            <a:schemeClr val="accent1">
-              <a:shade val="50000"/>
-            </a:schemeClr>
-          </a:lnRef>
-          <a:fillRef idx="1">
-            <a:schemeClr val="accent1"/>
-          </a:fillRef>
-          <a:effectRef idx="0">
-            <a:schemeClr val="accent1"/>
-          </a:effectRef>
-          <a:fontRef idx="minor">
-            <a:schemeClr val="lt1"/>
-          </a:fontRef>
-        </p:style>
-        <p:txBody>
-          <a:bodyPr rtlCol="0" anchor="ctr"/>
-          <a:lstStyle/>
-          <a:p>
-            <a:pPr marL="0" marR="0">
-              <a:spcBef>
-                <a:spcPts val="0"/>
-              </a:spcBef>
-              <a:spcAft>
-                <a:spcPts val="0"/>
-              </a:spcAft>
-            </a:pPr>
-            <a:r>
-              <a:rPr lang="vi-VN" sz="2000" dirty="0" err="1">
-                <a:solidFill>
-                  <a:srgbClr val="262B37"/>
-                </a:solidFill>
-                <a:ea typeface="Calibri" panose="020F0502020204030204" pitchFamily="34" charset="0"/>
-                <a:cs typeface="Times New Roman" panose="02020603050405020304" pitchFamily="18" charset="0"/>
-              </a:rPr>
-              <a:t>Các</a:t>
-            </a:r>
-            <a:r>
-              <a:rPr lang="vi-VN" sz="2000" dirty="0">
-                <a:solidFill>
-                  <a:srgbClr val="262B37"/>
-                </a:solidFill>
-                <a:ea typeface="Calibri" panose="020F0502020204030204" pitchFamily="34" charset="0"/>
-                <a:cs typeface="Times New Roman" panose="02020603050405020304" pitchFamily="18" charset="0"/>
-              </a:rPr>
-              <a:t> </a:t>
-            </a:r>
-            <a:r>
-              <a:rPr lang="vi-VN" sz="2000" dirty="0" err="1">
-                <a:solidFill>
-                  <a:srgbClr val="262B37"/>
-                </a:solidFill>
-                <a:ea typeface="Calibri" panose="020F0502020204030204" pitchFamily="34" charset="0"/>
-                <a:cs typeface="Times New Roman" panose="02020603050405020304" pitchFamily="18" charset="0"/>
-              </a:rPr>
-              <a:t>kỹ</a:t>
-            </a:r>
-            <a:r>
-              <a:rPr lang="vi-VN" sz="2000" dirty="0">
-                <a:solidFill>
-                  <a:srgbClr val="262B37"/>
-                </a:solidFill>
-                <a:ea typeface="Calibri" panose="020F0502020204030204" pitchFamily="34" charset="0"/>
-                <a:cs typeface="Times New Roman" panose="02020603050405020304" pitchFamily="18" charset="0"/>
-              </a:rPr>
-              <a:t> </a:t>
-            </a:r>
-            <a:r>
-              <a:rPr lang="vi-VN" sz="2000" dirty="0" err="1">
-                <a:solidFill>
-                  <a:srgbClr val="262B37"/>
-                </a:solidFill>
-                <a:ea typeface="Calibri" panose="020F0502020204030204" pitchFamily="34" charset="0"/>
-                <a:cs typeface="Times New Roman" panose="02020603050405020304" pitchFamily="18" charset="0"/>
-              </a:rPr>
-              <a:t>thuật</a:t>
-            </a:r>
-            <a:r>
-              <a:rPr lang="vi-VN" sz="2000" dirty="0">
-                <a:solidFill>
-                  <a:srgbClr val="262B37"/>
-                </a:solidFill>
-                <a:ea typeface="Calibri" panose="020F0502020204030204" pitchFamily="34" charset="0"/>
-                <a:cs typeface="Times New Roman" panose="02020603050405020304" pitchFamily="18" charset="0"/>
-              </a:rPr>
-              <a:t> </a:t>
-            </a:r>
-            <a:r>
-              <a:rPr lang="vi-VN" sz="2000" dirty="0" err="1">
-                <a:solidFill>
-                  <a:srgbClr val="262B37"/>
-                </a:solidFill>
-                <a:ea typeface="Calibri" panose="020F0502020204030204" pitchFamily="34" charset="0"/>
-                <a:cs typeface="Times New Roman" panose="02020603050405020304" pitchFamily="18" charset="0"/>
-              </a:rPr>
-              <a:t>khá</a:t>
-            </a:r>
-            <a:r>
-              <a:rPr lang="vi-VN" sz="2000" dirty="0">
-                <a:solidFill>
-                  <a:srgbClr val="262B37"/>
-                </a:solidFill>
-                <a:ea typeface="Calibri" panose="020F0502020204030204" pitchFamily="34" charset="0"/>
-                <a:cs typeface="Times New Roman" panose="02020603050405020304" pitchFamily="18" charset="0"/>
-              </a:rPr>
-              <a:t> đơn </a:t>
-            </a:r>
-            <a:r>
-              <a:rPr lang="vi-VN" sz="2000" dirty="0" err="1">
-                <a:solidFill>
-                  <a:srgbClr val="262B37"/>
-                </a:solidFill>
-                <a:ea typeface="Calibri" panose="020F0502020204030204" pitchFamily="34" charset="0"/>
-                <a:cs typeface="Times New Roman" panose="02020603050405020304" pitchFamily="18" charset="0"/>
-              </a:rPr>
-              <a:t>giản</a:t>
-            </a:r>
-            <a:r>
-              <a:rPr lang="vi-VN" sz="2000" dirty="0">
-                <a:solidFill>
-                  <a:srgbClr val="262B37"/>
-                </a:solidFill>
-                <a:ea typeface="Calibri" panose="020F0502020204030204" pitchFamily="34" charset="0"/>
-                <a:cs typeface="Times New Roman" panose="02020603050405020304" pitchFamily="18" charset="0"/>
-              </a:rPr>
-              <a:t>.</a:t>
-            </a:r>
-            <a:endParaRPr lang="en-GB" sz="2000" dirty="0">
-              <a:solidFill>
-                <a:srgbClr val="262B37"/>
-              </a:solidFill>
-              <a:effectLst/>
-              <a:ea typeface="Calibri" panose="020F0502020204030204" pitchFamily="34" charset="0"/>
-              <a:cs typeface="Times New Roman" panose="02020603050405020304" pitchFamily="18" charset="0"/>
-            </a:endParaRPr>
-          </a:p>
-        </p:txBody>
-      </p:sp>
+      </p:pic>
     </p:spTree>
     <p:extLst>
       <p:ext uri="{BB962C8B-B14F-4D97-AF65-F5344CB8AC3E}">
-        <p14:creationId xmlns:p14="http://schemas.microsoft.com/office/powerpoint/2010/main" val="3616273980"/>
+        <p14:creationId xmlns:p14="http://schemas.microsoft.com/office/powerpoint/2010/main" val="3919910912"/>
       </p:ext>
     </p:extLst>
   </p:cSld>
@@ -12400,8 +11912,8 @@
         </p:nvSpPr>
         <p:spPr>
           <a:xfrm>
-            <a:off x="457200" y="574137"/>
-            <a:ext cx="7586870" cy="833874"/>
+            <a:off x="457199" y="574137"/>
+            <a:ext cx="9190383" cy="833874"/>
           </a:xfrm>
           <a:prstGeom prst="rect">
             <a:avLst/>
@@ -12432,7 +11944,211 @@
           <a:lstStyle/>
           <a:p>
             <a:pPr algn="ctr"/>
-            <a:endParaRPr lang="en-GB" dirty="0"/>
+            <a:r>
+              <a:rPr lang="en-US" sz="3200" dirty="0" err="1">
+                <a:solidFill>
+                  <a:schemeClr val="bg1">
+                    <a:lumMod val="95000"/>
+                  </a:schemeClr>
+                </a:solidFill>
+                <a:effectLst/>
+                <a:latin typeface="Arial" panose="020B0604020202020204" pitchFamily="34" charset="0"/>
+                <a:ea typeface="Calibri" panose="020F0502020204030204" pitchFamily="34" charset="0"/>
+                <a:cs typeface="Arial" panose="020B0604020202020204" pitchFamily="34" charset="0"/>
+              </a:rPr>
+              <a:t>Sự</a:t>
+            </a:r>
+            <a:r>
+              <a:rPr lang="en-US" sz="3200" dirty="0">
+                <a:solidFill>
+                  <a:schemeClr val="bg1">
+                    <a:lumMod val="95000"/>
+                  </a:schemeClr>
+                </a:solidFill>
+                <a:effectLst/>
+                <a:latin typeface="Arial" panose="020B0604020202020204" pitchFamily="34" charset="0"/>
+                <a:ea typeface="Calibri" panose="020F0502020204030204" pitchFamily="34" charset="0"/>
+                <a:cs typeface="Arial" panose="020B0604020202020204" pitchFamily="34" charset="0"/>
+              </a:rPr>
+              <a:t> </a:t>
+            </a:r>
+            <a:r>
+              <a:rPr lang="en-US" sz="3200" dirty="0" err="1">
+                <a:solidFill>
+                  <a:schemeClr val="bg1">
+                    <a:lumMod val="95000"/>
+                  </a:schemeClr>
+                </a:solidFill>
+                <a:effectLst/>
+                <a:latin typeface="Arial" panose="020B0604020202020204" pitchFamily="34" charset="0"/>
+                <a:ea typeface="Calibri" panose="020F0502020204030204" pitchFamily="34" charset="0"/>
+                <a:cs typeface="Arial" panose="020B0604020202020204" pitchFamily="34" charset="0"/>
+              </a:rPr>
+              <a:t>khác</a:t>
+            </a:r>
+            <a:r>
+              <a:rPr lang="en-US" sz="3200" dirty="0">
+                <a:solidFill>
+                  <a:schemeClr val="bg1">
+                    <a:lumMod val="95000"/>
+                  </a:schemeClr>
+                </a:solidFill>
+                <a:effectLst/>
+                <a:latin typeface="Arial" panose="020B0604020202020204" pitchFamily="34" charset="0"/>
+                <a:ea typeface="Calibri" panose="020F0502020204030204" pitchFamily="34" charset="0"/>
+                <a:cs typeface="Arial" panose="020B0604020202020204" pitchFamily="34" charset="0"/>
+              </a:rPr>
+              <a:t> </a:t>
+            </a:r>
+            <a:r>
+              <a:rPr lang="en-US" sz="3200" dirty="0" err="1">
+                <a:solidFill>
+                  <a:schemeClr val="bg1">
+                    <a:lumMod val="95000"/>
+                  </a:schemeClr>
+                </a:solidFill>
+                <a:effectLst/>
+                <a:latin typeface="Arial" panose="020B0604020202020204" pitchFamily="34" charset="0"/>
+                <a:ea typeface="Calibri" panose="020F0502020204030204" pitchFamily="34" charset="0"/>
+                <a:cs typeface="Arial" panose="020B0604020202020204" pitchFamily="34" charset="0"/>
+              </a:rPr>
+              <a:t>biệt</a:t>
+            </a:r>
+            <a:r>
+              <a:rPr lang="en-US" sz="3200" dirty="0">
+                <a:solidFill>
+                  <a:schemeClr val="bg1">
+                    <a:lumMod val="95000"/>
+                  </a:schemeClr>
+                </a:solidFill>
+                <a:effectLst/>
+                <a:latin typeface="Arial" panose="020B0604020202020204" pitchFamily="34" charset="0"/>
+                <a:ea typeface="Calibri" panose="020F0502020204030204" pitchFamily="34" charset="0"/>
+                <a:cs typeface="Arial" panose="020B0604020202020204" pitchFamily="34" charset="0"/>
+              </a:rPr>
+              <a:t> </a:t>
+            </a:r>
+            <a:r>
+              <a:rPr lang="en-US" sz="3200" dirty="0" err="1">
+                <a:solidFill>
+                  <a:schemeClr val="bg1">
+                    <a:lumMod val="95000"/>
+                  </a:schemeClr>
+                </a:solidFill>
+                <a:effectLst/>
+                <a:latin typeface="Arial" panose="020B0604020202020204" pitchFamily="34" charset="0"/>
+                <a:ea typeface="Calibri" panose="020F0502020204030204" pitchFamily="34" charset="0"/>
+                <a:cs typeface="Arial" panose="020B0604020202020204" pitchFamily="34" charset="0"/>
+              </a:rPr>
+              <a:t>giữa</a:t>
+            </a:r>
+            <a:r>
+              <a:rPr lang="en-US" sz="3200" dirty="0">
+                <a:solidFill>
+                  <a:schemeClr val="bg1">
+                    <a:lumMod val="95000"/>
+                  </a:schemeClr>
+                </a:solidFill>
+                <a:effectLst/>
+                <a:latin typeface="Arial" panose="020B0604020202020204" pitchFamily="34" charset="0"/>
+                <a:ea typeface="Calibri" panose="020F0502020204030204" pitchFamily="34" charset="0"/>
+                <a:cs typeface="Arial" panose="020B0604020202020204" pitchFamily="34" charset="0"/>
+              </a:rPr>
+              <a:t> </a:t>
+            </a:r>
+            <a:r>
+              <a:rPr lang="en-US" sz="3200" dirty="0" err="1">
+                <a:solidFill>
+                  <a:schemeClr val="bg1">
+                    <a:lumMod val="95000"/>
+                  </a:schemeClr>
+                </a:solidFill>
+                <a:effectLst/>
+                <a:latin typeface="Arial" panose="020B0604020202020204" pitchFamily="34" charset="0"/>
+                <a:ea typeface="Calibri" panose="020F0502020204030204" pitchFamily="34" charset="0"/>
+                <a:cs typeface="Arial" panose="020B0604020202020204" pitchFamily="34" charset="0"/>
+              </a:rPr>
+              <a:t>ứng</a:t>
+            </a:r>
+            <a:r>
+              <a:rPr lang="en-US" sz="3200" dirty="0">
+                <a:solidFill>
+                  <a:schemeClr val="bg1">
+                    <a:lumMod val="95000"/>
+                  </a:schemeClr>
+                </a:solidFill>
+                <a:effectLst/>
+                <a:latin typeface="Arial" panose="020B0604020202020204" pitchFamily="34" charset="0"/>
+                <a:ea typeface="Calibri" panose="020F0502020204030204" pitchFamily="34" charset="0"/>
+                <a:cs typeface="Arial" panose="020B0604020202020204" pitchFamily="34" charset="0"/>
+              </a:rPr>
+              <a:t> </a:t>
+            </a:r>
+            <a:r>
+              <a:rPr lang="en-US" sz="3200" dirty="0" err="1">
+                <a:solidFill>
+                  <a:schemeClr val="bg1">
+                    <a:lumMod val="95000"/>
+                  </a:schemeClr>
+                </a:solidFill>
+                <a:effectLst/>
+                <a:latin typeface="Arial" panose="020B0604020202020204" pitchFamily="34" charset="0"/>
+                <a:ea typeface="Calibri" panose="020F0502020204030204" pitchFamily="34" charset="0"/>
+                <a:cs typeface="Arial" panose="020B0604020202020204" pitchFamily="34" charset="0"/>
+              </a:rPr>
+              <a:t>dụng</a:t>
+            </a:r>
+            <a:r>
+              <a:rPr lang="en-US" sz="3200" dirty="0">
+                <a:solidFill>
+                  <a:schemeClr val="bg1">
+                    <a:lumMod val="95000"/>
+                  </a:schemeClr>
+                </a:solidFill>
+                <a:effectLst/>
+                <a:latin typeface="Arial" panose="020B0604020202020204" pitchFamily="34" charset="0"/>
+                <a:ea typeface="Calibri" panose="020F0502020204030204" pitchFamily="34" charset="0"/>
+                <a:cs typeface="Arial" panose="020B0604020202020204" pitchFamily="34" charset="0"/>
+              </a:rPr>
+              <a:t> </a:t>
+            </a:r>
+            <a:r>
+              <a:rPr lang="en-US" sz="3200" dirty="0" err="1">
+                <a:solidFill>
+                  <a:schemeClr val="bg1">
+                    <a:lumMod val="95000"/>
+                  </a:schemeClr>
+                </a:solidFill>
+                <a:effectLst/>
+                <a:latin typeface="Arial" panose="020B0604020202020204" pitchFamily="34" charset="0"/>
+                <a:ea typeface="Calibri" panose="020F0502020204030204" pitchFamily="34" charset="0"/>
+                <a:cs typeface="Arial" panose="020B0604020202020204" pitchFamily="34" charset="0"/>
+              </a:rPr>
+              <a:t>và</a:t>
+            </a:r>
+            <a:r>
+              <a:rPr lang="en-US" sz="3200" dirty="0">
+                <a:solidFill>
+                  <a:schemeClr val="bg1">
+                    <a:lumMod val="95000"/>
+                  </a:schemeClr>
+                </a:solidFill>
+                <a:effectLst/>
+                <a:latin typeface="Arial" panose="020B0604020202020204" pitchFamily="34" charset="0"/>
+                <a:ea typeface="Calibri" panose="020F0502020204030204" pitchFamily="34" charset="0"/>
+                <a:cs typeface="Arial" panose="020B0604020202020204" pitchFamily="34" charset="0"/>
+              </a:rPr>
+              <a:t> Data Warehouse</a:t>
+            </a:r>
+            <a:endParaRPr lang="en-GB" sz="3200" dirty="0">
+              <a:solidFill>
+                <a:schemeClr val="bg1">
+                  <a:lumMod val="95000"/>
+                </a:schemeClr>
+              </a:solidFill>
+              <a:latin typeface="Arial" panose="020B0604020202020204" pitchFamily="34" charset="0"/>
+              <a:cs typeface="Arial" panose="020B0604020202020204" pitchFamily="34" charset="0"/>
+            </a:endParaRPr>
           </a:p>
         </p:txBody>
       </p:sp>
@@ -12579,10 +12295,10 @@
       </p:sp>
       <p:sp>
         <p:nvSpPr>
-          <p:cNvPr id="8" name="Rectangle 7">
-            <a:extLst>
-              <a:ext uri="{FF2B5EF4-FFF2-40B4-BE49-F238E27FC236}">
-                <a16:creationId xmlns:a16="http://schemas.microsoft.com/office/drawing/2014/main" id="{FAAAF4AD-0780-4F1C-8553-9C5E2E3CC025}"/>
+          <p:cNvPr id="9" name="Rectangle 8">
+            <a:extLst>
+              <a:ext uri="{FF2B5EF4-FFF2-40B4-BE49-F238E27FC236}">
+                <a16:creationId xmlns:a16="http://schemas.microsoft.com/office/drawing/2014/main" id="{E3A8D1E9-E18C-452F-9924-D78CEBB9AD8B}"/>
               </a:ext>
             </a:extLst>
           </p:cNvPr>
@@ -12591,108 +12307,8 @@
         </p:nvSpPr>
         <p:spPr>
           <a:xfrm>
-            <a:off x="1351720" y="1942391"/>
-            <a:ext cx="238539" cy="257469"/>
-          </a:xfrm>
-          <a:prstGeom prst="rect">
-            <a:avLst/>
-          </a:prstGeom>
-          <a:solidFill>
-            <a:srgbClr val="262B37"/>
-          </a:solidFill>
-          <a:ln>
-            <a:noFill/>
-          </a:ln>
-        </p:spPr>
-        <p:style>
-          <a:lnRef idx="2">
-            <a:schemeClr val="accent6"/>
-          </a:lnRef>
-          <a:fillRef idx="1">
-            <a:schemeClr val="lt1"/>
-          </a:fillRef>
-          <a:effectRef idx="0">
-            <a:schemeClr val="accent6"/>
-          </a:effectRef>
-          <a:fontRef idx="minor">
-            <a:schemeClr val="dk1"/>
-          </a:fontRef>
-        </p:style>
-        <p:txBody>
-          <a:bodyPr rtlCol="0" anchor="ctr"/>
-          <a:lstStyle/>
-          <a:p>
-            <a:pPr algn="ctr"/>
-            <a:endParaRPr lang="en-GB" dirty="0"/>
-          </a:p>
-        </p:txBody>
-      </p:sp>
-      <p:sp>
-        <p:nvSpPr>
-          <p:cNvPr id="9" name="Rectangle 8">
-            <a:extLst>
-              <a:ext uri="{FF2B5EF4-FFF2-40B4-BE49-F238E27FC236}">
-                <a16:creationId xmlns:a16="http://schemas.microsoft.com/office/drawing/2014/main" id="{E3A8D1E9-E18C-452F-9924-D78CEBB9AD8B}"/>
-              </a:ext>
-            </a:extLst>
-          </p:cNvPr>
-          <p:cNvSpPr/>
-          <p:nvPr/>
-        </p:nvSpPr>
-        <p:spPr>
-          <a:xfrm>
-            <a:off x="1351720" y="2734240"/>
-            <a:ext cx="238539" cy="257469"/>
-          </a:xfrm>
-          <a:prstGeom prst="rect">
-            <a:avLst/>
-          </a:prstGeom>
-          <a:solidFill>
-            <a:srgbClr val="262B37"/>
-          </a:solidFill>
-          <a:ln>
-            <a:noFill/>
-          </a:ln>
-        </p:spPr>
-        <p:style>
-          <a:lnRef idx="2">
-            <a:schemeClr val="accent6"/>
-          </a:lnRef>
-          <a:fillRef idx="1">
-            <a:schemeClr val="lt1"/>
-          </a:fillRef>
-          <a:effectRef idx="0">
-            <a:schemeClr val="accent6"/>
-          </a:effectRef>
-          <a:fontRef idx="minor">
-            <a:schemeClr val="dk1"/>
-          </a:fontRef>
-        </p:style>
-        <p:txBody>
-          <a:bodyPr rtlCol="0" anchor="ctr"/>
-          <a:lstStyle/>
-          <a:p>
-            <a:pPr algn="ctr"/>
-            <a:endParaRPr lang="en-GB" dirty="0"/>
-          </a:p>
-        </p:txBody>
-      </p:sp>
-      <p:sp>
-        <p:nvSpPr>
-          <p:cNvPr id="10" name="Rectangle 9">
-            <a:extLst>
-              <a:ext uri="{FF2B5EF4-FFF2-40B4-BE49-F238E27FC236}">
-                <a16:creationId xmlns:a16="http://schemas.microsoft.com/office/drawing/2014/main" id="{A9574A33-FA7E-43E4-B0F4-1F5C9833DE1A}"/>
-              </a:ext>
-            </a:extLst>
-          </p:cNvPr>
-          <p:cNvSpPr/>
-          <p:nvPr/>
-        </p:nvSpPr>
-        <p:spPr>
-          <a:xfrm>
-            <a:off x="1351719" y="3526089"/>
-            <a:ext cx="238539" cy="257469"/>
+            <a:off x="1703022" y="2877687"/>
+            <a:ext cx="238536" cy="128735"/>
           </a:xfrm>
           <a:prstGeom prst="rect">
             <a:avLst/>
@@ -12772,62 +12388,6 @@
           <a:bodyPr rtlCol="0" anchor="ctr"/>
           <a:lstStyle/>
           <a:p>
-            <a:r>
-              <a:rPr lang="vi-VN" sz="3200" dirty="0" err="1">
-                <a:solidFill>
-                  <a:srgbClr val="E4E6EB"/>
-                </a:solidFill>
-              </a:rPr>
-              <a:t>Kiến</a:t>
-            </a:r>
-            <a:r>
-              <a:rPr lang="vi-VN" sz="3200" dirty="0">
-                <a:solidFill>
-                  <a:srgbClr val="E4E6EB"/>
-                </a:solidFill>
-              </a:rPr>
-              <a:t> </a:t>
-            </a:r>
-            <a:r>
-              <a:rPr lang="vi-VN" sz="3200" dirty="0" err="1">
-                <a:solidFill>
-                  <a:srgbClr val="E4E6EB"/>
-                </a:solidFill>
-              </a:rPr>
-              <a:t>trúc</a:t>
-            </a:r>
-            <a:r>
-              <a:rPr lang="vi-VN" sz="3200" dirty="0">
-                <a:solidFill>
-                  <a:srgbClr val="E4E6EB"/>
-                </a:solidFill>
-              </a:rPr>
-              <a:t> </a:t>
-            </a:r>
-            <a:r>
-              <a:rPr lang="vi-VN" sz="3200" dirty="0" err="1">
-                <a:solidFill>
-                  <a:srgbClr val="E4E6EB"/>
-                </a:solidFill>
-              </a:rPr>
-              <a:t>Data</a:t>
-            </a:r>
-            <a:r>
-              <a:rPr lang="vi-VN" sz="3200" dirty="0">
-                <a:solidFill>
-                  <a:srgbClr val="E4E6EB"/>
-                </a:solidFill>
-              </a:rPr>
-              <a:t> </a:t>
-            </a:r>
-            <a:r>
-              <a:rPr lang="vi-VN" sz="3200" dirty="0" err="1">
-                <a:solidFill>
-                  <a:srgbClr val="E4E6EB"/>
-                </a:solidFill>
-              </a:rPr>
-              <a:t>Warehouse</a:t>
-            </a:r>
             <a:endParaRPr lang="en-GB" sz="3200" dirty="0"/>
           </a:p>
         </p:txBody>
@@ -12847,7 +12407,7 @@
         <p:spPr>
           <a:xfrm>
             <a:off x="1881806" y="1738015"/>
-            <a:ext cx="9689911" cy="666220"/>
+            <a:ext cx="4094923" cy="666220"/>
           </a:xfrm>
           <a:prstGeom prst="rect">
             <a:avLst/>
@@ -12890,18 +12450,16 @@
                 <a:solidFill>
                   <a:srgbClr val="262B37"/>
                 </a:solidFill>
-                <a:effectLst/>
-                <a:ea typeface="Calibri" panose="020F0502020204030204" pitchFamily="34" charset="0"/>
-                <a:cs typeface="Times New Roman" panose="02020603050405020304" pitchFamily="18" charset="0"/>
-              </a:rPr>
-              <a:t>Kiến</a:t>
+                <a:ea typeface="Calibri" panose="020F0502020204030204" pitchFamily="34" charset="0"/>
+                <a:cs typeface="Times New Roman" panose="02020603050405020304" pitchFamily="18" charset="0"/>
+              </a:rPr>
+              <a:t>Operational</a:t>
             </a:r>
             <a:r>
               <a:rPr lang="vi-VN" sz="2800" dirty="0">
                 <a:solidFill>
                   <a:srgbClr val="262B37"/>
                 </a:solidFill>
-                <a:effectLst/>
                 <a:ea typeface="Calibri" panose="020F0502020204030204" pitchFamily="34" charset="0"/>
                 <a:cs typeface="Times New Roman" panose="02020603050405020304" pitchFamily="18" charset="0"/>
               </a:rPr>
@@ -12912,66 +12470,10 @@
                 <a:solidFill>
                   <a:srgbClr val="262B37"/>
                 </a:solidFill>
-                <a:effectLst/>
-                <a:ea typeface="Calibri" panose="020F0502020204030204" pitchFamily="34" charset="0"/>
-                <a:cs typeface="Times New Roman" panose="02020603050405020304" pitchFamily="18" charset="0"/>
-              </a:rPr>
-              <a:t>trúc</a:t>
-            </a:r>
-            <a:r>
-              <a:rPr lang="vi-VN" sz="2800" dirty="0">
-                <a:solidFill>
-                  <a:srgbClr val="262B37"/>
-                </a:solidFill>
-                <a:effectLst/>
-                <a:ea typeface="Calibri" panose="020F0502020204030204" pitchFamily="34" charset="0"/>
-                <a:cs typeface="Times New Roman" panose="02020603050405020304" pitchFamily="18" charset="0"/>
-              </a:rPr>
-              <a:t> </a:t>
-            </a:r>
-            <a:r>
-              <a:rPr lang="vi-VN" sz="2800" dirty="0" err="1">
-                <a:solidFill>
-                  <a:srgbClr val="262B37"/>
-                </a:solidFill>
-                <a:effectLst/>
-                <a:ea typeface="Calibri" panose="020F0502020204030204" pitchFamily="34" charset="0"/>
-                <a:cs typeface="Times New Roman" panose="02020603050405020304" pitchFamily="18" charset="0"/>
-              </a:rPr>
-              <a:t>một</a:t>
-            </a:r>
-            <a:r>
-              <a:rPr lang="vi-VN" sz="2800" dirty="0">
-                <a:solidFill>
-                  <a:srgbClr val="262B37"/>
-                </a:solidFill>
-                <a:effectLst/>
-                <a:ea typeface="Calibri" panose="020F0502020204030204" pitchFamily="34" charset="0"/>
-                <a:cs typeface="Times New Roman" panose="02020603050405020304" pitchFamily="18" charset="0"/>
-              </a:rPr>
-              <a:t> </a:t>
-            </a:r>
-            <a:r>
-              <a:rPr lang="vi-VN" sz="2800" dirty="0" err="1">
-                <a:solidFill>
-                  <a:srgbClr val="262B37"/>
-                </a:solidFill>
-                <a:effectLst/>
-                <a:ea typeface="Calibri" panose="020F0502020204030204" pitchFamily="34" charset="0"/>
-                <a:cs typeface="Times New Roman" panose="02020603050405020304" pitchFamily="18" charset="0"/>
-              </a:rPr>
-              <a:t>tầng</a:t>
-            </a:r>
-            <a:r>
-              <a:rPr lang="vi-VN" sz="2800" dirty="0">
-                <a:solidFill>
-                  <a:srgbClr val="262B37"/>
-                </a:solidFill>
-                <a:effectLst/>
-                <a:ea typeface="Calibri" panose="020F0502020204030204" pitchFamily="34" charset="0"/>
-                <a:cs typeface="Times New Roman" panose="02020603050405020304" pitchFamily="18" charset="0"/>
-              </a:rPr>
-              <a:t>.</a:t>
+                <a:ea typeface="Calibri" panose="020F0502020204030204" pitchFamily="34" charset="0"/>
+                <a:cs typeface="Times New Roman" panose="02020603050405020304" pitchFamily="18" charset="0"/>
+              </a:rPr>
+              <a:t>Aplication</a:t>
             </a:r>
             <a:endParaRPr lang="en-GB" sz="2800" dirty="0">
               <a:solidFill>
@@ -12998,8 +12500,8 @@
         </p:nvSpPr>
         <p:spPr>
           <a:xfrm>
-            <a:off x="1881805" y="2529864"/>
-            <a:ext cx="9689911" cy="666220"/>
+            <a:off x="2030062" y="2620025"/>
+            <a:ext cx="4386470" cy="1223105"/>
           </a:xfrm>
           <a:prstGeom prst="rect">
             <a:avLst/>
@@ -13038,66 +12540,296 @@
               </a:spcAft>
             </a:pPr>
             <a:r>
-              <a:rPr lang="vi-VN" sz="2800" dirty="0" err="1">
-                <a:solidFill>
-                  <a:srgbClr val="262B37"/>
-                </a:solidFill>
-                <a:ea typeface="Calibri" panose="020F0502020204030204" pitchFamily="34" charset="0"/>
-                <a:cs typeface="Times New Roman" panose="02020603050405020304" pitchFamily="18" charset="0"/>
-              </a:rPr>
-              <a:t>Kiến</a:t>
-            </a:r>
-            <a:r>
-              <a:rPr lang="vi-VN" sz="2800" dirty="0">
-                <a:solidFill>
-                  <a:srgbClr val="262B37"/>
-                </a:solidFill>
-                <a:ea typeface="Calibri" panose="020F0502020204030204" pitchFamily="34" charset="0"/>
-                <a:cs typeface="Times New Roman" panose="02020603050405020304" pitchFamily="18" charset="0"/>
-              </a:rPr>
-              <a:t> </a:t>
-            </a:r>
-            <a:r>
-              <a:rPr lang="vi-VN" sz="2800" dirty="0" err="1">
-                <a:solidFill>
-                  <a:srgbClr val="262B37"/>
-                </a:solidFill>
-                <a:ea typeface="Calibri" panose="020F0502020204030204" pitchFamily="34" charset="0"/>
-                <a:cs typeface="Times New Roman" panose="02020603050405020304" pitchFamily="18" charset="0"/>
-              </a:rPr>
-              <a:t>trúc</a:t>
-            </a:r>
-            <a:r>
-              <a:rPr lang="vi-VN" sz="2800" dirty="0">
-                <a:solidFill>
-                  <a:srgbClr val="262B37"/>
-                </a:solidFill>
-                <a:ea typeface="Calibri" panose="020F0502020204030204" pitchFamily="34" charset="0"/>
-                <a:cs typeface="Times New Roman" panose="02020603050405020304" pitchFamily="18" charset="0"/>
-              </a:rPr>
-              <a:t> hai </a:t>
-            </a:r>
-            <a:r>
-              <a:rPr lang="vi-VN" sz="2800" dirty="0" err="1">
-                <a:solidFill>
-                  <a:srgbClr val="262B37"/>
-                </a:solidFill>
-                <a:ea typeface="Calibri" panose="020F0502020204030204" pitchFamily="34" charset="0"/>
-                <a:cs typeface="Times New Roman" panose="02020603050405020304" pitchFamily="18" charset="0"/>
-              </a:rPr>
-              <a:t>tầng</a:t>
-            </a:r>
-            <a:r>
-              <a:rPr lang="vi-VN" sz="2800" dirty="0">
-                <a:solidFill>
-                  <a:srgbClr val="262B37"/>
-                </a:solidFill>
-                <a:ea typeface="Calibri" panose="020F0502020204030204" pitchFamily="34" charset="0"/>
-                <a:cs typeface="Times New Roman" panose="02020603050405020304" pitchFamily="18" charset="0"/>
-              </a:rPr>
-              <a:t>.</a:t>
-            </a:r>
-            <a:endParaRPr lang="en-GB" sz="2800" dirty="0">
+              <a:rPr lang="vi-VN" sz="2000" dirty="0" err="1">
+                <a:solidFill>
+                  <a:srgbClr val="262B37"/>
+                </a:solidFill>
+                <a:ea typeface="Calibri" panose="020F0502020204030204" pitchFamily="34" charset="0"/>
+                <a:cs typeface="Times New Roman" panose="02020603050405020304" pitchFamily="18" charset="0"/>
+              </a:rPr>
+              <a:t>Vấn</a:t>
+            </a:r>
+            <a:r>
+              <a:rPr lang="vi-VN" sz="2000" dirty="0">
+                <a:solidFill>
+                  <a:srgbClr val="262B37"/>
+                </a:solidFill>
+                <a:ea typeface="Calibri" panose="020F0502020204030204" pitchFamily="34" charset="0"/>
+                <a:cs typeface="Times New Roman" panose="02020603050405020304" pitchFamily="18" charset="0"/>
+              </a:rPr>
+              <a:t> </a:t>
+            </a:r>
+            <a:r>
+              <a:rPr lang="vi-VN" sz="2000" dirty="0" err="1">
+                <a:solidFill>
+                  <a:srgbClr val="262B37"/>
+                </a:solidFill>
+                <a:ea typeface="Calibri" panose="020F0502020204030204" pitchFamily="34" charset="0"/>
+                <a:cs typeface="Times New Roman" panose="02020603050405020304" pitchFamily="18" charset="0"/>
+              </a:rPr>
+              <a:t>đề</a:t>
+            </a:r>
+            <a:r>
+              <a:rPr lang="vi-VN" sz="2000" dirty="0">
+                <a:solidFill>
+                  <a:srgbClr val="262B37"/>
+                </a:solidFill>
+                <a:ea typeface="Calibri" panose="020F0502020204030204" pitchFamily="34" charset="0"/>
+                <a:cs typeface="Times New Roman" panose="02020603050405020304" pitchFamily="18" charset="0"/>
+              </a:rPr>
+              <a:t> trong </a:t>
+            </a:r>
+            <a:r>
+              <a:rPr lang="vi-VN" sz="2000" dirty="0" err="1">
+                <a:solidFill>
+                  <a:srgbClr val="262B37"/>
+                </a:solidFill>
+                <a:ea typeface="Calibri" panose="020F0502020204030204" pitchFamily="34" charset="0"/>
+                <a:cs typeface="Times New Roman" panose="02020603050405020304" pitchFamily="18" charset="0"/>
+              </a:rPr>
+              <a:t>việc</a:t>
+            </a:r>
+            <a:r>
+              <a:rPr lang="vi-VN" sz="2000" dirty="0">
+                <a:solidFill>
+                  <a:srgbClr val="262B37"/>
+                </a:solidFill>
+                <a:ea typeface="Calibri" panose="020F0502020204030204" pitchFamily="34" charset="0"/>
+                <a:cs typeface="Times New Roman" panose="02020603050405020304" pitchFamily="18" charset="0"/>
+              </a:rPr>
+              <a:t> duy </a:t>
+            </a:r>
+            <a:r>
+              <a:rPr lang="vi-VN" sz="2000" dirty="0" err="1">
+                <a:solidFill>
+                  <a:srgbClr val="262B37"/>
+                </a:solidFill>
+                <a:ea typeface="Calibri" panose="020F0502020204030204" pitchFamily="34" charset="0"/>
+                <a:cs typeface="Times New Roman" panose="02020603050405020304" pitchFamily="18" charset="0"/>
+              </a:rPr>
+              <a:t>trì</a:t>
+            </a:r>
+            <a:r>
+              <a:rPr lang="vi-VN" sz="2000" dirty="0">
+                <a:solidFill>
+                  <a:srgbClr val="262B37"/>
+                </a:solidFill>
+                <a:ea typeface="Calibri" panose="020F0502020204030204" pitchFamily="34" charset="0"/>
+                <a:cs typeface="Times New Roman" panose="02020603050405020304" pitchFamily="18" charset="0"/>
+              </a:rPr>
+              <a:t> </a:t>
+            </a:r>
+            <a:r>
+              <a:rPr lang="vi-VN" sz="2000" dirty="0" err="1">
+                <a:solidFill>
+                  <a:srgbClr val="262B37"/>
+                </a:solidFill>
+                <a:ea typeface="Calibri" panose="020F0502020204030204" pitchFamily="34" charset="0"/>
+                <a:cs typeface="Times New Roman" panose="02020603050405020304" pitchFamily="18" charset="0"/>
+              </a:rPr>
+              <a:t>tính</a:t>
+            </a:r>
+            <a:r>
+              <a:rPr lang="vi-VN" sz="2000" dirty="0">
+                <a:solidFill>
+                  <a:srgbClr val="262B37"/>
+                </a:solidFill>
+                <a:ea typeface="Calibri" panose="020F0502020204030204" pitchFamily="34" charset="0"/>
+                <a:cs typeface="Times New Roman" panose="02020603050405020304" pitchFamily="18" charset="0"/>
+              </a:rPr>
+              <a:t> </a:t>
+            </a:r>
+            <a:r>
+              <a:rPr lang="vi-VN" sz="2000" dirty="0" err="1">
+                <a:solidFill>
+                  <a:srgbClr val="262B37"/>
+                </a:solidFill>
+                <a:ea typeface="Calibri" panose="020F0502020204030204" pitchFamily="34" charset="0"/>
+                <a:cs typeface="Times New Roman" panose="02020603050405020304" pitchFamily="18" charset="0"/>
+              </a:rPr>
+              <a:t>toàn</a:t>
+            </a:r>
+            <a:r>
+              <a:rPr lang="vi-VN" sz="2000" dirty="0">
+                <a:solidFill>
+                  <a:srgbClr val="262B37"/>
+                </a:solidFill>
+                <a:ea typeface="Calibri" panose="020F0502020204030204" pitchFamily="34" charset="0"/>
+                <a:cs typeface="Times New Roman" panose="02020603050405020304" pitchFamily="18" charset="0"/>
+              </a:rPr>
+              <a:t> </a:t>
+            </a:r>
+            <a:r>
+              <a:rPr lang="vi-VN" sz="2000" dirty="0" err="1">
+                <a:solidFill>
+                  <a:srgbClr val="262B37"/>
+                </a:solidFill>
+                <a:ea typeface="Calibri" panose="020F0502020204030204" pitchFamily="34" charset="0"/>
+                <a:cs typeface="Times New Roman" panose="02020603050405020304" pitchFamily="18" charset="0"/>
+              </a:rPr>
+              <a:t>vẹn</a:t>
+            </a:r>
+            <a:r>
+              <a:rPr lang="vi-VN" sz="2000" dirty="0">
+                <a:solidFill>
+                  <a:srgbClr val="262B37"/>
+                </a:solidFill>
+                <a:ea typeface="Calibri" panose="020F0502020204030204" pitchFamily="34" charset="0"/>
+                <a:cs typeface="Times New Roman" panose="02020603050405020304" pitchFamily="18" charset="0"/>
+              </a:rPr>
+              <a:t> </a:t>
+            </a:r>
+            <a:r>
+              <a:rPr lang="vi-VN" sz="2000" dirty="0" err="1">
+                <a:solidFill>
+                  <a:srgbClr val="262B37"/>
+                </a:solidFill>
+                <a:ea typeface="Calibri" panose="020F0502020204030204" pitchFamily="34" charset="0"/>
+                <a:cs typeface="Times New Roman" panose="02020603050405020304" pitchFamily="18" charset="0"/>
+              </a:rPr>
+              <a:t>của</a:t>
+            </a:r>
+            <a:r>
+              <a:rPr lang="vi-VN" sz="2000" dirty="0">
+                <a:solidFill>
+                  <a:srgbClr val="262B37"/>
+                </a:solidFill>
+                <a:ea typeface="Calibri" panose="020F0502020204030204" pitchFamily="34" charset="0"/>
+                <a:cs typeface="Times New Roman" panose="02020603050405020304" pitchFamily="18" charset="0"/>
+              </a:rPr>
+              <a:t> </a:t>
+            </a:r>
+            <a:r>
+              <a:rPr lang="vi-VN" sz="2000" dirty="0" err="1">
+                <a:solidFill>
+                  <a:srgbClr val="262B37"/>
+                </a:solidFill>
+                <a:ea typeface="Calibri" panose="020F0502020204030204" pitchFamily="34" charset="0"/>
+                <a:cs typeface="Times New Roman" panose="02020603050405020304" pitchFamily="18" charset="0"/>
+              </a:rPr>
+              <a:t>sản</a:t>
+            </a:r>
+            <a:r>
+              <a:rPr lang="vi-VN" sz="2000" dirty="0">
+                <a:solidFill>
+                  <a:srgbClr val="262B37"/>
+                </a:solidFill>
+                <a:ea typeface="Calibri" panose="020F0502020204030204" pitchFamily="34" charset="0"/>
+                <a:cs typeface="Times New Roman" panose="02020603050405020304" pitchFamily="18" charset="0"/>
+              </a:rPr>
+              <a:t> </a:t>
+            </a:r>
+            <a:r>
+              <a:rPr lang="vi-VN" sz="2000" dirty="0" err="1">
+                <a:solidFill>
+                  <a:srgbClr val="262B37"/>
+                </a:solidFill>
+                <a:ea typeface="Calibri" panose="020F0502020204030204" pitchFamily="34" charset="0"/>
+                <a:cs typeface="Times New Roman" panose="02020603050405020304" pitchFamily="18" charset="0"/>
+              </a:rPr>
+              <a:t>phẩm</a:t>
+            </a:r>
+            <a:r>
+              <a:rPr lang="vi-VN" sz="2000" dirty="0">
+                <a:solidFill>
+                  <a:srgbClr val="262B37"/>
+                </a:solidFill>
+                <a:ea typeface="Calibri" panose="020F0502020204030204" pitchFamily="34" charset="0"/>
+                <a:cs typeface="Times New Roman" panose="02020603050405020304" pitchFamily="18" charset="0"/>
+              </a:rPr>
+              <a:t> </a:t>
+            </a:r>
+            <a:r>
+              <a:rPr lang="vi-VN" sz="2000" dirty="0" err="1">
+                <a:solidFill>
+                  <a:srgbClr val="262B37"/>
+                </a:solidFill>
+                <a:ea typeface="Calibri" panose="020F0502020204030204" pitchFamily="34" charset="0"/>
+                <a:cs typeface="Times New Roman" panose="02020603050405020304" pitchFamily="18" charset="0"/>
+              </a:rPr>
+              <a:t>cuối</a:t>
+            </a:r>
+            <a:r>
+              <a:rPr lang="vi-VN" sz="2000" dirty="0">
+                <a:solidFill>
+                  <a:srgbClr val="262B37"/>
+                </a:solidFill>
+                <a:ea typeface="Calibri" panose="020F0502020204030204" pitchFamily="34" charset="0"/>
+                <a:cs typeface="Times New Roman" panose="02020603050405020304" pitchFamily="18" charset="0"/>
+              </a:rPr>
+              <a:t> </a:t>
+            </a:r>
+            <a:r>
+              <a:rPr lang="vi-VN" sz="2000" dirty="0" err="1">
+                <a:solidFill>
+                  <a:srgbClr val="262B37"/>
+                </a:solidFill>
+                <a:ea typeface="Calibri" panose="020F0502020204030204" pitchFamily="34" charset="0"/>
+                <a:cs typeface="Times New Roman" panose="02020603050405020304" pitchFamily="18" charset="0"/>
+              </a:rPr>
+              <a:t>cùng</a:t>
+            </a:r>
+            <a:r>
+              <a:rPr lang="vi-VN" sz="2000" dirty="0">
+                <a:solidFill>
+                  <a:srgbClr val="262B37"/>
+                </a:solidFill>
+                <a:ea typeface="Calibri" panose="020F0502020204030204" pitchFamily="34" charset="0"/>
+                <a:cs typeface="Times New Roman" panose="02020603050405020304" pitchFamily="18" charset="0"/>
+              </a:rPr>
+              <a:t> khi </a:t>
+            </a:r>
+            <a:r>
+              <a:rPr lang="vi-VN" sz="2000" dirty="0" err="1">
+                <a:solidFill>
+                  <a:srgbClr val="262B37"/>
+                </a:solidFill>
+                <a:ea typeface="Calibri" panose="020F0502020204030204" pitchFamily="34" charset="0"/>
+                <a:cs typeface="Times New Roman" panose="02020603050405020304" pitchFamily="18" charset="0"/>
+              </a:rPr>
+              <a:t>update</a:t>
+            </a:r>
+            <a:r>
+              <a:rPr lang="vi-VN" sz="2000" dirty="0">
+                <a:solidFill>
+                  <a:srgbClr val="262B37"/>
+                </a:solidFill>
+                <a:ea typeface="Calibri" panose="020F0502020204030204" pitchFamily="34" charset="0"/>
+                <a:cs typeface="Times New Roman" panose="02020603050405020304" pitchFamily="18" charset="0"/>
+              </a:rPr>
+              <a:t> </a:t>
+            </a:r>
+            <a:r>
+              <a:rPr lang="vi-VN" sz="2000" dirty="0" err="1">
+                <a:solidFill>
+                  <a:srgbClr val="262B37"/>
+                </a:solidFill>
+                <a:ea typeface="Calibri" panose="020F0502020204030204" pitchFamily="34" charset="0"/>
+                <a:cs typeface="Times New Roman" panose="02020603050405020304" pitchFamily="18" charset="0"/>
+              </a:rPr>
+              <a:t>dữ</a:t>
+            </a:r>
+            <a:r>
+              <a:rPr lang="vi-VN" sz="2000" dirty="0">
+                <a:solidFill>
+                  <a:srgbClr val="262B37"/>
+                </a:solidFill>
+                <a:ea typeface="Calibri" panose="020F0502020204030204" pitchFamily="34" charset="0"/>
+                <a:cs typeface="Times New Roman" panose="02020603050405020304" pitchFamily="18" charset="0"/>
+              </a:rPr>
+              <a:t> </a:t>
+            </a:r>
+            <a:r>
+              <a:rPr lang="vi-VN" sz="2000" dirty="0" err="1">
+                <a:solidFill>
+                  <a:srgbClr val="262B37"/>
+                </a:solidFill>
+                <a:ea typeface="Calibri" panose="020F0502020204030204" pitchFamily="34" charset="0"/>
+                <a:cs typeface="Times New Roman" panose="02020603050405020304" pitchFamily="18" charset="0"/>
+              </a:rPr>
+              <a:t>liệu</a:t>
+            </a:r>
+            <a:endParaRPr lang="en-GB" sz="2000" dirty="0">
               <a:solidFill>
                 <a:srgbClr val="262B37"/>
               </a:solidFill>
@@ -13110,10 +12842,10 @@
       </p:sp>
       <p:sp>
         <p:nvSpPr>
-          <p:cNvPr id="18" name="Rectangle 17">
-            <a:extLst>
-              <a:ext uri="{FF2B5EF4-FFF2-40B4-BE49-F238E27FC236}">
-                <a16:creationId xmlns:a16="http://schemas.microsoft.com/office/drawing/2014/main" id="{D22C87DD-278D-42B7-861A-C0A26706EE0B}"/>
+          <p:cNvPr id="22" name="Rectangle 21">
+            <a:extLst>
+              <a:ext uri="{FF2B5EF4-FFF2-40B4-BE49-F238E27FC236}">
+                <a16:creationId xmlns:a16="http://schemas.microsoft.com/office/drawing/2014/main" id="{908F62B8-6043-4AEA-9179-D737C403AB05}"/>
               </a:ext>
             </a:extLst>
           </p:cNvPr>
@@ -13122,8 +12854,8 @@
         </p:nvSpPr>
         <p:spPr>
           <a:xfrm>
-            <a:off x="1881804" y="3321713"/>
-            <a:ext cx="9689911" cy="666220"/>
+            <a:off x="7280782" y="1701268"/>
+            <a:ext cx="4094923" cy="666220"/>
           </a:xfrm>
           <a:prstGeom prst="rect">
             <a:avLst/>
@@ -13170,7 +12902,7 @@
                 <a:ea typeface="Calibri" panose="020F0502020204030204" pitchFamily="34" charset="0"/>
                 <a:cs typeface="Times New Roman" panose="02020603050405020304" pitchFamily="18" charset="0"/>
               </a:rPr>
-              <a:t>Kiến</a:t>
+              <a:t>Data</a:t>
             </a:r>
             <a:r>
               <a:rPr lang="vi-VN" sz="2800" dirty="0">
@@ -13192,84 +12924,7 @@
                 <a:ea typeface="Calibri" panose="020F0502020204030204" pitchFamily="34" charset="0"/>
                 <a:cs typeface="Times New Roman" panose="02020603050405020304" pitchFamily="18" charset="0"/>
               </a:rPr>
-              <a:t>trúc</a:t>
-            </a:r>
-            <a:r>
-              <a:rPr lang="vi-VN" sz="2800" dirty="0">
-                <a:solidFill>
-                  <a:srgbClr val="262B37"/>
-                </a:solidFill>
-                <a:effectLst/>
-                <a:ea typeface="Calibri" panose="020F0502020204030204" pitchFamily="34" charset="0"/>
-                <a:cs typeface="Times New Roman" panose="02020603050405020304" pitchFamily="18" charset="0"/>
-              </a:rPr>
-              <a:t> </a:t>
-            </a:r>
-            <a:r>
-              <a:rPr lang="vi-VN" sz="2800" dirty="0" err="1">
-                <a:solidFill>
-                  <a:srgbClr val="262B37"/>
-                </a:solidFill>
-                <a:effectLst/>
-                <a:ea typeface="Calibri" panose="020F0502020204030204" pitchFamily="34" charset="0"/>
-                <a:cs typeface="Times New Roman" panose="02020603050405020304" pitchFamily="18" charset="0"/>
-              </a:rPr>
-              <a:t>Data</a:t>
-            </a:r>
-            <a:r>
-              <a:rPr lang="vi-VN" sz="2800" dirty="0">
-                <a:solidFill>
-                  <a:srgbClr val="262B37"/>
-                </a:solidFill>
-                <a:effectLst/>
-                <a:ea typeface="Calibri" panose="020F0502020204030204" pitchFamily="34" charset="0"/>
-                <a:cs typeface="Times New Roman" panose="02020603050405020304" pitchFamily="18" charset="0"/>
-              </a:rPr>
-              <a:t> </a:t>
-            </a:r>
-            <a:r>
-              <a:rPr lang="vi-VN" sz="2800" dirty="0" err="1">
-                <a:solidFill>
-                  <a:srgbClr val="262B37"/>
-                </a:solidFill>
-                <a:effectLst/>
-                <a:ea typeface="Calibri" panose="020F0502020204030204" pitchFamily="34" charset="0"/>
-                <a:cs typeface="Times New Roman" panose="02020603050405020304" pitchFamily="18" charset="0"/>
-              </a:rPr>
               <a:t>Warehouse</a:t>
-            </a:r>
-            <a:r>
-              <a:rPr lang="vi-VN" sz="2800" dirty="0">
-                <a:solidFill>
-                  <a:srgbClr val="262B37"/>
-                </a:solidFill>
-                <a:effectLst/>
-                <a:ea typeface="Calibri" panose="020F0502020204030204" pitchFamily="34" charset="0"/>
-                <a:cs typeface="Times New Roman" panose="02020603050405020304" pitchFamily="18" charset="0"/>
-              </a:rPr>
-              <a:t> ba </a:t>
-            </a:r>
-            <a:r>
-              <a:rPr lang="vi-VN" sz="2800" dirty="0" err="1">
-                <a:solidFill>
-                  <a:srgbClr val="262B37"/>
-                </a:solidFill>
-                <a:effectLst/>
-                <a:ea typeface="Calibri" panose="020F0502020204030204" pitchFamily="34" charset="0"/>
-                <a:cs typeface="Times New Roman" panose="02020603050405020304" pitchFamily="18" charset="0"/>
-              </a:rPr>
-              <a:t>tầng</a:t>
-            </a:r>
-            <a:r>
-              <a:rPr lang="vi-VN" sz="2800" dirty="0">
-                <a:solidFill>
-                  <a:srgbClr val="262B37"/>
-                </a:solidFill>
-                <a:effectLst/>
-                <a:ea typeface="Calibri" panose="020F0502020204030204" pitchFamily="34" charset="0"/>
-                <a:cs typeface="Times New Roman" panose="02020603050405020304" pitchFamily="18" charset="0"/>
-              </a:rPr>
-              <a:t>.</a:t>
             </a:r>
             <a:endParaRPr lang="en-GB" sz="2800" dirty="0">
               <a:solidFill>
@@ -13282,10 +12937,1534 @@
           </a:p>
         </p:txBody>
       </p:sp>
+      <p:sp>
+        <p:nvSpPr>
+          <p:cNvPr id="23" name="Rectangle 22">
+            <a:extLst>
+              <a:ext uri="{FF2B5EF4-FFF2-40B4-BE49-F238E27FC236}">
+                <a16:creationId xmlns:a16="http://schemas.microsoft.com/office/drawing/2014/main" id="{739D49AB-97D7-4794-9ECB-A1028BB74FE4}"/>
+              </a:ext>
+            </a:extLst>
+          </p:cNvPr>
+          <p:cNvSpPr/>
+          <p:nvPr/>
+        </p:nvSpPr>
+        <p:spPr>
+          <a:xfrm>
+            <a:off x="6139065" y="1903495"/>
+            <a:ext cx="129210" cy="4168875"/>
+          </a:xfrm>
+          <a:prstGeom prst="rect">
+            <a:avLst/>
+          </a:prstGeom>
+          <a:solidFill>
+            <a:srgbClr val="FEAE1F"/>
+          </a:solidFill>
+          <a:ln>
+            <a:noFill/>
+          </a:ln>
+        </p:spPr>
+        <p:style>
+          <a:lnRef idx="2">
+            <a:schemeClr val="accent6"/>
+          </a:lnRef>
+          <a:fillRef idx="1">
+            <a:schemeClr val="lt1"/>
+          </a:fillRef>
+          <a:effectRef idx="0">
+            <a:schemeClr val="accent6"/>
+          </a:effectRef>
+          <a:fontRef idx="minor">
+            <a:schemeClr val="dk1"/>
+          </a:fontRef>
+        </p:style>
+        <p:txBody>
+          <a:bodyPr rtlCol="0" anchor="ctr"/>
+          <a:lstStyle/>
+          <a:p>
+            <a:pPr algn="ctr"/>
+            <a:endParaRPr lang="en-GB"/>
+          </a:p>
+        </p:txBody>
+      </p:sp>
+      <p:sp>
+        <p:nvSpPr>
+          <p:cNvPr id="27" name="Rectangle 26">
+            <a:extLst>
+              <a:ext uri="{FF2B5EF4-FFF2-40B4-BE49-F238E27FC236}">
+                <a16:creationId xmlns:a16="http://schemas.microsoft.com/office/drawing/2014/main" id="{899DD284-7DBF-4E4C-ABEA-95A2A661CE09}"/>
+              </a:ext>
+            </a:extLst>
+          </p:cNvPr>
+          <p:cNvSpPr/>
+          <p:nvPr/>
+        </p:nvSpPr>
+        <p:spPr>
+          <a:xfrm>
+            <a:off x="6583382" y="2877686"/>
+            <a:ext cx="238536" cy="128735"/>
+          </a:xfrm>
+          <a:prstGeom prst="rect">
+            <a:avLst/>
+          </a:prstGeom>
+          <a:solidFill>
+            <a:srgbClr val="262B37"/>
+          </a:solidFill>
+          <a:ln>
+            <a:noFill/>
+          </a:ln>
+        </p:spPr>
+        <p:style>
+          <a:lnRef idx="2">
+            <a:schemeClr val="accent6"/>
+          </a:lnRef>
+          <a:fillRef idx="1">
+            <a:schemeClr val="lt1"/>
+          </a:fillRef>
+          <a:effectRef idx="0">
+            <a:schemeClr val="accent6"/>
+          </a:effectRef>
+          <a:fontRef idx="minor">
+            <a:schemeClr val="dk1"/>
+          </a:fontRef>
+        </p:style>
+        <p:txBody>
+          <a:bodyPr rtlCol="0" anchor="ctr"/>
+          <a:lstStyle/>
+          <a:p>
+            <a:pPr algn="ctr"/>
+            <a:endParaRPr lang="en-GB" dirty="0"/>
+          </a:p>
+        </p:txBody>
+      </p:sp>
+      <p:sp>
+        <p:nvSpPr>
+          <p:cNvPr id="28" name="Rectangle 27">
+            <a:extLst>
+              <a:ext uri="{FF2B5EF4-FFF2-40B4-BE49-F238E27FC236}">
+                <a16:creationId xmlns:a16="http://schemas.microsoft.com/office/drawing/2014/main" id="{A447BB73-5FB9-4F04-B6B7-00EAD0F20516}"/>
+              </a:ext>
+            </a:extLst>
+          </p:cNvPr>
+          <p:cNvSpPr/>
+          <p:nvPr/>
+        </p:nvSpPr>
+        <p:spPr>
+          <a:xfrm flipH="1" flipV="1">
+            <a:off x="1590256" y="2338340"/>
+            <a:ext cx="9652553" cy="128735"/>
+          </a:xfrm>
+          <a:prstGeom prst="rect">
+            <a:avLst/>
+          </a:prstGeom>
+          <a:solidFill>
+            <a:srgbClr val="FEAE1F"/>
+          </a:solidFill>
+          <a:ln>
+            <a:noFill/>
+          </a:ln>
+        </p:spPr>
+        <p:style>
+          <a:lnRef idx="2">
+            <a:schemeClr val="accent6"/>
+          </a:lnRef>
+          <a:fillRef idx="1">
+            <a:schemeClr val="lt1"/>
+          </a:fillRef>
+          <a:effectRef idx="0">
+            <a:schemeClr val="accent6"/>
+          </a:effectRef>
+          <a:fontRef idx="minor">
+            <a:schemeClr val="dk1"/>
+          </a:fontRef>
+        </p:style>
+        <p:txBody>
+          <a:bodyPr rtlCol="0" anchor="ctr"/>
+          <a:lstStyle/>
+          <a:p>
+            <a:pPr algn="ctr"/>
+            <a:endParaRPr lang="en-GB"/>
+          </a:p>
+        </p:txBody>
+      </p:sp>
+      <p:sp>
+        <p:nvSpPr>
+          <p:cNvPr id="29" name="Rectangle 28">
+            <a:extLst>
+              <a:ext uri="{FF2B5EF4-FFF2-40B4-BE49-F238E27FC236}">
+                <a16:creationId xmlns:a16="http://schemas.microsoft.com/office/drawing/2014/main" id="{63EC6E21-C1A3-44EE-934A-4FBEFEDCD310}"/>
+              </a:ext>
+            </a:extLst>
+          </p:cNvPr>
+          <p:cNvSpPr/>
+          <p:nvPr/>
+        </p:nvSpPr>
+        <p:spPr>
+          <a:xfrm>
+            <a:off x="6988768" y="2581743"/>
+            <a:ext cx="4386470" cy="971314"/>
+          </a:xfrm>
+          <a:prstGeom prst="rect">
+            <a:avLst/>
+          </a:prstGeom>
+          <a:noFill/>
+          <a:ln>
+            <a:noFill/>
+          </a:ln>
+        </p:spPr>
+        <p:style>
+          <a:lnRef idx="2">
+            <a:schemeClr val="accent1">
+              <a:shade val="50000"/>
+            </a:schemeClr>
+          </a:lnRef>
+          <a:fillRef idx="1">
+            <a:schemeClr val="accent1"/>
+          </a:fillRef>
+          <a:effectRef idx="0">
+            <a:schemeClr val="accent1"/>
+          </a:effectRef>
+          <a:fontRef idx="minor">
+            <a:schemeClr val="lt1"/>
+          </a:fontRef>
+        </p:style>
+        <p:txBody>
+          <a:bodyPr rtlCol="0" anchor="ctr"/>
+          <a:lstStyle/>
+          <a:p>
+            <a:pPr marL="0" marR="0">
+              <a:spcBef>
+                <a:spcPts val="0"/>
+              </a:spcBef>
+              <a:spcAft>
+                <a:spcPts val="0"/>
+              </a:spcAft>
+            </a:pPr>
+            <a:r>
+              <a:rPr lang="vi-VN" sz="2000" dirty="0" err="1">
+                <a:solidFill>
+                  <a:srgbClr val="262B37"/>
+                </a:solidFill>
+                <a:ea typeface="Calibri" panose="020F0502020204030204" pitchFamily="34" charset="0"/>
+                <a:cs typeface="Times New Roman" panose="02020603050405020304" pitchFamily="18" charset="0"/>
+              </a:rPr>
+              <a:t>Vấn</a:t>
+            </a:r>
+            <a:r>
+              <a:rPr lang="vi-VN" sz="2000" dirty="0">
+                <a:solidFill>
+                  <a:srgbClr val="262B37"/>
+                </a:solidFill>
+                <a:ea typeface="Calibri" panose="020F0502020204030204" pitchFamily="34" charset="0"/>
+                <a:cs typeface="Times New Roman" panose="02020603050405020304" pitchFamily="18" charset="0"/>
+              </a:rPr>
+              <a:t> </a:t>
+            </a:r>
+            <a:r>
+              <a:rPr lang="vi-VN" sz="2000" dirty="0" err="1">
+                <a:solidFill>
+                  <a:srgbClr val="262B37"/>
+                </a:solidFill>
+                <a:ea typeface="Calibri" panose="020F0502020204030204" pitchFamily="34" charset="0"/>
+                <a:cs typeface="Times New Roman" panose="02020603050405020304" pitchFamily="18" charset="0"/>
+              </a:rPr>
+              <a:t>đề</a:t>
+            </a:r>
+            <a:r>
+              <a:rPr lang="vi-VN" sz="2000" dirty="0">
+                <a:solidFill>
+                  <a:srgbClr val="262B37"/>
+                </a:solidFill>
+                <a:ea typeface="Calibri" panose="020F0502020204030204" pitchFamily="34" charset="0"/>
+                <a:cs typeface="Times New Roman" panose="02020603050405020304" pitchFamily="18" charset="0"/>
+              </a:rPr>
+              <a:t> </a:t>
+            </a:r>
+            <a:r>
+              <a:rPr lang="vi-VN" sz="2000" dirty="0" err="1">
+                <a:solidFill>
+                  <a:srgbClr val="262B37"/>
+                </a:solidFill>
+                <a:ea typeface="Calibri" panose="020F0502020204030204" pitchFamily="34" charset="0"/>
+                <a:cs typeface="Times New Roman" panose="02020603050405020304" pitchFamily="18" charset="0"/>
+              </a:rPr>
+              <a:t>này</a:t>
+            </a:r>
+            <a:r>
+              <a:rPr lang="vi-VN" sz="2000" dirty="0">
+                <a:solidFill>
+                  <a:srgbClr val="262B37"/>
+                </a:solidFill>
+                <a:ea typeface="Calibri" panose="020F0502020204030204" pitchFamily="34" charset="0"/>
+                <a:cs typeface="Times New Roman" panose="02020603050405020304" pitchFamily="18" charset="0"/>
+              </a:rPr>
+              <a:t> không </a:t>
+            </a:r>
+            <a:r>
+              <a:rPr lang="vi-VN" sz="2000" dirty="0" err="1">
+                <a:solidFill>
+                  <a:srgbClr val="262B37"/>
+                </a:solidFill>
+                <a:ea typeface="Calibri" panose="020F0502020204030204" pitchFamily="34" charset="0"/>
+                <a:cs typeface="Times New Roman" panose="02020603050405020304" pitchFamily="18" charset="0"/>
+              </a:rPr>
+              <a:t>xảy</a:t>
+            </a:r>
+            <a:r>
+              <a:rPr lang="vi-VN" sz="2000" dirty="0">
+                <a:solidFill>
+                  <a:srgbClr val="262B37"/>
+                </a:solidFill>
+                <a:ea typeface="Calibri" panose="020F0502020204030204" pitchFamily="34" charset="0"/>
+                <a:cs typeface="Times New Roman" panose="02020603050405020304" pitchFamily="18" charset="0"/>
+              </a:rPr>
+              <a:t> ra </a:t>
+            </a:r>
+            <a:r>
+              <a:rPr lang="vi-VN" sz="2000" dirty="0" err="1">
+                <a:solidFill>
+                  <a:srgbClr val="262B37"/>
+                </a:solidFill>
+                <a:ea typeface="Calibri" panose="020F0502020204030204" pitchFamily="34" charset="0"/>
+                <a:cs typeface="Times New Roman" panose="02020603050405020304" pitchFamily="18" charset="0"/>
+              </a:rPr>
+              <a:t>vì</a:t>
+            </a:r>
+            <a:r>
+              <a:rPr lang="vi-VN" sz="2000" dirty="0">
+                <a:solidFill>
+                  <a:srgbClr val="262B37"/>
+                </a:solidFill>
+                <a:ea typeface="Calibri" panose="020F0502020204030204" pitchFamily="34" charset="0"/>
+                <a:cs typeface="Times New Roman" panose="02020603050405020304" pitchFamily="18" charset="0"/>
+              </a:rPr>
+              <a:t> </a:t>
+            </a:r>
+            <a:r>
+              <a:rPr lang="vi-VN" sz="2000" dirty="0" err="1">
+                <a:solidFill>
+                  <a:srgbClr val="262B37"/>
+                </a:solidFill>
+                <a:ea typeface="Calibri" panose="020F0502020204030204" pitchFamily="34" charset="0"/>
+                <a:cs typeface="Times New Roman" panose="02020603050405020304" pitchFamily="18" charset="0"/>
+              </a:rPr>
+              <a:t>cập</a:t>
+            </a:r>
+            <a:r>
+              <a:rPr lang="vi-VN" sz="2000" dirty="0">
+                <a:solidFill>
+                  <a:srgbClr val="262B37"/>
+                </a:solidFill>
+                <a:ea typeface="Calibri" panose="020F0502020204030204" pitchFamily="34" charset="0"/>
+                <a:cs typeface="Times New Roman" panose="02020603050405020304" pitchFamily="18" charset="0"/>
+              </a:rPr>
+              <a:t> </a:t>
+            </a:r>
+            <a:r>
+              <a:rPr lang="vi-VN" sz="2000" dirty="0" err="1">
+                <a:solidFill>
+                  <a:srgbClr val="262B37"/>
+                </a:solidFill>
+                <a:ea typeface="Calibri" panose="020F0502020204030204" pitchFamily="34" charset="0"/>
+                <a:cs typeface="Times New Roman" panose="02020603050405020304" pitchFamily="18" charset="0"/>
+              </a:rPr>
+              <a:t>nhật</a:t>
+            </a:r>
+            <a:r>
+              <a:rPr lang="vi-VN" sz="2000" dirty="0">
+                <a:solidFill>
+                  <a:srgbClr val="262B37"/>
+                </a:solidFill>
+                <a:ea typeface="Calibri" panose="020F0502020204030204" pitchFamily="34" charset="0"/>
+                <a:cs typeface="Times New Roman" panose="02020603050405020304" pitchFamily="18" charset="0"/>
+              </a:rPr>
+              <a:t> </a:t>
+            </a:r>
+            <a:r>
+              <a:rPr lang="vi-VN" sz="2000" dirty="0" err="1">
+                <a:solidFill>
+                  <a:srgbClr val="262B37"/>
+                </a:solidFill>
+                <a:ea typeface="Calibri" panose="020F0502020204030204" pitchFamily="34" charset="0"/>
+                <a:cs typeface="Times New Roman" panose="02020603050405020304" pitchFamily="18" charset="0"/>
+              </a:rPr>
+              <a:t>dữ</a:t>
+            </a:r>
+            <a:r>
+              <a:rPr lang="vi-VN" sz="2000" dirty="0">
+                <a:solidFill>
+                  <a:srgbClr val="262B37"/>
+                </a:solidFill>
+                <a:ea typeface="Calibri" panose="020F0502020204030204" pitchFamily="34" charset="0"/>
+                <a:cs typeface="Times New Roman" panose="02020603050405020304" pitchFamily="18" charset="0"/>
+              </a:rPr>
+              <a:t> </a:t>
+            </a:r>
+            <a:r>
+              <a:rPr lang="vi-VN" sz="2000" dirty="0" err="1">
+                <a:solidFill>
+                  <a:srgbClr val="262B37"/>
+                </a:solidFill>
+                <a:ea typeface="Calibri" panose="020F0502020204030204" pitchFamily="34" charset="0"/>
+                <a:cs typeface="Times New Roman" panose="02020603050405020304" pitchFamily="18" charset="0"/>
+              </a:rPr>
+              <a:t>liệu</a:t>
+            </a:r>
+            <a:r>
+              <a:rPr lang="vi-VN" sz="2000" dirty="0">
+                <a:solidFill>
+                  <a:srgbClr val="262B37"/>
+                </a:solidFill>
+                <a:ea typeface="Calibri" panose="020F0502020204030204" pitchFamily="34" charset="0"/>
+                <a:cs typeface="Times New Roman" panose="02020603050405020304" pitchFamily="18" charset="0"/>
+              </a:rPr>
+              <a:t> không </a:t>
+            </a:r>
+            <a:r>
+              <a:rPr lang="vi-VN" sz="2000" dirty="0" err="1">
+                <a:solidFill>
+                  <a:srgbClr val="262B37"/>
+                </a:solidFill>
+                <a:ea typeface="Calibri" panose="020F0502020204030204" pitchFamily="34" charset="0"/>
+                <a:cs typeface="Times New Roman" panose="02020603050405020304" pitchFamily="18" charset="0"/>
+              </a:rPr>
+              <a:t>được</a:t>
+            </a:r>
+            <a:r>
+              <a:rPr lang="vi-VN" sz="2000" dirty="0">
+                <a:solidFill>
+                  <a:srgbClr val="262B37"/>
+                </a:solidFill>
+                <a:ea typeface="Calibri" panose="020F0502020204030204" pitchFamily="34" charset="0"/>
+                <a:cs typeface="Times New Roman" panose="02020603050405020304" pitchFamily="18" charset="0"/>
+              </a:rPr>
+              <a:t> </a:t>
+            </a:r>
+            <a:r>
+              <a:rPr lang="vi-VN" sz="2000" dirty="0" err="1">
+                <a:solidFill>
+                  <a:srgbClr val="262B37"/>
+                </a:solidFill>
+                <a:ea typeface="Calibri" panose="020F0502020204030204" pitchFamily="34" charset="0"/>
+                <a:cs typeface="Times New Roman" panose="02020603050405020304" pitchFamily="18" charset="0"/>
+              </a:rPr>
+              <a:t>thực</a:t>
+            </a:r>
+            <a:r>
+              <a:rPr lang="vi-VN" sz="2000" dirty="0">
+                <a:solidFill>
+                  <a:srgbClr val="262B37"/>
+                </a:solidFill>
+                <a:ea typeface="Calibri" panose="020F0502020204030204" pitchFamily="34" charset="0"/>
+                <a:cs typeface="Times New Roman" panose="02020603050405020304" pitchFamily="18" charset="0"/>
+              </a:rPr>
+              <a:t> </a:t>
+            </a:r>
+            <a:r>
+              <a:rPr lang="vi-VN" sz="2000" dirty="0" err="1">
+                <a:solidFill>
+                  <a:srgbClr val="262B37"/>
+                </a:solidFill>
+                <a:ea typeface="Calibri" panose="020F0502020204030204" pitchFamily="34" charset="0"/>
+                <a:cs typeface="Times New Roman" panose="02020603050405020304" pitchFamily="18" charset="0"/>
+              </a:rPr>
+              <a:t>hiện</a:t>
+            </a:r>
+            <a:endParaRPr lang="en-GB" sz="2000" dirty="0">
+              <a:solidFill>
+                <a:srgbClr val="262B37"/>
+              </a:solidFill>
+              <a:effectLst/>
+              <a:ea typeface="Calibri" panose="020F0502020204030204" pitchFamily="34" charset="0"/>
+              <a:cs typeface="Times New Roman" panose="02020603050405020304" pitchFamily="18" charset="0"/>
+            </a:endParaRPr>
+          </a:p>
+        </p:txBody>
+      </p:sp>
+      <p:sp>
+        <p:nvSpPr>
+          <p:cNvPr id="30" name="Rectangle 29">
+            <a:extLst>
+              <a:ext uri="{FF2B5EF4-FFF2-40B4-BE49-F238E27FC236}">
+                <a16:creationId xmlns:a16="http://schemas.microsoft.com/office/drawing/2014/main" id="{A1DD76D4-4E97-44D1-A35A-DF6FA4975539}"/>
+              </a:ext>
+            </a:extLst>
+          </p:cNvPr>
+          <p:cNvSpPr/>
+          <p:nvPr/>
+        </p:nvSpPr>
+        <p:spPr>
+          <a:xfrm>
+            <a:off x="1703022" y="4037035"/>
+            <a:ext cx="238536" cy="128735"/>
+          </a:xfrm>
+          <a:prstGeom prst="rect">
+            <a:avLst/>
+          </a:prstGeom>
+          <a:solidFill>
+            <a:srgbClr val="262B37"/>
+          </a:solidFill>
+          <a:ln>
+            <a:noFill/>
+          </a:ln>
+        </p:spPr>
+        <p:style>
+          <a:lnRef idx="2">
+            <a:schemeClr val="accent6"/>
+          </a:lnRef>
+          <a:fillRef idx="1">
+            <a:schemeClr val="lt1"/>
+          </a:fillRef>
+          <a:effectRef idx="0">
+            <a:schemeClr val="accent6"/>
+          </a:effectRef>
+          <a:fontRef idx="minor">
+            <a:schemeClr val="dk1"/>
+          </a:fontRef>
+        </p:style>
+        <p:txBody>
+          <a:bodyPr rtlCol="0" anchor="ctr"/>
+          <a:lstStyle/>
+          <a:p>
+            <a:pPr algn="ctr"/>
+            <a:endParaRPr lang="en-GB" dirty="0"/>
+          </a:p>
+        </p:txBody>
+      </p:sp>
+      <p:sp>
+        <p:nvSpPr>
+          <p:cNvPr id="31" name="Rectangle 30">
+            <a:extLst>
+              <a:ext uri="{FF2B5EF4-FFF2-40B4-BE49-F238E27FC236}">
+                <a16:creationId xmlns:a16="http://schemas.microsoft.com/office/drawing/2014/main" id="{51AE34B7-6EBF-4B82-AB1E-80FC5D4A5E19}"/>
+              </a:ext>
+            </a:extLst>
+          </p:cNvPr>
+          <p:cNvSpPr/>
+          <p:nvPr/>
+        </p:nvSpPr>
+        <p:spPr>
+          <a:xfrm>
+            <a:off x="2030062" y="3621831"/>
+            <a:ext cx="4065938" cy="1223105"/>
+          </a:xfrm>
+          <a:prstGeom prst="rect">
+            <a:avLst/>
+          </a:prstGeom>
+          <a:noFill/>
+          <a:ln>
+            <a:noFill/>
+          </a:ln>
+        </p:spPr>
+        <p:style>
+          <a:lnRef idx="2">
+            <a:schemeClr val="accent1">
+              <a:shade val="50000"/>
+            </a:schemeClr>
+          </a:lnRef>
+          <a:fillRef idx="1">
+            <a:schemeClr val="accent1"/>
+          </a:fillRef>
+          <a:effectRef idx="0">
+            <a:schemeClr val="accent1"/>
+          </a:effectRef>
+          <a:fontRef idx="minor">
+            <a:schemeClr val="lt1"/>
+          </a:fontRef>
+        </p:style>
+        <p:txBody>
+          <a:bodyPr rtlCol="0" anchor="ctr"/>
+          <a:lstStyle/>
+          <a:p>
+            <a:pPr marL="0" marR="0">
+              <a:spcBef>
+                <a:spcPts val="0"/>
+              </a:spcBef>
+              <a:spcAft>
+                <a:spcPts val="0"/>
+              </a:spcAft>
+            </a:pPr>
+            <a:r>
+              <a:rPr lang="vi-VN" sz="2000" dirty="0" err="1">
+                <a:solidFill>
+                  <a:srgbClr val="262B37"/>
+                </a:solidFill>
+                <a:effectLst/>
+                <a:ea typeface="Calibri" panose="020F0502020204030204" pitchFamily="34" charset="0"/>
+                <a:cs typeface="Times New Roman" panose="02020603050405020304" pitchFamily="18" charset="0"/>
+              </a:rPr>
+              <a:t>Dữ</a:t>
+            </a:r>
+            <a:r>
+              <a:rPr lang="vi-VN" sz="2000" dirty="0">
+                <a:solidFill>
+                  <a:srgbClr val="262B37"/>
+                </a:solidFill>
+                <a:effectLst/>
+                <a:ea typeface="Calibri" panose="020F0502020204030204" pitchFamily="34" charset="0"/>
+                <a:cs typeface="Times New Roman" panose="02020603050405020304" pitchFamily="18" charset="0"/>
+              </a:rPr>
+              <a:t> </a:t>
+            </a:r>
+            <a:r>
+              <a:rPr lang="vi-VN" sz="2000" dirty="0" err="1">
+                <a:solidFill>
+                  <a:srgbClr val="262B37"/>
+                </a:solidFill>
+                <a:effectLst/>
+                <a:ea typeface="Calibri" panose="020F0502020204030204" pitchFamily="34" charset="0"/>
+                <a:cs typeface="Times New Roman" panose="02020603050405020304" pitchFamily="18" charset="0"/>
+              </a:rPr>
+              <a:t>liệu</a:t>
+            </a:r>
+            <a:r>
+              <a:rPr lang="vi-VN" sz="2000" dirty="0">
+                <a:solidFill>
+                  <a:srgbClr val="262B37"/>
+                </a:solidFill>
+                <a:effectLst/>
+                <a:ea typeface="Calibri" panose="020F0502020204030204" pitchFamily="34" charset="0"/>
+                <a:cs typeface="Times New Roman" panose="02020603050405020304" pitchFamily="18" charset="0"/>
+              </a:rPr>
+              <a:t> </a:t>
+            </a:r>
+            <a:r>
+              <a:rPr lang="vi-VN" sz="2000" dirty="0" err="1">
+                <a:solidFill>
+                  <a:srgbClr val="262B37"/>
+                </a:solidFill>
+                <a:effectLst/>
+                <a:ea typeface="Calibri" panose="020F0502020204030204" pitchFamily="34" charset="0"/>
+                <a:cs typeface="Times New Roman" panose="02020603050405020304" pitchFamily="18" charset="0"/>
+              </a:rPr>
+              <a:t>được</a:t>
+            </a:r>
+            <a:r>
+              <a:rPr lang="vi-VN" sz="2000" dirty="0">
+                <a:solidFill>
+                  <a:srgbClr val="262B37"/>
+                </a:solidFill>
+                <a:effectLst/>
+                <a:ea typeface="Calibri" panose="020F0502020204030204" pitchFamily="34" charset="0"/>
+                <a:cs typeface="Times New Roman" panose="02020603050405020304" pitchFamily="18" charset="0"/>
+              </a:rPr>
+              <a:t> </a:t>
+            </a:r>
+            <a:r>
+              <a:rPr lang="vi-VN" sz="2000" dirty="0" err="1">
+                <a:solidFill>
+                  <a:srgbClr val="262B37"/>
+                </a:solidFill>
+                <a:effectLst/>
+                <a:ea typeface="Calibri" panose="020F0502020204030204" pitchFamily="34" charset="0"/>
+                <a:cs typeface="Times New Roman" panose="02020603050405020304" pitchFamily="18" charset="0"/>
+              </a:rPr>
+              <a:t>đặt</a:t>
+            </a:r>
+            <a:r>
+              <a:rPr lang="vi-VN" sz="2000" dirty="0">
+                <a:solidFill>
+                  <a:srgbClr val="262B37"/>
+                </a:solidFill>
+                <a:effectLst/>
+                <a:ea typeface="Calibri" panose="020F0502020204030204" pitchFamily="34" charset="0"/>
+                <a:cs typeface="Times New Roman" panose="02020603050405020304" pitchFamily="18" charset="0"/>
+              </a:rPr>
+              <a:t> ở </a:t>
+            </a:r>
+            <a:r>
+              <a:rPr lang="vi-VN" sz="2000" dirty="0" err="1">
+                <a:solidFill>
+                  <a:srgbClr val="262B37"/>
+                </a:solidFill>
+                <a:effectLst/>
+                <a:ea typeface="Calibri" panose="020F0502020204030204" pitchFamily="34" charset="0"/>
+                <a:cs typeface="Times New Roman" panose="02020603050405020304" pitchFamily="18" charset="0"/>
+              </a:rPr>
+              <a:t>dạng</a:t>
+            </a:r>
+            <a:r>
+              <a:rPr lang="vi-VN" sz="2000" dirty="0">
+                <a:solidFill>
+                  <a:srgbClr val="262B37"/>
+                </a:solidFill>
+                <a:effectLst/>
+                <a:ea typeface="Calibri" panose="020F0502020204030204" pitchFamily="34" charset="0"/>
+                <a:cs typeface="Times New Roman" panose="02020603050405020304" pitchFamily="18" charset="0"/>
+              </a:rPr>
+              <a:t> </a:t>
+            </a:r>
+            <a:r>
+              <a:rPr lang="vi-VN" sz="2000" dirty="0" err="1">
+                <a:solidFill>
+                  <a:srgbClr val="262B37"/>
+                </a:solidFill>
+                <a:effectLst/>
+                <a:ea typeface="Calibri" panose="020F0502020204030204" pitchFamily="34" charset="0"/>
+                <a:cs typeface="Times New Roman" panose="02020603050405020304" pitchFamily="18" charset="0"/>
+              </a:rPr>
+              <a:t>chuẩn</a:t>
+            </a:r>
+            <a:r>
+              <a:rPr lang="vi-VN" sz="2000" dirty="0">
+                <a:solidFill>
+                  <a:srgbClr val="262B37"/>
+                </a:solidFill>
+                <a:effectLst/>
+                <a:ea typeface="Calibri" panose="020F0502020204030204" pitchFamily="34" charset="0"/>
+                <a:cs typeface="Times New Roman" panose="02020603050405020304" pitchFamily="18" charset="0"/>
+              </a:rPr>
+              <a:t> </a:t>
+            </a:r>
+            <a:r>
+              <a:rPr lang="vi-VN" sz="2000" dirty="0" err="1">
+                <a:solidFill>
+                  <a:srgbClr val="262B37"/>
+                </a:solidFill>
+                <a:effectLst/>
+                <a:ea typeface="Calibri" panose="020F0502020204030204" pitchFamily="34" charset="0"/>
+                <a:cs typeface="Times New Roman" panose="02020603050405020304" pitchFamily="18" charset="0"/>
+              </a:rPr>
+              <a:t>hóa</a:t>
+            </a:r>
+            <a:endParaRPr lang="en-GB" sz="2000" dirty="0">
+              <a:solidFill>
+                <a:srgbClr val="262B37"/>
+              </a:solidFill>
+              <a:effectLst/>
+              <a:ea typeface="Calibri" panose="020F0502020204030204" pitchFamily="34" charset="0"/>
+              <a:cs typeface="Times New Roman" panose="02020603050405020304" pitchFamily="18" charset="0"/>
+            </a:endParaRPr>
+          </a:p>
+        </p:txBody>
+      </p:sp>
+      <p:sp>
+        <p:nvSpPr>
+          <p:cNvPr id="33" name="Rectangle 32">
+            <a:extLst>
+              <a:ext uri="{FF2B5EF4-FFF2-40B4-BE49-F238E27FC236}">
+                <a16:creationId xmlns:a16="http://schemas.microsoft.com/office/drawing/2014/main" id="{F562BAAC-F1B7-47B1-833A-EDB5CE5C3FF7}"/>
+              </a:ext>
+            </a:extLst>
+          </p:cNvPr>
+          <p:cNvSpPr/>
+          <p:nvPr/>
+        </p:nvSpPr>
+        <p:spPr>
+          <a:xfrm>
+            <a:off x="6583382" y="4037035"/>
+            <a:ext cx="238536" cy="128735"/>
+          </a:xfrm>
+          <a:prstGeom prst="rect">
+            <a:avLst/>
+          </a:prstGeom>
+          <a:solidFill>
+            <a:srgbClr val="262B37"/>
+          </a:solidFill>
+          <a:ln>
+            <a:noFill/>
+          </a:ln>
+        </p:spPr>
+        <p:style>
+          <a:lnRef idx="2">
+            <a:schemeClr val="accent6"/>
+          </a:lnRef>
+          <a:fillRef idx="1">
+            <a:schemeClr val="lt1"/>
+          </a:fillRef>
+          <a:effectRef idx="0">
+            <a:schemeClr val="accent6"/>
+          </a:effectRef>
+          <a:fontRef idx="minor">
+            <a:schemeClr val="dk1"/>
+          </a:fontRef>
+        </p:style>
+        <p:txBody>
+          <a:bodyPr rtlCol="0" anchor="ctr"/>
+          <a:lstStyle/>
+          <a:p>
+            <a:pPr algn="ctr"/>
+            <a:endParaRPr lang="en-GB" dirty="0"/>
+          </a:p>
+        </p:txBody>
+      </p:sp>
+      <p:sp>
+        <p:nvSpPr>
+          <p:cNvPr id="34" name="Rectangle 33">
+            <a:extLst>
+              <a:ext uri="{FF2B5EF4-FFF2-40B4-BE49-F238E27FC236}">
+                <a16:creationId xmlns:a16="http://schemas.microsoft.com/office/drawing/2014/main" id="{5034F04A-6789-4BB2-A96E-4C00F4464A99}"/>
+              </a:ext>
+            </a:extLst>
+          </p:cNvPr>
+          <p:cNvSpPr/>
+          <p:nvPr/>
+        </p:nvSpPr>
+        <p:spPr>
+          <a:xfrm>
+            <a:off x="6988768" y="3621831"/>
+            <a:ext cx="4065938" cy="1223105"/>
+          </a:xfrm>
+          <a:prstGeom prst="rect">
+            <a:avLst/>
+          </a:prstGeom>
+          <a:noFill/>
+          <a:ln>
+            <a:noFill/>
+          </a:ln>
+        </p:spPr>
+        <p:style>
+          <a:lnRef idx="2">
+            <a:schemeClr val="accent1">
+              <a:shade val="50000"/>
+            </a:schemeClr>
+          </a:lnRef>
+          <a:fillRef idx="1">
+            <a:schemeClr val="accent1"/>
+          </a:fillRef>
+          <a:effectRef idx="0">
+            <a:schemeClr val="accent1"/>
+          </a:effectRef>
+          <a:fontRef idx="minor">
+            <a:schemeClr val="lt1"/>
+          </a:fontRef>
+        </p:style>
+        <p:txBody>
+          <a:bodyPr rtlCol="0" anchor="ctr"/>
+          <a:lstStyle/>
+          <a:p>
+            <a:pPr marL="0" marR="0">
+              <a:spcBef>
+                <a:spcPts val="0"/>
+              </a:spcBef>
+              <a:spcAft>
+                <a:spcPts val="0"/>
+              </a:spcAft>
+            </a:pPr>
+            <a:r>
+              <a:rPr lang="vi-VN" sz="2000" dirty="0" err="1">
+                <a:solidFill>
+                  <a:srgbClr val="262B37"/>
+                </a:solidFill>
+                <a:effectLst/>
+                <a:ea typeface="Calibri" panose="020F0502020204030204" pitchFamily="34" charset="0"/>
+                <a:cs typeface="Times New Roman" panose="02020603050405020304" pitchFamily="18" charset="0"/>
+              </a:rPr>
+              <a:t>Dữ</a:t>
+            </a:r>
+            <a:r>
+              <a:rPr lang="vi-VN" sz="2000" dirty="0">
+                <a:solidFill>
+                  <a:srgbClr val="262B37"/>
+                </a:solidFill>
+                <a:effectLst/>
+                <a:ea typeface="Calibri" panose="020F0502020204030204" pitchFamily="34" charset="0"/>
+                <a:cs typeface="Times New Roman" panose="02020603050405020304" pitchFamily="18" charset="0"/>
+              </a:rPr>
+              <a:t> </a:t>
+            </a:r>
+            <a:r>
+              <a:rPr lang="vi-VN" sz="2000" dirty="0" err="1">
+                <a:solidFill>
+                  <a:srgbClr val="262B37"/>
+                </a:solidFill>
+                <a:effectLst/>
+                <a:ea typeface="Calibri" panose="020F0502020204030204" pitchFamily="34" charset="0"/>
+                <a:cs typeface="Times New Roman" panose="02020603050405020304" pitchFamily="18" charset="0"/>
+              </a:rPr>
+              <a:t>liệu</a:t>
+            </a:r>
+            <a:r>
+              <a:rPr lang="vi-VN" sz="2000" dirty="0">
+                <a:solidFill>
+                  <a:srgbClr val="262B37"/>
+                </a:solidFill>
+                <a:effectLst/>
+                <a:ea typeface="Calibri" panose="020F0502020204030204" pitchFamily="34" charset="0"/>
+                <a:cs typeface="Times New Roman" panose="02020603050405020304" pitchFamily="18" charset="0"/>
+              </a:rPr>
+              <a:t> không </a:t>
+            </a:r>
+            <a:r>
+              <a:rPr lang="vi-VN" sz="2000" dirty="0" err="1">
+                <a:solidFill>
+                  <a:srgbClr val="262B37"/>
+                </a:solidFill>
+                <a:effectLst/>
+                <a:ea typeface="Calibri" panose="020F0502020204030204" pitchFamily="34" charset="0"/>
+                <a:cs typeface="Times New Roman" panose="02020603050405020304" pitchFamily="18" charset="0"/>
+              </a:rPr>
+              <a:t>được</a:t>
+            </a:r>
+            <a:r>
+              <a:rPr lang="vi-VN" sz="2000" dirty="0">
+                <a:solidFill>
+                  <a:srgbClr val="262B37"/>
+                </a:solidFill>
+                <a:effectLst/>
+                <a:ea typeface="Calibri" panose="020F0502020204030204" pitchFamily="34" charset="0"/>
+                <a:cs typeface="Times New Roman" panose="02020603050405020304" pitchFamily="18" charset="0"/>
+              </a:rPr>
+              <a:t> lưu ở </a:t>
+            </a:r>
+            <a:r>
+              <a:rPr lang="vi-VN" sz="2000" dirty="0" err="1">
+                <a:solidFill>
+                  <a:srgbClr val="262B37"/>
+                </a:solidFill>
+                <a:effectLst/>
+                <a:ea typeface="Calibri" panose="020F0502020204030204" pitchFamily="34" charset="0"/>
+                <a:cs typeface="Times New Roman" panose="02020603050405020304" pitchFamily="18" charset="0"/>
+              </a:rPr>
+              <a:t>dạng</a:t>
+            </a:r>
+            <a:r>
+              <a:rPr lang="vi-VN" sz="2000" dirty="0">
+                <a:solidFill>
+                  <a:srgbClr val="262B37"/>
+                </a:solidFill>
+                <a:effectLst/>
+                <a:ea typeface="Calibri" panose="020F0502020204030204" pitchFamily="34" charset="0"/>
+                <a:cs typeface="Times New Roman" panose="02020603050405020304" pitchFamily="18" charset="0"/>
+              </a:rPr>
+              <a:t> </a:t>
+            </a:r>
+            <a:r>
+              <a:rPr lang="vi-VN" sz="2000" dirty="0" err="1">
+                <a:solidFill>
+                  <a:srgbClr val="262B37"/>
+                </a:solidFill>
+                <a:effectLst/>
+                <a:ea typeface="Calibri" panose="020F0502020204030204" pitchFamily="34" charset="0"/>
+                <a:cs typeface="Times New Roman" panose="02020603050405020304" pitchFamily="18" charset="0"/>
+              </a:rPr>
+              <a:t>chuẩn</a:t>
+            </a:r>
+            <a:r>
+              <a:rPr lang="vi-VN" sz="2000" dirty="0">
+                <a:solidFill>
+                  <a:srgbClr val="262B37"/>
+                </a:solidFill>
+                <a:effectLst/>
+                <a:ea typeface="Calibri" panose="020F0502020204030204" pitchFamily="34" charset="0"/>
+                <a:cs typeface="Times New Roman" panose="02020603050405020304" pitchFamily="18" charset="0"/>
+              </a:rPr>
+              <a:t> </a:t>
+            </a:r>
+            <a:r>
+              <a:rPr lang="vi-VN" sz="2000" dirty="0" err="1">
+                <a:solidFill>
+                  <a:srgbClr val="262B37"/>
+                </a:solidFill>
+                <a:effectLst/>
+                <a:ea typeface="Calibri" panose="020F0502020204030204" pitchFamily="34" charset="0"/>
+                <a:cs typeface="Times New Roman" panose="02020603050405020304" pitchFamily="18" charset="0"/>
+              </a:rPr>
+              <a:t>hóa</a:t>
+            </a:r>
+            <a:endParaRPr lang="en-GB" sz="2000" dirty="0">
+              <a:solidFill>
+                <a:srgbClr val="262B37"/>
+              </a:solidFill>
+              <a:effectLst/>
+              <a:ea typeface="Calibri" panose="020F0502020204030204" pitchFamily="34" charset="0"/>
+              <a:cs typeface="Times New Roman" panose="02020603050405020304" pitchFamily="18" charset="0"/>
+            </a:endParaRPr>
+          </a:p>
+        </p:txBody>
+      </p:sp>
+      <p:sp>
+        <p:nvSpPr>
+          <p:cNvPr id="42" name="Rectangle 41">
+            <a:extLst>
+              <a:ext uri="{FF2B5EF4-FFF2-40B4-BE49-F238E27FC236}">
+                <a16:creationId xmlns:a16="http://schemas.microsoft.com/office/drawing/2014/main" id="{BCF8FEE6-6830-490E-B3A8-7500DCB70C16}"/>
+              </a:ext>
+            </a:extLst>
+          </p:cNvPr>
+          <p:cNvSpPr/>
+          <p:nvPr/>
+        </p:nvSpPr>
+        <p:spPr>
+          <a:xfrm>
+            <a:off x="1703022" y="5196383"/>
+            <a:ext cx="238536" cy="128735"/>
+          </a:xfrm>
+          <a:prstGeom prst="rect">
+            <a:avLst/>
+          </a:prstGeom>
+          <a:solidFill>
+            <a:srgbClr val="262B37"/>
+          </a:solidFill>
+          <a:ln>
+            <a:noFill/>
+          </a:ln>
+        </p:spPr>
+        <p:style>
+          <a:lnRef idx="2">
+            <a:schemeClr val="accent6"/>
+          </a:lnRef>
+          <a:fillRef idx="1">
+            <a:schemeClr val="lt1"/>
+          </a:fillRef>
+          <a:effectRef idx="0">
+            <a:schemeClr val="accent6"/>
+          </a:effectRef>
+          <a:fontRef idx="minor">
+            <a:schemeClr val="dk1"/>
+          </a:fontRef>
+        </p:style>
+        <p:txBody>
+          <a:bodyPr rtlCol="0" anchor="ctr"/>
+          <a:lstStyle/>
+          <a:p>
+            <a:pPr algn="ctr"/>
+            <a:endParaRPr lang="en-GB" dirty="0"/>
+          </a:p>
+        </p:txBody>
+      </p:sp>
+      <p:sp>
+        <p:nvSpPr>
+          <p:cNvPr id="43" name="Rectangle 42">
+            <a:extLst>
+              <a:ext uri="{FF2B5EF4-FFF2-40B4-BE49-F238E27FC236}">
+                <a16:creationId xmlns:a16="http://schemas.microsoft.com/office/drawing/2014/main" id="{C0737BA2-149F-4940-A5AD-B7C468B61D49}"/>
+              </a:ext>
+            </a:extLst>
+          </p:cNvPr>
+          <p:cNvSpPr/>
+          <p:nvPr/>
+        </p:nvSpPr>
+        <p:spPr>
+          <a:xfrm>
+            <a:off x="2030062" y="4849265"/>
+            <a:ext cx="3946667" cy="1326248"/>
+          </a:xfrm>
+          <a:prstGeom prst="rect">
+            <a:avLst/>
+          </a:prstGeom>
+          <a:noFill/>
+          <a:ln>
+            <a:noFill/>
+          </a:ln>
+        </p:spPr>
+        <p:style>
+          <a:lnRef idx="2">
+            <a:schemeClr val="accent1">
+              <a:shade val="50000"/>
+            </a:schemeClr>
+          </a:lnRef>
+          <a:fillRef idx="1">
+            <a:schemeClr val="accent1"/>
+          </a:fillRef>
+          <a:effectRef idx="0">
+            <a:schemeClr val="accent1"/>
+          </a:effectRef>
+          <a:fontRef idx="minor">
+            <a:schemeClr val="lt1"/>
+          </a:fontRef>
+        </p:style>
+        <p:txBody>
+          <a:bodyPr rtlCol="0" anchor="ctr"/>
+          <a:lstStyle/>
+          <a:p>
+            <a:pPr marL="0" marR="0">
+              <a:spcBef>
+                <a:spcPts val="0"/>
+              </a:spcBef>
+              <a:spcAft>
+                <a:spcPts val="0"/>
+              </a:spcAft>
+            </a:pPr>
+            <a:r>
+              <a:rPr lang="vi-VN" sz="2000" dirty="0" err="1">
+                <a:solidFill>
+                  <a:srgbClr val="262B37"/>
+                </a:solidFill>
+                <a:ea typeface="Calibri" panose="020F0502020204030204" pitchFamily="34" charset="0"/>
+                <a:cs typeface="Times New Roman" panose="02020603050405020304" pitchFamily="18" charset="0"/>
+              </a:rPr>
+              <a:t>Cần</a:t>
+            </a:r>
+            <a:r>
+              <a:rPr lang="vi-VN" sz="2000" dirty="0">
+                <a:solidFill>
+                  <a:srgbClr val="262B37"/>
+                </a:solidFill>
+                <a:ea typeface="Calibri" panose="020F0502020204030204" pitchFamily="34" charset="0"/>
+                <a:cs typeface="Times New Roman" panose="02020603050405020304" pitchFamily="18" charset="0"/>
+              </a:rPr>
+              <a:t> </a:t>
+            </a:r>
+            <a:r>
+              <a:rPr lang="vi-VN" sz="2000" dirty="0" err="1">
+                <a:solidFill>
+                  <a:srgbClr val="262B37"/>
+                </a:solidFill>
+                <a:ea typeface="Calibri" panose="020F0502020204030204" pitchFamily="34" charset="0"/>
+                <a:cs typeface="Times New Roman" panose="02020603050405020304" pitchFamily="18" charset="0"/>
+              </a:rPr>
+              <a:t>có</a:t>
+            </a:r>
+            <a:r>
+              <a:rPr lang="vi-VN" sz="2000" dirty="0">
+                <a:solidFill>
+                  <a:srgbClr val="262B37"/>
+                </a:solidFill>
+                <a:ea typeface="Calibri" panose="020F0502020204030204" pitchFamily="34" charset="0"/>
+                <a:cs typeface="Times New Roman" panose="02020603050405020304" pitchFamily="18" charset="0"/>
+              </a:rPr>
+              <a:t> </a:t>
+            </a:r>
+            <a:r>
+              <a:rPr lang="vi-VN" sz="2000" dirty="0" err="1">
+                <a:solidFill>
+                  <a:srgbClr val="262B37"/>
+                </a:solidFill>
+                <a:ea typeface="Calibri" panose="020F0502020204030204" pitchFamily="34" charset="0"/>
+                <a:cs typeface="Times New Roman" panose="02020603050405020304" pitchFamily="18" charset="0"/>
+              </a:rPr>
+              <a:t>kỹ</a:t>
+            </a:r>
+            <a:r>
+              <a:rPr lang="vi-VN" sz="2000" dirty="0">
+                <a:solidFill>
+                  <a:srgbClr val="262B37"/>
+                </a:solidFill>
+                <a:ea typeface="Calibri" panose="020F0502020204030204" pitchFamily="34" charset="0"/>
+                <a:cs typeface="Times New Roman" panose="02020603050405020304" pitchFamily="18" charset="0"/>
+              </a:rPr>
+              <a:t> </a:t>
+            </a:r>
+            <a:r>
+              <a:rPr lang="vi-VN" sz="2000" dirty="0" err="1">
+                <a:solidFill>
+                  <a:srgbClr val="262B37"/>
+                </a:solidFill>
+                <a:ea typeface="Calibri" panose="020F0502020204030204" pitchFamily="34" charset="0"/>
+                <a:cs typeface="Times New Roman" panose="02020603050405020304" pitchFamily="18" charset="0"/>
+              </a:rPr>
+              <a:t>thuật</a:t>
+            </a:r>
+            <a:r>
+              <a:rPr lang="vi-VN" sz="2000" dirty="0">
+                <a:solidFill>
+                  <a:srgbClr val="262B37"/>
+                </a:solidFill>
+                <a:ea typeface="Calibri" panose="020F0502020204030204" pitchFamily="34" charset="0"/>
+                <a:cs typeface="Times New Roman" panose="02020603050405020304" pitchFamily="18" charset="0"/>
+              </a:rPr>
+              <a:t> </a:t>
+            </a:r>
+            <a:r>
+              <a:rPr lang="vi-VN" sz="2000" dirty="0" err="1">
+                <a:solidFill>
+                  <a:srgbClr val="262B37"/>
+                </a:solidFill>
+                <a:ea typeface="Calibri" panose="020F0502020204030204" pitchFamily="34" charset="0"/>
+                <a:cs typeface="Times New Roman" panose="02020603050405020304" pitchFamily="18" charset="0"/>
+              </a:rPr>
+              <a:t>giải</a:t>
+            </a:r>
+            <a:r>
+              <a:rPr lang="vi-VN" sz="2000" dirty="0">
+                <a:solidFill>
+                  <a:srgbClr val="262B37"/>
+                </a:solidFill>
+                <a:ea typeface="Calibri" panose="020F0502020204030204" pitchFamily="34" charset="0"/>
+                <a:cs typeface="Times New Roman" panose="02020603050405020304" pitchFamily="18" charset="0"/>
+              </a:rPr>
+              <a:t> </a:t>
+            </a:r>
+            <a:r>
+              <a:rPr lang="vi-VN" sz="2000" dirty="0" err="1">
+                <a:solidFill>
+                  <a:srgbClr val="262B37"/>
+                </a:solidFill>
+                <a:ea typeface="Calibri" panose="020F0502020204030204" pitchFamily="34" charset="0"/>
+                <a:cs typeface="Times New Roman" panose="02020603050405020304" pitchFamily="18" charset="0"/>
+              </a:rPr>
+              <a:t>quyết</a:t>
+            </a:r>
+            <a:r>
+              <a:rPr lang="vi-VN" sz="2000" dirty="0">
+                <a:solidFill>
+                  <a:srgbClr val="262B37"/>
+                </a:solidFill>
+                <a:ea typeface="Calibri" panose="020F0502020204030204" pitchFamily="34" charset="0"/>
+                <a:cs typeface="Times New Roman" panose="02020603050405020304" pitchFamily="18" charset="0"/>
+              </a:rPr>
+              <a:t> </a:t>
+            </a:r>
+            <a:r>
+              <a:rPr lang="vi-VN" sz="2000" dirty="0" err="1">
+                <a:solidFill>
+                  <a:srgbClr val="262B37"/>
+                </a:solidFill>
+                <a:ea typeface="Calibri" panose="020F0502020204030204" pitchFamily="34" charset="0"/>
+                <a:cs typeface="Times New Roman" panose="02020603050405020304" pitchFamily="18" charset="0"/>
+              </a:rPr>
+              <a:t>vấn</a:t>
+            </a:r>
+            <a:r>
+              <a:rPr lang="vi-VN" sz="2000" dirty="0">
+                <a:solidFill>
+                  <a:srgbClr val="262B37"/>
+                </a:solidFill>
+                <a:ea typeface="Calibri" panose="020F0502020204030204" pitchFamily="34" charset="0"/>
+                <a:cs typeface="Times New Roman" panose="02020603050405020304" pitchFamily="18" charset="0"/>
+              </a:rPr>
+              <a:t> </a:t>
+            </a:r>
+            <a:r>
+              <a:rPr lang="vi-VN" sz="2000" dirty="0" err="1">
+                <a:solidFill>
+                  <a:srgbClr val="262B37"/>
+                </a:solidFill>
+                <a:ea typeface="Calibri" panose="020F0502020204030204" pitchFamily="34" charset="0"/>
+                <a:cs typeface="Times New Roman" panose="02020603050405020304" pitchFamily="18" charset="0"/>
+              </a:rPr>
+              <a:t>đề</a:t>
+            </a:r>
+            <a:r>
+              <a:rPr lang="vi-VN" sz="2000" dirty="0">
+                <a:solidFill>
+                  <a:srgbClr val="262B37"/>
+                </a:solidFill>
+                <a:ea typeface="Calibri" panose="020F0502020204030204" pitchFamily="34" charset="0"/>
+                <a:cs typeface="Times New Roman" panose="02020603050405020304" pitchFamily="18" charset="0"/>
+              </a:rPr>
+              <a:t> </a:t>
+            </a:r>
+            <a:r>
+              <a:rPr lang="vi-VN" sz="2000" dirty="0" err="1">
+                <a:solidFill>
+                  <a:srgbClr val="262B37"/>
+                </a:solidFill>
+                <a:ea typeface="Calibri" panose="020F0502020204030204" pitchFamily="34" charset="0"/>
+                <a:cs typeface="Times New Roman" panose="02020603050405020304" pitchFamily="18" charset="0"/>
+              </a:rPr>
+              <a:t>về</a:t>
+            </a:r>
+            <a:r>
+              <a:rPr lang="vi-VN" sz="2000" dirty="0">
+                <a:solidFill>
+                  <a:srgbClr val="262B37"/>
+                </a:solidFill>
+                <a:ea typeface="Calibri" panose="020F0502020204030204" pitchFamily="34" charset="0"/>
+                <a:cs typeface="Times New Roman" panose="02020603050405020304" pitchFamily="18" charset="0"/>
+              </a:rPr>
+              <a:t> </a:t>
+            </a:r>
+            <a:r>
+              <a:rPr lang="vi-VN" sz="2000" dirty="0" err="1">
+                <a:solidFill>
+                  <a:srgbClr val="262B37"/>
+                </a:solidFill>
+                <a:ea typeface="Calibri" panose="020F0502020204030204" pitchFamily="34" charset="0"/>
+                <a:cs typeface="Times New Roman" panose="02020603050405020304" pitchFamily="18" charset="0"/>
+              </a:rPr>
+              <a:t>transaction</a:t>
+            </a:r>
+            <a:r>
+              <a:rPr lang="vi-VN" sz="2000" dirty="0">
+                <a:solidFill>
+                  <a:srgbClr val="262B37"/>
+                </a:solidFill>
+                <a:ea typeface="Calibri" panose="020F0502020204030204" pitchFamily="34" charset="0"/>
+                <a:cs typeface="Times New Roman" panose="02020603050405020304" pitchFamily="18" charset="0"/>
+              </a:rPr>
+              <a:t>, khôi </a:t>
+            </a:r>
+            <a:r>
+              <a:rPr lang="vi-VN" sz="2000" dirty="0" err="1">
+                <a:solidFill>
+                  <a:srgbClr val="262B37"/>
+                </a:solidFill>
+                <a:ea typeface="Calibri" panose="020F0502020204030204" pitchFamily="34" charset="0"/>
+                <a:cs typeface="Times New Roman" panose="02020603050405020304" pitchFamily="18" charset="0"/>
+              </a:rPr>
+              <a:t>phục</a:t>
+            </a:r>
+            <a:r>
+              <a:rPr lang="vi-VN" sz="2000" dirty="0">
+                <a:solidFill>
+                  <a:srgbClr val="262B37"/>
+                </a:solidFill>
+                <a:ea typeface="Calibri" panose="020F0502020204030204" pitchFamily="34" charset="0"/>
+                <a:cs typeface="Times New Roman" panose="02020603050405020304" pitchFamily="18" charset="0"/>
+              </a:rPr>
+              <a:t>, </a:t>
+            </a:r>
+            <a:r>
+              <a:rPr lang="vi-VN" sz="2000" dirty="0" err="1">
+                <a:solidFill>
+                  <a:srgbClr val="262B37"/>
+                </a:solidFill>
+                <a:ea typeface="Calibri" panose="020F0502020204030204" pitchFamily="34" charset="0"/>
+                <a:cs typeface="Times New Roman" panose="02020603050405020304" pitchFamily="18" charset="0"/>
+              </a:rPr>
+              <a:t>rollback</a:t>
+            </a:r>
+            <a:r>
+              <a:rPr lang="vi-VN" sz="2000" dirty="0">
+                <a:solidFill>
+                  <a:srgbClr val="262B37"/>
+                </a:solidFill>
+                <a:ea typeface="Calibri" panose="020F0502020204030204" pitchFamily="34" charset="0"/>
+                <a:cs typeface="Times New Roman" panose="02020603050405020304" pitchFamily="18" charset="0"/>
+              </a:rPr>
+              <a:t> </a:t>
+            </a:r>
+            <a:r>
+              <a:rPr lang="vi-VN" sz="2000" dirty="0" err="1">
+                <a:solidFill>
+                  <a:srgbClr val="262B37"/>
+                </a:solidFill>
+                <a:ea typeface="Calibri" panose="020F0502020204030204" pitchFamily="34" charset="0"/>
+                <a:cs typeface="Times New Roman" panose="02020603050405020304" pitchFamily="18" charset="0"/>
+              </a:rPr>
+              <a:t>dữ</a:t>
+            </a:r>
+            <a:r>
+              <a:rPr lang="vi-VN" sz="2000" dirty="0">
+                <a:solidFill>
+                  <a:srgbClr val="262B37"/>
+                </a:solidFill>
+                <a:ea typeface="Calibri" panose="020F0502020204030204" pitchFamily="34" charset="0"/>
+                <a:cs typeface="Times New Roman" panose="02020603050405020304" pitchFamily="18" charset="0"/>
+              </a:rPr>
+              <a:t> </a:t>
+            </a:r>
+            <a:r>
+              <a:rPr lang="vi-VN" sz="2000" dirty="0" err="1">
+                <a:solidFill>
+                  <a:srgbClr val="262B37"/>
+                </a:solidFill>
+                <a:ea typeface="Calibri" panose="020F0502020204030204" pitchFamily="34" charset="0"/>
+                <a:cs typeface="Times New Roman" panose="02020603050405020304" pitchFamily="18" charset="0"/>
+              </a:rPr>
+              <a:t>liệu</a:t>
+            </a:r>
+            <a:endParaRPr lang="en-GB" sz="2000" dirty="0">
+              <a:solidFill>
+                <a:srgbClr val="262B37"/>
+              </a:solidFill>
+              <a:effectLst/>
+              <a:ea typeface="Calibri" panose="020F0502020204030204" pitchFamily="34" charset="0"/>
+              <a:cs typeface="Times New Roman" panose="02020603050405020304" pitchFamily="18" charset="0"/>
+            </a:endParaRPr>
+          </a:p>
+        </p:txBody>
+      </p:sp>
+      <p:sp>
+        <p:nvSpPr>
+          <p:cNvPr id="44" name="Rectangle 43">
+            <a:extLst>
+              <a:ext uri="{FF2B5EF4-FFF2-40B4-BE49-F238E27FC236}">
+                <a16:creationId xmlns:a16="http://schemas.microsoft.com/office/drawing/2014/main" id="{BC1465AA-8A39-4957-9F58-CE20A567AAD4}"/>
+              </a:ext>
+            </a:extLst>
+          </p:cNvPr>
+          <p:cNvSpPr/>
+          <p:nvPr/>
+        </p:nvSpPr>
+        <p:spPr>
+          <a:xfrm>
+            <a:off x="6583382" y="5196383"/>
+            <a:ext cx="238536" cy="128735"/>
+          </a:xfrm>
+          <a:prstGeom prst="rect">
+            <a:avLst/>
+          </a:prstGeom>
+          <a:solidFill>
+            <a:srgbClr val="262B37"/>
+          </a:solidFill>
+          <a:ln>
+            <a:noFill/>
+          </a:ln>
+        </p:spPr>
+        <p:style>
+          <a:lnRef idx="2">
+            <a:schemeClr val="accent6"/>
+          </a:lnRef>
+          <a:fillRef idx="1">
+            <a:schemeClr val="lt1"/>
+          </a:fillRef>
+          <a:effectRef idx="0">
+            <a:schemeClr val="accent6"/>
+          </a:effectRef>
+          <a:fontRef idx="minor">
+            <a:schemeClr val="dk1"/>
+          </a:fontRef>
+        </p:style>
+        <p:txBody>
+          <a:bodyPr rtlCol="0" anchor="ctr"/>
+          <a:lstStyle/>
+          <a:p>
+            <a:pPr algn="ctr"/>
+            <a:endParaRPr lang="en-GB" dirty="0"/>
+          </a:p>
+        </p:txBody>
+      </p:sp>
+      <p:sp>
+        <p:nvSpPr>
+          <p:cNvPr id="45" name="Rectangle 44">
+            <a:extLst>
+              <a:ext uri="{FF2B5EF4-FFF2-40B4-BE49-F238E27FC236}">
+                <a16:creationId xmlns:a16="http://schemas.microsoft.com/office/drawing/2014/main" id="{9B9F50A9-FCE9-40CE-8D0C-20FAD2A09486}"/>
+              </a:ext>
+            </a:extLst>
+          </p:cNvPr>
+          <p:cNvSpPr/>
+          <p:nvPr/>
+        </p:nvSpPr>
+        <p:spPr>
+          <a:xfrm>
+            <a:off x="6988768" y="4844937"/>
+            <a:ext cx="3946667" cy="773986"/>
+          </a:xfrm>
+          <a:prstGeom prst="rect">
+            <a:avLst/>
+          </a:prstGeom>
+          <a:noFill/>
+          <a:ln>
+            <a:noFill/>
+          </a:ln>
+        </p:spPr>
+        <p:style>
+          <a:lnRef idx="2">
+            <a:schemeClr val="accent1">
+              <a:shade val="50000"/>
+            </a:schemeClr>
+          </a:lnRef>
+          <a:fillRef idx="1">
+            <a:schemeClr val="accent1"/>
+          </a:fillRef>
+          <a:effectRef idx="0">
+            <a:schemeClr val="accent1"/>
+          </a:effectRef>
+          <a:fontRef idx="minor">
+            <a:schemeClr val="lt1"/>
+          </a:fontRef>
+        </p:style>
+        <p:txBody>
+          <a:bodyPr rtlCol="0" anchor="ctr"/>
+          <a:lstStyle/>
+          <a:p>
+            <a:pPr marL="0" marR="0">
+              <a:spcBef>
+                <a:spcPts val="0"/>
+              </a:spcBef>
+              <a:spcAft>
+                <a:spcPts val="0"/>
+              </a:spcAft>
+            </a:pPr>
+            <a:r>
+              <a:rPr lang="vi-VN" sz="2000" dirty="0" err="1">
+                <a:solidFill>
+                  <a:srgbClr val="262B37"/>
+                </a:solidFill>
+                <a:ea typeface="Calibri" panose="020F0502020204030204" pitchFamily="34" charset="0"/>
+                <a:cs typeface="Times New Roman" panose="02020603050405020304" pitchFamily="18" charset="0"/>
+              </a:rPr>
+              <a:t>Các</a:t>
+            </a:r>
+            <a:r>
+              <a:rPr lang="vi-VN" sz="2000" dirty="0">
+                <a:solidFill>
+                  <a:srgbClr val="262B37"/>
+                </a:solidFill>
+                <a:ea typeface="Calibri" panose="020F0502020204030204" pitchFamily="34" charset="0"/>
+                <a:cs typeface="Times New Roman" panose="02020603050405020304" pitchFamily="18" charset="0"/>
+              </a:rPr>
+              <a:t> </a:t>
+            </a:r>
+            <a:r>
+              <a:rPr lang="vi-VN" sz="2000" dirty="0" err="1">
+                <a:solidFill>
+                  <a:srgbClr val="262B37"/>
+                </a:solidFill>
+                <a:ea typeface="Calibri" panose="020F0502020204030204" pitchFamily="34" charset="0"/>
+                <a:cs typeface="Times New Roman" panose="02020603050405020304" pitchFamily="18" charset="0"/>
+              </a:rPr>
+              <a:t>kỹ</a:t>
+            </a:r>
+            <a:r>
+              <a:rPr lang="vi-VN" sz="2000" dirty="0">
+                <a:solidFill>
+                  <a:srgbClr val="262B37"/>
+                </a:solidFill>
+                <a:ea typeface="Calibri" panose="020F0502020204030204" pitchFamily="34" charset="0"/>
+                <a:cs typeface="Times New Roman" panose="02020603050405020304" pitchFamily="18" charset="0"/>
+              </a:rPr>
+              <a:t> </a:t>
+            </a:r>
+            <a:r>
+              <a:rPr lang="vi-VN" sz="2000" dirty="0" err="1">
+                <a:solidFill>
+                  <a:srgbClr val="262B37"/>
+                </a:solidFill>
+                <a:ea typeface="Calibri" panose="020F0502020204030204" pitchFamily="34" charset="0"/>
+                <a:cs typeface="Times New Roman" panose="02020603050405020304" pitchFamily="18" charset="0"/>
+              </a:rPr>
+              <a:t>thuật</a:t>
+            </a:r>
+            <a:r>
+              <a:rPr lang="vi-VN" sz="2000" dirty="0">
+                <a:solidFill>
+                  <a:srgbClr val="262B37"/>
+                </a:solidFill>
+                <a:ea typeface="Calibri" panose="020F0502020204030204" pitchFamily="34" charset="0"/>
+                <a:cs typeface="Times New Roman" panose="02020603050405020304" pitchFamily="18" charset="0"/>
+              </a:rPr>
+              <a:t> </a:t>
+            </a:r>
+            <a:r>
+              <a:rPr lang="vi-VN" sz="2000" dirty="0" err="1">
+                <a:solidFill>
+                  <a:srgbClr val="262B37"/>
+                </a:solidFill>
+                <a:ea typeface="Calibri" panose="020F0502020204030204" pitchFamily="34" charset="0"/>
+                <a:cs typeface="Times New Roman" panose="02020603050405020304" pitchFamily="18" charset="0"/>
+              </a:rPr>
+              <a:t>khá</a:t>
+            </a:r>
+            <a:r>
+              <a:rPr lang="vi-VN" sz="2000" dirty="0">
+                <a:solidFill>
+                  <a:srgbClr val="262B37"/>
+                </a:solidFill>
+                <a:ea typeface="Calibri" panose="020F0502020204030204" pitchFamily="34" charset="0"/>
+                <a:cs typeface="Times New Roman" panose="02020603050405020304" pitchFamily="18" charset="0"/>
+              </a:rPr>
+              <a:t> đơn </a:t>
+            </a:r>
+            <a:r>
+              <a:rPr lang="vi-VN" sz="2000" dirty="0" err="1">
+                <a:solidFill>
+                  <a:srgbClr val="262B37"/>
+                </a:solidFill>
+                <a:ea typeface="Calibri" panose="020F0502020204030204" pitchFamily="34" charset="0"/>
+                <a:cs typeface="Times New Roman" panose="02020603050405020304" pitchFamily="18" charset="0"/>
+              </a:rPr>
+              <a:t>giản</a:t>
+            </a:r>
+            <a:endParaRPr lang="en-GB" sz="2000" dirty="0">
+              <a:solidFill>
+                <a:srgbClr val="262B37"/>
+              </a:solidFill>
+              <a:effectLst/>
+              <a:ea typeface="Calibri" panose="020F0502020204030204" pitchFamily="34" charset="0"/>
+              <a:cs typeface="Times New Roman" panose="02020603050405020304" pitchFamily="18" charset="0"/>
+            </a:endParaRPr>
+          </a:p>
+        </p:txBody>
+      </p:sp>
     </p:spTree>
     <p:extLst>
       <p:ext uri="{BB962C8B-B14F-4D97-AF65-F5344CB8AC3E}">
-        <p14:creationId xmlns:p14="http://schemas.microsoft.com/office/powerpoint/2010/main" val="1721695994"/>
+        <p14:creationId xmlns:p14="http://schemas.microsoft.com/office/powerpoint/2010/main" val="3616273980"/>
       </p:ext>
     </p:extLst>
   </p:cSld>
@@ -13377,7 +14556,7 @@
         <p:spPr>
           <a:xfrm>
             <a:off x="457200" y="574137"/>
-            <a:ext cx="7904922" cy="833874"/>
+            <a:ext cx="7586870" cy="833874"/>
           </a:xfrm>
           <a:prstGeom prst="rect">
             <a:avLst/>
@@ -13754,7 +14933,7 @@
                   <a:srgbClr val="E4E6EB"/>
                 </a:solidFill>
               </a:rPr>
-              <a:t>Một</a:t>
+              <a:t>Kiến</a:t>
             </a:r>
             <a:r>
               <a:rPr lang="vi-VN" sz="3200" dirty="0">
@@ -13770,7 +14949,7 @@
                   <a:srgbClr val="E4E6EB"/>
                 </a:solidFill>
               </a:rPr>
-              <a:t>số</a:t>
+              <a:t>trúc</a:t>
             </a:r>
             <a:r>
               <a:rPr lang="vi-VN" sz="3200" dirty="0">
@@ -13778,7 +14957,7 @@
                   <a:srgbClr val="E4E6EB"/>
                 </a:solidFill>
               </a:rPr>
-              <a:t> thanh </a:t>
+              <a:t> </a:t>
             </a:r>
             <a:r>
               <a:rPr lang="vi-VN" sz="3200" dirty="0" err="1">
@@ -13786,7 +14965,7 @@
                   <a:srgbClr val="E4E6EB"/>
                 </a:solidFill>
               </a:rPr>
-              <a:t>phần</a:t>
+              <a:t>Data</a:t>
             </a:r>
             <a:r>
               <a:rPr lang="vi-VN" sz="3200" dirty="0">
@@ -13802,91 +14981,9 @@
                   <a:srgbClr val="E4E6EB"/>
                 </a:solidFill>
               </a:rPr>
-              <a:t>của</a:t>
-            </a:r>
-            <a:r>
-              <a:rPr lang="vi-VN" sz="3200" dirty="0">
-                <a:solidFill>
-                  <a:srgbClr val="E4E6EB"/>
-                </a:solidFill>
-              </a:rPr>
-              <a:t> </a:t>
-            </a:r>
-            <a:r>
-              <a:rPr lang="vi-VN" sz="3200" dirty="0" err="1">
-                <a:solidFill>
-                  <a:srgbClr val="E4E6EB"/>
-                </a:solidFill>
-              </a:rPr>
-              <a:t>Data</a:t>
-            </a:r>
-            <a:r>
-              <a:rPr lang="vi-VN" sz="3200" dirty="0">
-                <a:solidFill>
-                  <a:srgbClr val="E4E6EB"/>
-                </a:solidFill>
-              </a:rPr>
-              <a:t> </a:t>
-            </a:r>
-            <a:r>
-              <a:rPr lang="vi-VN" sz="3200" dirty="0" err="1">
-                <a:solidFill>
-                  <a:srgbClr val="E4E6EB"/>
-                </a:solidFill>
-              </a:rPr>
               <a:t>Warehouse</a:t>
             </a:r>
             <a:endParaRPr lang="en-GB" sz="3200" dirty="0"/>
-          </a:p>
-        </p:txBody>
-      </p:sp>
-      <p:sp>
-        <p:nvSpPr>
-          <p:cNvPr id="13" name="Rectangle 12">
-            <a:extLst>
-              <a:ext uri="{FF2B5EF4-FFF2-40B4-BE49-F238E27FC236}">
-                <a16:creationId xmlns:a16="http://schemas.microsoft.com/office/drawing/2014/main" id="{0041AF72-A6E0-4AF5-B8DD-8B32CD4923DB}"/>
-              </a:ext>
-            </a:extLst>
-          </p:cNvPr>
-          <p:cNvSpPr/>
-          <p:nvPr/>
-        </p:nvSpPr>
-        <p:spPr>
-          <a:xfrm>
-            <a:off x="1351719" y="4323995"/>
-            <a:ext cx="238539" cy="257469"/>
-          </a:xfrm>
-          <a:prstGeom prst="rect">
-            <a:avLst/>
-          </a:prstGeom>
-          <a:solidFill>
-            <a:srgbClr val="262B37"/>
-          </a:solidFill>
-          <a:ln>
-            <a:noFill/>
-          </a:ln>
-        </p:spPr>
-        <p:style>
-          <a:lnRef idx="2">
-            <a:schemeClr val="accent6"/>
-          </a:lnRef>
-          <a:fillRef idx="1">
-            <a:schemeClr val="lt1"/>
-          </a:fillRef>
-          <a:effectRef idx="0">
-            <a:schemeClr val="accent6"/>
-          </a:effectRef>
-          <a:fontRef idx="minor">
-            <a:schemeClr val="dk1"/>
-          </a:fontRef>
-        </p:style>
-        <p:txBody>
-          <a:bodyPr rtlCol="0" anchor="ctr"/>
-          <a:lstStyle/>
-          <a:p>
-            <a:pPr algn="ctr"/>
-            <a:endParaRPr lang="en-GB" dirty="0"/>
           </a:p>
         </p:txBody>
       </p:sp>
@@ -13952,7 +15049,7 @@
                 <a:ea typeface="Calibri" panose="020F0502020204030204" pitchFamily="34" charset="0"/>
                 <a:cs typeface="Times New Roman" panose="02020603050405020304" pitchFamily="18" charset="0"/>
               </a:rPr>
-              <a:t>Data</a:t>
+              <a:t>Kiến</a:t>
             </a:r>
             <a:r>
               <a:rPr lang="vi-VN" sz="2800" dirty="0">
@@ -13974,7 +15071,7 @@
                 <a:ea typeface="Calibri" panose="020F0502020204030204" pitchFamily="34" charset="0"/>
                 <a:cs typeface="Times New Roman" panose="02020603050405020304" pitchFamily="18" charset="0"/>
               </a:rPr>
-              <a:t>Warehouse</a:t>
+              <a:t>trúc</a:t>
             </a:r>
             <a:r>
               <a:rPr lang="vi-VN" sz="2800" dirty="0">
@@ -13996,7 +15093,40 @@
                 <a:ea typeface="Calibri" panose="020F0502020204030204" pitchFamily="34" charset="0"/>
                 <a:cs typeface="Times New Roman" panose="02020603050405020304" pitchFamily="18" charset="0"/>
               </a:rPr>
-              <a:t>Database</a:t>
+              <a:t>một</a:t>
+            </a:r>
+            <a:r>
+              <a:rPr lang="vi-VN" sz="2800" dirty="0">
+                <a:solidFill>
+                  <a:srgbClr val="262B37"/>
+                </a:solidFill>
+                <a:effectLst/>
+                <a:ea typeface="Calibri" panose="020F0502020204030204" pitchFamily="34" charset="0"/>
+                <a:cs typeface="Times New Roman" panose="02020603050405020304" pitchFamily="18" charset="0"/>
+              </a:rPr>
+              <a:t> </a:t>
+            </a:r>
+            <a:r>
+              <a:rPr lang="vi-VN" sz="2800" dirty="0" err="1">
+                <a:solidFill>
+                  <a:srgbClr val="262B37"/>
+                </a:solidFill>
+                <a:effectLst/>
+                <a:ea typeface="Calibri" panose="020F0502020204030204" pitchFamily="34" charset="0"/>
+                <a:cs typeface="Times New Roman" panose="02020603050405020304" pitchFamily="18" charset="0"/>
+              </a:rPr>
+              <a:t>tầng</a:t>
+            </a:r>
+            <a:r>
+              <a:rPr lang="vi-VN" sz="2800" dirty="0">
+                <a:solidFill>
+                  <a:srgbClr val="262B37"/>
+                </a:solidFill>
+                <a:effectLst/>
+                <a:ea typeface="Calibri" panose="020F0502020204030204" pitchFamily="34" charset="0"/>
+                <a:cs typeface="Times New Roman" panose="02020603050405020304" pitchFamily="18" charset="0"/>
+              </a:rPr>
+              <a:t>.</a:t>
             </a:r>
             <a:endParaRPr lang="en-GB" sz="2800" dirty="0">
               <a:solidFill>
@@ -14063,6 +15193,16 @@
               </a:spcAft>
             </a:pPr>
             <a:r>
+              <a:rPr lang="vi-VN" sz="2800" dirty="0" err="1">
+                <a:solidFill>
+                  <a:srgbClr val="262B37"/>
+                </a:solidFill>
+                <a:ea typeface="Calibri" panose="020F0502020204030204" pitchFamily="34" charset="0"/>
+                <a:cs typeface="Times New Roman" panose="02020603050405020304" pitchFamily="18" charset="0"/>
+              </a:rPr>
+              <a:t>Kiến</a:t>
+            </a:r>
+            <a:r>
               <a:rPr lang="vi-VN" sz="2800" dirty="0">
                 <a:solidFill>
                   <a:srgbClr val="262B37"/>
@@ -14070,7 +15210,7 @@
                 <a:ea typeface="Calibri" panose="020F0502020204030204" pitchFamily="34" charset="0"/>
                 <a:cs typeface="Times New Roman" panose="02020603050405020304" pitchFamily="18" charset="0"/>
               </a:rPr>
-              <a:t>ETL </a:t>
+              <a:t> </a:t>
             </a:r>
             <a:r>
               <a:rPr lang="vi-VN" sz="2800" dirty="0" err="1">
@@ -14080,7 +15220,37 @@
                 <a:ea typeface="Calibri" panose="020F0502020204030204" pitchFamily="34" charset="0"/>
                 <a:cs typeface="Times New Roman" panose="02020603050405020304" pitchFamily="18" charset="0"/>
               </a:rPr>
-              <a:t>Tools</a:t>
+              <a:t>trúc</a:t>
+            </a:r>
+            <a:r>
+              <a:rPr lang="vi-VN" sz="2800" dirty="0">
+                <a:solidFill>
+                  <a:srgbClr val="262B37"/>
+                </a:solidFill>
+                <a:ea typeface="Calibri" panose="020F0502020204030204" pitchFamily="34" charset="0"/>
+                <a:cs typeface="Times New Roman" panose="02020603050405020304" pitchFamily="18" charset="0"/>
+              </a:rPr>
+              <a:t> hai </a:t>
+            </a:r>
+            <a:r>
+              <a:rPr lang="vi-VN" sz="2800" dirty="0" err="1">
+                <a:solidFill>
+                  <a:srgbClr val="262B37"/>
+                </a:solidFill>
+                <a:ea typeface="Calibri" panose="020F0502020204030204" pitchFamily="34" charset="0"/>
+                <a:cs typeface="Times New Roman" panose="02020603050405020304" pitchFamily="18" charset="0"/>
+              </a:rPr>
+              <a:t>tầng</a:t>
+            </a:r>
+            <a:r>
+              <a:rPr lang="vi-VN" sz="2800" dirty="0">
+                <a:solidFill>
+                  <a:srgbClr val="262B37"/>
+                </a:solidFill>
+                <a:ea typeface="Calibri" panose="020F0502020204030204" pitchFamily="34" charset="0"/>
+                <a:cs typeface="Times New Roman" panose="02020603050405020304" pitchFamily="18" charset="0"/>
+              </a:rPr>
+              <a:t>.</a:t>
             </a:r>
             <a:endParaRPr lang="en-GB" sz="2800" dirty="0">
               <a:solidFill>
@@ -14155,7 +15325,106 @@
                 <a:ea typeface="Calibri" panose="020F0502020204030204" pitchFamily="34" charset="0"/>
                 <a:cs typeface="Times New Roman" panose="02020603050405020304" pitchFamily="18" charset="0"/>
               </a:rPr>
-              <a:t>Metadata</a:t>
+              <a:t>Kiến</a:t>
+            </a:r>
+            <a:r>
+              <a:rPr lang="vi-VN" sz="2800" dirty="0">
+                <a:solidFill>
+                  <a:srgbClr val="262B37"/>
+                </a:solidFill>
+                <a:effectLst/>
+                <a:ea typeface="Calibri" panose="020F0502020204030204" pitchFamily="34" charset="0"/>
+                <a:cs typeface="Times New Roman" panose="02020603050405020304" pitchFamily="18" charset="0"/>
+              </a:rPr>
+              <a:t> </a:t>
+            </a:r>
+            <a:r>
+              <a:rPr lang="vi-VN" sz="2800" dirty="0" err="1">
+                <a:solidFill>
+                  <a:srgbClr val="262B37"/>
+                </a:solidFill>
+                <a:effectLst/>
+                <a:ea typeface="Calibri" panose="020F0502020204030204" pitchFamily="34" charset="0"/>
+                <a:cs typeface="Times New Roman" panose="02020603050405020304" pitchFamily="18" charset="0"/>
+              </a:rPr>
+              <a:t>trúc</a:t>
+            </a:r>
+            <a:r>
+              <a:rPr lang="vi-VN" sz="2800" dirty="0">
+                <a:solidFill>
+                  <a:srgbClr val="262B37"/>
+                </a:solidFill>
+                <a:effectLst/>
+                <a:ea typeface="Calibri" panose="020F0502020204030204" pitchFamily="34" charset="0"/>
+                <a:cs typeface="Times New Roman" panose="02020603050405020304" pitchFamily="18" charset="0"/>
+              </a:rPr>
+              <a:t> </a:t>
+            </a:r>
+            <a:r>
+              <a:rPr lang="vi-VN" sz="2800" dirty="0" err="1">
+                <a:solidFill>
+                  <a:srgbClr val="262B37"/>
+                </a:solidFill>
+                <a:effectLst/>
+                <a:ea typeface="Calibri" panose="020F0502020204030204" pitchFamily="34" charset="0"/>
+                <a:cs typeface="Times New Roman" panose="02020603050405020304" pitchFamily="18" charset="0"/>
+              </a:rPr>
+              <a:t>Data</a:t>
+            </a:r>
+            <a:r>
+              <a:rPr lang="vi-VN" sz="2800" dirty="0">
+                <a:solidFill>
+                  <a:srgbClr val="262B37"/>
+                </a:solidFill>
+                <a:effectLst/>
+                <a:ea typeface="Calibri" panose="020F0502020204030204" pitchFamily="34" charset="0"/>
+                <a:cs typeface="Times New Roman" panose="02020603050405020304" pitchFamily="18" charset="0"/>
+              </a:rPr>
+              <a:t> </a:t>
+            </a:r>
+            <a:r>
+              <a:rPr lang="vi-VN" sz="2800" dirty="0" err="1">
+                <a:solidFill>
+                  <a:srgbClr val="262B37"/>
+                </a:solidFill>
+                <a:effectLst/>
+                <a:ea typeface="Calibri" panose="020F0502020204030204" pitchFamily="34" charset="0"/>
+                <a:cs typeface="Times New Roman" panose="02020603050405020304" pitchFamily="18" charset="0"/>
+              </a:rPr>
+              <a:t>Warehouse</a:t>
+            </a:r>
+            <a:r>
+              <a:rPr lang="vi-VN" sz="2800" dirty="0">
+                <a:solidFill>
+                  <a:srgbClr val="262B37"/>
+                </a:solidFill>
+                <a:effectLst/>
+                <a:ea typeface="Calibri" panose="020F0502020204030204" pitchFamily="34" charset="0"/>
+                <a:cs typeface="Times New Roman" panose="02020603050405020304" pitchFamily="18" charset="0"/>
+              </a:rPr>
+              <a:t> ba </a:t>
+            </a:r>
+            <a:r>
+              <a:rPr lang="vi-VN" sz="2800" dirty="0" err="1">
+                <a:solidFill>
+                  <a:srgbClr val="262B37"/>
+                </a:solidFill>
+                <a:effectLst/>
+                <a:ea typeface="Calibri" panose="020F0502020204030204" pitchFamily="34" charset="0"/>
+                <a:cs typeface="Times New Roman" panose="02020603050405020304" pitchFamily="18" charset="0"/>
+              </a:rPr>
+              <a:t>tầng</a:t>
+            </a:r>
+            <a:r>
+              <a:rPr lang="vi-VN" sz="2800" dirty="0">
+                <a:solidFill>
+                  <a:srgbClr val="262B37"/>
+                </a:solidFill>
+                <a:effectLst/>
+                <a:ea typeface="Calibri" panose="020F0502020204030204" pitchFamily="34" charset="0"/>
+                <a:cs typeface="Times New Roman" panose="02020603050405020304" pitchFamily="18" charset="0"/>
+              </a:rPr>
+              <a:t>.</a:t>
             </a:r>
             <a:endParaRPr lang="en-GB" sz="2800" dirty="0">
               <a:solidFill>
@@ -14168,318 +15437,10 @@
           </a:p>
         </p:txBody>
       </p:sp>
-      <p:sp>
-        <p:nvSpPr>
-          <p:cNvPr id="19" name="Rectangle 18">
-            <a:extLst>
-              <a:ext uri="{FF2B5EF4-FFF2-40B4-BE49-F238E27FC236}">
-                <a16:creationId xmlns:a16="http://schemas.microsoft.com/office/drawing/2014/main" id="{44F279E0-C5E6-496F-9FC0-F77C1DE83A95}"/>
-              </a:ext>
-            </a:extLst>
-          </p:cNvPr>
-          <p:cNvSpPr/>
-          <p:nvPr/>
-        </p:nvSpPr>
-        <p:spPr>
-          <a:xfrm>
-            <a:off x="1881803" y="4905411"/>
-            <a:ext cx="9689911" cy="666220"/>
-          </a:xfrm>
-          <a:prstGeom prst="rect">
-            <a:avLst/>
-          </a:prstGeom>
-          <a:noFill/>
-          <a:ln>
-            <a:noFill/>
-          </a:ln>
-        </p:spPr>
-        <p:style>
-          <a:lnRef idx="2">
-            <a:schemeClr val="accent1">
-              <a:shade val="50000"/>
-            </a:schemeClr>
-          </a:lnRef>
-          <a:fillRef idx="1">
-            <a:schemeClr val="accent1"/>
-          </a:fillRef>
-          <a:effectRef idx="0">
-            <a:schemeClr val="accent1"/>
-          </a:effectRef>
-          <a:fontRef idx="minor">
-            <a:schemeClr val="lt1"/>
-          </a:fontRef>
-        </p:style>
-        <p:txBody>
-          <a:bodyPr rtlCol="0" anchor="ctr"/>
-          <a:lstStyle/>
-          <a:p>
-            <a:pPr marL="0" marR="0">
-              <a:spcBef>
-                <a:spcPts val="0"/>
-              </a:spcBef>
-              <a:spcAft>
-                <a:spcPts val="0"/>
-              </a:spcAft>
-            </a:pPr>
-            <a:r>
-              <a:rPr lang="vi-VN" sz="2800" dirty="0" err="1">
-                <a:solidFill>
-                  <a:srgbClr val="262B37"/>
-                </a:solidFill>
-                <a:ea typeface="Calibri" panose="020F0502020204030204" pitchFamily="34" charset="0"/>
-                <a:cs typeface="Times New Roman" panose="02020603050405020304" pitchFamily="18" charset="0"/>
-              </a:rPr>
-              <a:t>Kiến</a:t>
-            </a:r>
-            <a:r>
-              <a:rPr lang="vi-VN" sz="2800" dirty="0">
-                <a:solidFill>
-                  <a:srgbClr val="262B37"/>
-                </a:solidFill>
-                <a:ea typeface="Calibri" panose="020F0502020204030204" pitchFamily="34" charset="0"/>
-                <a:cs typeface="Times New Roman" panose="02020603050405020304" pitchFamily="18" charset="0"/>
-              </a:rPr>
-              <a:t> </a:t>
-            </a:r>
-            <a:r>
-              <a:rPr lang="vi-VN" sz="2800" dirty="0" err="1">
-                <a:solidFill>
-                  <a:srgbClr val="262B37"/>
-                </a:solidFill>
-                <a:ea typeface="Calibri" panose="020F0502020204030204" pitchFamily="34" charset="0"/>
-                <a:cs typeface="Times New Roman" panose="02020603050405020304" pitchFamily="18" charset="0"/>
-              </a:rPr>
-              <a:t>trúc</a:t>
-            </a:r>
-            <a:r>
-              <a:rPr lang="vi-VN" sz="2800" dirty="0">
-                <a:solidFill>
-                  <a:srgbClr val="262B37"/>
-                </a:solidFill>
-                <a:ea typeface="Calibri" panose="020F0502020204030204" pitchFamily="34" charset="0"/>
-                <a:cs typeface="Times New Roman" panose="02020603050405020304" pitchFamily="18" charset="0"/>
-              </a:rPr>
-              <a:t> </a:t>
-            </a:r>
-            <a:r>
-              <a:rPr lang="vi-VN" sz="2800" dirty="0" err="1">
-                <a:solidFill>
-                  <a:srgbClr val="262B37"/>
-                </a:solidFill>
-                <a:ea typeface="Calibri" panose="020F0502020204030204" pitchFamily="34" charset="0"/>
-                <a:cs typeface="Times New Roman" panose="02020603050405020304" pitchFamily="18" charset="0"/>
-              </a:rPr>
-              <a:t>Data</a:t>
-            </a:r>
-            <a:r>
-              <a:rPr lang="vi-VN" sz="2800" dirty="0">
-                <a:solidFill>
-                  <a:srgbClr val="262B37"/>
-                </a:solidFill>
-                <a:ea typeface="Calibri" panose="020F0502020204030204" pitchFamily="34" charset="0"/>
-                <a:cs typeface="Times New Roman" panose="02020603050405020304" pitchFamily="18" charset="0"/>
-              </a:rPr>
-              <a:t> </a:t>
-            </a:r>
-            <a:r>
-              <a:rPr lang="vi-VN" sz="2800" dirty="0" err="1">
-                <a:solidFill>
-                  <a:srgbClr val="262B37"/>
-                </a:solidFill>
-                <a:ea typeface="Calibri" panose="020F0502020204030204" pitchFamily="34" charset="0"/>
-                <a:cs typeface="Times New Roman" panose="02020603050405020304" pitchFamily="18" charset="0"/>
-              </a:rPr>
-              <a:t>Warehouse</a:t>
-            </a:r>
-            <a:r>
-              <a:rPr lang="vi-VN" sz="2800" dirty="0">
-                <a:solidFill>
-                  <a:srgbClr val="262B37"/>
-                </a:solidFill>
-                <a:ea typeface="Calibri" panose="020F0502020204030204" pitchFamily="34" charset="0"/>
-                <a:cs typeface="Times New Roman" panose="02020603050405020304" pitchFamily="18" charset="0"/>
-              </a:rPr>
-              <a:t> </a:t>
-            </a:r>
-            <a:r>
-              <a:rPr lang="vi-VN" sz="2800" dirty="0" err="1">
-                <a:solidFill>
-                  <a:srgbClr val="262B37"/>
-                </a:solidFill>
-                <a:ea typeface="Calibri" panose="020F0502020204030204" pitchFamily="34" charset="0"/>
-                <a:cs typeface="Times New Roman" panose="02020603050405020304" pitchFamily="18" charset="0"/>
-              </a:rPr>
-              <a:t>Bus</a:t>
-            </a:r>
-            <a:endParaRPr lang="en-GB" sz="2800" dirty="0">
-              <a:solidFill>
-                <a:srgbClr val="262B37"/>
-              </a:solidFill>
-              <a:effectLst/>
-              <a:ea typeface="Calibri" panose="020F0502020204030204" pitchFamily="34" charset="0"/>
-              <a:cs typeface="Times New Roman" panose="02020603050405020304" pitchFamily="18" charset="0"/>
-            </a:endParaRPr>
-          </a:p>
-        </p:txBody>
-      </p:sp>
-      <p:sp>
-        <p:nvSpPr>
-          <p:cNvPr id="43" name="Rectangle 42">
-            <a:extLst>
-              <a:ext uri="{FF2B5EF4-FFF2-40B4-BE49-F238E27FC236}">
-                <a16:creationId xmlns:a16="http://schemas.microsoft.com/office/drawing/2014/main" id="{84B65229-636C-4A55-82DF-05EE0E154F29}"/>
-              </a:ext>
-            </a:extLst>
-          </p:cNvPr>
-          <p:cNvSpPr/>
-          <p:nvPr/>
-        </p:nvSpPr>
-        <p:spPr>
-          <a:xfrm>
-            <a:off x="1351718" y="5109787"/>
-            <a:ext cx="238539" cy="257469"/>
-          </a:xfrm>
-          <a:prstGeom prst="rect">
-            <a:avLst/>
-          </a:prstGeom>
-          <a:solidFill>
-            <a:srgbClr val="262B37"/>
-          </a:solidFill>
-          <a:ln>
-            <a:noFill/>
-          </a:ln>
-        </p:spPr>
-        <p:style>
-          <a:lnRef idx="2">
-            <a:schemeClr val="accent6"/>
-          </a:lnRef>
-          <a:fillRef idx="1">
-            <a:schemeClr val="lt1"/>
-          </a:fillRef>
-          <a:effectRef idx="0">
-            <a:schemeClr val="accent6"/>
-          </a:effectRef>
-          <a:fontRef idx="minor">
-            <a:schemeClr val="dk1"/>
-          </a:fontRef>
-        </p:style>
-        <p:txBody>
-          <a:bodyPr rtlCol="0" anchor="ctr"/>
-          <a:lstStyle/>
-          <a:p>
-            <a:pPr algn="ctr"/>
-            <a:endParaRPr lang="en-GB" dirty="0"/>
-          </a:p>
-        </p:txBody>
-      </p:sp>
-      <p:sp>
-        <p:nvSpPr>
-          <p:cNvPr id="46" name="Rectangle 45">
-            <a:extLst>
-              <a:ext uri="{FF2B5EF4-FFF2-40B4-BE49-F238E27FC236}">
-                <a16:creationId xmlns:a16="http://schemas.microsoft.com/office/drawing/2014/main" id="{951DC991-235D-4FAD-95B7-4866BE57C6C0}"/>
-              </a:ext>
-            </a:extLst>
-          </p:cNvPr>
-          <p:cNvSpPr/>
-          <p:nvPr/>
-        </p:nvSpPr>
-        <p:spPr>
-          <a:xfrm>
-            <a:off x="1881803" y="4119619"/>
-            <a:ext cx="9689911" cy="666220"/>
-          </a:xfrm>
-          <a:prstGeom prst="rect">
-            <a:avLst/>
-          </a:prstGeom>
-          <a:noFill/>
-          <a:ln>
-            <a:noFill/>
-          </a:ln>
-        </p:spPr>
-        <p:style>
-          <a:lnRef idx="2">
-            <a:schemeClr val="accent1">
-              <a:shade val="50000"/>
-            </a:schemeClr>
-          </a:lnRef>
-          <a:fillRef idx="1">
-            <a:schemeClr val="accent1"/>
-          </a:fillRef>
-          <a:effectRef idx="0">
-            <a:schemeClr val="accent1"/>
-          </a:effectRef>
-          <a:fontRef idx="minor">
-            <a:schemeClr val="lt1"/>
-          </a:fontRef>
-        </p:style>
-        <p:txBody>
-          <a:bodyPr rtlCol="0" anchor="ctr"/>
-          <a:lstStyle/>
-          <a:p>
-            <a:pPr marL="0" marR="0">
-              <a:spcBef>
-                <a:spcPts val="0"/>
-              </a:spcBef>
-              <a:spcAft>
-                <a:spcPts val="0"/>
-              </a:spcAft>
-            </a:pPr>
-            <a:r>
-              <a:rPr lang="vi-VN" sz="2800" dirty="0">
-                <a:solidFill>
-                  <a:srgbClr val="262B37"/>
-                </a:solidFill>
-                <a:ea typeface="Calibri" panose="020F0502020204030204" pitchFamily="34" charset="0"/>
-                <a:cs typeface="Times New Roman" panose="02020603050405020304" pitchFamily="18" charset="0"/>
-              </a:rPr>
-              <a:t>Công </a:t>
-            </a:r>
-            <a:r>
-              <a:rPr lang="vi-VN" sz="2800" dirty="0" err="1">
-                <a:solidFill>
-                  <a:srgbClr val="262B37"/>
-                </a:solidFill>
-                <a:ea typeface="Calibri" panose="020F0502020204030204" pitchFamily="34" charset="0"/>
-                <a:cs typeface="Times New Roman" panose="02020603050405020304" pitchFamily="18" charset="0"/>
-              </a:rPr>
-              <a:t>cụ</a:t>
-            </a:r>
-            <a:r>
-              <a:rPr lang="vi-VN" sz="2800" dirty="0">
-                <a:solidFill>
-                  <a:srgbClr val="262B37"/>
-                </a:solidFill>
-                <a:ea typeface="Calibri" panose="020F0502020204030204" pitchFamily="34" charset="0"/>
-                <a:cs typeface="Times New Roman" panose="02020603050405020304" pitchFamily="18" charset="0"/>
-              </a:rPr>
-              <a:t> truy </a:t>
-            </a:r>
-            <a:r>
-              <a:rPr lang="vi-VN" sz="2800" dirty="0" err="1">
-                <a:solidFill>
-                  <a:srgbClr val="262B37"/>
-                </a:solidFill>
-                <a:ea typeface="Calibri" panose="020F0502020204030204" pitchFamily="34" charset="0"/>
-                <a:cs typeface="Times New Roman" panose="02020603050405020304" pitchFamily="18" charset="0"/>
-              </a:rPr>
-              <a:t>vấn</a:t>
-            </a:r>
-            <a:endParaRPr lang="en-GB" sz="2800" dirty="0">
-              <a:solidFill>
-                <a:srgbClr val="262B37"/>
-              </a:solidFill>
-              <a:effectLst/>
-              <a:ea typeface="Calibri" panose="020F0502020204030204" pitchFamily="34" charset="0"/>
-              <a:cs typeface="Times New Roman" panose="02020603050405020304" pitchFamily="18" charset="0"/>
-            </a:endParaRPr>
-          </a:p>
-        </p:txBody>
-      </p:sp>
     </p:spTree>
     <p:extLst>
       <p:ext uri="{BB962C8B-B14F-4D97-AF65-F5344CB8AC3E}">
-        <p14:creationId xmlns:p14="http://schemas.microsoft.com/office/powerpoint/2010/main" val="2809097476"/>
+        <p14:creationId xmlns:p14="http://schemas.microsoft.com/office/powerpoint/2010/main" val="1721695994"/>
       </p:ext>
     </p:extLst>
   </p:cSld>
@@ -14749,6 +15710,156 @@
       </p:sp>
       <p:sp>
         <p:nvSpPr>
+          <p:cNvPr id="8" name="Rectangle 7">
+            <a:extLst>
+              <a:ext uri="{FF2B5EF4-FFF2-40B4-BE49-F238E27FC236}">
+                <a16:creationId xmlns:a16="http://schemas.microsoft.com/office/drawing/2014/main" id="{FAAAF4AD-0780-4F1C-8553-9C5E2E3CC025}"/>
+              </a:ext>
+            </a:extLst>
+          </p:cNvPr>
+          <p:cNvSpPr/>
+          <p:nvPr/>
+        </p:nvSpPr>
+        <p:spPr>
+          <a:xfrm>
+            <a:off x="1351720" y="1942391"/>
+            <a:ext cx="238539" cy="257469"/>
+          </a:xfrm>
+          <a:prstGeom prst="rect">
+            <a:avLst/>
+          </a:prstGeom>
+          <a:solidFill>
+            <a:srgbClr val="262B37"/>
+          </a:solidFill>
+          <a:ln>
+            <a:noFill/>
+          </a:ln>
+        </p:spPr>
+        <p:style>
+          <a:lnRef idx="2">
+            <a:schemeClr val="accent6"/>
+          </a:lnRef>
+          <a:fillRef idx="1">
+            <a:schemeClr val="lt1"/>
+          </a:fillRef>
+          <a:effectRef idx="0">
+            <a:schemeClr val="accent6"/>
+          </a:effectRef>
+          <a:fontRef idx="minor">
+            <a:schemeClr val="dk1"/>
+          </a:fontRef>
+        </p:style>
+        <p:txBody>
+          <a:bodyPr rtlCol="0" anchor="ctr"/>
+          <a:lstStyle/>
+          <a:p>
+            <a:pPr algn="ctr"/>
+            <a:endParaRPr lang="en-GB" dirty="0"/>
+          </a:p>
+        </p:txBody>
+      </p:sp>
+      <p:sp>
+        <p:nvSpPr>
+          <p:cNvPr id="9" name="Rectangle 8">
+            <a:extLst>
+              <a:ext uri="{FF2B5EF4-FFF2-40B4-BE49-F238E27FC236}">
+                <a16:creationId xmlns:a16="http://schemas.microsoft.com/office/drawing/2014/main" id="{E3A8D1E9-E18C-452F-9924-D78CEBB9AD8B}"/>
+              </a:ext>
+            </a:extLst>
+          </p:cNvPr>
+          <p:cNvSpPr/>
+          <p:nvPr/>
+        </p:nvSpPr>
+        <p:spPr>
+          <a:xfrm>
+            <a:off x="1351720" y="2734240"/>
+            <a:ext cx="238539" cy="257469"/>
+          </a:xfrm>
+          <a:prstGeom prst="rect">
+            <a:avLst/>
+          </a:prstGeom>
+          <a:solidFill>
+            <a:srgbClr val="262B37"/>
+          </a:solidFill>
+          <a:ln>
+            <a:noFill/>
+          </a:ln>
+        </p:spPr>
+        <p:style>
+          <a:lnRef idx="2">
+            <a:schemeClr val="accent6"/>
+          </a:lnRef>
+          <a:fillRef idx="1">
+            <a:schemeClr val="lt1"/>
+          </a:fillRef>
+          <a:effectRef idx="0">
+            <a:schemeClr val="accent6"/>
+          </a:effectRef>
+          <a:fontRef idx="minor">
+            <a:schemeClr val="dk1"/>
+          </a:fontRef>
+        </p:style>
+        <p:txBody>
+          <a:bodyPr rtlCol="0" anchor="ctr"/>
+          <a:lstStyle/>
+          <a:p>
+            <a:pPr algn="ctr"/>
+            <a:endParaRPr lang="en-GB" dirty="0"/>
+          </a:p>
+        </p:txBody>
+      </p:sp>
+      <p:sp>
+        <p:nvSpPr>
+          <p:cNvPr id="10" name="Rectangle 9">
+            <a:extLst>
+              <a:ext uri="{FF2B5EF4-FFF2-40B4-BE49-F238E27FC236}">
+                <a16:creationId xmlns:a16="http://schemas.microsoft.com/office/drawing/2014/main" id="{A9574A33-FA7E-43E4-B0F4-1F5C9833DE1A}"/>
+              </a:ext>
+            </a:extLst>
+          </p:cNvPr>
+          <p:cNvSpPr/>
+          <p:nvPr/>
+        </p:nvSpPr>
+        <p:spPr>
+          <a:xfrm>
+            <a:off x="1351719" y="3526089"/>
+            <a:ext cx="238539" cy="257469"/>
+          </a:xfrm>
+          <a:prstGeom prst="rect">
+            <a:avLst/>
+          </a:prstGeom>
+          <a:solidFill>
+            <a:srgbClr val="262B37"/>
+          </a:solidFill>
+          <a:ln>
+            <a:noFill/>
+          </a:ln>
+        </p:spPr>
+        <p:style>
+          <a:lnRef idx="2">
+            <a:schemeClr val="accent6"/>
+          </a:lnRef>
+          <a:fillRef idx="1">
+            <a:schemeClr val="lt1"/>
+          </a:fillRef>
+          <a:effectRef idx="0">
+            <a:schemeClr val="accent6"/>
+          </a:effectRef>
+          <a:fontRef idx="minor">
+            <a:schemeClr val="dk1"/>
+          </a:fontRef>
+        </p:style>
+        <p:txBody>
+          <a:bodyPr rtlCol="0" anchor="ctr"/>
+          <a:lstStyle/>
+          <a:p>
+            <a:pPr algn="ctr"/>
+            <a:endParaRPr lang="en-GB" dirty="0"/>
+          </a:p>
+        </p:txBody>
+      </p:sp>
+      <p:sp>
+        <p:nvSpPr>
           <p:cNvPr id="12" name="Rectangle 11">
             <a:extLst>
               <a:ext uri="{FF2B5EF4-FFF2-40B4-BE49-F238E27FC236}">
@@ -14886,6 +15997,56 @@
       </p:sp>
       <p:sp>
         <p:nvSpPr>
+          <p:cNvPr id="13" name="Rectangle 12">
+            <a:extLst>
+              <a:ext uri="{FF2B5EF4-FFF2-40B4-BE49-F238E27FC236}">
+                <a16:creationId xmlns:a16="http://schemas.microsoft.com/office/drawing/2014/main" id="{0041AF72-A6E0-4AF5-B8DD-8B32CD4923DB}"/>
+              </a:ext>
+            </a:extLst>
+          </p:cNvPr>
+          <p:cNvSpPr/>
+          <p:nvPr/>
+        </p:nvSpPr>
+        <p:spPr>
+          <a:xfrm>
+            <a:off x="1351719" y="4323995"/>
+            <a:ext cx="238539" cy="257469"/>
+          </a:xfrm>
+          <a:prstGeom prst="rect">
+            <a:avLst/>
+          </a:prstGeom>
+          <a:solidFill>
+            <a:srgbClr val="262B37"/>
+          </a:solidFill>
+          <a:ln>
+            <a:noFill/>
+          </a:ln>
+        </p:spPr>
+        <p:style>
+          <a:lnRef idx="2">
+            <a:schemeClr val="accent6"/>
+          </a:lnRef>
+          <a:fillRef idx="1">
+            <a:schemeClr val="lt1"/>
+          </a:fillRef>
+          <a:effectRef idx="0">
+            <a:schemeClr val="accent6"/>
+          </a:effectRef>
+          <a:fontRef idx="minor">
+            <a:schemeClr val="dk1"/>
+          </a:fontRef>
+        </p:style>
+        <p:txBody>
+          <a:bodyPr rtlCol="0" anchor="ctr"/>
+          <a:lstStyle/>
+          <a:p>
+            <a:pPr algn="ctr"/>
+            <a:endParaRPr lang="en-GB" dirty="0"/>
+          </a:p>
+        </p:txBody>
+      </p:sp>
+      <p:sp>
+        <p:nvSpPr>
           <p:cNvPr id="16" name="Rectangle 15">
             <a:extLst>
               <a:ext uri="{FF2B5EF4-FFF2-40B4-BE49-F238E27FC236}">
@@ -15318,6 +16479,56 @@
       </p:sp>
       <p:sp>
         <p:nvSpPr>
+          <p:cNvPr id="43" name="Rectangle 42">
+            <a:extLst>
+              <a:ext uri="{FF2B5EF4-FFF2-40B4-BE49-F238E27FC236}">
+                <a16:creationId xmlns:a16="http://schemas.microsoft.com/office/drawing/2014/main" id="{84B65229-636C-4A55-82DF-05EE0E154F29}"/>
+              </a:ext>
+            </a:extLst>
+          </p:cNvPr>
+          <p:cNvSpPr/>
+          <p:nvPr/>
+        </p:nvSpPr>
+        <p:spPr>
+          <a:xfrm>
+            <a:off x="1351718" y="5109787"/>
+            <a:ext cx="238539" cy="257469"/>
+          </a:xfrm>
+          <a:prstGeom prst="rect">
+            <a:avLst/>
+          </a:prstGeom>
+          <a:solidFill>
+            <a:srgbClr val="262B37"/>
+          </a:solidFill>
+          <a:ln>
+            <a:noFill/>
+          </a:ln>
+        </p:spPr>
+        <p:style>
+          <a:lnRef idx="2">
+            <a:schemeClr val="accent6"/>
+          </a:lnRef>
+          <a:fillRef idx="1">
+            <a:schemeClr val="lt1"/>
+          </a:fillRef>
+          <a:effectRef idx="0">
+            <a:schemeClr val="accent6"/>
+          </a:effectRef>
+          <a:fontRef idx="minor">
+            <a:schemeClr val="dk1"/>
+          </a:fontRef>
+        </p:style>
+        <p:txBody>
+          <a:bodyPr rtlCol="0" anchor="ctr"/>
+          <a:lstStyle/>
+          <a:p>
+            <a:pPr algn="ctr"/>
+            <a:endParaRPr lang="en-GB" dirty="0"/>
+          </a:p>
+        </p:txBody>
+      </p:sp>
+      <p:sp>
+        <p:nvSpPr>
           <p:cNvPr id="46" name="Rectangle 45">
             <a:extLst>
               <a:ext uri="{FF2B5EF4-FFF2-40B4-BE49-F238E27FC236}">
@@ -15420,49 +16631,10 @@
           </a:p>
         </p:txBody>
       </p:sp>
-      <p:pic>
-        <p:nvPicPr>
-          <p:cNvPr id="20" name="Picture 19" descr="ata Warehouse Architecture">
-            <a:extLst>
-              <a:ext uri="{FF2B5EF4-FFF2-40B4-BE49-F238E27FC236}">
-                <a16:creationId xmlns:a16="http://schemas.microsoft.com/office/drawing/2014/main" id="{CE5EFB83-8154-4DB7-BF1B-A6B0484A1FFF}"/>
-              </a:ext>
-            </a:extLst>
-          </p:cNvPr>
-          <p:cNvPicPr/>
-          <p:nvPr/>
-        </p:nvPicPr>
-        <p:blipFill>
-          <a:blip r:embed="rId2">
-            <a:extLst>
-              <a:ext uri="{28A0092B-C50C-407E-A947-70E740481C1C}">
-                <a14:useLocalDpi xmlns:a14="http://schemas.microsoft.com/office/drawing/2010/main" val="0"/>
-              </a:ext>
-            </a:extLst>
-          </a:blip>
-          <a:srcRect/>
-          <a:stretch>
-            <a:fillRect/>
-          </a:stretch>
-        </p:blipFill>
-        <p:spPr bwMode="auto">
-          <a:xfrm>
-            <a:off x="1590257" y="1550007"/>
-            <a:ext cx="8719933" cy="4875852"/>
-          </a:xfrm>
-          <a:prstGeom prst="rect">
-            <a:avLst/>
-          </a:prstGeom>
-          <a:noFill/>
-          <a:ln>
-            <a:noFill/>
-          </a:ln>
-        </p:spPr>
-      </p:pic>
     </p:spTree>
     <p:extLst>
       <p:ext uri="{BB962C8B-B14F-4D97-AF65-F5344CB8AC3E}">
-        <p14:creationId xmlns:p14="http://schemas.microsoft.com/office/powerpoint/2010/main" val="543234304"/>
+        <p14:creationId xmlns:p14="http://schemas.microsoft.com/office/powerpoint/2010/main" val="2809097476"/>
       </p:ext>
     </p:extLst>
   </p:cSld>

--- a/HW#1_Nhom - KDL/Cường/PowerPoint Presentation.pptx
+++ b/HW#1_Nhom - KDL/Cường/PowerPoint Presentation.pptx
@@ -16,6 +16,7 @@
     <p:sldId id="262" r:id="rId10"/>
     <p:sldId id="265" r:id="rId11"/>
     <p:sldId id="263" r:id="rId12"/>
+    <p:sldId id="267" r:id="rId13"/>
   </p:sldIdLst>
   <p:sldSz cx="12192000" cy="6858000"/>
   <p:notesSz cx="6858000" cy="9144000"/>
@@ -6158,6 +6159,876 @@
 </p:sld>
 </file>
 
+<file path=ppt/slides/slide12.xml><?xml version="1.0" encoding="utf-8"?>
+<p:sld xmlns:a="http://schemas.openxmlformats.org/drawingml/2006/main" xmlns:r="http://schemas.openxmlformats.org/officeDocument/2006/relationships" xmlns:p="http://schemas.openxmlformats.org/presentationml/2006/main">
+  <p:cSld>
+    <p:spTree>
+      <p:nvGrpSpPr>
+        <p:cNvPr id="1" name=""/>
+        <p:cNvGrpSpPr/>
+        <p:nvPr/>
+      </p:nvGrpSpPr>
+      <p:grpSpPr>
+        <a:xfrm>
+          <a:off x="0" y="0"/>
+          <a:ext cx="0" cy="0"/>
+          <a:chOff x="0" y="0"/>
+          <a:chExt cx="0" cy="0"/>
+        </a:xfrm>
+      </p:grpSpPr>
+      <p:sp>
+        <p:nvSpPr>
+          <p:cNvPr id="2" name="Rectangle 1">
+            <a:extLst>
+              <a:ext uri="{FF2B5EF4-FFF2-40B4-BE49-F238E27FC236}">
+                <a16:creationId xmlns:a16="http://schemas.microsoft.com/office/drawing/2014/main" id="{1D42E555-756E-42B7-9E6C-0173229FAA73}"/>
+              </a:ext>
+            </a:extLst>
+          </p:cNvPr>
+          <p:cNvSpPr/>
+          <p:nvPr/>
+        </p:nvSpPr>
+        <p:spPr>
+          <a:xfrm>
+            <a:off x="1" y="0"/>
+            <a:ext cx="914399" cy="6858000"/>
+          </a:xfrm>
+          <a:prstGeom prst="rect">
+            <a:avLst/>
+          </a:prstGeom>
+          <a:solidFill>
+            <a:srgbClr val="FEAE1F"/>
+          </a:solidFill>
+          <a:ln>
+            <a:noFill/>
+          </a:ln>
+        </p:spPr>
+        <p:style>
+          <a:lnRef idx="2">
+            <a:schemeClr val="accent6"/>
+          </a:lnRef>
+          <a:fillRef idx="1">
+            <a:schemeClr val="lt1"/>
+          </a:fillRef>
+          <a:effectRef idx="0">
+            <a:schemeClr val="accent6"/>
+          </a:effectRef>
+          <a:fontRef idx="minor">
+            <a:schemeClr val="dk1"/>
+          </a:fontRef>
+        </p:style>
+        <p:txBody>
+          <a:bodyPr rtlCol="0" anchor="ctr"/>
+          <a:lstStyle/>
+          <a:p>
+            <a:pPr algn="ctr"/>
+            <a:endParaRPr lang="en-GB"/>
+          </a:p>
+        </p:txBody>
+      </p:sp>
+      <p:sp>
+        <p:nvSpPr>
+          <p:cNvPr id="3" name="Rectangle 2">
+            <a:extLst>
+              <a:ext uri="{FF2B5EF4-FFF2-40B4-BE49-F238E27FC236}">
+                <a16:creationId xmlns:a16="http://schemas.microsoft.com/office/drawing/2014/main" id="{2BF35773-5832-4296-B03C-252130638DC7}"/>
+              </a:ext>
+            </a:extLst>
+          </p:cNvPr>
+          <p:cNvSpPr/>
+          <p:nvPr/>
+        </p:nvSpPr>
+        <p:spPr>
+          <a:xfrm>
+            <a:off x="457200" y="574137"/>
+            <a:ext cx="7586870" cy="833874"/>
+          </a:xfrm>
+          <a:prstGeom prst="rect">
+            <a:avLst/>
+          </a:prstGeom>
+          <a:solidFill>
+            <a:srgbClr val="262B37"/>
+          </a:solidFill>
+          <a:ln>
+            <a:noFill/>
+          </a:ln>
+        </p:spPr>
+        <p:style>
+          <a:lnRef idx="2">
+            <a:schemeClr val="accent6"/>
+          </a:lnRef>
+          <a:fillRef idx="1">
+            <a:schemeClr val="lt1"/>
+          </a:fillRef>
+          <a:effectRef idx="0">
+            <a:schemeClr val="accent6"/>
+          </a:effectRef>
+          <a:fontRef idx="minor">
+            <a:schemeClr val="dk1"/>
+          </a:fontRef>
+        </p:style>
+        <p:txBody>
+          <a:bodyPr rtlCol="0" anchor="ctr"/>
+          <a:lstStyle/>
+          <a:p>
+            <a:pPr algn="ctr"/>
+            <a:endParaRPr lang="en-GB" dirty="0"/>
+          </a:p>
+        </p:txBody>
+      </p:sp>
+      <p:sp>
+        <p:nvSpPr>
+          <p:cNvPr id="4" name="Rectangle 3">
+            <a:extLst>
+              <a:ext uri="{FF2B5EF4-FFF2-40B4-BE49-F238E27FC236}">
+                <a16:creationId xmlns:a16="http://schemas.microsoft.com/office/drawing/2014/main" id="{617D35BE-C27E-40A4-857B-361EE8D877E5}"/>
+              </a:ext>
+            </a:extLst>
+          </p:cNvPr>
+          <p:cNvSpPr/>
+          <p:nvPr/>
+        </p:nvSpPr>
+        <p:spPr>
+          <a:xfrm>
+            <a:off x="0" y="579760"/>
+            <a:ext cx="278296" cy="165661"/>
+          </a:xfrm>
+          <a:prstGeom prst="rect">
+            <a:avLst/>
+          </a:prstGeom>
+          <a:ln>
+            <a:noFill/>
+          </a:ln>
+        </p:spPr>
+        <p:style>
+          <a:lnRef idx="2">
+            <a:schemeClr val="accent6"/>
+          </a:lnRef>
+          <a:fillRef idx="1">
+            <a:schemeClr val="lt1"/>
+          </a:fillRef>
+          <a:effectRef idx="0">
+            <a:schemeClr val="accent6"/>
+          </a:effectRef>
+          <a:fontRef idx="minor">
+            <a:schemeClr val="dk1"/>
+          </a:fontRef>
+        </p:style>
+        <p:txBody>
+          <a:bodyPr rtlCol="0" anchor="ctr"/>
+          <a:lstStyle/>
+          <a:p>
+            <a:pPr algn="ctr"/>
+            <a:endParaRPr lang="en-GB"/>
+          </a:p>
+        </p:txBody>
+      </p:sp>
+      <p:sp>
+        <p:nvSpPr>
+          <p:cNvPr id="5" name="Rectangle 4">
+            <a:extLst>
+              <a:ext uri="{FF2B5EF4-FFF2-40B4-BE49-F238E27FC236}">
+                <a16:creationId xmlns:a16="http://schemas.microsoft.com/office/drawing/2014/main" id="{D5D83B02-3079-46B9-A40F-24BB4E2CA614}"/>
+              </a:ext>
+            </a:extLst>
+          </p:cNvPr>
+          <p:cNvSpPr/>
+          <p:nvPr/>
+        </p:nvSpPr>
+        <p:spPr>
+          <a:xfrm>
+            <a:off x="0" y="913332"/>
+            <a:ext cx="278296" cy="165661"/>
+          </a:xfrm>
+          <a:prstGeom prst="rect">
+            <a:avLst/>
+          </a:prstGeom>
+          <a:ln>
+            <a:noFill/>
+          </a:ln>
+        </p:spPr>
+        <p:style>
+          <a:lnRef idx="2">
+            <a:schemeClr val="accent6"/>
+          </a:lnRef>
+          <a:fillRef idx="1">
+            <a:schemeClr val="lt1"/>
+          </a:fillRef>
+          <a:effectRef idx="0">
+            <a:schemeClr val="accent6"/>
+          </a:effectRef>
+          <a:fontRef idx="minor">
+            <a:schemeClr val="dk1"/>
+          </a:fontRef>
+        </p:style>
+        <p:txBody>
+          <a:bodyPr rtlCol="0" anchor="ctr"/>
+          <a:lstStyle/>
+          <a:p>
+            <a:pPr algn="ctr"/>
+            <a:endParaRPr lang="en-GB"/>
+          </a:p>
+        </p:txBody>
+      </p:sp>
+      <p:sp>
+        <p:nvSpPr>
+          <p:cNvPr id="6" name="Rectangle 5">
+            <a:extLst>
+              <a:ext uri="{FF2B5EF4-FFF2-40B4-BE49-F238E27FC236}">
+                <a16:creationId xmlns:a16="http://schemas.microsoft.com/office/drawing/2014/main" id="{D8BC9169-0B70-475C-9366-0353E4F10D6B}"/>
+              </a:ext>
+            </a:extLst>
+          </p:cNvPr>
+          <p:cNvSpPr/>
+          <p:nvPr/>
+        </p:nvSpPr>
+        <p:spPr>
+          <a:xfrm>
+            <a:off x="0" y="1242350"/>
+            <a:ext cx="278296" cy="165661"/>
+          </a:xfrm>
+          <a:prstGeom prst="rect">
+            <a:avLst/>
+          </a:prstGeom>
+          <a:ln>
+            <a:noFill/>
+          </a:ln>
+        </p:spPr>
+        <p:style>
+          <a:lnRef idx="2">
+            <a:schemeClr val="accent6"/>
+          </a:lnRef>
+          <a:fillRef idx="1">
+            <a:schemeClr val="lt1"/>
+          </a:fillRef>
+          <a:effectRef idx="0">
+            <a:schemeClr val="accent6"/>
+          </a:effectRef>
+          <a:fontRef idx="minor">
+            <a:schemeClr val="dk1"/>
+          </a:fontRef>
+        </p:style>
+        <p:txBody>
+          <a:bodyPr rtlCol="0" anchor="ctr"/>
+          <a:lstStyle/>
+          <a:p>
+            <a:pPr algn="ctr"/>
+            <a:endParaRPr lang="en-GB"/>
+          </a:p>
+        </p:txBody>
+      </p:sp>
+      <p:sp>
+        <p:nvSpPr>
+          <p:cNvPr id="8" name="Rectangle 7">
+            <a:extLst>
+              <a:ext uri="{FF2B5EF4-FFF2-40B4-BE49-F238E27FC236}">
+                <a16:creationId xmlns:a16="http://schemas.microsoft.com/office/drawing/2014/main" id="{FAAAF4AD-0780-4F1C-8553-9C5E2E3CC025}"/>
+              </a:ext>
+            </a:extLst>
+          </p:cNvPr>
+          <p:cNvSpPr/>
+          <p:nvPr/>
+        </p:nvSpPr>
+        <p:spPr>
+          <a:xfrm>
+            <a:off x="1351720" y="1942391"/>
+            <a:ext cx="238539" cy="257469"/>
+          </a:xfrm>
+          <a:prstGeom prst="rect">
+            <a:avLst/>
+          </a:prstGeom>
+          <a:solidFill>
+            <a:srgbClr val="262B37"/>
+          </a:solidFill>
+          <a:ln>
+            <a:noFill/>
+          </a:ln>
+        </p:spPr>
+        <p:style>
+          <a:lnRef idx="2">
+            <a:schemeClr val="accent6"/>
+          </a:lnRef>
+          <a:fillRef idx="1">
+            <a:schemeClr val="lt1"/>
+          </a:fillRef>
+          <a:effectRef idx="0">
+            <a:schemeClr val="accent6"/>
+          </a:effectRef>
+          <a:fontRef idx="minor">
+            <a:schemeClr val="dk1"/>
+          </a:fontRef>
+        </p:style>
+        <p:txBody>
+          <a:bodyPr rtlCol="0" anchor="ctr"/>
+          <a:lstStyle/>
+          <a:p>
+            <a:pPr algn="ctr"/>
+            <a:endParaRPr lang="en-GB" dirty="0"/>
+          </a:p>
+        </p:txBody>
+      </p:sp>
+      <p:sp>
+        <p:nvSpPr>
+          <p:cNvPr id="9" name="Rectangle 8">
+            <a:extLst>
+              <a:ext uri="{FF2B5EF4-FFF2-40B4-BE49-F238E27FC236}">
+                <a16:creationId xmlns:a16="http://schemas.microsoft.com/office/drawing/2014/main" id="{E3A8D1E9-E18C-452F-9924-D78CEBB9AD8B}"/>
+              </a:ext>
+            </a:extLst>
+          </p:cNvPr>
+          <p:cNvSpPr/>
+          <p:nvPr/>
+        </p:nvSpPr>
+        <p:spPr>
+          <a:xfrm>
+            <a:off x="1351720" y="2734240"/>
+            <a:ext cx="238539" cy="257469"/>
+          </a:xfrm>
+          <a:prstGeom prst="rect">
+            <a:avLst/>
+          </a:prstGeom>
+          <a:solidFill>
+            <a:srgbClr val="262B37"/>
+          </a:solidFill>
+          <a:ln>
+            <a:noFill/>
+          </a:ln>
+        </p:spPr>
+        <p:style>
+          <a:lnRef idx="2">
+            <a:schemeClr val="accent6"/>
+          </a:lnRef>
+          <a:fillRef idx="1">
+            <a:schemeClr val="lt1"/>
+          </a:fillRef>
+          <a:effectRef idx="0">
+            <a:schemeClr val="accent6"/>
+          </a:effectRef>
+          <a:fontRef idx="minor">
+            <a:schemeClr val="dk1"/>
+          </a:fontRef>
+        </p:style>
+        <p:txBody>
+          <a:bodyPr rtlCol="0" anchor="ctr"/>
+          <a:lstStyle/>
+          <a:p>
+            <a:pPr algn="ctr"/>
+            <a:endParaRPr lang="en-GB" dirty="0"/>
+          </a:p>
+        </p:txBody>
+      </p:sp>
+      <p:sp>
+        <p:nvSpPr>
+          <p:cNvPr id="10" name="Rectangle 9">
+            <a:extLst>
+              <a:ext uri="{FF2B5EF4-FFF2-40B4-BE49-F238E27FC236}">
+                <a16:creationId xmlns:a16="http://schemas.microsoft.com/office/drawing/2014/main" id="{A9574A33-FA7E-43E4-B0F4-1F5C9833DE1A}"/>
+              </a:ext>
+            </a:extLst>
+          </p:cNvPr>
+          <p:cNvSpPr/>
+          <p:nvPr/>
+        </p:nvSpPr>
+        <p:spPr>
+          <a:xfrm>
+            <a:off x="1351719" y="3526089"/>
+            <a:ext cx="238539" cy="257469"/>
+          </a:xfrm>
+          <a:prstGeom prst="rect">
+            <a:avLst/>
+          </a:prstGeom>
+          <a:solidFill>
+            <a:srgbClr val="262B37"/>
+          </a:solidFill>
+          <a:ln>
+            <a:noFill/>
+          </a:ln>
+        </p:spPr>
+        <p:style>
+          <a:lnRef idx="2">
+            <a:schemeClr val="accent6"/>
+          </a:lnRef>
+          <a:fillRef idx="1">
+            <a:schemeClr val="lt1"/>
+          </a:fillRef>
+          <a:effectRef idx="0">
+            <a:schemeClr val="accent6"/>
+          </a:effectRef>
+          <a:fontRef idx="minor">
+            <a:schemeClr val="dk1"/>
+          </a:fontRef>
+        </p:style>
+        <p:txBody>
+          <a:bodyPr rtlCol="0" anchor="ctr"/>
+          <a:lstStyle/>
+          <a:p>
+            <a:pPr algn="ctr"/>
+            <a:endParaRPr lang="en-GB" dirty="0"/>
+          </a:p>
+        </p:txBody>
+      </p:sp>
+      <p:sp>
+        <p:nvSpPr>
+          <p:cNvPr id="12" name="Rectangle 11">
+            <a:extLst>
+              <a:ext uri="{FF2B5EF4-FFF2-40B4-BE49-F238E27FC236}">
+                <a16:creationId xmlns:a16="http://schemas.microsoft.com/office/drawing/2014/main" id="{B1A87F49-2A66-4EFE-A467-C1D52068C701}"/>
+              </a:ext>
+            </a:extLst>
+          </p:cNvPr>
+          <p:cNvSpPr/>
+          <p:nvPr/>
+        </p:nvSpPr>
+        <p:spPr>
+          <a:xfrm>
+            <a:off x="816295" y="443255"/>
+            <a:ext cx="10559410" cy="1095638"/>
+          </a:xfrm>
+          <a:prstGeom prst="rect">
+            <a:avLst/>
+          </a:prstGeom>
+          <a:noFill/>
+          <a:ln>
+            <a:noFill/>
+          </a:ln>
+        </p:spPr>
+        <p:style>
+          <a:lnRef idx="2">
+            <a:schemeClr val="accent1">
+              <a:shade val="50000"/>
+            </a:schemeClr>
+          </a:lnRef>
+          <a:fillRef idx="1">
+            <a:schemeClr val="accent1"/>
+          </a:fillRef>
+          <a:effectRef idx="0">
+            <a:schemeClr val="accent1"/>
+          </a:effectRef>
+          <a:fontRef idx="minor">
+            <a:schemeClr val="lt1"/>
+          </a:fontRef>
+        </p:style>
+        <p:txBody>
+          <a:bodyPr rtlCol="0" anchor="ctr"/>
+          <a:lstStyle/>
+          <a:p>
+            <a:r>
+              <a:rPr lang="vi-VN" sz="3200" dirty="0" err="1">
+                <a:solidFill>
+                  <a:srgbClr val="E4E6EB"/>
+                </a:solidFill>
+              </a:rPr>
+              <a:t>References</a:t>
+            </a:r>
+            <a:endParaRPr lang="en-GB" sz="3200" dirty="0"/>
+          </a:p>
+        </p:txBody>
+      </p:sp>
+      <p:sp>
+        <p:nvSpPr>
+          <p:cNvPr id="16" name="Rectangle 15">
+            <a:extLst>
+              <a:ext uri="{FF2B5EF4-FFF2-40B4-BE49-F238E27FC236}">
+                <a16:creationId xmlns:a16="http://schemas.microsoft.com/office/drawing/2014/main" id="{026CC253-BF18-4E8D-BD8C-83C6B152CC4D}"/>
+              </a:ext>
+            </a:extLst>
+          </p:cNvPr>
+          <p:cNvSpPr/>
+          <p:nvPr/>
+        </p:nvSpPr>
+        <p:spPr>
+          <a:xfrm>
+            <a:off x="1881806" y="1738015"/>
+            <a:ext cx="9689911" cy="666220"/>
+          </a:xfrm>
+          <a:prstGeom prst="rect">
+            <a:avLst/>
+          </a:prstGeom>
+          <a:noFill/>
+          <a:ln>
+            <a:noFill/>
+          </a:ln>
+        </p:spPr>
+        <p:style>
+          <a:lnRef idx="2">
+            <a:schemeClr val="accent1">
+              <a:shade val="50000"/>
+            </a:schemeClr>
+          </a:lnRef>
+          <a:fillRef idx="1">
+            <a:schemeClr val="accent1"/>
+          </a:fillRef>
+          <a:effectRef idx="0">
+            <a:schemeClr val="accent1"/>
+          </a:effectRef>
+          <a:fontRef idx="minor">
+            <a:schemeClr val="lt1"/>
+          </a:fontRef>
+        </p:style>
+        <p:txBody>
+          <a:bodyPr rtlCol="0" anchor="ctr"/>
+          <a:lstStyle/>
+          <a:p>
+            <a:pPr marL="0" marR="0">
+              <a:spcBef>
+                <a:spcPts val="0"/>
+              </a:spcBef>
+              <a:spcAft>
+                <a:spcPts val="0"/>
+              </a:spcAft>
+            </a:pPr>
+            <a:r>
+              <a:rPr lang="en-GB" sz="2800" dirty="0">
+                <a:solidFill>
+                  <a:srgbClr val="262B37"/>
+                </a:solidFill>
+                <a:effectLst/>
+                <a:ea typeface="Calibri" panose="020F0502020204030204" pitchFamily="34" charset="0"/>
+                <a:cs typeface="Times New Roman" panose="02020603050405020304" pitchFamily="18" charset="0"/>
+              </a:rPr>
+              <a:t>http://www.geekinterview.com/question_details/35430</a:t>
+            </a:r>
+          </a:p>
+        </p:txBody>
+      </p:sp>
+      <p:sp>
+        <p:nvSpPr>
+          <p:cNvPr id="17" name="Rectangle 16">
+            <a:extLst>
+              <a:ext uri="{FF2B5EF4-FFF2-40B4-BE49-F238E27FC236}">
+                <a16:creationId xmlns:a16="http://schemas.microsoft.com/office/drawing/2014/main" id="{0608DABA-79FE-4F78-86E4-EF3766975994}"/>
+              </a:ext>
+            </a:extLst>
+          </p:cNvPr>
+          <p:cNvSpPr/>
+          <p:nvPr/>
+        </p:nvSpPr>
+        <p:spPr>
+          <a:xfrm>
+            <a:off x="1881805" y="2529864"/>
+            <a:ext cx="9689911" cy="666220"/>
+          </a:xfrm>
+          <a:prstGeom prst="rect">
+            <a:avLst/>
+          </a:prstGeom>
+          <a:noFill/>
+          <a:ln>
+            <a:noFill/>
+          </a:ln>
+        </p:spPr>
+        <p:style>
+          <a:lnRef idx="2">
+            <a:schemeClr val="accent1">
+              <a:shade val="50000"/>
+            </a:schemeClr>
+          </a:lnRef>
+          <a:fillRef idx="1">
+            <a:schemeClr val="accent1"/>
+          </a:fillRef>
+          <a:effectRef idx="0">
+            <a:schemeClr val="accent1"/>
+          </a:effectRef>
+          <a:fontRef idx="minor">
+            <a:schemeClr val="lt1"/>
+          </a:fontRef>
+        </p:style>
+        <p:txBody>
+          <a:bodyPr rtlCol="0" anchor="ctr"/>
+          <a:lstStyle/>
+          <a:p>
+            <a:pPr marL="0" marR="0">
+              <a:spcBef>
+                <a:spcPts val="0"/>
+              </a:spcBef>
+              <a:spcAft>
+                <a:spcPts val="0"/>
+              </a:spcAft>
+            </a:pPr>
+            <a:endParaRPr lang="en-GB" sz="2800" dirty="0">
+              <a:solidFill>
+                <a:srgbClr val="262B37"/>
+              </a:solidFill>
+              <a:effectLst/>
+              <a:ea typeface="Calibri" panose="020F0502020204030204" pitchFamily="34" charset="0"/>
+              <a:cs typeface="Times New Roman" panose="02020603050405020304" pitchFamily="18" charset="0"/>
+            </a:endParaRPr>
+          </a:p>
+        </p:txBody>
+      </p:sp>
+      <p:sp>
+        <p:nvSpPr>
+          <p:cNvPr id="18" name="Rectangle 17">
+            <a:extLst>
+              <a:ext uri="{FF2B5EF4-FFF2-40B4-BE49-F238E27FC236}">
+                <a16:creationId xmlns:a16="http://schemas.microsoft.com/office/drawing/2014/main" id="{D22C87DD-278D-42B7-861A-C0A26706EE0B}"/>
+              </a:ext>
+            </a:extLst>
+          </p:cNvPr>
+          <p:cNvSpPr/>
+          <p:nvPr/>
+        </p:nvSpPr>
+        <p:spPr>
+          <a:xfrm>
+            <a:off x="1881804" y="3321713"/>
+            <a:ext cx="9689911" cy="666220"/>
+          </a:xfrm>
+          <a:prstGeom prst="rect">
+            <a:avLst/>
+          </a:prstGeom>
+          <a:noFill/>
+          <a:ln>
+            <a:noFill/>
+          </a:ln>
+        </p:spPr>
+        <p:style>
+          <a:lnRef idx="2">
+            <a:schemeClr val="accent1">
+              <a:shade val="50000"/>
+            </a:schemeClr>
+          </a:lnRef>
+          <a:fillRef idx="1">
+            <a:schemeClr val="accent1"/>
+          </a:fillRef>
+          <a:effectRef idx="0">
+            <a:schemeClr val="accent1"/>
+          </a:effectRef>
+          <a:fontRef idx="minor">
+            <a:schemeClr val="lt1"/>
+          </a:fontRef>
+        </p:style>
+        <p:txBody>
+          <a:bodyPr rtlCol="0" anchor="ctr"/>
+          <a:lstStyle/>
+          <a:p>
+            <a:pPr marL="0" marR="0">
+              <a:spcBef>
+                <a:spcPts val="0"/>
+              </a:spcBef>
+              <a:spcAft>
+                <a:spcPts val="0"/>
+              </a:spcAft>
+            </a:pPr>
+            <a:r>
+              <a:rPr lang="vi-VN" sz="2800" dirty="0">
+                <a:solidFill>
+                  <a:srgbClr val="262B37"/>
+                </a:solidFill>
+                <a:effectLst/>
+                <a:latin typeface="Arial" panose="020B0604020202020204" pitchFamily="34" charset="0"/>
+                <a:ea typeface="Arial" panose="020B0604020202020204" pitchFamily="34" charset="0"/>
+              </a:rPr>
+              <a:t>https://o7planning.org/10355/what-is-business-intelligence</a:t>
+            </a:r>
+            <a:endParaRPr lang="en-GB" sz="2800" dirty="0">
+              <a:solidFill>
+                <a:srgbClr val="262B37"/>
+              </a:solidFill>
+              <a:effectLst/>
+              <a:ea typeface="Calibri" panose="020F0502020204030204" pitchFamily="34" charset="0"/>
+              <a:cs typeface="Times New Roman" panose="02020603050405020304" pitchFamily="18" charset="0"/>
+            </a:endParaRPr>
+          </a:p>
+        </p:txBody>
+      </p:sp>
+      <p:sp>
+        <p:nvSpPr>
+          <p:cNvPr id="19" name="TextBox 18">
+            <a:extLst>
+              <a:ext uri="{FF2B5EF4-FFF2-40B4-BE49-F238E27FC236}">
+                <a16:creationId xmlns:a16="http://schemas.microsoft.com/office/drawing/2014/main" id="{67EF97C4-EC45-4021-8ABB-D6C35D53BB92}"/>
+              </a:ext>
+            </a:extLst>
+          </p:cNvPr>
+          <p:cNvSpPr txBox="1"/>
+          <p:nvPr/>
+        </p:nvSpPr>
+        <p:spPr>
+          <a:xfrm>
+            <a:off x="1755213" y="2601364"/>
+            <a:ext cx="9943092" cy="523220"/>
+          </a:xfrm>
+          <a:prstGeom prst="rect">
+            <a:avLst/>
+          </a:prstGeom>
+          <a:noFill/>
+        </p:spPr>
+        <p:txBody>
+          <a:bodyPr wrap="square">
+            <a:spAutoFit/>
+          </a:bodyPr>
+          <a:lstStyle/>
+          <a:p>
+            <a:r>
+              <a:rPr lang="en-GB" sz="2800" dirty="0">
+                <a:solidFill>
+                  <a:srgbClr val="262B37"/>
+                </a:solidFill>
+                <a:effectLst/>
+                <a:latin typeface="Arial" panose="020B0604020202020204" pitchFamily="34" charset="0"/>
+                <a:ea typeface="Calibri" panose="020F0502020204030204" pitchFamily="34" charset="0"/>
+                <a:cs typeface="Arial" panose="020B0604020202020204" pitchFamily="34" charset="0"/>
+              </a:rPr>
+              <a:t> </a:t>
+            </a:r>
+            <a:r>
+              <a:rPr lang="vi-VN" sz="2800" dirty="0">
+                <a:solidFill>
+                  <a:srgbClr val="262B37"/>
+                </a:solidFill>
+                <a:effectLst/>
+                <a:latin typeface="Arial" panose="020B0604020202020204" pitchFamily="34" charset="0"/>
+                <a:ea typeface="Calibri" panose="020F0502020204030204" pitchFamily="34" charset="0"/>
+                <a:cs typeface="Arial" panose="020B0604020202020204" pitchFamily="34" charset="0"/>
+                <a:hlinkClick r:id="rId2">
+                  <a:extLst>
+                    <a:ext uri="{A12FA001-AC4F-418D-AE19-62706E023703}">
+                      <ahyp:hlinkClr xmlns:ahyp="http://schemas.microsoft.com/office/drawing/2018/hyperlinkcolor" val="tx"/>
+                    </a:ext>
+                  </a:extLst>
+                </a:hlinkClick>
+              </a:rPr>
+              <a:t>https://www.guru99.com/data-warehouse-architecture.html</a:t>
+            </a:r>
+            <a:endParaRPr lang="en-GB" sz="2800" dirty="0">
+              <a:solidFill>
+                <a:srgbClr val="262B37"/>
+              </a:solidFill>
+              <a:latin typeface="Arial" panose="020B0604020202020204" pitchFamily="34" charset="0"/>
+              <a:cs typeface="Arial" panose="020B0604020202020204" pitchFamily="34" charset="0"/>
+            </a:endParaRPr>
+          </a:p>
+        </p:txBody>
+      </p:sp>
+      <p:sp>
+        <p:nvSpPr>
+          <p:cNvPr id="21" name="Rectangle 20">
+            <a:extLst>
+              <a:ext uri="{FF2B5EF4-FFF2-40B4-BE49-F238E27FC236}">
+                <a16:creationId xmlns:a16="http://schemas.microsoft.com/office/drawing/2014/main" id="{6A6E61DB-B0EE-4228-8F17-CC938EC3EB81}"/>
+              </a:ext>
+            </a:extLst>
+          </p:cNvPr>
+          <p:cNvSpPr/>
+          <p:nvPr/>
+        </p:nvSpPr>
+        <p:spPr>
+          <a:xfrm>
+            <a:off x="1351719" y="4389438"/>
+            <a:ext cx="238539" cy="257469"/>
+          </a:xfrm>
+          <a:prstGeom prst="rect">
+            <a:avLst/>
+          </a:prstGeom>
+          <a:solidFill>
+            <a:srgbClr val="262B37"/>
+          </a:solidFill>
+          <a:ln>
+            <a:noFill/>
+          </a:ln>
+        </p:spPr>
+        <p:style>
+          <a:lnRef idx="2">
+            <a:schemeClr val="accent6"/>
+          </a:lnRef>
+          <a:fillRef idx="1">
+            <a:schemeClr val="lt1"/>
+          </a:fillRef>
+          <a:effectRef idx="0">
+            <a:schemeClr val="accent6"/>
+          </a:effectRef>
+          <a:fontRef idx="minor">
+            <a:schemeClr val="dk1"/>
+          </a:fontRef>
+        </p:style>
+        <p:txBody>
+          <a:bodyPr rtlCol="0" anchor="ctr"/>
+          <a:lstStyle/>
+          <a:p>
+            <a:pPr algn="ctr"/>
+            <a:endParaRPr lang="en-GB" dirty="0"/>
+          </a:p>
+        </p:txBody>
+      </p:sp>
+      <p:sp>
+        <p:nvSpPr>
+          <p:cNvPr id="22" name="Rectangle 21">
+            <a:extLst>
+              <a:ext uri="{FF2B5EF4-FFF2-40B4-BE49-F238E27FC236}">
+                <a16:creationId xmlns:a16="http://schemas.microsoft.com/office/drawing/2014/main" id="{3CEF0ABD-97C5-4DA9-8127-EA880ABB17E8}"/>
+              </a:ext>
+            </a:extLst>
+          </p:cNvPr>
+          <p:cNvSpPr/>
+          <p:nvPr/>
+        </p:nvSpPr>
+        <p:spPr>
+          <a:xfrm>
+            <a:off x="1881803" y="4185062"/>
+            <a:ext cx="9689911" cy="666221"/>
+          </a:xfrm>
+          <a:prstGeom prst="rect">
+            <a:avLst/>
+          </a:prstGeom>
+          <a:noFill/>
+          <a:ln>
+            <a:noFill/>
+          </a:ln>
+        </p:spPr>
+        <p:style>
+          <a:lnRef idx="2">
+            <a:schemeClr val="accent1">
+              <a:shade val="50000"/>
+            </a:schemeClr>
+          </a:lnRef>
+          <a:fillRef idx="1">
+            <a:schemeClr val="accent1"/>
+          </a:fillRef>
+          <a:effectRef idx="0">
+            <a:schemeClr val="accent1"/>
+          </a:effectRef>
+          <a:fontRef idx="minor">
+            <a:schemeClr val="lt1"/>
+          </a:fontRef>
+        </p:style>
+        <p:txBody>
+          <a:bodyPr rtlCol="0" anchor="ctr"/>
+          <a:lstStyle/>
+          <a:p>
+            <a:pPr marL="0" marR="0">
+              <a:spcBef>
+                <a:spcPts val="0"/>
+              </a:spcBef>
+              <a:spcAft>
+                <a:spcPts val="0"/>
+              </a:spcAft>
+            </a:pPr>
+            <a:r>
+              <a:rPr lang="en-GB" sz="2800" dirty="0">
+                <a:solidFill>
+                  <a:srgbClr val="262B37"/>
+                </a:solidFill>
+                <a:effectLst/>
+                <a:ea typeface="Calibri" panose="020F0502020204030204" pitchFamily="34" charset="0"/>
+                <a:cs typeface="Times New Roman" panose="02020603050405020304" pitchFamily="18" charset="0"/>
+              </a:rPr>
+              <a:t>https://www.tutorialspoint.com</a:t>
+            </a:r>
+          </a:p>
+        </p:txBody>
+      </p:sp>
+    </p:spTree>
+    <p:extLst>
+      <p:ext uri="{BB962C8B-B14F-4D97-AF65-F5344CB8AC3E}">
+        <p14:creationId xmlns:p14="http://schemas.microsoft.com/office/powerpoint/2010/main" val="3509762807"/>
+      </p:ext>
+    </p:extLst>
+  </p:cSld>
+  <p:clrMapOvr>
+    <a:masterClrMapping/>
+  </p:clrMapOvr>
+</p:sld>
+</file>
+
 <file path=ppt/slides/slide2.xml><?xml version="1.0" encoding="utf-8"?>
 <p:sld xmlns:a="http://schemas.openxmlformats.org/drawingml/2006/main" xmlns:r="http://schemas.openxmlformats.org/officeDocument/2006/relationships" xmlns:p="http://schemas.openxmlformats.org/presentationml/2006/main">
   <p:cSld>

--- a/HW#1_Nhom - KDL/Cường/PowerPoint Presentation.pptx
+++ b/HW#1_Nhom - KDL/Cường/PowerPoint Presentation.pptx
@@ -4305,7 +4305,7 @@
               <a:t> </a:t>
             </a:r>
             <a:r>
-              <a:rPr lang="vi-VN" sz="3200" dirty="0" err="1">
+              <a:rPr lang="vi-VN" sz="3200" err="1">
                 <a:solidFill>
                   <a:srgbClr val="E4E6EB"/>
                 </a:solidFill>
@@ -4313,12 +4313,12 @@
               <a:t>số</a:t>
             </a:r>
             <a:r>
-              <a:rPr lang="vi-VN" sz="3200" dirty="0">
+              <a:rPr lang="vi-VN" sz="3200">
                 <a:solidFill>
                   <a:srgbClr val="E4E6EB"/>
                 </a:solidFill>
               </a:rPr>
-              <a:t> thanh </a:t>
+              <a:t> thành </a:t>
             </a:r>
             <a:r>
               <a:rPr lang="vi-VN" sz="3200" dirty="0" err="1">
@@ -7843,7 +7843,29 @@
                 <a:ea typeface="Calibri" panose="020F0502020204030204" pitchFamily="34" charset="0"/>
                 <a:cs typeface="Times New Roman" panose="02020603050405020304" pitchFamily="18" charset="0"/>
               </a:rPr>
-              <a:t> thô thanh thông tin </a:t>
+              <a:t> thô </a:t>
+            </a:r>
+            <a:r>
+              <a:rPr lang="vi-VN" sz="2800" dirty="0" err="1">
+                <a:solidFill>
+                  <a:srgbClr val="202124"/>
+                </a:solidFill>
+                <a:effectLst/>
+                <a:ea typeface="Calibri" panose="020F0502020204030204" pitchFamily="34" charset="0"/>
+                <a:cs typeface="Times New Roman" panose="02020603050405020304" pitchFamily="18" charset="0"/>
+              </a:rPr>
+              <a:t>thành</a:t>
+            </a:r>
+            <a:r>
+              <a:rPr lang="vi-VN" sz="2800" dirty="0">
+                <a:solidFill>
+                  <a:srgbClr val="202124"/>
+                </a:solidFill>
+                <a:effectLst/>
+                <a:ea typeface="Calibri" panose="020F0502020204030204" pitchFamily="34" charset="0"/>
+                <a:cs typeface="Times New Roman" panose="02020603050405020304" pitchFamily="18" charset="0"/>
+              </a:rPr>
+              <a:t> thông tin </a:t>
             </a:r>
             <a:r>
               <a:rPr lang="vi-VN" sz="2800" dirty="0" err="1">
@@ -16804,7 +16826,23 @@
                   <a:srgbClr val="E4E6EB"/>
                 </a:solidFill>
               </a:rPr>
-              <a:t> thanh </a:t>
+              <a:t> </a:t>
+            </a:r>
+            <a:r>
+              <a:rPr lang="vi-VN" sz="3200" dirty="0" err="1">
+                <a:solidFill>
+                  <a:srgbClr val="E4E6EB"/>
+                </a:solidFill>
+              </a:rPr>
+              <a:t>thành</a:t>
+            </a:r>
+            <a:r>
+              <a:rPr lang="vi-VN" sz="3200" dirty="0">
+                <a:solidFill>
+                  <a:srgbClr val="E4E6EB"/>
+                </a:solidFill>
+              </a:rPr>
+              <a:t> </a:t>
             </a:r>
             <a:r>
               <a:rPr lang="vi-VN" sz="3200" dirty="0" err="1">
